--- a/Lectures/Lecture 1.pptx
+++ b/Lectures/Lecture 1.pptx
@@ -13,8 +13,8 @@
     <p:sldId id="276" r:id="rId4"/>
     <p:sldId id="298" r:id="rId5"/>
     <p:sldId id="285" r:id="rId6"/>
-    <p:sldId id="257" r:id="rId7"/>
-    <p:sldId id="258" r:id="rId8"/>
+    <p:sldId id="258" r:id="rId7"/>
+    <p:sldId id="257" r:id="rId8"/>
     <p:sldId id="259" r:id="rId9"/>
     <p:sldId id="287" r:id="rId10"/>
     <p:sldId id="288" r:id="rId11"/>
@@ -13281,8 +13281,8 @@
           </p:sp>
         </mc:Fallback>
       </mc:AlternateContent>
-      <mc:AlternateContent xmlns:mc="http://schemas.openxmlformats.org/markup-compatibility/2006" xmlns:a14="http://schemas.microsoft.com/office/drawing/2010/main">
-        <mc:Choice Requires="a14">
+      <mc:AlternateContent xmlns:mc="http://schemas.openxmlformats.org/markup-compatibility/2006">
+        <mc:Choice xmlns:a14="http://schemas.microsoft.com/office/drawing/2010/main" Requires="a14">
           <p:sp>
             <p:nvSpPr>
               <p:cNvPr id="5" name="TextBox 4">
@@ -13297,7 +13297,7 @@
             </p:nvSpPr>
             <p:spPr>
               <a:xfrm>
-                <a:off x="571500" y="4505325"/>
+                <a:off x="571500" y="4581525"/>
                 <a:ext cx="4641851" cy="900375"/>
               </a:xfrm>
               <a:prstGeom prst="rect">
@@ -13369,7 +13369,7 @@
             </p:txBody>
           </p:sp>
         </mc:Choice>
-        <mc:Fallback xmlns="">
+        <mc:Fallback>
           <p:sp>
             <p:nvSpPr>
               <p:cNvPr id="5" name="TextBox 4">
@@ -13386,7 +13386,7 @@
             </p:nvSpPr>
             <p:spPr>
               <a:xfrm>
-                <a:off x="571500" y="4505325"/>
+                <a:off x="571500" y="4581525"/>
                 <a:ext cx="4641851" cy="900375"/>
               </a:xfrm>
               <a:prstGeom prst="rect">
@@ -13946,8 +13946,8 @@
           </p:sp>
         </mc:Fallback>
       </mc:AlternateContent>
-      <mc:AlternateContent xmlns:mc="http://schemas.openxmlformats.org/markup-compatibility/2006" xmlns:a14="http://schemas.microsoft.com/office/drawing/2010/main">
-        <mc:Choice Requires="a14">
+      <mc:AlternateContent xmlns:mc="http://schemas.openxmlformats.org/markup-compatibility/2006">
+        <mc:Choice xmlns:a14="http://schemas.microsoft.com/office/drawing/2010/main" Requires="a14">
           <p:sp>
             <p:nvSpPr>
               <p:cNvPr id="12" name="TextBox 11">
@@ -13962,7 +13962,7 @@
             </p:nvSpPr>
             <p:spPr>
               <a:xfrm>
-                <a:off x="571500" y="4505325"/>
+                <a:off x="571500" y="4580007"/>
                 <a:ext cx="4641851" cy="900375"/>
               </a:xfrm>
               <a:prstGeom prst="rect">
@@ -14034,7 +14034,7 @@
             </p:txBody>
           </p:sp>
         </mc:Choice>
-        <mc:Fallback xmlns="">
+        <mc:Fallback>
           <p:sp>
             <p:nvSpPr>
               <p:cNvPr id="12" name="TextBox 11">
@@ -14051,7 +14051,7 @@
             </p:nvSpPr>
             <p:spPr>
               <a:xfrm>
-                <a:off x="571500" y="4505325"/>
+                <a:off x="571500" y="4580007"/>
                 <a:ext cx="4641851" cy="900375"/>
               </a:xfrm>
               <a:prstGeom prst="rect">
@@ -27853,8 +27853,8 @@
           </a:p>
         </p:txBody>
       </p:sp>
-      <mc:AlternateContent xmlns:mc="http://schemas.openxmlformats.org/markup-compatibility/2006" xmlns:a14="http://schemas.microsoft.com/office/drawing/2010/main">
-        <mc:Choice Requires="a14">
+      <mc:AlternateContent xmlns:mc="http://schemas.openxmlformats.org/markup-compatibility/2006">
+        <mc:Choice xmlns:a14="http://schemas.microsoft.com/office/drawing/2010/main" Requires="a14">
           <p:graphicFrame>
             <p:nvGraphicFramePr>
               <p:cNvPr id="4" name="Content Placeholder 3"/>
@@ -27865,14 +27865,14 @@
                 <p:ph idx="1"/>
                 <p:extLst>
                   <p:ext uri="{D42A27DB-BD31-4B8C-83A1-F6EECF244321}">
-                    <p14:modId xmlns:p14="http://schemas.microsoft.com/office/powerpoint/2010/main" val="118113994"/>
+                    <p14:modId xmlns:p14="http://schemas.microsoft.com/office/powerpoint/2010/main" val="191417988"/>
                   </p:ext>
                 </p:extLst>
               </p:nvPr>
             </p:nvGraphicFramePr>
             <p:xfrm>
               <a:off x="838200" y="1690688"/>
-              <a:ext cx="10515600" cy="3109915"/>
+              <a:ext cx="10515600" cy="2105343"/>
             </p:xfrm>
             <a:graphic>
               <a:graphicData uri="http://schemas.openxmlformats.org/drawingml/2006/table">
@@ -28375,165 +28375,11 @@
                         <a:bodyPr/>
                         <a:lstStyle/>
                         <a:p>
-                          <a:pPr/>
-                          <a14:m>
-                            <m:oMathPara xmlns:m="http://schemas.openxmlformats.org/officeDocument/2006/math">
-                              <m:oMathParaPr>
-                                <m:jc m:val="centerGroup"/>
-                              </m:oMathParaPr>
-                              <m:oMath xmlns:m="http://schemas.openxmlformats.org/officeDocument/2006/math">
-                                <m:f>
-                                  <m:fPr>
-                                    <m:ctrlPr>
-                                      <a:rPr kumimoji="0" lang="en-US" sz="1800" b="0" i="1" u="none" strike="noStrike" kern="1200" cap="none" spc="0" normalizeH="0" baseline="0" noProof="0" smtClean="0">
-                                        <a:ln>
-                                          <a:noFill/>
-                                        </a:ln>
-                                        <a:solidFill>
-                                          <a:prstClr val="black"/>
-                                        </a:solidFill>
-                                        <a:effectLst/>
-                                        <a:uLnTx/>
-                                        <a:uFillTx/>
-                                        <a:latin typeface="Cambria Math" panose="02040503050406030204" pitchFamily="18" charset="0"/>
-                                        <a:ea typeface="+mn-ea"/>
-                                        <a:cs typeface="+mn-cs"/>
-                                      </a:rPr>
-                                    </m:ctrlPr>
-                                  </m:fPr>
-                                  <m:num>
-                                    <m:d>
-                                      <m:dPr>
-                                        <m:ctrlPr>
-                                          <a:rPr kumimoji="0" lang="en-US" sz="1800" b="0" i="1" u="none" strike="noStrike" kern="1200" cap="none" spc="0" normalizeH="0" baseline="0" noProof="0" smtClean="0">
-                                            <a:ln>
-                                              <a:noFill/>
-                                            </a:ln>
-                                            <a:solidFill>
-                                              <a:prstClr val="black"/>
-                                            </a:solidFill>
-                                            <a:effectLst/>
-                                            <a:uLnTx/>
-                                            <a:uFillTx/>
-                                            <a:latin typeface="Cambria Math" panose="02040503050406030204" pitchFamily="18" charset="0"/>
-                                            <a:ea typeface="+mn-ea"/>
-                                            <a:cs typeface="+mn-cs"/>
-                                          </a:rPr>
-                                        </m:ctrlPr>
-                                      </m:dPr>
-                                      <m:e>
-                                        <m:r>
-                                          <a:rPr kumimoji="0" lang="en-US" sz="1800" b="0" i="1" u="none" strike="noStrike" kern="1200" cap="none" spc="0" normalizeH="0" baseline="0" noProof="0" smtClean="0">
-                                            <a:ln>
-                                              <a:noFill/>
-                                            </a:ln>
-                                            <a:solidFill>
-                                              <a:prstClr val="black"/>
-                                            </a:solidFill>
-                                            <a:effectLst/>
-                                            <a:uLnTx/>
-                                            <a:uFillTx/>
-                                            <a:latin typeface="Cambria Math" panose="02040503050406030204" pitchFamily="18" charset="0"/>
-                                            <a:ea typeface="+mn-ea"/>
-                                            <a:cs typeface="+mn-cs"/>
-                                          </a:rPr>
-                                          <m:t>𝑛</m:t>
-                                        </m:r>
-                                        <m:r>
-                                          <a:rPr kumimoji="0" lang="en-US" sz="1800" b="0" i="1" u="none" strike="noStrike" kern="1200" cap="none" spc="0" normalizeH="0" baseline="0" noProof="0" smtClean="0">
-                                            <a:ln>
-                                              <a:noFill/>
-                                            </a:ln>
-                                            <a:solidFill>
-                                              <a:prstClr val="black"/>
-                                            </a:solidFill>
-                                            <a:effectLst/>
-                                            <a:uLnTx/>
-                                            <a:uFillTx/>
-                                            <a:latin typeface="Cambria Math" panose="02040503050406030204" pitchFamily="18" charset="0"/>
-                                            <a:ea typeface="+mn-ea"/>
-                                            <a:cs typeface="+mn-cs"/>
-                                          </a:rPr>
-                                          <m:t>−1</m:t>
-                                        </m:r>
-                                      </m:e>
-                                    </m:d>
-                                    <m:r>
-                                      <a:rPr kumimoji="0" lang="en-US" sz="1800" b="0" i="1" u="none" strike="noStrike" kern="1200" cap="none" spc="0" normalizeH="0" baseline="0" noProof="0" smtClean="0">
-                                        <a:ln>
-                                          <a:noFill/>
-                                        </a:ln>
-                                        <a:solidFill>
-                                          <a:prstClr val="black"/>
-                                        </a:solidFill>
-                                        <a:effectLst/>
-                                        <a:uLnTx/>
-                                        <a:uFillTx/>
-                                        <a:latin typeface="Cambria Math" panose="02040503050406030204" pitchFamily="18" charset="0"/>
-                                        <a:ea typeface="+mn-ea"/>
-                                        <a:cs typeface="+mn-cs"/>
-                                      </a:rPr>
-                                      <m:t>(</m:t>
-                                    </m:r>
-                                    <m:r>
-                                      <a:rPr kumimoji="0" lang="en-US" sz="1800" b="0" i="1" u="none" strike="noStrike" kern="1200" cap="none" spc="0" normalizeH="0" baseline="0" noProof="0" smtClean="0">
-                                        <a:ln>
-                                          <a:noFill/>
-                                        </a:ln>
-                                        <a:solidFill>
-                                          <a:prstClr val="black"/>
-                                        </a:solidFill>
-                                        <a:effectLst/>
-                                        <a:uLnTx/>
-                                        <a:uFillTx/>
-                                        <a:latin typeface="Cambria Math" panose="02040503050406030204" pitchFamily="18" charset="0"/>
-                                        <a:ea typeface="+mn-ea"/>
-                                        <a:cs typeface="+mn-cs"/>
-                                      </a:rPr>
-                                      <m:t>𝑛</m:t>
-                                    </m:r>
-                                    <m:r>
-                                      <a:rPr kumimoji="0" lang="en-US" sz="1800" b="0" i="1" u="none" strike="noStrike" kern="1200" cap="none" spc="0" normalizeH="0" baseline="0" noProof="0" smtClean="0">
-                                        <a:ln>
-                                          <a:noFill/>
-                                        </a:ln>
-                                        <a:solidFill>
-                                          <a:prstClr val="black"/>
-                                        </a:solidFill>
-                                        <a:effectLst/>
-                                        <a:uLnTx/>
-                                        <a:uFillTx/>
-                                        <a:latin typeface="Cambria Math" panose="02040503050406030204" pitchFamily="18" charset="0"/>
-                                        <a:ea typeface="+mn-ea"/>
-                                        <a:cs typeface="+mn-cs"/>
-                                      </a:rPr>
-                                      <m:t>)</m:t>
-                                    </m:r>
-                                  </m:num>
-                                  <m:den>
-                                    <m:r>
-                                      <a:rPr kumimoji="0" lang="en-US" sz="1800" b="0" i="1" u="none" strike="noStrike" kern="1200" cap="none" spc="0" normalizeH="0" baseline="0" noProof="0" smtClean="0">
-                                        <a:ln>
-                                          <a:noFill/>
-                                        </a:ln>
-                                        <a:solidFill>
-                                          <a:prstClr val="black"/>
-                                        </a:solidFill>
-                                        <a:effectLst/>
-                                        <a:uLnTx/>
-                                        <a:uFillTx/>
-                                        <a:latin typeface="Cambria Math" panose="02040503050406030204" pitchFamily="18" charset="0"/>
-                                        <a:ea typeface="+mn-ea"/>
-                                        <a:cs typeface="+mn-cs"/>
-                                      </a:rPr>
-                                      <m:t>2</m:t>
-                                    </m:r>
-                                  </m:den>
-                                </m:f>
-                              </m:oMath>
-                            </m:oMathPara>
-                          </a14:m>
-                          <a:endParaRPr lang="en-US" dirty="0"/>
+                          <a:pPr algn="l"/>
+                          <a:r>
+                            <a:rPr lang="en-US" dirty="0"/>
+                            <a:t>45</a:t>
+                          </a:r>
                         </a:p>
                       </a:txBody>
                       <a:tcPr/>
@@ -28602,165 +28448,11 @@
                         <a:bodyPr/>
                         <a:lstStyle/>
                         <a:p>
-                          <a:pPr/>
-                          <a14:m>
-                            <m:oMathPara xmlns:m="http://schemas.openxmlformats.org/officeDocument/2006/math">
-                              <m:oMathParaPr>
-                                <m:jc m:val="centerGroup"/>
-                              </m:oMathParaPr>
-                              <m:oMath xmlns:m="http://schemas.openxmlformats.org/officeDocument/2006/math">
-                                <m:f>
-                                  <m:fPr>
-                                    <m:ctrlPr>
-                                      <a:rPr kumimoji="0" lang="en-US" sz="1800" b="0" i="1" u="none" strike="noStrike" kern="1200" cap="none" spc="0" normalizeH="0" baseline="0" noProof="0" smtClean="0">
-                                        <a:ln>
-                                          <a:noFill/>
-                                        </a:ln>
-                                        <a:solidFill>
-                                          <a:prstClr val="black"/>
-                                        </a:solidFill>
-                                        <a:effectLst/>
-                                        <a:uLnTx/>
-                                        <a:uFillTx/>
-                                        <a:latin typeface="Cambria Math" panose="02040503050406030204" pitchFamily="18" charset="0"/>
-                                        <a:ea typeface="+mn-ea"/>
-                                        <a:cs typeface="+mn-cs"/>
-                                      </a:rPr>
-                                    </m:ctrlPr>
-                                  </m:fPr>
-                                  <m:num>
-                                    <m:d>
-                                      <m:dPr>
-                                        <m:ctrlPr>
-                                          <a:rPr kumimoji="0" lang="en-US" sz="1800" b="0" i="1" u="none" strike="noStrike" kern="1200" cap="none" spc="0" normalizeH="0" baseline="0" noProof="0" smtClean="0">
-                                            <a:ln>
-                                              <a:noFill/>
-                                            </a:ln>
-                                            <a:solidFill>
-                                              <a:prstClr val="black"/>
-                                            </a:solidFill>
-                                            <a:effectLst/>
-                                            <a:uLnTx/>
-                                            <a:uFillTx/>
-                                            <a:latin typeface="Cambria Math" panose="02040503050406030204" pitchFamily="18" charset="0"/>
-                                            <a:ea typeface="+mn-ea"/>
-                                            <a:cs typeface="+mn-cs"/>
-                                          </a:rPr>
-                                        </m:ctrlPr>
-                                      </m:dPr>
-                                      <m:e>
-                                        <m:r>
-                                          <a:rPr kumimoji="0" lang="en-US" sz="1800" b="0" i="1" u="none" strike="noStrike" kern="1200" cap="none" spc="0" normalizeH="0" baseline="0" noProof="0" smtClean="0">
-                                            <a:ln>
-                                              <a:noFill/>
-                                            </a:ln>
-                                            <a:solidFill>
-                                              <a:prstClr val="black"/>
-                                            </a:solidFill>
-                                            <a:effectLst/>
-                                            <a:uLnTx/>
-                                            <a:uFillTx/>
-                                            <a:latin typeface="Cambria Math" panose="02040503050406030204" pitchFamily="18" charset="0"/>
-                                            <a:ea typeface="+mn-ea"/>
-                                            <a:cs typeface="+mn-cs"/>
-                                          </a:rPr>
-                                          <m:t>𝑛</m:t>
-                                        </m:r>
-                                        <m:r>
-                                          <a:rPr kumimoji="0" lang="en-US" sz="1800" b="0" i="1" u="none" strike="noStrike" kern="1200" cap="none" spc="0" normalizeH="0" baseline="0" noProof="0" smtClean="0">
-                                            <a:ln>
-                                              <a:noFill/>
-                                            </a:ln>
-                                            <a:solidFill>
-                                              <a:prstClr val="black"/>
-                                            </a:solidFill>
-                                            <a:effectLst/>
-                                            <a:uLnTx/>
-                                            <a:uFillTx/>
-                                            <a:latin typeface="Cambria Math" panose="02040503050406030204" pitchFamily="18" charset="0"/>
-                                            <a:ea typeface="+mn-ea"/>
-                                            <a:cs typeface="+mn-cs"/>
-                                          </a:rPr>
-                                          <m:t>−1</m:t>
-                                        </m:r>
-                                      </m:e>
-                                    </m:d>
-                                    <m:r>
-                                      <a:rPr kumimoji="0" lang="en-US" sz="1800" b="0" i="1" u="none" strike="noStrike" kern="1200" cap="none" spc="0" normalizeH="0" baseline="0" noProof="0" smtClean="0">
-                                        <a:ln>
-                                          <a:noFill/>
-                                        </a:ln>
-                                        <a:solidFill>
-                                          <a:prstClr val="black"/>
-                                        </a:solidFill>
-                                        <a:effectLst/>
-                                        <a:uLnTx/>
-                                        <a:uFillTx/>
-                                        <a:latin typeface="Cambria Math" panose="02040503050406030204" pitchFamily="18" charset="0"/>
-                                        <a:ea typeface="+mn-ea"/>
-                                        <a:cs typeface="+mn-cs"/>
-                                      </a:rPr>
-                                      <m:t>(</m:t>
-                                    </m:r>
-                                    <m:r>
-                                      <a:rPr kumimoji="0" lang="en-US" sz="1800" b="0" i="1" u="none" strike="noStrike" kern="1200" cap="none" spc="0" normalizeH="0" baseline="0" noProof="0" smtClean="0">
-                                        <a:ln>
-                                          <a:noFill/>
-                                        </a:ln>
-                                        <a:solidFill>
-                                          <a:prstClr val="black"/>
-                                        </a:solidFill>
-                                        <a:effectLst/>
-                                        <a:uLnTx/>
-                                        <a:uFillTx/>
-                                        <a:latin typeface="Cambria Math" panose="02040503050406030204" pitchFamily="18" charset="0"/>
-                                        <a:ea typeface="+mn-ea"/>
-                                        <a:cs typeface="+mn-cs"/>
-                                      </a:rPr>
-                                      <m:t>𝑛</m:t>
-                                    </m:r>
-                                    <m:r>
-                                      <a:rPr kumimoji="0" lang="en-US" sz="1800" b="0" i="1" u="none" strike="noStrike" kern="1200" cap="none" spc="0" normalizeH="0" baseline="0" noProof="0" smtClean="0">
-                                        <a:ln>
-                                          <a:noFill/>
-                                        </a:ln>
-                                        <a:solidFill>
-                                          <a:prstClr val="black"/>
-                                        </a:solidFill>
-                                        <a:effectLst/>
-                                        <a:uLnTx/>
-                                        <a:uFillTx/>
-                                        <a:latin typeface="Cambria Math" panose="02040503050406030204" pitchFamily="18" charset="0"/>
-                                        <a:ea typeface="+mn-ea"/>
-                                        <a:cs typeface="+mn-cs"/>
-                                      </a:rPr>
-                                      <m:t>)</m:t>
-                                    </m:r>
-                                  </m:num>
-                                  <m:den>
-                                    <m:r>
-                                      <a:rPr kumimoji="0" lang="en-US" sz="1800" b="0" i="1" u="none" strike="noStrike" kern="1200" cap="none" spc="0" normalizeH="0" baseline="0" noProof="0" smtClean="0">
-                                        <a:ln>
-                                          <a:noFill/>
-                                        </a:ln>
-                                        <a:solidFill>
-                                          <a:prstClr val="black"/>
-                                        </a:solidFill>
-                                        <a:effectLst/>
-                                        <a:uLnTx/>
-                                        <a:uFillTx/>
-                                        <a:latin typeface="Cambria Math" panose="02040503050406030204" pitchFamily="18" charset="0"/>
-                                        <a:ea typeface="+mn-ea"/>
-                                        <a:cs typeface="+mn-cs"/>
-                                      </a:rPr>
-                                      <m:t>2</m:t>
-                                    </m:r>
-                                  </m:den>
-                                </m:f>
-                              </m:oMath>
-                            </m:oMathPara>
-                          </a14:m>
-                          <a:endParaRPr lang="en-US" dirty="0"/>
+                          <a:pPr algn="l"/>
+                          <a:r>
+                            <a:rPr lang="en-US" dirty="0"/>
+                            <a:t>499,500</a:t>
+                          </a:r>
                         </a:p>
                       </a:txBody>
                       <a:tcPr/>
@@ -28829,165 +28521,11 @@
                         <a:bodyPr/>
                         <a:lstStyle/>
                         <a:p>
-                          <a:pPr/>
-                          <a14:m>
-                            <m:oMathPara xmlns:m="http://schemas.openxmlformats.org/officeDocument/2006/math">
-                              <m:oMathParaPr>
-                                <m:jc m:val="centerGroup"/>
-                              </m:oMathParaPr>
-                              <m:oMath xmlns:m="http://schemas.openxmlformats.org/officeDocument/2006/math">
-                                <m:f>
-                                  <m:fPr>
-                                    <m:ctrlPr>
-                                      <a:rPr kumimoji="0" lang="en-US" sz="1800" b="0" i="1" u="none" strike="noStrike" kern="1200" cap="none" spc="0" normalizeH="0" baseline="0" noProof="0" smtClean="0">
-                                        <a:ln>
-                                          <a:noFill/>
-                                        </a:ln>
-                                        <a:solidFill>
-                                          <a:prstClr val="black"/>
-                                        </a:solidFill>
-                                        <a:effectLst/>
-                                        <a:uLnTx/>
-                                        <a:uFillTx/>
-                                        <a:latin typeface="Cambria Math" panose="02040503050406030204" pitchFamily="18" charset="0"/>
-                                        <a:ea typeface="+mn-ea"/>
-                                        <a:cs typeface="+mn-cs"/>
-                                      </a:rPr>
-                                    </m:ctrlPr>
-                                  </m:fPr>
-                                  <m:num>
-                                    <m:d>
-                                      <m:dPr>
-                                        <m:ctrlPr>
-                                          <a:rPr kumimoji="0" lang="en-US" sz="1800" b="0" i="1" u="none" strike="noStrike" kern="1200" cap="none" spc="0" normalizeH="0" baseline="0" noProof="0" smtClean="0">
-                                            <a:ln>
-                                              <a:noFill/>
-                                            </a:ln>
-                                            <a:solidFill>
-                                              <a:prstClr val="black"/>
-                                            </a:solidFill>
-                                            <a:effectLst/>
-                                            <a:uLnTx/>
-                                            <a:uFillTx/>
-                                            <a:latin typeface="Cambria Math" panose="02040503050406030204" pitchFamily="18" charset="0"/>
-                                            <a:ea typeface="+mn-ea"/>
-                                            <a:cs typeface="+mn-cs"/>
-                                          </a:rPr>
-                                        </m:ctrlPr>
-                                      </m:dPr>
-                                      <m:e>
-                                        <m:r>
-                                          <a:rPr kumimoji="0" lang="en-US" sz="1800" b="0" i="1" u="none" strike="noStrike" kern="1200" cap="none" spc="0" normalizeH="0" baseline="0" noProof="0" smtClean="0">
-                                            <a:ln>
-                                              <a:noFill/>
-                                            </a:ln>
-                                            <a:solidFill>
-                                              <a:prstClr val="black"/>
-                                            </a:solidFill>
-                                            <a:effectLst/>
-                                            <a:uLnTx/>
-                                            <a:uFillTx/>
-                                            <a:latin typeface="Cambria Math" panose="02040503050406030204" pitchFamily="18" charset="0"/>
-                                            <a:ea typeface="+mn-ea"/>
-                                            <a:cs typeface="+mn-cs"/>
-                                          </a:rPr>
-                                          <m:t>𝑛</m:t>
-                                        </m:r>
-                                        <m:r>
-                                          <a:rPr kumimoji="0" lang="en-US" sz="1800" b="0" i="1" u="none" strike="noStrike" kern="1200" cap="none" spc="0" normalizeH="0" baseline="0" noProof="0" smtClean="0">
-                                            <a:ln>
-                                              <a:noFill/>
-                                            </a:ln>
-                                            <a:solidFill>
-                                              <a:prstClr val="black"/>
-                                            </a:solidFill>
-                                            <a:effectLst/>
-                                            <a:uLnTx/>
-                                            <a:uFillTx/>
-                                            <a:latin typeface="Cambria Math" panose="02040503050406030204" pitchFamily="18" charset="0"/>
-                                            <a:ea typeface="+mn-ea"/>
-                                            <a:cs typeface="+mn-cs"/>
-                                          </a:rPr>
-                                          <m:t>−1</m:t>
-                                        </m:r>
-                                      </m:e>
-                                    </m:d>
-                                    <m:r>
-                                      <a:rPr kumimoji="0" lang="en-US" sz="1800" b="0" i="1" u="none" strike="noStrike" kern="1200" cap="none" spc="0" normalizeH="0" baseline="0" noProof="0" smtClean="0">
-                                        <a:ln>
-                                          <a:noFill/>
-                                        </a:ln>
-                                        <a:solidFill>
-                                          <a:prstClr val="black"/>
-                                        </a:solidFill>
-                                        <a:effectLst/>
-                                        <a:uLnTx/>
-                                        <a:uFillTx/>
-                                        <a:latin typeface="Cambria Math" panose="02040503050406030204" pitchFamily="18" charset="0"/>
-                                        <a:ea typeface="+mn-ea"/>
-                                        <a:cs typeface="+mn-cs"/>
-                                      </a:rPr>
-                                      <m:t>(</m:t>
-                                    </m:r>
-                                    <m:r>
-                                      <a:rPr kumimoji="0" lang="en-US" sz="1800" b="0" i="1" u="none" strike="noStrike" kern="1200" cap="none" spc="0" normalizeH="0" baseline="0" noProof="0" smtClean="0">
-                                        <a:ln>
-                                          <a:noFill/>
-                                        </a:ln>
-                                        <a:solidFill>
-                                          <a:prstClr val="black"/>
-                                        </a:solidFill>
-                                        <a:effectLst/>
-                                        <a:uLnTx/>
-                                        <a:uFillTx/>
-                                        <a:latin typeface="Cambria Math" panose="02040503050406030204" pitchFamily="18" charset="0"/>
-                                        <a:ea typeface="+mn-ea"/>
-                                        <a:cs typeface="+mn-cs"/>
-                                      </a:rPr>
-                                      <m:t>𝑛</m:t>
-                                    </m:r>
-                                    <m:r>
-                                      <a:rPr kumimoji="0" lang="en-US" sz="1800" b="0" i="1" u="none" strike="noStrike" kern="1200" cap="none" spc="0" normalizeH="0" baseline="0" noProof="0" smtClean="0">
-                                        <a:ln>
-                                          <a:noFill/>
-                                        </a:ln>
-                                        <a:solidFill>
-                                          <a:prstClr val="black"/>
-                                        </a:solidFill>
-                                        <a:effectLst/>
-                                        <a:uLnTx/>
-                                        <a:uFillTx/>
-                                        <a:latin typeface="Cambria Math" panose="02040503050406030204" pitchFamily="18" charset="0"/>
-                                        <a:ea typeface="+mn-ea"/>
-                                        <a:cs typeface="+mn-cs"/>
-                                      </a:rPr>
-                                      <m:t>)</m:t>
-                                    </m:r>
-                                  </m:num>
-                                  <m:den>
-                                    <m:r>
-                                      <a:rPr kumimoji="0" lang="en-US" sz="1800" b="0" i="1" u="none" strike="noStrike" kern="1200" cap="none" spc="0" normalizeH="0" baseline="0" noProof="0" smtClean="0">
-                                        <a:ln>
-                                          <a:noFill/>
-                                        </a:ln>
-                                        <a:solidFill>
-                                          <a:prstClr val="black"/>
-                                        </a:solidFill>
-                                        <a:effectLst/>
-                                        <a:uLnTx/>
-                                        <a:uFillTx/>
-                                        <a:latin typeface="Cambria Math" panose="02040503050406030204" pitchFamily="18" charset="0"/>
-                                        <a:ea typeface="+mn-ea"/>
-                                        <a:cs typeface="+mn-cs"/>
-                                      </a:rPr>
-                                      <m:t>2</m:t>
-                                    </m:r>
-                                  </m:den>
-                                </m:f>
-                              </m:oMath>
-                            </m:oMathPara>
-                          </a14:m>
-                          <a:endParaRPr lang="en-US" dirty="0"/>
+                          <a:pPr algn="l"/>
+                          <a:r>
+                            <a:rPr lang="en-US" dirty="0"/>
+                            <a:t>49,995,000</a:t>
+                          </a:r>
                         </a:p>
                       </a:txBody>
                       <a:tcPr/>
@@ -29056,165 +28594,11 @@
                         <a:bodyPr/>
                         <a:lstStyle/>
                         <a:p>
-                          <a:pPr/>
-                          <a14:m>
-                            <m:oMathPara xmlns:m="http://schemas.openxmlformats.org/officeDocument/2006/math">
-                              <m:oMathParaPr>
-                                <m:jc m:val="centerGroup"/>
-                              </m:oMathParaPr>
-                              <m:oMath xmlns:m="http://schemas.openxmlformats.org/officeDocument/2006/math">
-                                <m:f>
-                                  <m:fPr>
-                                    <m:ctrlPr>
-                                      <a:rPr kumimoji="0" lang="en-US" sz="1800" b="0" i="1" u="none" strike="noStrike" kern="1200" cap="none" spc="0" normalizeH="0" baseline="0" noProof="0" smtClean="0">
-                                        <a:ln>
-                                          <a:noFill/>
-                                        </a:ln>
-                                        <a:solidFill>
-                                          <a:prstClr val="black"/>
-                                        </a:solidFill>
-                                        <a:effectLst/>
-                                        <a:uLnTx/>
-                                        <a:uFillTx/>
-                                        <a:latin typeface="Cambria Math" panose="02040503050406030204" pitchFamily="18" charset="0"/>
-                                        <a:ea typeface="+mn-ea"/>
-                                        <a:cs typeface="+mn-cs"/>
-                                      </a:rPr>
-                                    </m:ctrlPr>
-                                  </m:fPr>
-                                  <m:num>
-                                    <m:d>
-                                      <m:dPr>
-                                        <m:ctrlPr>
-                                          <a:rPr kumimoji="0" lang="en-US" sz="1800" b="0" i="1" u="none" strike="noStrike" kern="1200" cap="none" spc="0" normalizeH="0" baseline="0" noProof="0" smtClean="0">
-                                            <a:ln>
-                                              <a:noFill/>
-                                            </a:ln>
-                                            <a:solidFill>
-                                              <a:prstClr val="black"/>
-                                            </a:solidFill>
-                                            <a:effectLst/>
-                                            <a:uLnTx/>
-                                            <a:uFillTx/>
-                                            <a:latin typeface="Cambria Math" panose="02040503050406030204" pitchFamily="18" charset="0"/>
-                                            <a:ea typeface="+mn-ea"/>
-                                            <a:cs typeface="+mn-cs"/>
-                                          </a:rPr>
-                                        </m:ctrlPr>
-                                      </m:dPr>
-                                      <m:e>
-                                        <m:r>
-                                          <a:rPr kumimoji="0" lang="en-US" sz="1800" b="0" i="1" u="none" strike="noStrike" kern="1200" cap="none" spc="0" normalizeH="0" baseline="0" noProof="0" smtClean="0">
-                                            <a:ln>
-                                              <a:noFill/>
-                                            </a:ln>
-                                            <a:solidFill>
-                                              <a:prstClr val="black"/>
-                                            </a:solidFill>
-                                            <a:effectLst/>
-                                            <a:uLnTx/>
-                                            <a:uFillTx/>
-                                            <a:latin typeface="Cambria Math" panose="02040503050406030204" pitchFamily="18" charset="0"/>
-                                            <a:ea typeface="+mn-ea"/>
-                                            <a:cs typeface="+mn-cs"/>
-                                          </a:rPr>
-                                          <m:t>𝑛</m:t>
-                                        </m:r>
-                                        <m:r>
-                                          <a:rPr kumimoji="0" lang="en-US" sz="1800" b="0" i="1" u="none" strike="noStrike" kern="1200" cap="none" spc="0" normalizeH="0" baseline="0" noProof="0" smtClean="0">
-                                            <a:ln>
-                                              <a:noFill/>
-                                            </a:ln>
-                                            <a:solidFill>
-                                              <a:prstClr val="black"/>
-                                            </a:solidFill>
-                                            <a:effectLst/>
-                                            <a:uLnTx/>
-                                            <a:uFillTx/>
-                                            <a:latin typeface="Cambria Math" panose="02040503050406030204" pitchFamily="18" charset="0"/>
-                                            <a:ea typeface="+mn-ea"/>
-                                            <a:cs typeface="+mn-cs"/>
-                                          </a:rPr>
-                                          <m:t>−1</m:t>
-                                        </m:r>
-                                      </m:e>
-                                    </m:d>
-                                    <m:r>
-                                      <a:rPr kumimoji="0" lang="en-US" sz="1800" b="0" i="1" u="none" strike="noStrike" kern="1200" cap="none" spc="0" normalizeH="0" baseline="0" noProof="0" smtClean="0">
-                                        <a:ln>
-                                          <a:noFill/>
-                                        </a:ln>
-                                        <a:solidFill>
-                                          <a:prstClr val="black"/>
-                                        </a:solidFill>
-                                        <a:effectLst/>
-                                        <a:uLnTx/>
-                                        <a:uFillTx/>
-                                        <a:latin typeface="Cambria Math" panose="02040503050406030204" pitchFamily="18" charset="0"/>
-                                        <a:ea typeface="+mn-ea"/>
-                                        <a:cs typeface="+mn-cs"/>
-                                      </a:rPr>
-                                      <m:t>(</m:t>
-                                    </m:r>
-                                    <m:r>
-                                      <a:rPr kumimoji="0" lang="en-US" sz="1800" b="0" i="1" u="none" strike="noStrike" kern="1200" cap="none" spc="0" normalizeH="0" baseline="0" noProof="0" smtClean="0">
-                                        <a:ln>
-                                          <a:noFill/>
-                                        </a:ln>
-                                        <a:solidFill>
-                                          <a:prstClr val="black"/>
-                                        </a:solidFill>
-                                        <a:effectLst/>
-                                        <a:uLnTx/>
-                                        <a:uFillTx/>
-                                        <a:latin typeface="Cambria Math" panose="02040503050406030204" pitchFamily="18" charset="0"/>
-                                        <a:ea typeface="+mn-ea"/>
-                                        <a:cs typeface="+mn-cs"/>
-                                      </a:rPr>
-                                      <m:t>𝑛</m:t>
-                                    </m:r>
-                                    <m:r>
-                                      <a:rPr kumimoji="0" lang="en-US" sz="1800" b="0" i="1" u="none" strike="noStrike" kern="1200" cap="none" spc="0" normalizeH="0" baseline="0" noProof="0" smtClean="0">
-                                        <a:ln>
-                                          <a:noFill/>
-                                        </a:ln>
-                                        <a:solidFill>
-                                          <a:prstClr val="black"/>
-                                        </a:solidFill>
-                                        <a:effectLst/>
-                                        <a:uLnTx/>
-                                        <a:uFillTx/>
-                                        <a:latin typeface="Cambria Math" panose="02040503050406030204" pitchFamily="18" charset="0"/>
-                                        <a:ea typeface="+mn-ea"/>
-                                        <a:cs typeface="+mn-cs"/>
-                                      </a:rPr>
-                                      <m:t>)</m:t>
-                                    </m:r>
-                                  </m:num>
-                                  <m:den>
-                                    <m:r>
-                                      <a:rPr kumimoji="0" lang="en-US" sz="1800" b="0" i="1" u="none" strike="noStrike" kern="1200" cap="none" spc="0" normalizeH="0" baseline="0" noProof="0" smtClean="0">
-                                        <a:ln>
-                                          <a:noFill/>
-                                        </a:ln>
-                                        <a:solidFill>
-                                          <a:prstClr val="black"/>
-                                        </a:solidFill>
-                                        <a:effectLst/>
-                                        <a:uLnTx/>
-                                        <a:uFillTx/>
-                                        <a:latin typeface="Cambria Math" panose="02040503050406030204" pitchFamily="18" charset="0"/>
-                                        <a:ea typeface="+mn-ea"/>
-                                        <a:cs typeface="+mn-cs"/>
-                                      </a:rPr>
-                                      <m:t>2</m:t>
-                                    </m:r>
-                                  </m:den>
-                                </m:f>
-                              </m:oMath>
-                            </m:oMathPara>
-                          </a14:m>
-                          <a:endParaRPr lang="en-US" dirty="0"/>
+                          <a:pPr algn="l"/>
+                          <a:r>
+                            <a:rPr lang="en-US" dirty="0"/>
+                            <a:t>4,999,950,000</a:t>
+                          </a:r>
                         </a:p>
                       </a:txBody>
                       <a:tcPr/>
@@ -29243,7 +28627,7 @@
             </a:graphic>
           </p:graphicFrame>
         </mc:Choice>
-        <mc:Fallback xmlns="">
+        <mc:Fallback>
           <p:graphicFrame>
             <p:nvGraphicFramePr>
               <p:cNvPr id="4" name="Content Placeholder 3"/>
@@ -29254,14 +28638,14 @@
                 <p:ph idx="1"/>
                 <p:extLst>
                   <p:ext uri="{D42A27DB-BD31-4B8C-83A1-F6EECF244321}">
-                    <p14:modId xmlns:p14="http://schemas.microsoft.com/office/powerpoint/2010/main" val="118113994"/>
+                    <p14:modId xmlns:p14="http://schemas.microsoft.com/office/powerpoint/2010/main" val="191417988"/>
                   </p:ext>
                 </p:extLst>
               </p:nvPr>
             </p:nvGraphicFramePr>
             <p:xfrm>
               <a:off x="838200" y="1690688"/>
-              <a:ext cx="10515600" cy="3109915"/>
+              <a:ext cx="10515600" cy="2105343"/>
             </p:xfrm>
             <a:graphic>
               <a:graphicData uri="http://schemas.openxmlformats.org/drawingml/2006/table">
@@ -29319,7 +28703,7 @@
                         <a:blipFill>
                           <a:blip r:embed="rId2"/>
                           <a:stretch>
-                            <a:fillRect l="-290" t="-69608" r="-401449" b="-402941"/>
+                            <a:fillRect l="-290" t="-69608" r="-401449" b="-253922"/>
                           </a:stretch>
                         </a:blipFill>
                       </a:tcPr>
@@ -29336,7 +28720,7 @@
                         <a:blipFill>
                           <a:blip r:embed="rId2"/>
                           <a:stretch>
-                            <a:fillRect l="-100290" t="-69608" r="-301449" b="-402941"/>
+                            <a:fillRect l="-100290" t="-69608" r="-301449" b="-253922"/>
                           </a:stretch>
                         </a:blipFill>
                       </a:tcPr>
@@ -29353,7 +28737,7 @@
                         <a:blipFill>
                           <a:blip r:embed="rId2"/>
                           <a:stretch>
-                            <a:fillRect l="-199711" t="-69608" r="-200578" b="-402941"/>
+                            <a:fillRect l="-199711" t="-69608" r="-200578" b="-253922"/>
                           </a:stretch>
                         </a:blipFill>
                       </a:tcPr>
@@ -29370,7 +28754,7 @@
                         <a:blipFill>
                           <a:blip r:embed="rId2"/>
                           <a:stretch>
-                            <a:fillRect l="-300580" t="-69608" r="-101159" b="-402941"/>
+                            <a:fillRect l="-300580" t="-69608" r="-101159" b="-253922"/>
                           </a:stretch>
                         </a:blipFill>
                       </a:tcPr>
@@ -29387,7 +28771,7 @@
                         <a:blipFill>
                           <a:blip r:embed="rId2"/>
                           <a:stretch>
-                            <a:fillRect l="-400580" t="-69608" r="-1159" b="-402941"/>
+                            <a:fillRect l="-400580" t="-69608" r="-1159" b="-253922"/>
                           </a:stretch>
                         </a:blipFill>
                       </a:tcPr>
@@ -29398,7 +28782,7 @@
                       </a:ext>
                     </a:extLst>
                   </a:tr>
-                  <a:tr h="621983">
+                  <a:tr h="370840">
                     <a:tc>
                       <a:txBody>
                         <a:bodyPr/>
@@ -29443,17 +28827,14 @@
                         <a:bodyPr/>
                         <a:lstStyle/>
                         <a:p>
-                          <a:endParaRPr lang="en-US"/>
+                          <a:pPr algn="l"/>
+                          <a:r>
+                            <a:rPr lang="en-US" dirty="0"/>
+                            <a:t>45</a:t>
+                          </a:r>
                         </a:p>
                       </a:txBody>
-                      <a:tcPr>
-                        <a:blipFill>
-                          <a:blip r:embed="rId2"/>
-                          <a:stretch>
-                            <a:fillRect l="-300580" t="-169608" r="-101159" b="-302941"/>
-                          </a:stretch>
-                        </a:blipFill>
-                      </a:tcPr>
+                      <a:tcPr/>
                     </a:tc>
                     <a:tc>
                       <a:txBody>
@@ -29474,7 +28855,7 @@
                       </a:ext>
                     </a:extLst>
                   </a:tr>
-                  <a:tr h="621983">
+                  <a:tr h="370840">
                     <a:tc>
                       <a:txBody>
                         <a:bodyPr/>
@@ -29519,17 +28900,14 @@
                         <a:bodyPr/>
                         <a:lstStyle/>
                         <a:p>
-                          <a:endParaRPr lang="en-US"/>
+                          <a:pPr algn="l"/>
+                          <a:r>
+                            <a:rPr lang="en-US" dirty="0"/>
+                            <a:t>499,500</a:t>
+                          </a:r>
                         </a:p>
                       </a:txBody>
-                      <a:tcPr>
-                        <a:blipFill>
-                          <a:blip r:embed="rId2"/>
-                          <a:stretch>
-                            <a:fillRect l="-300580" t="-266990" r="-101159" b="-200000"/>
-                          </a:stretch>
-                        </a:blipFill>
-                      </a:tcPr>
+                      <a:tcPr/>
                     </a:tc>
                     <a:tc>
                       <a:txBody>
@@ -29550,7 +28928,7 @@
                       </a:ext>
                     </a:extLst>
                   </a:tr>
-                  <a:tr h="621983">
+                  <a:tr h="370840">
                     <a:tc>
                       <a:txBody>
                         <a:bodyPr/>
@@ -29595,17 +28973,14 @@
                         <a:bodyPr/>
                         <a:lstStyle/>
                         <a:p>
-                          <a:endParaRPr lang="en-US"/>
+                          <a:pPr algn="l"/>
+                          <a:r>
+                            <a:rPr lang="en-US" dirty="0"/>
+                            <a:t>49,995,000</a:t>
+                          </a:r>
                         </a:p>
                       </a:txBody>
-                      <a:tcPr>
-                        <a:blipFill>
-                          <a:blip r:embed="rId2"/>
-                          <a:stretch>
-                            <a:fillRect l="-300580" t="-370588" r="-101159" b="-101961"/>
-                          </a:stretch>
-                        </a:blipFill>
-                      </a:tcPr>
+                      <a:tcPr/>
                     </a:tc>
                     <a:tc>
                       <a:txBody>
@@ -29626,7 +29001,7 @@
                       </a:ext>
                     </a:extLst>
                   </a:tr>
-                  <a:tr h="621983">
+                  <a:tr h="370840">
                     <a:tc>
                       <a:txBody>
                         <a:bodyPr/>
@@ -29671,17 +29046,14 @@
                         <a:bodyPr/>
                         <a:lstStyle/>
                         <a:p>
-                          <a:endParaRPr lang="en-US"/>
+                          <a:pPr algn="l"/>
+                          <a:r>
+                            <a:rPr lang="en-US" dirty="0"/>
+                            <a:t>4,999,950,000</a:t>
+                          </a:r>
                         </a:p>
                       </a:txBody>
-                      <a:tcPr>
-                        <a:blipFill>
-                          <a:blip r:embed="rId2"/>
-                          <a:stretch>
-                            <a:fillRect l="-300580" t="-470588" r="-101159" b="-1961"/>
-                          </a:stretch>
-                        </a:blipFill>
-                      </a:tcPr>
+                      <a:tcPr/>
                     </a:tc>
                     <a:tc>
                       <a:txBody>
@@ -33564,8 +32936,8 @@
           </p:sp>
         </mc:Fallback>
       </mc:AlternateContent>
-      <mc:AlternateContent xmlns:mc="http://schemas.openxmlformats.org/markup-compatibility/2006">
-        <mc:Choice xmlns:a14="http://schemas.microsoft.com/office/drawing/2010/main" Requires="a14">
+      <mc:AlternateContent xmlns:mc="http://schemas.openxmlformats.org/markup-compatibility/2006" xmlns:a14="http://schemas.microsoft.com/office/drawing/2010/main">
+        <mc:Choice Requires="a14">
           <p:sp>
             <p:nvSpPr>
               <p:cNvPr id="3" name="Content Placeholder 2">
@@ -34307,7 +33679,7 @@
             </p:txBody>
           </p:sp>
         </mc:Choice>
-        <mc:Fallback>
+        <mc:Fallback xmlns="">
           <p:sp>
             <p:nvSpPr>
               <p:cNvPr id="3" name="Content Placeholder 2">
@@ -35306,7 +34678,7 @@
         </p:blipFill>
         <p:spPr>
           <a:xfrm>
-            <a:off x="7492419" y="3675061"/>
+            <a:off x="7882944" y="3694111"/>
             <a:ext cx="914400" cy="914400"/>
           </a:xfrm>
           <a:prstGeom prst="rect">
@@ -43009,140 +42381,6 @@
 </file>
 
 <file path=ppt/slides/slide6.xml><?xml version="1.0" encoding="utf-8"?>
-<p:sld xmlns:a="http://schemas.openxmlformats.org/drawingml/2006/main" xmlns:r="http://schemas.openxmlformats.org/officeDocument/2006/relationships" xmlns:p="http://schemas.openxmlformats.org/presentationml/2006/main">
-  <p:cSld>
-    <p:spTree>
-      <p:nvGrpSpPr>
-        <p:cNvPr id="1" name=""/>
-        <p:cNvGrpSpPr/>
-        <p:nvPr/>
-      </p:nvGrpSpPr>
-      <p:grpSpPr>
-        <a:xfrm>
-          <a:off x="0" y="0"/>
-          <a:ext cx="0" cy="0"/>
-          <a:chOff x="0" y="0"/>
-          <a:chExt cx="0" cy="0"/>
-        </a:xfrm>
-      </p:grpSpPr>
-      <p:sp>
-        <p:nvSpPr>
-          <p:cNvPr id="2" name="Title 1">
-            <a:extLst>
-              <a:ext uri="{FF2B5EF4-FFF2-40B4-BE49-F238E27FC236}">
-                <a16:creationId xmlns:a16="http://schemas.microsoft.com/office/drawing/2014/main" id="{839B7B91-EE56-4583-BCA7-025B6966C985}"/>
-              </a:ext>
-            </a:extLst>
-          </p:cNvPr>
-          <p:cNvSpPr>
-            <a:spLocks noGrp="1"/>
-          </p:cNvSpPr>
-          <p:nvPr>
-            <p:ph type="title"/>
-          </p:nvPr>
-        </p:nvSpPr>
-        <p:spPr/>
-        <p:txBody>
-          <a:bodyPr/>
-          <a:lstStyle/>
-          <a:p>
-            <a:r>
-              <a:rPr lang="en-US" dirty="0">
-                <a:solidFill>
-                  <a:schemeClr val="accent1"/>
-                </a:solidFill>
-              </a:rPr>
-              <a:t>Definition of Algorithms</a:t>
-            </a:r>
-          </a:p>
-        </p:txBody>
-      </p:sp>
-      <p:sp>
-        <p:nvSpPr>
-          <p:cNvPr id="3" name="Content Placeholder 2">
-            <a:extLst>
-              <a:ext uri="{FF2B5EF4-FFF2-40B4-BE49-F238E27FC236}">
-                <a16:creationId xmlns:a16="http://schemas.microsoft.com/office/drawing/2014/main" id="{BDEE7E71-A046-4943-86CF-C398C2C28D1C}"/>
-              </a:ext>
-            </a:extLst>
-          </p:cNvPr>
-          <p:cNvSpPr>
-            <a:spLocks noGrp="1"/>
-          </p:cNvSpPr>
-          <p:nvPr>
-            <p:ph idx="1"/>
-          </p:nvPr>
-        </p:nvSpPr>
-        <p:spPr/>
-        <p:txBody>
-          <a:bodyPr/>
-          <a:lstStyle/>
-          <a:p>
-            <a:pPr marL="0" indent="0">
-              <a:buNone/>
-            </a:pPr>
-            <a:r>
-              <a:rPr lang="en-US" dirty="0">
-                <a:solidFill>
-                  <a:schemeClr val="accent1"/>
-                </a:solidFill>
-              </a:rPr>
-              <a:t>An algorithm is a finite, unambiguous description for a sequence of computational steps to solve a computational problem.</a:t>
-            </a:r>
-          </a:p>
-          <a:p>
-            <a:pPr marL="0" indent="0">
-              <a:buNone/>
-            </a:pPr>
-            <a:endParaRPr lang="en-US" dirty="0">
-              <a:solidFill>
-                <a:schemeClr val="accent1"/>
-              </a:solidFill>
-            </a:endParaRPr>
-          </a:p>
-          <a:p>
-            <a:pPr lvl="1"/>
-            <a:r>
-              <a:rPr lang="en-US" dirty="0">
-                <a:solidFill>
-                  <a:schemeClr val="accent1"/>
-                </a:solidFill>
-              </a:rPr>
-              <a:t>Being </a:t>
-            </a:r>
-            <a:r>
-              <a:rPr lang="en-US" b="1" i="1" dirty="0">
-                <a:solidFill>
-                  <a:schemeClr val="accent1"/>
-                </a:solidFill>
-              </a:rPr>
-              <a:t>finite</a:t>
-            </a:r>
-            <a:r>
-              <a:rPr lang="en-US" dirty="0">
-                <a:solidFill>
-                  <a:schemeClr val="accent1"/>
-                </a:solidFill>
-              </a:rPr>
-              <a:t>  means the algorithm must eventually terminate.</a:t>
-            </a:r>
-          </a:p>
-        </p:txBody>
-      </p:sp>
-    </p:spTree>
-    <p:extLst>
-      <p:ext uri="{BB962C8B-B14F-4D97-AF65-F5344CB8AC3E}">
-        <p14:creationId xmlns:p14="http://schemas.microsoft.com/office/powerpoint/2010/main" val="888846385"/>
-      </p:ext>
-    </p:extLst>
-  </p:cSld>
-  <p:clrMapOvr>
-    <a:masterClrMapping/>
-  </p:clrMapOvr>
-</p:sld>
-</file>
-
-<file path=ppt/slides/slide7.xml><?xml version="1.0" encoding="utf-8"?>
 <p:sld xmlns:a="http://schemas.openxmlformats.org/drawingml/2006/main" xmlns:r="http://schemas.openxmlformats.org/officeDocument/2006/relationships" xmlns:p="http://schemas.openxmlformats.org/presentationml/2006/main">
   <p:cSld>
     <p:spTree>
@@ -43870,6 +43108,140 @@
     <p:extLst>
       <p:ext uri="{BB962C8B-B14F-4D97-AF65-F5344CB8AC3E}">
         <p14:creationId xmlns:p14="http://schemas.microsoft.com/office/powerpoint/2010/main" val="1517279752"/>
+      </p:ext>
+    </p:extLst>
+  </p:cSld>
+  <p:clrMapOvr>
+    <a:masterClrMapping/>
+  </p:clrMapOvr>
+</p:sld>
+</file>
+
+<file path=ppt/slides/slide7.xml><?xml version="1.0" encoding="utf-8"?>
+<p:sld xmlns:a="http://schemas.openxmlformats.org/drawingml/2006/main" xmlns:r="http://schemas.openxmlformats.org/officeDocument/2006/relationships" xmlns:p="http://schemas.openxmlformats.org/presentationml/2006/main">
+  <p:cSld>
+    <p:spTree>
+      <p:nvGrpSpPr>
+        <p:cNvPr id="1" name=""/>
+        <p:cNvGrpSpPr/>
+        <p:nvPr/>
+      </p:nvGrpSpPr>
+      <p:grpSpPr>
+        <a:xfrm>
+          <a:off x="0" y="0"/>
+          <a:ext cx="0" cy="0"/>
+          <a:chOff x="0" y="0"/>
+          <a:chExt cx="0" cy="0"/>
+        </a:xfrm>
+      </p:grpSpPr>
+      <p:sp>
+        <p:nvSpPr>
+          <p:cNvPr id="2" name="Title 1">
+            <a:extLst>
+              <a:ext uri="{FF2B5EF4-FFF2-40B4-BE49-F238E27FC236}">
+                <a16:creationId xmlns:a16="http://schemas.microsoft.com/office/drawing/2014/main" id="{839B7B91-EE56-4583-BCA7-025B6966C985}"/>
+              </a:ext>
+            </a:extLst>
+          </p:cNvPr>
+          <p:cNvSpPr>
+            <a:spLocks noGrp="1"/>
+          </p:cNvSpPr>
+          <p:nvPr>
+            <p:ph type="title"/>
+          </p:nvPr>
+        </p:nvSpPr>
+        <p:spPr/>
+        <p:txBody>
+          <a:bodyPr/>
+          <a:lstStyle/>
+          <a:p>
+            <a:r>
+              <a:rPr lang="en-US" dirty="0">
+                <a:solidFill>
+                  <a:schemeClr val="accent1"/>
+                </a:solidFill>
+              </a:rPr>
+              <a:t>Definition of Algorithms</a:t>
+            </a:r>
+          </a:p>
+        </p:txBody>
+      </p:sp>
+      <p:sp>
+        <p:nvSpPr>
+          <p:cNvPr id="3" name="Content Placeholder 2">
+            <a:extLst>
+              <a:ext uri="{FF2B5EF4-FFF2-40B4-BE49-F238E27FC236}">
+                <a16:creationId xmlns:a16="http://schemas.microsoft.com/office/drawing/2014/main" id="{BDEE7E71-A046-4943-86CF-C398C2C28D1C}"/>
+              </a:ext>
+            </a:extLst>
+          </p:cNvPr>
+          <p:cNvSpPr>
+            <a:spLocks noGrp="1"/>
+          </p:cNvSpPr>
+          <p:nvPr>
+            <p:ph idx="1"/>
+          </p:nvPr>
+        </p:nvSpPr>
+        <p:spPr/>
+        <p:txBody>
+          <a:bodyPr/>
+          <a:lstStyle/>
+          <a:p>
+            <a:pPr marL="0" indent="0">
+              <a:buNone/>
+            </a:pPr>
+            <a:r>
+              <a:rPr lang="en-US" dirty="0">
+                <a:solidFill>
+                  <a:schemeClr val="accent1"/>
+                </a:solidFill>
+              </a:rPr>
+              <a:t>An algorithm is a finite, unambiguous description for a sequence of computational steps to solve a computational problem.</a:t>
+            </a:r>
+          </a:p>
+          <a:p>
+            <a:pPr marL="0" indent="0">
+              <a:buNone/>
+            </a:pPr>
+            <a:endParaRPr lang="en-US" dirty="0">
+              <a:solidFill>
+                <a:schemeClr val="accent1"/>
+              </a:solidFill>
+            </a:endParaRPr>
+          </a:p>
+          <a:p>
+            <a:pPr lvl="1"/>
+            <a:r>
+              <a:rPr lang="en-US" dirty="0">
+                <a:solidFill>
+                  <a:schemeClr val="accent1"/>
+                </a:solidFill>
+              </a:rPr>
+              <a:t>Being </a:t>
+            </a:r>
+            <a:r>
+              <a:rPr lang="en-US" b="1" i="1" dirty="0">
+                <a:solidFill>
+                  <a:schemeClr val="accent1"/>
+                </a:solidFill>
+              </a:rPr>
+              <a:t>finite</a:t>
+            </a:r>
+            <a:r>
+              <a:rPr lang="en-US" dirty="0">
+                <a:solidFill>
+                  <a:schemeClr val="accent1"/>
+                </a:solidFill>
+              </a:rPr>
+              <a:t>  means the algorithm must eventually terminate.</a:t>
+            </a:r>
+          </a:p>
+        </p:txBody>
+      </p:sp>
+    </p:spTree>
+    <p:extLst>
+      <p:ext uri="{BB962C8B-B14F-4D97-AF65-F5344CB8AC3E}">
+        <p14:creationId xmlns:p14="http://schemas.microsoft.com/office/powerpoint/2010/main" val="888846385"/>
       </p:ext>
     </p:extLst>
   </p:cSld>

--- a/Lectures/Lecture 1.pptx
+++ b/Lectures/Lecture 1.pptx
@@ -13281,8 +13281,8 @@
           </p:sp>
         </mc:Fallback>
       </mc:AlternateContent>
-      <mc:AlternateContent xmlns:mc="http://schemas.openxmlformats.org/markup-compatibility/2006">
-        <mc:Choice xmlns:a14="http://schemas.microsoft.com/office/drawing/2010/main" Requires="a14">
+      <mc:AlternateContent xmlns:mc="http://schemas.openxmlformats.org/markup-compatibility/2006" xmlns:a14="http://schemas.microsoft.com/office/drawing/2010/main">
+        <mc:Choice Requires="a14">
           <p:sp>
             <p:nvSpPr>
               <p:cNvPr id="5" name="TextBox 4">
@@ -13369,7 +13369,7 @@
             </p:txBody>
           </p:sp>
         </mc:Choice>
-        <mc:Fallback>
+        <mc:Fallback xmlns="">
           <p:sp>
             <p:nvSpPr>
               <p:cNvPr id="5" name="TextBox 4">
@@ -13946,8 +13946,8 @@
           </p:sp>
         </mc:Fallback>
       </mc:AlternateContent>
-      <mc:AlternateContent xmlns:mc="http://schemas.openxmlformats.org/markup-compatibility/2006">
-        <mc:Choice xmlns:a14="http://schemas.microsoft.com/office/drawing/2010/main" Requires="a14">
+      <mc:AlternateContent xmlns:mc="http://schemas.openxmlformats.org/markup-compatibility/2006" xmlns:a14="http://schemas.microsoft.com/office/drawing/2010/main">
+        <mc:Choice Requires="a14">
           <p:sp>
             <p:nvSpPr>
               <p:cNvPr id="12" name="TextBox 11">
@@ -14034,7 +14034,7 @@
             </p:txBody>
           </p:sp>
         </mc:Choice>
-        <mc:Fallback>
+        <mc:Fallback xmlns="">
           <p:sp>
             <p:nvSpPr>
               <p:cNvPr id="12" name="TextBox 11">
@@ -16151,7 +16151,23 @@
                   <a:schemeClr val="accent1"/>
                 </a:solidFill>
               </a:rPr>
-              <a:t>input sizes, a linear-time algorithm with a moderately big constant overhead will eventually run faster than a quadratic-time one with a small constant overhead.</a:t>
+              <a:t>input sizes, a linear-time algorithm with a moderately big constant overhead will eventually run faster than a quadratic-time one with </a:t>
+            </a:r>
+            <a:r>
+              <a:rPr lang="en-US">
+                <a:solidFill>
+                  <a:schemeClr val="accent1"/>
+                </a:solidFill>
+              </a:rPr>
+              <a:t>a relatively </a:t>
+            </a:r>
+            <a:r>
+              <a:rPr lang="en-US" dirty="0">
+                <a:solidFill>
+                  <a:schemeClr val="accent1"/>
+                </a:solidFill>
+              </a:rPr>
+              <a:t>small constant overhead.</a:t>
             </a:r>
           </a:p>
         </p:txBody>
@@ -27853,8 +27869,8 @@
           </a:p>
         </p:txBody>
       </p:sp>
-      <mc:AlternateContent xmlns:mc="http://schemas.openxmlformats.org/markup-compatibility/2006">
-        <mc:Choice xmlns:a14="http://schemas.microsoft.com/office/drawing/2010/main" Requires="a14">
+      <mc:AlternateContent xmlns:mc="http://schemas.openxmlformats.org/markup-compatibility/2006" xmlns:a14="http://schemas.microsoft.com/office/drawing/2010/main">
+        <mc:Choice Requires="a14">
           <p:graphicFrame>
             <p:nvGraphicFramePr>
               <p:cNvPr id="4" name="Content Placeholder 3"/>
@@ -28627,7 +28643,7 @@
             </a:graphic>
           </p:graphicFrame>
         </mc:Choice>
-        <mc:Fallback>
+        <mc:Fallback xmlns="">
           <p:graphicFrame>
             <p:nvGraphicFramePr>
               <p:cNvPr id="4" name="Content Placeholder 3"/>
@@ -39734,8 +39750,8 @@
           </p:sp>
         </mc:Fallback>
       </mc:AlternateContent>
-      <mc:AlternateContent xmlns:mc="http://schemas.openxmlformats.org/markup-compatibility/2006" xmlns:a14="http://schemas.microsoft.com/office/drawing/2010/main">
-        <mc:Choice Requires="a14">
+      <mc:AlternateContent xmlns:mc="http://schemas.openxmlformats.org/markup-compatibility/2006">
+        <mc:Choice xmlns:a14="http://schemas.microsoft.com/office/drawing/2010/main" Requires="a14">
           <p:sp>
             <p:nvSpPr>
               <p:cNvPr id="3" name="Content Placeholder 2">
@@ -39760,7 +39776,7 @@
             </p:spPr>
             <p:txBody>
               <a:bodyPr>
-                <a:normAutofit fontScale="92500" lnSpcReduction="10000"/>
+                <a:normAutofit lnSpcReduction="10000"/>
               </a:bodyPr>
               <a:lstStyle/>
               <a:p>
@@ -39778,15 +39794,23 @@
                   <a:buNone/>
                 </a:pPr>
                 <a:r>
-                  <a:rPr lang="en-US" sz="5100" dirty="0"/>
-                  <a:t>Therefore, </a:t>
+                  <a:rPr lang="en-US" sz="3000" dirty="0">
+                    <a:solidFill>
+                      <a:schemeClr val="accent1"/>
+                    </a:solidFill>
+                  </a:rPr>
+                  <a:t>Therefore,</a:t>
+                </a:r>
+                <a:r>
+                  <a:rPr lang="en-US" sz="3000" dirty="0"/>
+                  <a:t> </a:t>
                 </a:r>
                 <a14:m>
                   <m:oMath xmlns:m="http://schemas.openxmlformats.org/officeDocument/2006/math">
                     <m:sSub>
                       <m:sSubPr>
                         <m:ctrlPr>
-                          <a:rPr lang="en-US" sz="5100" i="1" smtClean="0">
+                          <a:rPr lang="en-US" sz="3000" i="1" smtClean="0">
                             <a:latin typeface="Cambria Math" panose="02040503050406030204" pitchFamily="18" charset="0"/>
                           </a:rPr>
                         </m:ctrlPr>
@@ -39795,14 +39819,14 @@
                         <m:sSub>
                           <m:sSubPr>
                             <m:ctrlPr>
-                              <a:rPr lang="en-US" sz="5100" i="1">
+                              <a:rPr lang="en-US" sz="3000" i="1">
                                 <a:latin typeface="Cambria Math" panose="02040503050406030204" pitchFamily="18" charset="0"/>
                               </a:rPr>
                             </m:ctrlPr>
                           </m:sSubPr>
                           <m:e>
                             <m:r>
-                              <a:rPr lang="en-US" sz="5100" i="1">
+                              <a:rPr lang="en-US" sz="3000" i="1">
                                 <a:latin typeface="Cambria Math" panose="02040503050406030204" pitchFamily="18" charset="0"/>
                               </a:rPr>
                               <m:t>𝑐</m:t>
@@ -39810,7 +39834,7 @@
                           </m:e>
                           <m:sub>
                             <m:r>
-                              <a:rPr lang="en-US" sz="5100" b="0" i="1" smtClean="0">
+                              <a:rPr lang="en-US" sz="3000" b="0" i="1" smtClean="0">
                                 <a:latin typeface="Cambria Math" panose="02040503050406030204" pitchFamily="18" charset="0"/>
                               </a:rPr>
                               <m:t>1</m:t>
@@ -39818,7 +39842,7 @@
                           </m:sub>
                         </m:sSub>
                         <m:r>
-                          <a:rPr lang="en-US" sz="5100" b="0" i="1" smtClean="0">
+                          <a:rPr lang="en-US" sz="3000" b="0" i="1" smtClean="0">
                             <a:latin typeface="Cambria Math" panose="02040503050406030204" pitchFamily="18" charset="0"/>
                           </a:rPr>
                           <m:t>=</m:t>
@@ -39826,14 +39850,14 @@
                         <m:f>
                           <m:fPr>
                             <m:ctrlPr>
-                              <a:rPr lang="en-US" sz="5100" i="1">
+                              <a:rPr lang="en-US" sz="3000" i="1">
                                 <a:latin typeface="Cambria Math" panose="02040503050406030204" pitchFamily="18" charset="0"/>
                               </a:rPr>
                             </m:ctrlPr>
                           </m:fPr>
                           <m:num>
                             <m:r>
-                              <a:rPr lang="en-US" sz="5100" i="1">
+                              <a:rPr lang="en-US" sz="3000" i="1">
                                 <a:latin typeface="Cambria Math" panose="02040503050406030204" pitchFamily="18" charset="0"/>
                               </a:rPr>
                               <m:t>1</m:t>
@@ -39841,7 +39865,7 @@
                           </m:num>
                           <m:den>
                             <m:r>
-                              <a:rPr lang="en-US" sz="5100" i="1">
+                              <a:rPr lang="en-US" sz="3000" i="1">
                                 <a:latin typeface="Cambria Math" panose="02040503050406030204" pitchFamily="18" charset="0"/>
                               </a:rPr>
                               <m:t>4</m:t>
@@ -39849,13 +39873,13 @@
                           </m:den>
                         </m:f>
                         <m:r>
-                          <a:rPr lang="en-US" sz="5100" b="0" i="1" smtClean="0">
+                          <a:rPr lang="en-US" sz="3000" b="0" i="1" smtClean="0">
                             <a:latin typeface="Cambria Math" panose="02040503050406030204" pitchFamily="18" charset="0"/>
                           </a:rPr>
                           <m:t>,</m:t>
                         </m:r>
                         <m:r>
-                          <a:rPr lang="en-US" sz="5100" i="1">
+                          <a:rPr lang="en-US" sz="3000" i="1">
                             <a:latin typeface="Cambria Math" panose="02040503050406030204" pitchFamily="18" charset="0"/>
                           </a:rPr>
                           <m:t>𝑐</m:t>
@@ -39863,7 +39887,7 @@
                       </m:e>
                       <m:sub>
                         <m:r>
-                          <a:rPr lang="en-US" sz="5100" b="0" i="1" smtClean="0">
+                          <a:rPr lang="en-US" sz="3000" b="0" i="1" smtClean="0">
                             <a:latin typeface="Cambria Math" panose="02040503050406030204" pitchFamily="18" charset="0"/>
                           </a:rPr>
                           <m:t>2</m:t>
@@ -39871,7 +39895,7 @@
                       </m:sub>
                     </m:sSub>
                     <m:r>
-                      <a:rPr lang="en-US" sz="5100" b="0" i="1" smtClean="0">
+                      <a:rPr lang="en-US" sz="3000" b="0" i="1" smtClean="0">
                         <a:latin typeface="Cambria Math" panose="02040503050406030204" pitchFamily="18" charset="0"/>
                       </a:rPr>
                       <m:t>=1,</m:t>
@@ -39879,20 +39903,20 @@
                     <m:sSub>
                       <m:sSubPr>
                         <m:ctrlPr>
-                          <a:rPr lang="en-US" sz="5100" i="1">
+                          <a:rPr lang="en-US" sz="3000" i="1">
                             <a:latin typeface="Cambria Math" panose="02040503050406030204" pitchFamily="18" charset="0"/>
                           </a:rPr>
                         </m:ctrlPr>
                       </m:sSubPr>
                       <m:e>
                         <m:r>
-                          <a:rPr lang="en-US" sz="5100" i="1">
+                          <a:rPr lang="en-US" sz="3000" i="1">
                             <a:latin typeface="Cambria Math" panose="02040503050406030204" pitchFamily="18" charset="0"/>
                           </a:rPr>
                           <m:t> </m:t>
                         </m:r>
                         <m:r>
-                          <a:rPr lang="en-US" sz="5100" i="1">
+                          <a:rPr lang="en-US" sz="3000" i="1">
                             <a:latin typeface="Cambria Math" panose="02040503050406030204" pitchFamily="18" charset="0"/>
                           </a:rPr>
                           <m:t>𝑛</m:t>
@@ -39900,7 +39924,7 @@
                       </m:e>
                       <m:sub>
                         <m:r>
-                          <a:rPr lang="en-US" sz="5100" i="1">
+                          <a:rPr lang="en-US" sz="3000" i="1">
                             <a:latin typeface="Cambria Math" panose="02040503050406030204" pitchFamily="18" charset="0"/>
                           </a:rPr>
                           <m:t>0</m:t>
@@ -39908,7 +39932,7 @@
                       </m:sub>
                     </m:sSub>
                     <m:r>
-                      <a:rPr lang="en-US" sz="5100" b="0" i="1" smtClean="0">
+                      <a:rPr lang="en-US" sz="3000" b="0" i="1" smtClean="0">
                         <a:latin typeface="Cambria Math" panose="02040503050406030204" pitchFamily="18" charset="0"/>
                       </a:rPr>
                       <m:t>=</m:t>
@@ -39916,7 +39940,7 @@
                     <m:func>
                       <m:funcPr>
                         <m:ctrlPr>
-                          <a:rPr lang="en-US" sz="5100" b="0" i="1" smtClean="0">
+                          <a:rPr lang="en-US" sz="3000" b="0" i="1" smtClean="0">
                             <a:latin typeface="Cambria Math" panose="02040503050406030204" pitchFamily="18" charset="0"/>
                           </a:rPr>
                         </m:ctrlPr>
@@ -39926,7 +39950,7 @@
                           <m:rPr>
                             <m:sty m:val="p"/>
                           </m:rPr>
-                          <a:rPr lang="en-US" sz="5100" b="0" i="0" smtClean="0">
+                          <a:rPr lang="en-US" sz="3000" b="0" i="0" smtClean="0">
                             <a:latin typeface="Cambria Math" panose="02040503050406030204" pitchFamily="18" charset="0"/>
                           </a:rPr>
                           <m:t>max</m:t>
@@ -39936,7 +39960,7 @@
                         <m:d>
                           <m:dPr>
                             <m:ctrlPr>
-                              <a:rPr lang="en-US" sz="5100" b="0" i="1" smtClean="0">
+                              <a:rPr lang="en-US" sz="3000" b="0" i="1" smtClean="0">
                                 <a:latin typeface="Cambria Math" panose="02040503050406030204" pitchFamily="18" charset="0"/>
                               </a:rPr>
                             </m:ctrlPr>
@@ -39945,7 +39969,7 @@
                             <m:sSub>
                               <m:sSubPr>
                                 <m:ctrlPr>
-                                  <a:rPr lang="en-US" sz="5100" i="1">
+                                  <a:rPr lang="en-US" sz="3000" i="1">
                                     <a:latin typeface="Cambria Math" panose="02040503050406030204" pitchFamily="18" charset="0"/>
                                   </a:rPr>
                                 </m:ctrlPr>
@@ -39954,20 +39978,20 @@
                                 <m:sSub>
                                   <m:sSubPr>
                                     <m:ctrlPr>
-                                      <a:rPr lang="en-US" sz="5100" i="1" smtClean="0">
+                                      <a:rPr lang="en-US" sz="3000" i="1" smtClean="0">
                                         <a:latin typeface="Cambria Math" panose="02040503050406030204" pitchFamily="18" charset="0"/>
                                       </a:rPr>
                                     </m:ctrlPr>
                                   </m:sSubPr>
                                   <m:e>
                                     <m:r>
-                                      <a:rPr lang="en-US" sz="5100" i="1">
+                                      <a:rPr lang="en-US" sz="3000" i="1">
                                         <a:latin typeface="Cambria Math" panose="02040503050406030204" pitchFamily="18" charset="0"/>
                                       </a:rPr>
                                       <m:t> </m:t>
                                     </m:r>
                                     <m:r>
-                                      <a:rPr lang="en-US" sz="5100" i="1">
+                                      <a:rPr lang="en-US" sz="3000" i="1">
                                         <a:latin typeface="Cambria Math" panose="02040503050406030204" pitchFamily="18" charset="0"/>
                                       </a:rPr>
                                       <m:t>𝑛</m:t>
@@ -39975,13 +39999,13 @@
                                   </m:e>
                                   <m:sub>
                                     <m:r>
-                                      <a:rPr lang="en-US" sz="5100" i="1">
+                                      <a:rPr lang="en-US" sz="3000" i="1">
                                         <a:latin typeface="Cambria Math" panose="02040503050406030204" pitchFamily="18" charset="0"/>
                                       </a:rPr>
                                       <m:t>0</m:t>
                                     </m:r>
                                     <m:r>
-                                      <a:rPr lang="en-US" sz="5100" b="0" i="1" smtClean="0">
+                                      <a:rPr lang="en-US" sz="3000" b="0" i="1" smtClean="0">
                                         <a:latin typeface="Cambria Math" panose="02040503050406030204" pitchFamily="18" charset="0"/>
                                       </a:rPr>
                                       <m:t>1</m:t>
@@ -39989,13 +40013,13 @@
                                   </m:sub>
                                 </m:sSub>
                                 <m:r>
-                                  <a:rPr lang="en-US" sz="5100" b="0" i="1" smtClean="0">
+                                  <a:rPr lang="en-US" sz="3000" b="0" i="1" smtClean="0">
                                     <a:latin typeface="Cambria Math" panose="02040503050406030204" pitchFamily="18" charset="0"/>
                                   </a:rPr>
                                   <m:t>,</m:t>
                                 </m:r>
                                 <m:r>
-                                  <a:rPr lang="en-US" sz="5100" i="1">
+                                  <a:rPr lang="en-US" sz="3000" i="1">
                                     <a:latin typeface="Cambria Math" panose="02040503050406030204" pitchFamily="18" charset="0"/>
                                   </a:rPr>
                                   <m:t>𝑛</m:t>
@@ -40003,7 +40027,7 @@
                               </m:e>
                               <m:sub>
                                 <m:r>
-                                  <a:rPr lang="en-US" sz="5100" i="1">
+                                  <a:rPr lang="en-US" sz="3000" i="1">
                                     <a:latin typeface="Cambria Math" panose="02040503050406030204" pitchFamily="18" charset="0"/>
                                   </a:rPr>
                                   <m:t>02</m:t>
@@ -40015,7 +40039,7 @@
                       </m:e>
                     </m:func>
                     <m:r>
-                      <a:rPr lang="en-US" sz="5100" b="0" i="1" smtClean="0">
+                      <a:rPr lang="en-US" sz="3000" b="0" i="1" smtClean="0">
                         <a:latin typeface="Cambria Math" panose="02040503050406030204" pitchFamily="18" charset="0"/>
                       </a:rPr>
                       <m:t>=</m:t>
@@ -40023,7 +40047,7 @@
                     <m:func>
                       <m:funcPr>
                         <m:ctrlPr>
-                          <a:rPr lang="en-US" sz="5100" b="0" i="1" smtClean="0">
+                          <a:rPr lang="en-US" sz="3000" b="0" i="1" smtClean="0">
                             <a:latin typeface="Cambria Math" panose="02040503050406030204" pitchFamily="18" charset="0"/>
                           </a:rPr>
                         </m:ctrlPr>
@@ -40033,7 +40057,7 @@
                           <m:rPr>
                             <m:sty m:val="p"/>
                           </m:rPr>
-                          <a:rPr lang="en-US" sz="5100" b="0" i="0" smtClean="0">
+                          <a:rPr lang="en-US" sz="3000" b="0" i="0" smtClean="0">
                             <a:latin typeface="Cambria Math" panose="02040503050406030204" pitchFamily="18" charset="0"/>
                           </a:rPr>
                           <m:t>max</m:t>
@@ -40043,14 +40067,14 @@
                         <m:d>
                           <m:dPr>
                             <m:ctrlPr>
-                              <a:rPr lang="en-US" sz="5100" b="0" i="1" smtClean="0">
+                              <a:rPr lang="en-US" sz="3000" b="0" i="1" smtClean="0">
                                 <a:latin typeface="Cambria Math" panose="02040503050406030204" pitchFamily="18" charset="0"/>
                               </a:rPr>
                             </m:ctrlPr>
                           </m:dPr>
                           <m:e>
                             <m:r>
-                              <a:rPr lang="en-US" sz="5100" b="0" i="1" smtClean="0">
+                              <a:rPr lang="en-US" sz="3000" b="0" i="1" smtClean="0">
                                 <a:latin typeface="Cambria Math" panose="02040503050406030204" pitchFamily="18" charset="0"/>
                               </a:rPr>
                               <m:t>12,1</m:t>
@@ -40060,13 +40084,13 @@
                       </m:e>
                     </m:func>
                     <m:r>
-                      <a:rPr lang="en-US" sz="5100" b="0" i="1" smtClean="0">
+                      <a:rPr lang="en-US" sz="3000" b="0" i="1" smtClean="0">
                         <a:latin typeface="Cambria Math" panose="02040503050406030204" pitchFamily="18" charset="0"/>
                       </a:rPr>
                       <m:t>=12</m:t>
                     </m:r>
                     <m:r>
-                      <a:rPr lang="en-US" sz="5400" i="1" dirty="0">
+                      <a:rPr lang="en-US" sz="3000" i="1" dirty="0">
                         <a:latin typeface="Cambria Math" panose="02040503050406030204" pitchFamily="18" charset="0"/>
                         <a:ea typeface="Cambria Math" panose="02040503050406030204" pitchFamily="18" charset="0"/>
                       </a:rPr>
@@ -40074,7 +40098,7 @@
                     </m:r>
                   </m:oMath>
                 </a14:m>
-                <a:endParaRPr lang="en-US" sz="5100" dirty="0"/>
+                <a:endParaRPr lang="en-US" sz="3000" dirty="0"/>
               </a:p>
               <a:p>
                 <a:pPr marL="0" indent="0">
@@ -40122,7 +40146,7 @@
             </p:txBody>
           </p:sp>
         </mc:Choice>
-        <mc:Fallback xmlns="">
+        <mc:Fallback>
           <p:sp>
             <p:nvSpPr>
               <p:cNvPr id="3" name="Content Placeholder 2">
@@ -40147,7 +40171,7 @@
               <a:blipFill>
                 <a:blip r:embed="rId3"/>
                 <a:stretch>
-                  <a:fillRect l="-2493"/>
+                  <a:fillRect l="-1303"/>
                 </a:stretch>
               </a:blipFill>
             </p:spPr>

--- a/Lectures/Lecture 1.pptx
+++ b/Lectures/Lecture 1.pptx
@@ -17262,8 +17262,8 @@
           </a:p>
         </p:txBody>
       </p:sp>
-      <mc:AlternateContent xmlns:mc="http://schemas.openxmlformats.org/markup-compatibility/2006" xmlns:a14="http://schemas.microsoft.com/office/drawing/2010/main">
-        <mc:Choice Requires="a14">
+      <mc:AlternateContent xmlns:mc="http://schemas.openxmlformats.org/markup-compatibility/2006">
+        <mc:Choice xmlns:a14="http://schemas.microsoft.com/office/drawing/2010/main" Requires="a14">
           <p:sp>
             <p:nvSpPr>
               <p:cNvPr id="3" name="Content Placeholder 2">
@@ -17388,7 +17388,23 @@
                       <a:schemeClr val="accent1"/>
                     </a:solidFill>
                   </a:rPr>
-                  <a:t>as input and returning a </a:t>
+                  <a:t>as input and returning </a:t>
+                </a:r>
+                <a:r>
+                  <a:rPr lang="en-US">
+                    <a:solidFill>
+                      <a:schemeClr val="accent1"/>
+                    </a:solidFill>
+                  </a:rPr>
+                  <a:t>a </a:t>
+                </a:r>
+                <a:r>
+                  <a:rPr lang="en-US" b="1" i="1">
+                    <a:solidFill>
+                      <a:schemeClr val="accent1"/>
+                    </a:solidFill>
+                  </a:rPr>
+                  <a:t>real </a:t>
                 </a:r>
                 <a:r>
                   <a:rPr lang="en-US" b="1" i="1" dirty="0">
@@ -17396,7 +17412,7 @@
                       <a:schemeClr val="accent1"/>
                     </a:solidFill>
                   </a:rPr>
-                  <a:t>non-negative real number</a:t>
+                  <a:t>number</a:t>
                 </a:r>
                 <a:r>
                   <a:rPr lang="en-US" dirty="0">
@@ -18239,7 +18255,7 @@
             </p:txBody>
           </p:sp>
         </mc:Choice>
-        <mc:Fallback xmlns="">
+        <mc:Fallback>
           <p:sp>
             <p:nvSpPr>
               <p:cNvPr id="3" name="Content Placeholder 2">
@@ -30828,8 +30844,8 @@
           </a:p>
         </p:txBody>
       </p:sp>
-      <mc:AlternateContent xmlns:mc="http://schemas.openxmlformats.org/markup-compatibility/2006" xmlns:a14="http://schemas.microsoft.com/office/drawing/2010/main">
-        <mc:Choice Requires="a14">
+      <mc:AlternateContent xmlns:mc="http://schemas.openxmlformats.org/markup-compatibility/2006">
+        <mc:Choice xmlns:a14="http://schemas.microsoft.com/office/drawing/2010/main" Requires="a14">
           <p:sp>
             <p:nvSpPr>
               <p:cNvPr id="8" name="Content Placeholder 2">
@@ -30966,7 +30982,7 @@
                       <a:schemeClr val="accent1"/>
                     </a:solidFill>
                   </a:rPr>
-                  <a:t>non-negative real number</a:t>
+                  <a:t>real number</a:t>
                 </a:r>
                 <a:r>
                   <a:rPr lang="en-US" dirty="0">
@@ -31814,7 +31830,7 @@
             </p:txBody>
           </p:sp>
         </mc:Choice>
-        <mc:Fallback xmlns="">
+        <mc:Fallback>
           <p:sp>
             <p:nvSpPr>
               <p:cNvPr id="8" name="Content Placeholder 2">
@@ -36891,8 +36907,8 @@
           </p:sp>
         </mc:Fallback>
       </mc:AlternateContent>
-      <mc:AlternateContent xmlns:mc="http://schemas.openxmlformats.org/markup-compatibility/2006" xmlns:a14="http://schemas.microsoft.com/office/drawing/2010/main">
-        <mc:Choice Requires="a14">
+      <mc:AlternateContent xmlns:mc="http://schemas.openxmlformats.org/markup-compatibility/2006">
+        <mc:Choice xmlns:a14="http://schemas.microsoft.com/office/drawing/2010/main" Requires="a14">
           <p:sp>
             <p:nvSpPr>
               <p:cNvPr id="3" name="Content Placeholder 2">
@@ -36917,7 +36933,7 @@
             </p:spPr>
             <p:txBody>
               <a:bodyPr>
-                <a:normAutofit fontScale="77500" lnSpcReduction="20000"/>
+                <a:normAutofit fontScale="70000" lnSpcReduction="20000"/>
               </a:bodyPr>
               <a:lstStyle/>
               <a:p>
@@ -36935,7 +36951,7 @@
                   <a:buNone/>
                 </a:pPr>
                 <a:r>
-                  <a:rPr lang="en-US" sz="5100" dirty="0">
+                  <a:rPr lang="en-US" sz="3600" dirty="0">
                     <a:solidFill>
                       <a:schemeClr val="accent1"/>
                     </a:solidFill>
@@ -36947,7 +36963,7 @@
                     <m:f>
                       <m:fPr>
                         <m:ctrlPr>
-                          <a:rPr lang="en-US" sz="5100" i="1" smtClean="0">
+                          <a:rPr lang="en-US" sz="3600" i="1" smtClean="0">
                             <a:latin typeface="Cambria Math" panose="02040503050406030204" pitchFamily="18" charset="0"/>
                           </a:rPr>
                         </m:ctrlPr>
@@ -36956,14 +36972,14 @@
                         <m:sSup>
                           <m:sSupPr>
                             <m:ctrlPr>
-                              <a:rPr lang="en-US" sz="5100" i="1" smtClean="0">
+                              <a:rPr lang="en-US" sz="3600" i="1" smtClean="0">
                                 <a:latin typeface="Cambria Math" panose="02040503050406030204" pitchFamily="18" charset="0"/>
                               </a:rPr>
                             </m:ctrlPr>
                           </m:sSupPr>
                           <m:e>
                             <m:r>
-                              <a:rPr lang="en-US" sz="5100" b="0" i="1" smtClean="0">
+                              <a:rPr lang="en-US" sz="3600" b="0" i="1" smtClean="0">
                                 <a:latin typeface="Cambria Math" panose="02040503050406030204" pitchFamily="18" charset="0"/>
                               </a:rPr>
                               <m:t>𝑛</m:t>
@@ -36971,7 +36987,7 @@
                           </m:e>
                           <m:sup>
                             <m:r>
-                              <a:rPr lang="en-US" sz="5100" b="0" i="1" smtClean="0">
+                              <a:rPr lang="en-US" sz="3600" b="0" i="1" smtClean="0">
                                 <a:latin typeface="Cambria Math" panose="02040503050406030204" pitchFamily="18" charset="0"/>
                               </a:rPr>
                               <m:t>2</m:t>
@@ -36981,7 +36997,7 @@
                       </m:num>
                       <m:den>
                         <m:r>
-                          <a:rPr lang="en-US" sz="5100" b="0" i="1" smtClean="0">
+                          <a:rPr lang="en-US" sz="3600" b="0" i="1" smtClean="0">
                             <a:latin typeface="Cambria Math" panose="02040503050406030204" pitchFamily="18" charset="0"/>
                           </a:rPr>
                           <m:t>2</m:t>
@@ -36989,19 +37005,19 @@
                       </m:den>
                     </m:f>
                     <m:r>
-                      <a:rPr lang="en-US" sz="5100" b="0" i="1" smtClean="0">
+                      <a:rPr lang="en-US" sz="3600" b="0" i="1" smtClean="0">
                         <a:latin typeface="Cambria Math" panose="02040503050406030204" pitchFamily="18" charset="0"/>
                       </a:rPr>
                       <m:t>−3</m:t>
                     </m:r>
                     <m:r>
-                      <a:rPr lang="en-US" sz="5100" b="0" i="1" smtClean="0">
+                      <a:rPr lang="en-US" sz="3600" b="0" i="1" smtClean="0">
                         <a:latin typeface="Cambria Math" panose="02040503050406030204" pitchFamily="18" charset="0"/>
                       </a:rPr>
                       <m:t>𝑛</m:t>
                     </m:r>
                     <m:r>
-                      <a:rPr lang="en-US" sz="5100" b="0" i="1" smtClean="0">
+                      <a:rPr lang="en-US" sz="3600" b="0" i="1" smtClean="0">
                         <a:latin typeface="Cambria Math" panose="02040503050406030204" pitchFamily="18" charset="0"/>
                       </a:rPr>
                       <m:t>= </m:t>
@@ -37010,7 +37026,7 @@
                       <m:rPr>
                         <m:sty m:val="p"/>
                       </m:rPr>
-                      <a:rPr lang="el-GR" sz="5100" b="0" i="1" smtClean="0">
+                      <a:rPr lang="el-GR" sz="3600" b="0" i="1" smtClean="0">
                         <a:latin typeface="Cambria Math" panose="02040503050406030204" pitchFamily="18" charset="0"/>
                         <a:ea typeface="Cambria Math" panose="02040503050406030204" pitchFamily="18" charset="0"/>
                       </a:rPr>
@@ -37019,7 +37035,7 @@
                     <m:d>
                       <m:dPr>
                         <m:ctrlPr>
-                          <a:rPr lang="en-US" sz="5100" b="0" i="1" smtClean="0">
+                          <a:rPr lang="en-US" sz="3600" b="0" i="1" smtClean="0">
                             <a:latin typeface="Cambria Math" panose="02040503050406030204" pitchFamily="18" charset="0"/>
                             <a:ea typeface="Cambria Math" panose="02040503050406030204" pitchFamily="18" charset="0"/>
                           </a:rPr>
@@ -37029,7 +37045,7 @@
                         <m:sSup>
                           <m:sSupPr>
                             <m:ctrlPr>
-                              <a:rPr lang="en-US" sz="5100" b="0" i="1" smtClean="0">
+                              <a:rPr lang="en-US" sz="3600" b="0" i="1" smtClean="0">
                                 <a:latin typeface="Cambria Math" panose="02040503050406030204" pitchFamily="18" charset="0"/>
                                 <a:ea typeface="Cambria Math" panose="02040503050406030204" pitchFamily="18" charset="0"/>
                               </a:rPr>
@@ -37037,7 +37053,7 @@
                           </m:sSupPr>
                           <m:e>
                             <m:r>
-                              <a:rPr lang="en-US" sz="5100" b="0" i="1" smtClean="0">
+                              <a:rPr lang="en-US" sz="3600" b="0" i="1" smtClean="0">
                                 <a:latin typeface="Cambria Math" panose="02040503050406030204" pitchFamily="18" charset="0"/>
                                 <a:ea typeface="Cambria Math" panose="02040503050406030204" pitchFamily="18" charset="0"/>
                               </a:rPr>
@@ -37046,7 +37062,7 @@
                           </m:e>
                           <m:sup>
                             <m:r>
-                              <a:rPr lang="en-US" sz="5100" b="0" i="1" smtClean="0">
+                              <a:rPr lang="en-US" sz="3600" b="0" i="1" smtClean="0">
                                 <a:latin typeface="Cambria Math" panose="02040503050406030204" pitchFamily="18" charset="0"/>
                                 <a:ea typeface="Cambria Math" panose="02040503050406030204" pitchFamily="18" charset="0"/>
                               </a:rPr>
@@ -37058,7 +37074,15 @@
                     </m:d>
                   </m:oMath>
                 </a14:m>
-                <a:endParaRPr lang="en-US" sz="5100" b="0" dirty="0">
+                <a:endParaRPr lang="en-US" sz="3600" b="0" dirty="0">
+                  <a:ea typeface="Cambria Math" panose="02040503050406030204" pitchFamily="18" charset="0"/>
+                </a:endParaRPr>
+              </a:p>
+              <a:p>
+                <a:pPr marL="0" indent="0">
+                  <a:buNone/>
+                </a:pPr>
+                <a:endParaRPr lang="en-US" sz="3600" b="0" dirty="0">
                   <a:ea typeface="Cambria Math" panose="02040503050406030204" pitchFamily="18" charset="0"/>
                 </a:endParaRPr>
               </a:p>
@@ -37071,20 +37095,20 @@
                     <m:sSub>
                       <m:sSubPr>
                         <m:ctrlPr>
-                          <a:rPr lang="en-US" sz="5100" i="1">
+                          <a:rPr lang="en-US" sz="3600" i="1">
                             <a:latin typeface="Cambria Math" panose="02040503050406030204" pitchFamily="18" charset="0"/>
                           </a:rPr>
                         </m:ctrlPr>
                       </m:sSubPr>
                       <m:e>
                         <m:r>
-                          <a:rPr lang="en-US" sz="5100" b="0" i="1" smtClean="0">
+                          <a:rPr lang="en-US" sz="3600" b="0" i="1" smtClean="0">
                             <a:latin typeface="Cambria Math" panose="02040503050406030204" pitchFamily="18" charset="0"/>
                           </a:rPr>
                           <m:t>        </m:t>
                         </m:r>
                         <m:r>
-                          <a:rPr lang="en-US" sz="5100" i="1">
+                          <a:rPr lang="en-US" sz="3600" i="1">
                             <a:latin typeface="Cambria Math" panose="02040503050406030204" pitchFamily="18" charset="0"/>
                           </a:rPr>
                           <m:t>𝑐</m:t>
@@ -37092,7 +37116,7 @@
                       </m:e>
                       <m:sub>
                         <m:r>
-                          <a:rPr lang="en-US" sz="5100" i="1">
+                          <a:rPr lang="en-US" sz="3600" i="1">
                             <a:latin typeface="Cambria Math" panose="02040503050406030204" pitchFamily="18" charset="0"/>
                           </a:rPr>
                           <m:t>1</m:t>
@@ -37102,14 +37126,14 @@
                     <m:sSup>
                       <m:sSupPr>
                         <m:ctrlPr>
-                          <a:rPr lang="en-US" sz="5100" i="1">
+                          <a:rPr lang="en-US" sz="3600" i="1">
                             <a:latin typeface="Cambria Math" panose="02040503050406030204" pitchFamily="18" charset="0"/>
                           </a:rPr>
                         </m:ctrlPr>
                       </m:sSupPr>
                       <m:e>
                         <m:r>
-                          <a:rPr lang="en-US" sz="5100" i="1">
+                          <a:rPr lang="en-US" sz="3600" i="1">
                             <a:latin typeface="Cambria Math" panose="02040503050406030204" pitchFamily="18" charset="0"/>
                           </a:rPr>
                           <m:t>𝑛</m:t>
@@ -37117,7 +37141,7 @@
                       </m:e>
                       <m:sup>
                         <m:r>
-                          <a:rPr lang="en-US" sz="5100" i="1">
+                          <a:rPr lang="en-US" sz="3600" i="1">
                             <a:latin typeface="Cambria Math" panose="02040503050406030204" pitchFamily="18" charset="0"/>
                           </a:rPr>
                           <m:t>2</m:t>
@@ -37127,13 +37151,13 @@
                   </m:oMath>
                 </a14:m>
                 <a:r>
-                  <a:rPr lang="en-US" sz="5100" dirty="0"/>
+                  <a:rPr lang="en-US" sz="3600" dirty="0"/>
                   <a:t> </a:t>
                 </a:r>
                 <a14:m>
                   <m:oMath xmlns:m="http://schemas.openxmlformats.org/officeDocument/2006/math">
                     <m:r>
-                      <a:rPr lang="en-US" sz="5100" b="0" i="0" smtClean="0">
+                      <a:rPr lang="en-US" sz="3600" b="0" i="0" smtClean="0">
                         <a:latin typeface="Cambria Math" panose="02040503050406030204" pitchFamily="18" charset="0"/>
                       </a:rPr>
                       <m:t>≤</m:t>
@@ -37141,7 +37165,7 @@
                     <m:f>
                       <m:fPr>
                         <m:ctrlPr>
-                          <a:rPr lang="en-US" sz="5100" i="1" smtClean="0">
+                          <a:rPr lang="en-US" sz="3600" i="1" smtClean="0">
                             <a:latin typeface="Cambria Math" panose="02040503050406030204" pitchFamily="18" charset="0"/>
                           </a:rPr>
                         </m:ctrlPr>
@@ -37150,14 +37174,14 @@
                         <m:sSup>
                           <m:sSupPr>
                             <m:ctrlPr>
-                              <a:rPr lang="en-US" sz="5100" i="1" smtClean="0">
+                              <a:rPr lang="en-US" sz="3600" i="1" smtClean="0">
                                 <a:latin typeface="Cambria Math" panose="02040503050406030204" pitchFamily="18" charset="0"/>
                               </a:rPr>
                             </m:ctrlPr>
                           </m:sSupPr>
                           <m:e>
                             <m:r>
-                              <a:rPr lang="en-US" sz="5100" b="0" i="1" smtClean="0">
+                              <a:rPr lang="en-US" sz="3600" b="0" i="1" smtClean="0">
                                 <a:latin typeface="Cambria Math" panose="02040503050406030204" pitchFamily="18" charset="0"/>
                               </a:rPr>
                               <m:t>𝑛</m:t>
@@ -37165,7 +37189,7 @@
                           </m:e>
                           <m:sup>
                             <m:r>
-                              <a:rPr lang="en-US" sz="5100" b="0" i="1" smtClean="0">
+                              <a:rPr lang="en-US" sz="3600" b="0" i="1" smtClean="0">
                                 <a:latin typeface="Cambria Math" panose="02040503050406030204" pitchFamily="18" charset="0"/>
                               </a:rPr>
                               <m:t>2</m:t>
@@ -37175,7 +37199,7 @@
                       </m:num>
                       <m:den>
                         <m:r>
-                          <a:rPr lang="en-US" sz="5100" b="0" i="1" smtClean="0">
+                          <a:rPr lang="en-US" sz="3600" b="0" i="1" smtClean="0">
                             <a:latin typeface="Cambria Math" panose="02040503050406030204" pitchFamily="18" charset="0"/>
                           </a:rPr>
                           <m:t>2</m:t>
@@ -37183,19 +37207,19 @@
                       </m:den>
                     </m:f>
                     <m:r>
-                      <a:rPr lang="en-US" sz="5100" b="0" i="1" smtClean="0">
+                      <a:rPr lang="en-US" sz="3600" b="0" i="1" smtClean="0">
                         <a:latin typeface="Cambria Math" panose="02040503050406030204" pitchFamily="18" charset="0"/>
                       </a:rPr>
                       <m:t>−3</m:t>
                     </m:r>
                     <m:r>
-                      <a:rPr lang="en-US" sz="5100" b="0" i="1" smtClean="0">
+                      <a:rPr lang="en-US" sz="3600" b="0" i="1" smtClean="0">
                         <a:latin typeface="Cambria Math" panose="02040503050406030204" pitchFamily="18" charset="0"/>
                       </a:rPr>
                       <m:t>𝑛</m:t>
                     </m:r>
                     <m:r>
-                      <a:rPr lang="en-US" sz="5100" b="0" i="1" smtClean="0">
+                      <a:rPr lang="en-US" sz="3600" b="0" i="1" smtClean="0">
                         <a:latin typeface="Cambria Math" panose="02040503050406030204" pitchFamily="18" charset="0"/>
                       </a:rPr>
                       <m:t>≤</m:t>
@@ -37203,14 +37227,14 @@
                     <m:sSub>
                       <m:sSubPr>
                         <m:ctrlPr>
-                          <a:rPr lang="en-US" sz="5100" b="0" i="1" smtClean="0">
+                          <a:rPr lang="en-US" sz="3600" b="0" i="1" smtClean="0">
                             <a:latin typeface="Cambria Math" panose="02040503050406030204" pitchFamily="18" charset="0"/>
                           </a:rPr>
                         </m:ctrlPr>
                       </m:sSubPr>
                       <m:e>
                         <m:r>
-                          <a:rPr lang="en-US" sz="5100" b="0" i="1" smtClean="0">
+                          <a:rPr lang="en-US" sz="3600" b="0" i="1" smtClean="0">
                             <a:latin typeface="Cambria Math" panose="02040503050406030204" pitchFamily="18" charset="0"/>
                           </a:rPr>
                           <m:t>𝑐</m:t>
@@ -37218,7 +37242,7 @@
                       </m:e>
                       <m:sub>
                         <m:r>
-                          <a:rPr lang="en-US" sz="5100" b="0" i="1" smtClean="0">
+                          <a:rPr lang="en-US" sz="3600" b="0" i="1" smtClean="0">
                             <a:latin typeface="Cambria Math" panose="02040503050406030204" pitchFamily="18" charset="0"/>
                           </a:rPr>
                           <m:t>2</m:t>
@@ -37228,14 +37252,14 @@
                     <m:sSup>
                       <m:sSupPr>
                         <m:ctrlPr>
-                          <a:rPr lang="en-US" sz="5100" b="0" i="1" smtClean="0">
+                          <a:rPr lang="en-US" sz="3600" b="0" i="1" smtClean="0">
                             <a:latin typeface="Cambria Math" panose="02040503050406030204" pitchFamily="18" charset="0"/>
                           </a:rPr>
                         </m:ctrlPr>
                       </m:sSupPr>
                       <m:e>
                         <m:r>
-                          <a:rPr lang="en-US" sz="5100" b="0" i="1" smtClean="0">
+                          <a:rPr lang="en-US" sz="3600" b="0" i="1" smtClean="0">
                             <a:latin typeface="Cambria Math" panose="02040503050406030204" pitchFamily="18" charset="0"/>
                           </a:rPr>
                           <m:t>𝑛</m:t>
@@ -37243,7 +37267,7 @@
                       </m:e>
                       <m:sup>
                         <m:r>
-                          <a:rPr lang="en-US" sz="5100" b="0" i="1" smtClean="0">
+                          <a:rPr lang="en-US" sz="3600" b="0" i="1" smtClean="0">
                             <a:latin typeface="Cambria Math" panose="02040503050406030204" pitchFamily="18" charset="0"/>
                           </a:rPr>
                           <m:t>2</m:t>
@@ -37253,20 +37277,20 @@
                   </m:oMath>
                 </a14:m>
                 <a:r>
-                  <a:rPr lang="en-US" sz="5100" dirty="0"/>
+                  <a:rPr lang="en-US" sz="3600" dirty="0"/>
                   <a:t> for all </a:t>
                 </a:r>
                 <a14:m>
                   <m:oMath xmlns:m="http://schemas.openxmlformats.org/officeDocument/2006/math">
                     <m:r>
-                      <a:rPr lang="en-US" sz="5100" i="1">
+                      <a:rPr lang="en-US" sz="3600" i="1">
                         <a:latin typeface="Cambria Math" panose="02040503050406030204" pitchFamily="18" charset="0"/>
                         <a:ea typeface="Cambria Math" panose="02040503050406030204" pitchFamily="18" charset="0"/>
                       </a:rPr>
                       <m:t>𝑛</m:t>
                     </m:r>
                     <m:r>
-                      <a:rPr lang="en-US" sz="5100" i="1">
+                      <a:rPr lang="en-US" sz="3600" i="1">
                         <a:latin typeface="Cambria Math" panose="02040503050406030204" pitchFamily="18" charset="0"/>
                         <a:ea typeface="Cambria Math" panose="02040503050406030204" pitchFamily="18" charset="0"/>
                       </a:rPr>
@@ -37275,7 +37299,7 @@
                     <m:sSub>
                       <m:sSubPr>
                         <m:ctrlPr>
-                          <a:rPr lang="en-US" sz="5100" i="1">
+                          <a:rPr lang="en-US" sz="3600" i="1">
                             <a:latin typeface="Cambria Math" panose="02040503050406030204" pitchFamily="18" charset="0"/>
                             <a:ea typeface="Cambria Math" panose="02040503050406030204" pitchFamily="18" charset="0"/>
                           </a:rPr>
@@ -37283,7 +37307,7 @@
                       </m:sSubPr>
                       <m:e>
                         <m:r>
-                          <a:rPr lang="en-US" sz="5100" i="1">
+                          <a:rPr lang="en-US" sz="3600" i="1">
                             <a:latin typeface="Cambria Math" panose="02040503050406030204" pitchFamily="18" charset="0"/>
                             <a:ea typeface="Cambria Math" panose="02040503050406030204" pitchFamily="18" charset="0"/>
                           </a:rPr>
@@ -37292,7 +37316,7 @@
                       </m:e>
                       <m:sub>
                         <m:r>
-                          <a:rPr lang="en-US" sz="5100" i="1">
+                          <a:rPr lang="en-US" sz="3600" i="1">
                             <a:latin typeface="Cambria Math" panose="02040503050406030204" pitchFamily="18" charset="0"/>
                             <a:ea typeface="Cambria Math" panose="02040503050406030204" pitchFamily="18" charset="0"/>
                           </a:rPr>
@@ -37302,14 +37326,20 @@
                     </m:sSub>
                   </m:oMath>
                 </a14:m>
-                <a:endParaRPr lang="en-US" sz="5100" dirty="0"/>
+                <a:endParaRPr lang="en-US" sz="3600" dirty="0"/>
               </a:p>
               <a:p>
                 <a:pPr marL="0" indent="0">
                   <a:buNone/>
                 </a:pPr>
-                <a:r>
-                  <a:rPr lang="en-US" sz="5100" dirty="0">
+                <a:endParaRPr lang="en-US" sz="3600" dirty="0"/>
+              </a:p>
+              <a:p>
+                <a:pPr marL="0" indent="0">
+                  <a:buNone/>
+                </a:pPr>
+                <a:r>
+                  <a:rPr lang="en-US" sz="3600" dirty="0">
                     <a:solidFill>
                       <a:schemeClr val="accent1"/>
                     </a:solidFill>
@@ -37321,7 +37351,7 @@
                     <m:sSup>
                       <m:sSupPr>
                         <m:ctrlPr>
-                          <a:rPr lang="en-US" sz="5100" i="1" smtClean="0">
+                          <a:rPr lang="en-US" sz="3600" i="1" smtClean="0">
                             <a:solidFill>
                               <a:schemeClr val="accent1"/>
                             </a:solidFill>
@@ -37331,7 +37361,7 @@
                       </m:sSupPr>
                       <m:e>
                         <m:r>
-                          <a:rPr lang="en-US" sz="5100" i="1">
+                          <a:rPr lang="en-US" sz="3600" i="1">
                             <a:solidFill>
                               <a:schemeClr val="accent1"/>
                             </a:solidFill>
@@ -37342,7 +37372,7 @@
                       </m:e>
                       <m:sup>
                         <m:r>
-                          <a:rPr lang="en-US" sz="5100" i="1">
+                          <a:rPr lang="en-US" sz="3600" i="1">
                             <a:solidFill>
                               <a:schemeClr val="accent1"/>
                             </a:solidFill>
@@ -37353,7 +37383,7 @@
                       </m:sup>
                     </m:sSup>
                     <m:r>
-                      <a:rPr lang="en-US" sz="5100" b="0" i="1" smtClean="0">
+                      <a:rPr lang="en-US" sz="3600" b="0" i="1" smtClean="0">
                         <a:solidFill>
                           <a:schemeClr val="accent1"/>
                         </a:solidFill>
@@ -37364,7 +37394,7 @@
                   </m:oMath>
                 </a14:m>
                 <a:r>
-                  <a:rPr lang="en-US" sz="5100" dirty="0">
+                  <a:rPr lang="en-US" sz="3600" dirty="0">
                     <a:solidFill>
                       <a:schemeClr val="accent1"/>
                     </a:solidFill>
@@ -37377,7 +37407,7 @@
                   <a:buNone/>
                 </a:pPr>
                 <a:r>
-                  <a:rPr lang="en-US" sz="5100" dirty="0"/>
+                  <a:rPr lang="en-US" sz="3600" dirty="0"/>
                   <a:t>	 </a:t>
                 </a:r>
                 <a14:m>
@@ -37385,20 +37415,20 @@
                     <m:sSub>
                       <m:sSubPr>
                         <m:ctrlPr>
-                          <a:rPr lang="en-US" sz="5100" i="1" smtClean="0">
+                          <a:rPr lang="en-US" sz="3600" i="1" smtClean="0">
                             <a:latin typeface="Cambria Math" panose="02040503050406030204" pitchFamily="18" charset="0"/>
                           </a:rPr>
                         </m:ctrlPr>
                       </m:sSubPr>
                       <m:e>
                         <m:r>
-                          <a:rPr lang="en-US" sz="5100" b="0" i="1" smtClean="0">
+                          <a:rPr lang="en-US" sz="3600" b="0" i="1" smtClean="0">
                             <a:latin typeface="Cambria Math" panose="02040503050406030204" pitchFamily="18" charset="0"/>
                           </a:rPr>
                           <m:t>        </m:t>
                         </m:r>
                         <m:r>
-                          <a:rPr lang="en-US" sz="5100" i="1">
+                          <a:rPr lang="en-US" sz="3600" i="1">
                             <a:latin typeface="Cambria Math" panose="02040503050406030204" pitchFamily="18" charset="0"/>
                           </a:rPr>
                           <m:t>𝑐</m:t>
@@ -37406,7 +37436,7 @@
                       </m:e>
                       <m:sub>
                         <m:r>
-                          <a:rPr lang="en-US" sz="5100" i="1">
+                          <a:rPr lang="en-US" sz="3600" i="1">
                             <a:latin typeface="Cambria Math" panose="02040503050406030204" pitchFamily="18" charset="0"/>
                           </a:rPr>
                           <m:t>1</m:t>
@@ -37416,13 +37446,13 @@
                   </m:oMath>
                 </a14:m>
                 <a:r>
-                  <a:rPr lang="en-US" sz="5100" dirty="0"/>
+                  <a:rPr lang="en-US" sz="3600" dirty="0"/>
                   <a:t> </a:t>
                 </a:r>
                 <a14:m>
                   <m:oMath xmlns:m="http://schemas.openxmlformats.org/officeDocument/2006/math">
                     <m:r>
-                      <a:rPr lang="en-US" sz="5100" b="0" i="0" smtClean="0">
+                      <a:rPr lang="en-US" sz="3600" b="0" i="0" smtClean="0">
                         <a:latin typeface="Cambria Math" panose="02040503050406030204" pitchFamily="18" charset="0"/>
                       </a:rPr>
                       <m:t>≤</m:t>
@@ -37430,14 +37460,14 @@
                     <m:f>
                       <m:fPr>
                         <m:ctrlPr>
-                          <a:rPr lang="en-US" sz="5100" i="1" smtClean="0">
+                          <a:rPr lang="en-US" sz="3600" i="1" smtClean="0">
                             <a:latin typeface="Cambria Math" panose="02040503050406030204" pitchFamily="18" charset="0"/>
                           </a:rPr>
                         </m:ctrlPr>
                       </m:fPr>
                       <m:num>
                         <m:r>
-                          <a:rPr lang="en-US" sz="5100" b="0" i="1" smtClean="0">
+                          <a:rPr lang="en-US" sz="3600" b="0" i="1" smtClean="0">
                             <a:latin typeface="Cambria Math" panose="02040503050406030204" pitchFamily="18" charset="0"/>
                           </a:rPr>
                           <m:t>1</m:t>
@@ -37445,7 +37475,7 @@
                       </m:num>
                       <m:den>
                         <m:r>
-                          <a:rPr lang="en-US" sz="5100" b="0" i="1" smtClean="0">
+                          <a:rPr lang="en-US" sz="3600" b="0" i="1" smtClean="0">
                             <a:latin typeface="Cambria Math" panose="02040503050406030204" pitchFamily="18" charset="0"/>
                           </a:rPr>
                           <m:t>2</m:t>
@@ -37453,7 +37483,7 @@
                       </m:den>
                     </m:f>
                     <m:r>
-                      <a:rPr lang="en-US" sz="5100" b="0" i="1" smtClean="0">
+                      <a:rPr lang="en-US" sz="3600" b="0" i="1" smtClean="0">
                         <a:latin typeface="Cambria Math" panose="02040503050406030204" pitchFamily="18" charset="0"/>
                       </a:rPr>
                       <m:t>−</m:t>
@@ -37461,14 +37491,14 @@
                     <m:f>
                       <m:fPr>
                         <m:ctrlPr>
-                          <a:rPr lang="en-US" sz="5100" b="0" i="1" smtClean="0">
+                          <a:rPr lang="en-US" sz="3600" b="0" i="1" smtClean="0">
                             <a:latin typeface="Cambria Math" panose="02040503050406030204" pitchFamily="18" charset="0"/>
                           </a:rPr>
                         </m:ctrlPr>
                       </m:fPr>
                       <m:num>
                         <m:r>
-                          <a:rPr lang="en-US" sz="5100" b="0" i="1" smtClean="0">
+                          <a:rPr lang="en-US" sz="3600" b="0" i="1" smtClean="0">
                             <a:latin typeface="Cambria Math" panose="02040503050406030204" pitchFamily="18" charset="0"/>
                           </a:rPr>
                           <m:t>3</m:t>
@@ -37476,7 +37506,7 @@
                       </m:num>
                       <m:den>
                         <m:r>
-                          <a:rPr lang="en-US" sz="5100" b="0" i="1" smtClean="0">
+                          <a:rPr lang="en-US" sz="3600" b="0" i="1" smtClean="0">
                             <a:latin typeface="Cambria Math" panose="02040503050406030204" pitchFamily="18" charset="0"/>
                           </a:rPr>
                           <m:t>𝑛</m:t>
@@ -37484,7 +37514,7 @@
                       </m:den>
                     </m:f>
                     <m:r>
-                      <a:rPr lang="en-US" sz="5100" b="0" i="1" smtClean="0">
+                      <a:rPr lang="en-US" sz="3600" b="0" i="1" smtClean="0">
                         <a:latin typeface="Cambria Math" panose="02040503050406030204" pitchFamily="18" charset="0"/>
                       </a:rPr>
                       <m:t>≤</m:t>
@@ -37492,14 +37522,14 @@
                     <m:sSub>
                       <m:sSubPr>
                         <m:ctrlPr>
-                          <a:rPr lang="en-US" sz="5100" b="0" i="1" smtClean="0">
+                          <a:rPr lang="en-US" sz="3600" b="0" i="1" smtClean="0">
                             <a:latin typeface="Cambria Math" panose="02040503050406030204" pitchFamily="18" charset="0"/>
                           </a:rPr>
                         </m:ctrlPr>
                       </m:sSubPr>
                       <m:e>
                         <m:r>
-                          <a:rPr lang="en-US" sz="5100" b="0" i="1" smtClean="0">
+                          <a:rPr lang="en-US" sz="3600" b="0" i="1" smtClean="0">
                             <a:latin typeface="Cambria Math" panose="02040503050406030204" pitchFamily="18" charset="0"/>
                           </a:rPr>
                           <m:t>𝑐</m:t>
@@ -37507,7 +37537,7 @@
                       </m:e>
                       <m:sub>
                         <m:r>
-                          <a:rPr lang="en-US" sz="5100" b="0" i="1" smtClean="0">
+                          <a:rPr lang="en-US" sz="3600" b="0" i="1" smtClean="0">
                             <a:latin typeface="Cambria Math" panose="02040503050406030204" pitchFamily="18" charset="0"/>
                           </a:rPr>
                           <m:t>2</m:t>
@@ -37516,7 +37546,7 @@
                     </m:sSub>
                   </m:oMath>
                 </a14:m>
-                <a:endParaRPr lang="en-US" sz="5100" dirty="0"/>
+                <a:endParaRPr lang="en-US" sz="3600" dirty="0"/>
               </a:p>
               <a:p>
                 <a:pPr marL="0" indent="0">
@@ -37558,7 +37588,7 @@
             </p:txBody>
           </p:sp>
         </mc:Choice>
-        <mc:Fallback xmlns="">
+        <mc:Fallback>
           <p:sp>
             <p:nvSpPr>
               <p:cNvPr id="3" name="Content Placeholder 2">
@@ -37583,7 +37613,7 @@
               <a:blipFill>
                 <a:blip r:embed="rId3"/>
                 <a:stretch>
-                  <a:fillRect l="-1983"/>
+                  <a:fillRect l="-907"/>
                 </a:stretch>
               </a:blipFill>
             </p:spPr>
@@ -39750,8 +39780,8 @@
           </p:sp>
         </mc:Fallback>
       </mc:AlternateContent>
-      <mc:AlternateContent xmlns:mc="http://schemas.openxmlformats.org/markup-compatibility/2006">
-        <mc:Choice xmlns:a14="http://schemas.microsoft.com/office/drawing/2010/main" Requires="a14">
+      <mc:AlternateContent xmlns:mc="http://schemas.openxmlformats.org/markup-compatibility/2006" xmlns:a14="http://schemas.microsoft.com/office/drawing/2010/main">
+        <mc:Choice Requires="a14">
           <p:sp>
             <p:nvSpPr>
               <p:cNvPr id="3" name="Content Placeholder 2">
@@ -40146,7 +40176,7 @@
             </p:txBody>
           </p:sp>
         </mc:Choice>
-        <mc:Fallback>
+        <mc:Fallback xmlns="">
           <p:sp>
             <p:nvSpPr>
               <p:cNvPr id="3" name="Content Placeholder 2">
@@ -40252,8 +40282,8 @@
           </a:p>
         </p:txBody>
       </p:sp>
-      <mc:AlternateContent xmlns:mc="http://schemas.openxmlformats.org/markup-compatibility/2006" xmlns:a14="http://schemas.microsoft.com/office/drawing/2010/main">
-        <mc:Choice Requires="a14">
+      <mc:AlternateContent xmlns:mc="http://schemas.openxmlformats.org/markup-compatibility/2006">
+        <mc:Choice xmlns:a14="http://schemas.microsoft.com/office/drawing/2010/main" Requires="a14">
           <p:sp>
             <p:nvSpPr>
               <p:cNvPr id="3" name="Content Placeholder 2">
@@ -41419,6 +41449,100 @@
                         </m:r>
                       </m:e>
                     </m:d>
+                    <m:r>
+                      <a:rPr lang="en-US" b="0" i="0" smtClean="0">
+                        <a:solidFill>
+                          <a:schemeClr val="tx1"/>
+                        </a:solidFill>
+                        <a:latin typeface="Cambria Math" panose="02040503050406030204" pitchFamily="18" charset="0"/>
+                        <a:ea typeface="Cambria Math" panose="02040503050406030204" pitchFamily="18" charset="0"/>
+                      </a:rPr>
+                      <m:t>,</m:t>
+                    </m:r>
+                  </m:oMath>
+                </a14:m>
+                <a:endParaRPr lang="en-US" b="0" dirty="0">
+                  <a:solidFill>
+                    <a:schemeClr val="tx1"/>
+                  </a:solidFill>
+                  <a:ea typeface="Cambria Math" panose="02040503050406030204" pitchFamily="18" charset="0"/>
+                </a:endParaRPr>
+              </a:p>
+              <a:p>
+                <a:pPr marL="457200" lvl="1" indent="0">
+                  <a:buNone/>
+                </a:pPr>
+                <a:r>
+                  <a:rPr lang="en-US" dirty="0">
+                    <a:solidFill>
+                      <a:schemeClr val="accent1"/>
+                    </a:solidFill>
+                  </a:rPr>
+                  <a:t>then </a:t>
+                </a:r>
+                <a14:m>
+                  <m:oMath xmlns:m="http://schemas.openxmlformats.org/officeDocument/2006/math">
+                    <m:r>
+                      <a:rPr lang="en-US" i="1" smtClean="0">
+                        <a:latin typeface="Cambria Math" panose="02040503050406030204" pitchFamily="18" charset="0"/>
+                      </a:rPr>
+                      <m:t>𝑓</m:t>
+                    </m:r>
+                    <m:d>
+                      <m:dPr>
+                        <m:ctrlPr>
+                          <a:rPr lang="en-US" i="1">
+                            <a:latin typeface="Cambria Math" panose="02040503050406030204" pitchFamily="18" charset="0"/>
+                          </a:rPr>
+                        </m:ctrlPr>
+                      </m:dPr>
+                      <m:e>
+                        <m:r>
+                          <a:rPr lang="en-US" i="1">
+                            <a:latin typeface="Cambria Math" panose="02040503050406030204" pitchFamily="18" charset="0"/>
+                          </a:rPr>
+                          <m:t>𝑛</m:t>
+                        </m:r>
+                      </m:e>
+                    </m:d>
+                  </m:oMath>
+                </a14:m>
+                <a:r>
+                  <a:rPr lang="en-US" dirty="0">
+                    <a:solidFill>
+                      <a:schemeClr val="accent1"/>
+                    </a:solidFill>
+                  </a:rPr>
+                  <a:t> has the same order as </a:t>
+                </a:r>
+                <a14:m>
+                  <m:oMath xmlns:m="http://schemas.openxmlformats.org/officeDocument/2006/math">
+                    <m:r>
+                      <a:rPr lang="en-US" i="1">
+                        <a:latin typeface="Cambria Math" panose="02040503050406030204" pitchFamily="18" charset="0"/>
+                        <a:ea typeface="Cambria Math" panose="02040503050406030204" pitchFamily="18" charset="0"/>
+                      </a:rPr>
+                      <m:t>h</m:t>
+                    </m:r>
+                    <m:d>
+                      <m:dPr>
+                        <m:ctrlPr>
+                          <a:rPr lang="en-US" i="1">
+                            <a:latin typeface="Cambria Math" panose="02040503050406030204" pitchFamily="18" charset="0"/>
+                            <a:ea typeface="Cambria Math" panose="02040503050406030204" pitchFamily="18" charset="0"/>
+                          </a:rPr>
+                        </m:ctrlPr>
+                      </m:dPr>
+                      <m:e>
+                        <m:r>
+                          <a:rPr lang="en-US" i="1">
+                            <a:latin typeface="Cambria Math" panose="02040503050406030204" pitchFamily="18" charset="0"/>
+                            <a:ea typeface="Cambria Math" panose="02040503050406030204" pitchFamily="18" charset="0"/>
+                          </a:rPr>
+                          <m:t>𝑛</m:t>
+                        </m:r>
+                      </m:e>
+                    </m:d>
                   </m:oMath>
                 </a14:m>
                 <a:r>
@@ -41442,7 +41566,7 @@
             </p:txBody>
           </p:sp>
         </mc:Choice>
-        <mc:Fallback xmlns="">
+        <mc:Fallback>
           <p:sp>
             <p:nvSpPr>
               <p:cNvPr id="3" name="Content Placeholder 2">

--- a/Lectures/Lecture 1.pptx
+++ b/Lectures/Lecture 1.pptx
@@ -2394,7 +2394,7 @@
           <a:p>
             <a:fld id="{1CB48AD5-CDAE-4B7B-B49D-6DB81FF5A179}" type="datetimeFigureOut">
               <a:rPr lang="en-US" smtClean="0"/>
-              <a:t>8/6/2020</a:t>
+              <a:t>8/8/2020</a:t>
             </a:fld>
             <a:endParaRPr lang="en-US"/>
           </a:p>
@@ -2808,7 +2808,7 @@
           <a:p>
             <a:fld id="{C4959B56-7D6D-462F-B061-93C9E323EE8A}" type="datetimeFigureOut">
               <a:rPr lang="en-US" smtClean="0"/>
-              <a:t>8/6/2020</a:t>
+              <a:t>8/8/2020</a:t>
             </a:fld>
             <a:endParaRPr lang="en-US"/>
           </a:p>
@@ -3006,7 +3006,7 @@
           <a:p>
             <a:fld id="{C4959B56-7D6D-462F-B061-93C9E323EE8A}" type="datetimeFigureOut">
               <a:rPr lang="en-US" smtClean="0"/>
-              <a:t>8/6/2020</a:t>
+              <a:t>8/8/2020</a:t>
             </a:fld>
             <a:endParaRPr lang="en-US"/>
           </a:p>
@@ -3214,7 +3214,7 @@
           <a:p>
             <a:fld id="{C4959B56-7D6D-462F-B061-93C9E323EE8A}" type="datetimeFigureOut">
               <a:rPr lang="en-US" smtClean="0"/>
-              <a:t>8/6/2020</a:t>
+              <a:t>8/8/2020</a:t>
             </a:fld>
             <a:endParaRPr lang="en-US"/>
           </a:p>
@@ -3412,7 +3412,7 @@
           <a:p>
             <a:fld id="{C4959B56-7D6D-462F-B061-93C9E323EE8A}" type="datetimeFigureOut">
               <a:rPr lang="en-US" smtClean="0"/>
-              <a:t>8/6/2020</a:t>
+              <a:t>8/8/2020</a:t>
             </a:fld>
             <a:endParaRPr lang="en-US"/>
           </a:p>
@@ -3687,7 +3687,7 @@
           <a:p>
             <a:fld id="{C4959B56-7D6D-462F-B061-93C9E323EE8A}" type="datetimeFigureOut">
               <a:rPr lang="en-US" smtClean="0"/>
-              <a:t>8/6/2020</a:t>
+              <a:t>8/8/2020</a:t>
             </a:fld>
             <a:endParaRPr lang="en-US"/>
           </a:p>
@@ -3952,7 +3952,7 @@
           <a:p>
             <a:fld id="{C4959B56-7D6D-462F-B061-93C9E323EE8A}" type="datetimeFigureOut">
               <a:rPr lang="en-US" smtClean="0"/>
-              <a:t>8/6/2020</a:t>
+              <a:t>8/8/2020</a:t>
             </a:fld>
             <a:endParaRPr lang="en-US"/>
           </a:p>
@@ -4364,7 +4364,7 @@
           <a:p>
             <a:fld id="{C4959B56-7D6D-462F-B061-93C9E323EE8A}" type="datetimeFigureOut">
               <a:rPr lang="en-US" smtClean="0"/>
-              <a:t>8/6/2020</a:t>
+              <a:t>8/8/2020</a:t>
             </a:fld>
             <a:endParaRPr lang="en-US"/>
           </a:p>
@@ -4505,7 +4505,7 @@
           <a:p>
             <a:fld id="{C4959B56-7D6D-462F-B061-93C9E323EE8A}" type="datetimeFigureOut">
               <a:rPr lang="en-US" smtClean="0"/>
-              <a:t>8/6/2020</a:t>
+              <a:t>8/8/2020</a:t>
             </a:fld>
             <a:endParaRPr lang="en-US"/>
           </a:p>
@@ -4618,7 +4618,7 @@
           <a:p>
             <a:fld id="{C4959B56-7D6D-462F-B061-93C9E323EE8A}" type="datetimeFigureOut">
               <a:rPr lang="en-US" smtClean="0"/>
-              <a:t>8/6/2020</a:t>
+              <a:t>8/8/2020</a:t>
             </a:fld>
             <a:endParaRPr lang="en-US"/>
           </a:p>
@@ -4929,7 +4929,7 @@
           <a:p>
             <a:fld id="{C4959B56-7D6D-462F-B061-93C9E323EE8A}" type="datetimeFigureOut">
               <a:rPr lang="en-US" smtClean="0"/>
-              <a:t>8/6/2020</a:t>
+              <a:t>8/8/2020</a:t>
             </a:fld>
             <a:endParaRPr lang="en-US"/>
           </a:p>
@@ -5217,7 +5217,7 @@
           <a:p>
             <a:fld id="{C4959B56-7D6D-462F-B061-93C9E323EE8A}" type="datetimeFigureOut">
               <a:rPr lang="en-US" smtClean="0"/>
-              <a:t>8/6/2020</a:t>
+              <a:t>8/8/2020</a:t>
             </a:fld>
             <a:endParaRPr lang="en-US"/>
           </a:p>
@@ -5458,7 +5458,7 @@
           <a:p>
             <a:fld id="{C4959B56-7D6D-462F-B061-93C9E323EE8A}" type="datetimeFigureOut">
               <a:rPr lang="en-US" smtClean="0"/>
-              <a:t>8/6/2020</a:t>
+              <a:t>8/8/2020</a:t>
             </a:fld>
             <a:endParaRPr lang="en-US"/>
           </a:p>
@@ -17262,8 +17262,8 @@
           </a:p>
         </p:txBody>
       </p:sp>
-      <mc:AlternateContent xmlns:mc="http://schemas.openxmlformats.org/markup-compatibility/2006">
-        <mc:Choice xmlns:a14="http://schemas.microsoft.com/office/drawing/2010/main" Requires="a14">
+      <mc:AlternateContent xmlns:mc="http://schemas.openxmlformats.org/markup-compatibility/2006" xmlns:a14="http://schemas.microsoft.com/office/drawing/2010/main">
+        <mc:Choice Requires="a14">
           <p:sp>
             <p:nvSpPr>
               <p:cNvPr id="3" name="Content Placeholder 2">
@@ -18255,7 +18255,7 @@
             </p:txBody>
           </p:sp>
         </mc:Choice>
-        <mc:Fallback>
+        <mc:Fallback xmlns="">
           <p:sp>
             <p:nvSpPr>
               <p:cNvPr id="3" name="Content Placeholder 2">
@@ -25484,8 +25484,8 @@
           </p:sp>
         </mc:Fallback>
       </mc:AlternateContent>
-      <mc:AlternateContent xmlns:mc="http://schemas.openxmlformats.org/markup-compatibility/2006" xmlns:a14="http://schemas.microsoft.com/office/drawing/2010/main">
-        <mc:Choice Requires="a14">
+      <mc:AlternateContent xmlns:mc="http://schemas.openxmlformats.org/markup-compatibility/2006">
+        <mc:Choice xmlns:a14="http://schemas.microsoft.com/office/drawing/2010/main" Requires="a14">
           <p:sp>
             <p:nvSpPr>
               <p:cNvPr id="3" name="Content Placeholder 2">
@@ -26173,11 +26173,11 @@
                       <m:t>𝑛</m:t>
                     </m:r>
                     <m:r>
-                      <a:rPr lang="en-US" i="1">
+                      <a:rPr lang="en-US" b="0" i="1" smtClean="0">
                         <a:latin typeface="Cambria Math" panose="02040503050406030204" pitchFamily="18" charset="0"/>
                         <a:ea typeface="Cambria Math" panose="02040503050406030204" pitchFamily="18" charset="0"/>
                       </a:rPr>
-                      <m:t>≥</m:t>
+                      <m:t>&gt;</m:t>
                     </m:r>
                     <m:r>
                       <a:rPr lang="en-US" b="0" i="1" smtClean="0">
@@ -26444,7 +26444,7 @@
             </p:txBody>
           </p:sp>
         </mc:Choice>
-        <mc:Fallback xmlns="">
+        <mc:Fallback>
           <p:sp>
             <p:nvSpPr>
               <p:cNvPr id="3" name="Content Placeholder 2">
@@ -30844,8 +30844,8 @@
           </a:p>
         </p:txBody>
       </p:sp>
-      <mc:AlternateContent xmlns:mc="http://schemas.openxmlformats.org/markup-compatibility/2006">
-        <mc:Choice xmlns:a14="http://schemas.microsoft.com/office/drawing/2010/main" Requires="a14">
+      <mc:AlternateContent xmlns:mc="http://schemas.openxmlformats.org/markup-compatibility/2006" xmlns:a14="http://schemas.microsoft.com/office/drawing/2010/main">
+        <mc:Choice Requires="a14">
           <p:sp>
             <p:nvSpPr>
               <p:cNvPr id="8" name="Content Placeholder 2">
@@ -31830,7 +31830,7 @@
             </p:txBody>
           </p:sp>
         </mc:Choice>
-        <mc:Fallback>
+        <mc:Fallback xmlns="">
           <p:sp>
             <p:nvSpPr>
               <p:cNvPr id="8" name="Content Placeholder 2">
@@ -36907,8 +36907,8 @@
           </p:sp>
         </mc:Fallback>
       </mc:AlternateContent>
-      <mc:AlternateContent xmlns:mc="http://schemas.openxmlformats.org/markup-compatibility/2006">
-        <mc:Choice xmlns:a14="http://schemas.microsoft.com/office/drawing/2010/main" Requires="a14">
+      <mc:AlternateContent xmlns:mc="http://schemas.openxmlformats.org/markup-compatibility/2006" xmlns:a14="http://schemas.microsoft.com/office/drawing/2010/main">
+        <mc:Choice Requires="a14">
           <p:sp>
             <p:nvSpPr>
               <p:cNvPr id="3" name="Content Placeholder 2">
@@ -37588,7 +37588,7 @@
             </p:txBody>
           </p:sp>
         </mc:Choice>
-        <mc:Fallback>
+        <mc:Fallback xmlns="">
           <p:sp>
             <p:nvSpPr>
               <p:cNvPr id="3" name="Content Placeholder 2">
@@ -40282,8 +40282,8 @@
           </a:p>
         </p:txBody>
       </p:sp>
-      <mc:AlternateContent xmlns:mc="http://schemas.openxmlformats.org/markup-compatibility/2006">
-        <mc:Choice xmlns:a14="http://schemas.microsoft.com/office/drawing/2010/main" Requires="a14">
+      <mc:AlternateContent xmlns:mc="http://schemas.openxmlformats.org/markup-compatibility/2006" xmlns:a14="http://schemas.microsoft.com/office/drawing/2010/main">
+        <mc:Choice Requires="a14">
           <p:sp>
             <p:nvSpPr>
               <p:cNvPr id="3" name="Content Placeholder 2">
@@ -41566,7 +41566,7 @@
             </p:txBody>
           </p:sp>
         </mc:Choice>
-        <mc:Fallback>
+        <mc:Fallback xmlns="">
           <p:sp>
             <p:nvSpPr>
               <p:cNvPr id="3" name="Content Placeholder 2">

--- a/Lectures/Lecture 1.pptx
+++ b/Lectures/Lecture 1.pptx
@@ -5,7 +5,7 @@
     <p:sldMasterId id="2147483648" r:id="rId1"/>
   </p:sldMasterIdLst>
   <p:notesMasterIdLst>
-    <p:notesMasterId r:id="rId48"/>
+    <p:notesMasterId r:id="rId49"/>
   </p:notesMasterIdLst>
   <p:sldIdLst>
     <p:sldId id="256" r:id="rId2"/>
@@ -47,13 +47,14 @@
     <p:sldId id="282" r:id="rId38"/>
     <p:sldId id="299" r:id="rId39"/>
     <p:sldId id="286" r:id="rId40"/>
-    <p:sldId id="265" r:id="rId41"/>
-    <p:sldId id="283" r:id="rId42"/>
-    <p:sldId id="300" r:id="rId43"/>
-    <p:sldId id="301" r:id="rId44"/>
-    <p:sldId id="302" r:id="rId45"/>
-    <p:sldId id="279" r:id="rId46"/>
-    <p:sldId id="303" r:id="rId47"/>
+    <p:sldId id="304" r:id="rId41"/>
+    <p:sldId id="265" r:id="rId42"/>
+    <p:sldId id="283" r:id="rId43"/>
+    <p:sldId id="300" r:id="rId44"/>
+    <p:sldId id="301" r:id="rId45"/>
+    <p:sldId id="302" r:id="rId46"/>
+    <p:sldId id="279" r:id="rId47"/>
+    <p:sldId id="303" r:id="rId48"/>
   </p:sldIdLst>
   <p:sldSz cx="12192000" cy="6858000"/>
   <p:notesSz cx="6858000" cy="9144000"/>
@@ -20245,8 +20246,8 @@
           </a:p>
         </p:txBody>
       </p:sp>
-      <mc:AlternateContent xmlns:mc="http://schemas.openxmlformats.org/markup-compatibility/2006" xmlns:a14="http://schemas.microsoft.com/office/drawing/2010/main">
-        <mc:Choice Requires="a14">
+      <mc:AlternateContent xmlns:mc="http://schemas.openxmlformats.org/markup-compatibility/2006">
+        <mc:Choice xmlns:a14="http://schemas.microsoft.com/office/drawing/2010/main" Requires="a14">
           <p:sp>
             <p:nvSpPr>
               <p:cNvPr id="3" name="Content Placeholder 2">
@@ -21033,43 +21034,24 @@
                 </a:r>
                 <a14:m>
                   <m:oMath xmlns:m="http://schemas.openxmlformats.org/officeDocument/2006/math">
-                    <m:sSub>
-                      <m:sSubPr>
-                        <m:ctrlPr>
-                          <a:rPr lang="en-US" i="1">
-                            <a:solidFill>
-                              <a:schemeClr val="accent1"/>
-                            </a:solidFill>
-                            <a:latin typeface="Cambria Math" panose="02040503050406030204" pitchFamily="18" charset="0"/>
-                            <a:ea typeface="Cambria Math" panose="02040503050406030204" pitchFamily="18" charset="0"/>
-                          </a:rPr>
-                        </m:ctrlPr>
-                      </m:sSubPr>
-                      <m:e>
-                        <m:r>
-                          <a:rPr lang="en-US" i="1">
-                            <a:solidFill>
-                              <a:schemeClr val="accent1"/>
-                            </a:solidFill>
-                            <a:latin typeface="Cambria Math" panose="02040503050406030204" pitchFamily="18" charset="0"/>
-                            <a:ea typeface="Cambria Math" panose="02040503050406030204" pitchFamily="18" charset="0"/>
-                          </a:rPr>
-                          <m:t>𝑛</m:t>
-                        </m:r>
-                      </m:e>
-                      <m:sub>
-                        <m:r>
-                          <a:rPr lang="en-US" i="1">
-                            <a:solidFill>
-                              <a:schemeClr val="accent1"/>
-                            </a:solidFill>
-                            <a:latin typeface="Cambria Math" panose="02040503050406030204" pitchFamily="18" charset="0"/>
-                            <a:ea typeface="Cambria Math" panose="02040503050406030204" pitchFamily="18" charset="0"/>
-                          </a:rPr>
-                          <m:t>0</m:t>
-                        </m:r>
-                      </m:sub>
-                    </m:sSub>
+                    <m:r>
+                      <a:rPr lang="en-US" i="1" smtClean="0">
+                        <a:solidFill>
+                          <a:schemeClr val="tx1"/>
+                        </a:solidFill>
+                        <a:latin typeface="Cambria Math" panose="02040503050406030204" pitchFamily="18" charset="0"/>
+                      </a:rPr>
+                      <m:t>𝑐</m:t>
+                    </m:r>
+                    <m:r>
+                      <a:rPr lang="en-US" i="1" smtClean="0">
+                        <a:solidFill>
+                          <a:schemeClr val="tx1"/>
+                        </a:solidFill>
+                        <a:latin typeface="Cambria Math" panose="02040503050406030204" pitchFamily="18" charset="0"/>
+                      </a:rPr>
+                      <m:t>=5</m:t>
+                    </m:r>
                   </m:oMath>
                 </a14:m>
                 <a:r>
@@ -21078,7 +21060,64 @@
                       <a:schemeClr val="accent1"/>
                     </a:solidFill>
                   </a:rPr>
-                  <a:t>=1. </a:t>
+                  <a:t> and  </a:t>
+                </a:r>
+                <a14:m>
+                  <m:oMath xmlns:m="http://schemas.openxmlformats.org/officeDocument/2006/math">
+                    <m:sSub>
+                      <m:sSubPr>
+                        <m:ctrlPr>
+                          <a:rPr lang="en-US" i="1" smtClean="0">
+                            <a:solidFill>
+                              <a:schemeClr val="tx1"/>
+                            </a:solidFill>
+                            <a:latin typeface="Cambria Math" panose="02040503050406030204" pitchFamily="18" charset="0"/>
+                            <a:ea typeface="Cambria Math" panose="02040503050406030204" pitchFamily="18" charset="0"/>
+                          </a:rPr>
+                        </m:ctrlPr>
+                      </m:sSubPr>
+                      <m:e>
+                        <m:r>
+                          <a:rPr lang="en-US" i="1">
+                            <a:solidFill>
+                              <a:schemeClr val="tx1"/>
+                            </a:solidFill>
+                            <a:latin typeface="Cambria Math" panose="02040503050406030204" pitchFamily="18" charset="0"/>
+                            <a:ea typeface="Cambria Math" panose="02040503050406030204" pitchFamily="18" charset="0"/>
+                          </a:rPr>
+                          <m:t>𝑛</m:t>
+                        </m:r>
+                      </m:e>
+                      <m:sub>
+                        <m:r>
+                          <a:rPr lang="en-US" i="1">
+                            <a:solidFill>
+                              <a:schemeClr val="tx1"/>
+                            </a:solidFill>
+                            <a:latin typeface="Cambria Math" panose="02040503050406030204" pitchFamily="18" charset="0"/>
+                            <a:ea typeface="Cambria Math" panose="02040503050406030204" pitchFamily="18" charset="0"/>
+                          </a:rPr>
+                          <m:t>0</m:t>
+                        </m:r>
+                      </m:sub>
+                    </m:sSub>
+                  </m:oMath>
+                </a14:m>
+                <a:r>
+                  <a:rPr lang="en-US" dirty="0">
+                    <a:solidFill>
+                      <a:schemeClr val="tx1"/>
+                    </a:solidFill>
+                  </a:rPr>
+                  <a:t>=1</a:t>
+                </a:r>
+                <a:r>
+                  <a:rPr lang="en-US" dirty="0">
+                    <a:solidFill>
+                      <a:schemeClr val="accent1"/>
+                    </a:solidFill>
+                  </a:rPr>
+                  <a:t>. </a:t>
                 </a:r>
                 <a14:m>
                   <m:oMath xmlns:m="http://schemas.openxmlformats.org/officeDocument/2006/math">
@@ -21109,7 +21148,7 @@
             </p:txBody>
           </p:sp>
         </mc:Choice>
-        <mc:Fallback xmlns="">
+        <mc:Fallback>
           <p:sp>
             <p:nvSpPr>
               <p:cNvPr id="3" name="Content Placeholder 2">
@@ -21215,8 +21254,8 @@
           </a:p>
         </p:txBody>
       </p:sp>
-      <mc:AlternateContent xmlns:mc="http://schemas.openxmlformats.org/markup-compatibility/2006" xmlns:a14="http://schemas.microsoft.com/office/drawing/2010/main">
-        <mc:Choice Requires="a14">
+      <mc:AlternateContent xmlns:mc="http://schemas.openxmlformats.org/markup-compatibility/2006">
+        <mc:Choice xmlns:a14="http://schemas.microsoft.com/office/drawing/2010/main" Requires="a14">
           <p:sp>
             <p:nvSpPr>
               <p:cNvPr id="3" name="Content Placeholder 2">
@@ -21985,6 +22024,30 @@
                 </a:r>
                 <a14:m>
                   <m:oMath xmlns:m="http://schemas.openxmlformats.org/officeDocument/2006/math">
+                    <m:r>
+                      <a:rPr lang="en-US" i="1">
+                        <a:latin typeface="Cambria Math" panose="02040503050406030204" pitchFamily="18" charset="0"/>
+                      </a:rPr>
+                      <m:t>𝑐</m:t>
+                    </m:r>
+                    <m:r>
+                      <a:rPr lang="en-US">
+                        <a:latin typeface="Cambria Math" panose="02040503050406030204" pitchFamily="18" charset="0"/>
+                      </a:rPr>
+                      <m:t>=5</m:t>
+                    </m:r>
+                  </m:oMath>
+                </a14:m>
+                <a:r>
+                  <a:rPr lang="en-US" dirty="0">
+                    <a:solidFill>
+                      <a:schemeClr val="accent1"/>
+                    </a:solidFill>
+                  </a:rPr>
+                  <a:t> and </a:t>
+                </a:r>
+                <a14:m>
+                  <m:oMath xmlns:m="http://schemas.openxmlformats.org/officeDocument/2006/math">
                     <m:sSub>
                       <m:sSubPr>
                         <m:ctrlPr>
@@ -22062,7 +22125,7 @@
             </p:txBody>
           </p:sp>
         </mc:Choice>
-        <mc:Fallback xmlns="">
+        <mc:Fallback>
           <p:sp>
             <p:nvSpPr>
               <p:cNvPr id="3" name="Content Placeholder 2">
@@ -23097,8 +23160,8 @@
           </a:p>
         </p:txBody>
       </p:sp>
-      <mc:AlternateContent xmlns:mc="http://schemas.openxmlformats.org/markup-compatibility/2006" xmlns:a14="http://schemas.microsoft.com/office/drawing/2010/main">
-        <mc:Choice Requires="a14">
+      <mc:AlternateContent xmlns:mc="http://schemas.openxmlformats.org/markup-compatibility/2006">
+        <mc:Choice xmlns:a14="http://schemas.microsoft.com/office/drawing/2010/main" Requires="a14">
           <p:sp>
             <p:nvSpPr>
               <p:cNvPr id="3" name="Content Placeholder 2">
@@ -24045,6 +24108,30 @@
                 </a:r>
                 <a14:m>
                   <m:oMath xmlns:m="http://schemas.openxmlformats.org/officeDocument/2006/math">
+                    <m:r>
+                      <a:rPr lang="en-US" i="1">
+                        <a:latin typeface="Cambria Math" panose="02040503050406030204" pitchFamily="18" charset="0"/>
+                      </a:rPr>
+                      <m:t>𝑐</m:t>
+                    </m:r>
+                    <m:r>
+                      <a:rPr lang="en-US" i="1">
+                        <a:latin typeface="Cambria Math" panose="02040503050406030204" pitchFamily="18" charset="0"/>
+                      </a:rPr>
+                      <m:t>=8</m:t>
+                    </m:r>
+                  </m:oMath>
+                </a14:m>
+                <a:r>
+                  <a:rPr lang="en-US" dirty="0">
+                    <a:solidFill>
+                      <a:schemeClr val="accent1"/>
+                    </a:solidFill>
+                  </a:rPr>
+                  <a:t> and </a:t>
+                </a:r>
+                <a14:m>
+                  <m:oMath xmlns:m="http://schemas.openxmlformats.org/officeDocument/2006/math">
                     <m:sSub>
                       <m:sSubPr>
                         <m:ctrlPr>
@@ -24100,7 +24187,7 @@
             </p:txBody>
           </p:sp>
         </mc:Choice>
-        <mc:Fallback xmlns="">
+        <mc:Fallback>
           <p:sp>
             <p:nvSpPr>
               <p:cNvPr id="3" name="Content Placeholder 2">
@@ -26382,13 +26469,27 @@
                       </a:rPr>
                       <m:t>,</m:t>
                     </m:r>
-                    <m:r>
-                      <a:rPr lang="en-US" i="1">
-                        <a:latin typeface="Cambria Math" panose="02040503050406030204" pitchFamily="18" charset="0"/>
-                        <a:ea typeface="Cambria Math" panose="02040503050406030204" pitchFamily="18" charset="0"/>
-                      </a:rPr>
-                      <m:t>𝑐</m:t>
-                    </m:r>
+                    <m:d>
+                      <m:dPr>
+                        <m:begChr m:val="⌈"/>
+                        <m:endChr m:val="⌉"/>
+                        <m:ctrlPr>
+                          <a:rPr lang="en-US" i="1" smtClean="0">
+                            <a:latin typeface="Cambria Math" panose="02040503050406030204" pitchFamily="18" charset="0"/>
+                            <a:ea typeface="Cambria Math" panose="02040503050406030204" pitchFamily="18" charset="0"/>
+                          </a:rPr>
+                        </m:ctrlPr>
+                      </m:dPr>
+                      <m:e>
+                        <m:r>
+                          <a:rPr lang="en-US" b="0" i="1" smtClean="0">
+                            <a:latin typeface="Cambria Math" panose="02040503050406030204" pitchFamily="18" charset="0"/>
+                            <a:ea typeface="Cambria Math" panose="02040503050406030204" pitchFamily="18" charset="0"/>
+                          </a:rPr>
+                          <m:t>𝑐</m:t>
+                        </m:r>
+                      </m:e>
+                    </m:d>
                     <m:r>
                       <a:rPr lang="en-US" i="1">
                         <a:latin typeface="Cambria Math" panose="02040503050406030204" pitchFamily="18" charset="0"/>
@@ -34750,6 +34851,667 @@
       </p:grpSpPr>
       <p:sp>
         <p:nvSpPr>
+          <p:cNvPr id="2" name="Title 1"/>
+          <p:cNvSpPr>
+            <a:spLocks noGrp="1"/>
+          </p:cNvSpPr>
+          <p:nvPr>
+            <p:ph type="title"/>
+          </p:nvPr>
+        </p:nvSpPr>
+        <p:spPr/>
+        <p:txBody>
+          <a:bodyPr/>
+          <a:lstStyle/>
+          <a:p>
+            <a:r>
+              <a:rPr lang="en-US" dirty="0">
+                <a:solidFill>
+                  <a:schemeClr val="accent1"/>
+                </a:solidFill>
+              </a:rPr>
+              <a:t>Properties of Big-Omega</a:t>
+            </a:r>
+          </a:p>
+        </p:txBody>
+      </p:sp>
+      <mc:AlternateContent xmlns:mc="http://schemas.openxmlformats.org/markup-compatibility/2006">
+        <mc:Choice xmlns:a14="http://schemas.microsoft.com/office/drawing/2010/main" Requires="a14">
+          <p:sp>
+            <p:nvSpPr>
+              <p:cNvPr id="3" name="Content Placeholder 2"/>
+              <p:cNvSpPr>
+                <a:spLocks noGrp="1"/>
+              </p:cNvSpPr>
+              <p:nvPr>
+                <p:ph idx="1"/>
+              </p:nvPr>
+            </p:nvSpPr>
+            <p:spPr/>
+            <p:txBody>
+              <a:bodyPr/>
+              <a:lstStyle/>
+              <a:p>
+                <a14:m>
+                  <m:oMath xmlns:m="http://schemas.openxmlformats.org/officeDocument/2006/math">
+                    <m:r>
+                      <a:rPr lang="en-US" i="1" smtClean="0">
+                        <a:solidFill>
+                          <a:schemeClr val="accent2"/>
+                        </a:solidFill>
+                        <a:latin typeface="Cambria Math" panose="02040503050406030204" pitchFamily="18" charset="0"/>
+                      </a:rPr>
+                      <m:t>𝑓</m:t>
+                    </m:r>
+                    <m:d>
+                      <m:dPr>
+                        <m:ctrlPr>
+                          <a:rPr lang="en-US" i="1">
+                            <a:solidFill>
+                              <a:schemeClr val="accent2"/>
+                            </a:solidFill>
+                            <a:latin typeface="Cambria Math" panose="02040503050406030204" pitchFamily="18" charset="0"/>
+                          </a:rPr>
+                        </m:ctrlPr>
+                      </m:dPr>
+                      <m:e>
+                        <m:r>
+                          <a:rPr lang="en-US" i="1">
+                            <a:solidFill>
+                              <a:schemeClr val="accent2"/>
+                            </a:solidFill>
+                            <a:latin typeface="Cambria Math" panose="02040503050406030204" pitchFamily="18" charset="0"/>
+                          </a:rPr>
+                          <m:t>𝑛</m:t>
+                        </m:r>
+                      </m:e>
+                    </m:d>
+                    <m:r>
+                      <a:rPr lang="en-US" i="1">
+                        <a:solidFill>
+                          <a:schemeClr val="accent2"/>
+                        </a:solidFill>
+                        <a:latin typeface="Cambria Math" panose="02040503050406030204" pitchFamily="18" charset="0"/>
+                        <a:ea typeface="Cambria Math" panose="02040503050406030204" pitchFamily="18" charset="0"/>
+                      </a:rPr>
+                      <m:t>∈</m:t>
+                    </m:r>
+                    <m:r>
+                      <m:rPr>
+                        <m:sty m:val="p"/>
+                      </m:rPr>
+                      <a:rPr lang="el-GR" i="1" smtClean="0">
+                        <a:solidFill>
+                          <a:schemeClr val="accent2"/>
+                        </a:solidFill>
+                        <a:latin typeface="Cambria Math" panose="02040503050406030204" pitchFamily="18" charset="0"/>
+                        <a:ea typeface="Cambria Math" panose="02040503050406030204" pitchFamily="18" charset="0"/>
+                      </a:rPr>
+                      <m:t>Ω</m:t>
+                    </m:r>
+                    <m:d>
+                      <m:dPr>
+                        <m:ctrlPr>
+                          <a:rPr lang="en-US" i="1">
+                            <a:solidFill>
+                              <a:schemeClr val="accent2"/>
+                            </a:solidFill>
+                            <a:latin typeface="Cambria Math" panose="02040503050406030204" pitchFamily="18" charset="0"/>
+                            <a:ea typeface="Cambria Math" panose="02040503050406030204" pitchFamily="18" charset="0"/>
+                          </a:rPr>
+                        </m:ctrlPr>
+                      </m:dPr>
+                      <m:e>
+                        <m:r>
+                          <a:rPr lang="en-US" i="1">
+                            <a:solidFill>
+                              <a:schemeClr val="accent2"/>
+                            </a:solidFill>
+                            <a:latin typeface="Cambria Math" panose="02040503050406030204" pitchFamily="18" charset="0"/>
+                            <a:ea typeface="Cambria Math" panose="02040503050406030204" pitchFamily="18" charset="0"/>
+                          </a:rPr>
+                          <m:t>𝑐𝑓</m:t>
+                        </m:r>
+                        <m:d>
+                          <m:dPr>
+                            <m:ctrlPr>
+                              <a:rPr lang="en-US" i="1">
+                                <a:solidFill>
+                                  <a:schemeClr val="accent2"/>
+                                </a:solidFill>
+                                <a:latin typeface="Cambria Math" panose="02040503050406030204" pitchFamily="18" charset="0"/>
+                                <a:ea typeface="Cambria Math" panose="02040503050406030204" pitchFamily="18" charset="0"/>
+                              </a:rPr>
+                            </m:ctrlPr>
+                          </m:dPr>
+                          <m:e>
+                            <m:r>
+                              <a:rPr lang="en-US" i="1">
+                                <a:solidFill>
+                                  <a:schemeClr val="accent2"/>
+                                </a:solidFill>
+                                <a:latin typeface="Cambria Math" panose="02040503050406030204" pitchFamily="18" charset="0"/>
+                                <a:ea typeface="Cambria Math" panose="02040503050406030204" pitchFamily="18" charset="0"/>
+                              </a:rPr>
+                              <m:t>𝑛</m:t>
+                            </m:r>
+                          </m:e>
+                        </m:d>
+                      </m:e>
+                    </m:d>
+                  </m:oMath>
+                </a14:m>
+                <a:endParaRPr lang="en-US" dirty="0"/>
+              </a:p>
+              <a:p>
+                <a:pPr lvl="1"/>
+                <a:r>
+                  <a:rPr lang="en-US" dirty="0">
+                    <a:solidFill>
+                      <a:schemeClr val="accent1"/>
+                    </a:solidFill>
+                  </a:rPr>
+                  <a:t>Big-Omega is conserved under multiplicative constant.</a:t>
+                </a:r>
+              </a:p>
+              <a:p>
+                <a:pPr marL="457200" lvl="1" indent="0">
+                  <a:buNone/>
+                </a:pPr>
+                <a:endParaRPr lang="en-US" i="1" dirty="0">
+                  <a:solidFill>
+                    <a:schemeClr val="accent2"/>
+                  </a:solidFill>
+                  <a:latin typeface="Cambria Math" panose="02040503050406030204" pitchFamily="18" charset="0"/>
+                </a:endParaRPr>
+              </a:p>
+              <a:p>
+                <a14:m>
+                  <m:oMath xmlns:m="http://schemas.openxmlformats.org/officeDocument/2006/math">
+                    <m:r>
+                      <a:rPr lang="en-US" i="1" smtClean="0">
+                        <a:solidFill>
+                          <a:schemeClr val="accent2"/>
+                        </a:solidFill>
+                        <a:latin typeface="Cambria Math" panose="02040503050406030204" pitchFamily="18" charset="0"/>
+                      </a:rPr>
+                      <m:t>𝑓</m:t>
+                    </m:r>
+                    <m:d>
+                      <m:dPr>
+                        <m:ctrlPr>
+                          <a:rPr lang="en-US" i="1">
+                            <a:solidFill>
+                              <a:schemeClr val="accent2"/>
+                            </a:solidFill>
+                            <a:latin typeface="Cambria Math" panose="02040503050406030204" pitchFamily="18" charset="0"/>
+                          </a:rPr>
+                        </m:ctrlPr>
+                      </m:dPr>
+                      <m:e>
+                        <m:r>
+                          <a:rPr lang="en-US" i="1">
+                            <a:solidFill>
+                              <a:schemeClr val="accent2"/>
+                            </a:solidFill>
+                            <a:latin typeface="Cambria Math" panose="02040503050406030204" pitchFamily="18" charset="0"/>
+                          </a:rPr>
+                          <m:t>𝑛</m:t>
+                        </m:r>
+                      </m:e>
+                    </m:d>
+                    <m:r>
+                      <a:rPr lang="en-US" i="1">
+                        <a:solidFill>
+                          <a:schemeClr val="accent2"/>
+                        </a:solidFill>
+                        <a:latin typeface="Cambria Math" panose="02040503050406030204" pitchFamily="18" charset="0"/>
+                        <a:ea typeface="Cambria Math" panose="02040503050406030204" pitchFamily="18" charset="0"/>
+                      </a:rPr>
+                      <m:t>∈</m:t>
+                    </m:r>
+                    <m:r>
+                      <m:rPr>
+                        <m:sty m:val="p"/>
+                      </m:rPr>
+                      <a:rPr lang="el-GR" b="0" i="1" smtClean="0">
+                        <a:solidFill>
+                          <a:schemeClr val="accent2"/>
+                        </a:solidFill>
+                        <a:latin typeface="Cambria Math" panose="02040503050406030204" pitchFamily="18" charset="0"/>
+                        <a:ea typeface="Cambria Math" panose="02040503050406030204" pitchFamily="18" charset="0"/>
+                      </a:rPr>
+                      <m:t>Ω</m:t>
+                    </m:r>
+                    <m:d>
+                      <m:dPr>
+                        <m:ctrlPr>
+                          <a:rPr lang="en-US" i="1">
+                            <a:solidFill>
+                              <a:schemeClr val="accent2"/>
+                            </a:solidFill>
+                            <a:latin typeface="Cambria Math" panose="02040503050406030204" pitchFamily="18" charset="0"/>
+                            <a:ea typeface="Cambria Math" panose="02040503050406030204" pitchFamily="18" charset="0"/>
+                          </a:rPr>
+                        </m:ctrlPr>
+                      </m:dPr>
+                      <m:e>
+                        <m:r>
+                          <a:rPr lang="en-US" i="1">
+                            <a:solidFill>
+                              <a:schemeClr val="accent2"/>
+                            </a:solidFill>
+                            <a:latin typeface="Cambria Math" panose="02040503050406030204" pitchFamily="18" charset="0"/>
+                            <a:ea typeface="Cambria Math" panose="02040503050406030204" pitchFamily="18" charset="0"/>
+                          </a:rPr>
+                          <m:t>𝑔</m:t>
+                        </m:r>
+                        <m:d>
+                          <m:dPr>
+                            <m:ctrlPr>
+                              <a:rPr lang="en-US" i="1">
+                                <a:solidFill>
+                                  <a:schemeClr val="accent2"/>
+                                </a:solidFill>
+                                <a:latin typeface="Cambria Math" panose="02040503050406030204" pitchFamily="18" charset="0"/>
+                                <a:ea typeface="Cambria Math" panose="02040503050406030204" pitchFamily="18" charset="0"/>
+                              </a:rPr>
+                            </m:ctrlPr>
+                          </m:dPr>
+                          <m:e>
+                            <m:r>
+                              <a:rPr lang="en-US" i="1">
+                                <a:solidFill>
+                                  <a:schemeClr val="accent2"/>
+                                </a:solidFill>
+                                <a:latin typeface="Cambria Math" panose="02040503050406030204" pitchFamily="18" charset="0"/>
+                                <a:ea typeface="Cambria Math" panose="02040503050406030204" pitchFamily="18" charset="0"/>
+                              </a:rPr>
+                              <m:t>𝑛</m:t>
+                            </m:r>
+                          </m:e>
+                        </m:d>
+                      </m:e>
+                    </m:d>
+                    <m:r>
+                      <a:rPr lang="en-US" i="1" smtClean="0">
+                        <a:solidFill>
+                          <a:schemeClr val="accent2"/>
+                        </a:solidFill>
+                        <a:latin typeface="Cambria Math" panose="02040503050406030204" pitchFamily="18" charset="0"/>
+                        <a:ea typeface="Cambria Math" panose="02040503050406030204" pitchFamily="18" charset="0"/>
+                      </a:rPr>
+                      <m:t>∧</m:t>
+                    </m:r>
+                    <m:r>
+                      <a:rPr lang="en-US" i="1" smtClean="0">
+                        <a:solidFill>
+                          <a:schemeClr val="accent2"/>
+                        </a:solidFill>
+                        <a:latin typeface="Cambria Math" panose="02040503050406030204" pitchFamily="18" charset="0"/>
+                        <a:ea typeface="Cambria Math" panose="02040503050406030204" pitchFamily="18" charset="0"/>
+                      </a:rPr>
+                      <m:t>𝑔</m:t>
+                    </m:r>
+                    <m:d>
+                      <m:dPr>
+                        <m:ctrlPr>
+                          <a:rPr lang="en-US" i="1">
+                            <a:solidFill>
+                              <a:schemeClr val="accent2"/>
+                            </a:solidFill>
+                            <a:latin typeface="Cambria Math" panose="02040503050406030204" pitchFamily="18" charset="0"/>
+                          </a:rPr>
+                        </m:ctrlPr>
+                      </m:dPr>
+                      <m:e>
+                        <m:r>
+                          <a:rPr lang="en-US" i="1">
+                            <a:solidFill>
+                              <a:schemeClr val="accent2"/>
+                            </a:solidFill>
+                            <a:latin typeface="Cambria Math" panose="02040503050406030204" pitchFamily="18" charset="0"/>
+                          </a:rPr>
+                          <m:t>𝑛</m:t>
+                        </m:r>
+                      </m:e>
+                    </m:d>
+                    <m:r>
+                      <a:rPr lang="en-US" i="1">
+                        <a:solidFill>
+                          <a:schemeClr val="accent2"/>
+                        </a:solidFill>
+                        <a:latin typeface="Cambria Math" panose="02040503050406030204" pitchFamily="18" charset="0"/>
+                        <a:ea typeface="Cambria Math" panose="02040503050406030204" pitchFamily="18" charset="0"/>
+                      </a:rPr>
+                      <m:t>∈</m:t>
+                    </m:r>
+                    <m:r>
+                      <m:rPr>
+                        <m:sty m:val="p"/>
+                      </m:rPr>
+                      <a:rPr lang="el-GR" b="0" i="1" smtClean="0">
+                        <a:solidFill>
+                          <a:schemeClr val="accent2"/>
+                        </a:solidFill>
+                        <a:latin typeface="Cambria Math" panose="02040503050406030204" pitchFamily="18" charset="0"/>
+                        <a:ea typeface="Cambria Math" panose="02040503050406030204" pitchFamily="18" charset="0"/>
+                      </a:rPr>
+                      <m:t>Ω</m:t>
+                    </m:r>
+                    <m:d>
+                      <m:dPr>
+                        <m:ctrlPr>
+                          <a:rPr lang="en-US" i="1">
+                            <a:solidFill>
+                              <a:schemeClr val="accent2"/>
+                            </a:solidFill>
+                            <a:latin typeface="Cambria Math" panose="02040503050406030204" pitchFamily="18" charset="0"/>
+                            <a:ea typeface="Cambria Math" panose="02040503050406030204" pitchFamily="18" charset="0"/>
+                          </a:rPr>
+                        </m:ctrlPr>
+                      </m:dPr>
+                      <m:e>
+                        <m:r>
+                          <a:rPr lang="en-US" i="1">
+                            <a:solidFill>
+                              <a:schemeClr val="accent2"/>
+                            </a:solidFill>
+                            <a:latin typeface="Cambria Math" panose="02040503050406030204" pitchFamily="18" charset="0"/>
+                            <a:ea typeface="Cambria Math" panose="02040503050406030204" pitchFamily="18" charset="0"/>
+                          </a:rPr>
+                          <m:t>h</m:t>
+                        </m:r>
+                        <m:d>
+                          <m:dPr>
+                            <m:ctrlPr>
+                              <a:rPr lang="en-US" i="1">
+                                <a:solidFill>
+                                  <a:schemeClr val="accent2"/>
+                                </a:solidFill>
+                                <a:latin typeface="Cambria Math" panose="02040503050406030204" pitchFamily="18" charset="0"/>
+                                <a:ea typeface="Cambria Math" panose="02040503050406030204" pitchFamily="18" charset="0"/>
+                              </a:rPr>
+                            </m:ctrlPr>
+                          </m:dPr>
+                          <m:e>
+                            <m:r>
+                              <a:rPr lang="en-US" i="1">
+                                <a:solidFill>
+                                  <a:schemeClr val="accent2"/>
+                                </a:solidFill>
+                                <a:latin typeface="Cambria Math" panose="02040503050406030204" pitchFamily="18" charset="0"/>
+                                <a:ea typeface="Cambria Math" panose="02040503050406030204" pitchFamily="18" charset="0"/>
+                              </a:rPr>
+                              <m:t>𝑛</m:t>
+                            </m:r>
+                          </m:e>
+                        </m:d>
+                      </m:e>
+                    </m:d>
+                    <m:r>
+                      <a:rPr lang="en-US" i="1">
+                        <a:solidFill>
+                          <a:schemeClr val="accent2"/>
+                        </a:solidFill>
+                        <a:latin typeface="Cambria Math" panose="02040503050406030204" pitchFamily="18" charset="0"/>
+                        <a:ea typeface="Cambria Math" panose="02040503050406030204" pitchFamily="18" charset="0"/>
+                      </a:rPr>
+                      <m:t>⇒</m:t>
+                    </m:r>
+                    <m:r>
+                      <a:rPr lang="en-US" i="1">
+                        <a:solidFill>
+                          <a:schemeClr val="accent2"/>
+                        </a:solidFill>
+                        <a:latin typeface="Cambria Math" panose="02040503050406030204" pitchFamily="18" charset="0"/>
+                        <a:ea typeface="Cambria Math" panose="02040503050406030204" pitchFamily="18" charset="0"/>
+                      </a:rPr>
+                      <m:t>𝑓</m:t>
+                    </m:r>
+                    <m:r>
+                      <a:rPr lang="en-US" i="1">
+                        <a:solidFill>
+                          <a:schemeClr val="accent2"/>
+                        </a:solidFill>
+                        <a:latin typeface="Cambria Math" panose="02040503050406030204" pitchFamily="18" charset="0"/>
+                        <a:ea typeface="Cambria Math" panose="02040503050406030204" pitchFamily="18" charset="0"/>
+                      </a:rPr>
+                      <m:t>(</m:t>
+                    </m:r>
+                    <m:r>
+                      <a:rPr lang="en-US" i="1">
+                        <a:solidFill>
+                          <a:schemeClr val="accent2"/>
+                        </a:solidFill>
+                        <a:latin typeface="Cambria Math" panose="02040503050406030204" pitchFamily="18" charset="0"/>
+                        <a:ea typeface="Cambria Math" panose="02040503050406030204" pitchFamily="18" charset="0"/>
+                      </a:rPr>
+                      <m:t>𝑛</m:t>
+                    </m:r>
+                    <m:r>
+                      <a:rPr lang="en-US" i="1">
+                        <a:solidFill>
+                          <a:schemeClr val="accent2"/>
+                        </a:solidFill>
+                        <a:latin typeface="Cambria Math" panose="02040503050406030204" pitchFamily="18" charset="0"/>
+                        <a:ea typeface="Cambria Math" panose="02040503050406030204" pitchFamily="18" charset="0"/>
+                      </a:rPr>
+                      <m:t>)∈</m:t>
+                    </m:r>
+                    <m:r>
+                      <m:rPr>
+                        <m:sty m:val="p"/>
+                      </m:rPr>
+                      <a:rPr lang="el-GR" b="0" i="1" smtClean="0">
+                        <a:solidFill>
+                          <a:schemeClr val="accent2"/>
+                        </a:solidFill>
+                        <a:latin typeface="Cambria Math" panose="02040503050406030204" pitchFamily="18" charset="0"/>
+                        <a:ea typeface="Cambria Math" panose="02040503050406030204" pitchFamily="18" charset="0"/>
+                      </a:rPr>
+                      <m:t>Ω</m:t>
+                    </m:r>
+                    <m:d>
+                      <m:dPr>
+                        <m:ctrlPr>
+                          <a:rPr lang="en-US" i="1">
+                            <a:solidFill>
+                              <a:schemeClr val="accent2"/>
+                            </a:solidFill>
+                            <a:latin typeface="Cambria Math" panose="02040503050406030204" pitchFamily="18" charset="0"/>
+                            <a:ea typeface="Cambria Math" panose="02040503050406030204" pitchFamily="18" charset="0"/>
+                          </a:rPr>
+                        </m:ctrlPr>
+                      </m:dPr>
+                      <m:e>
+                        <m:r>
+                          <a:rPr lang="en-US" i="1">
+                            <a:solidFill>
+                              <a:schemeClr val="accent2"/>
+                            </a:solidFill>
+                            <a:latin typeface="Cambria Math" panose="02040503050406030204" pitchFamily="18" charset="0"/>
+                            <a:ea typeface="Cambria Math" panose="02040503050406030204" pitchFamily="18" charset="0"/>
+                          </a:rPr>
+                          <m:t>h</m:t>
+                        </m:r>
+                        <m:d>
+                          <m:dPr>
+                            <m:ctrlPr>
+                              <a:rPr lang="en-US" i="1">
+                                <a:solidFill>
+                                  <a:schemeClr val="accent2"/>
+                                </a:solidFill>
+                                <a:latin typeface="Cambria Math" panose="02040503050406030204" pitchFamily="18" charset="0"/>
+                                <a:ea typeface="Cambria Math" panose="02040503050406030204" pitchFamily="18" charset="0"/>
+                              </a:rPr>
+                            </m:ctrlPr>
+                          </m:dPr>
+                          <m:e>
+                            <m:r>
+                              <a:rPr lang="en-US" i="1">
+                                <a:solidFill>
+                                  <a:schemeClr val="accent2"/>
+                                </a:solidFill>
+                                <a:latin typeface="Cambria Math" panose="02040503050406030204" pitchFamily="18" charset="0"/>
+                                <a:ea typeface="Cambria Math" panose="02040503050406030204" pitchFamily="18" charset="0"/>
+                              </a:rPr>
+                              <m:t>𝑛</m:t>
+                            </m:r>
+                          </m:e>
+                        </m:d>
+                      </m:e>
+                    </m:d>
+                  </m:oMath>
+                </a14:m>
+                <a:endParaRPr lang="en-US" dirty="0"/>
+              </a:p>
+              <a:p>
+                <a:pPr lvl="1"/>
+                <a:r>
+                  <a:rPr lang="en-US" dirty="0">
+                    <a:solidFill>
+                      <a:schemeClr val="accent1"/>
+                    </a:solidFill>
+                  </a:rPr>
+                  <a:t>Big-Omega is transitive.</a:t>
+                </a:r>
+              </a:p>
+              <a:p>
+                <a:pPr marL="457200" lvl="1" indent="0">
+                  <a:buNone/>
+                </a:pPr>
+                <a:endParaRPr lang="en-US" dirty="0">
+                  <a:solidFill>
+                    <a:schemeClr val="accent1"/>
+                  </a:solidFill>
+                </a:endParaRPr>
+              </a:p>
+              <a:p>
+                <a:pPr marL="457200" lvl="1" indent="0">
+                  <a:buNone/>
+                </a:pPr>
+                <a:r>
+                  <a:rPr lang="en-US" dirty="0">
+                    <a:solidFill>
+                      <a:schemeClr val="accent1"/>
+                    </a:solidFill>
+                  </a:rPr>
+                  <a:t>and many more …</a:t>
+                </a:r>
+              </a:p>
+              <a:p>
+                <a:pPr marL="457200" lvl="1" indent="0">
+                  <a:buNone/>
+                </a:pPr>
+                <a:endParaRPr lang="en-US" dirty="0">
+                  <a:solidFill>
+                    <a:schemeClr val="accent1"/>
+                  </a:solidFill>
+                </a:endParaRPr>
+              </a:p>
+              <a:p>
+                <a:pPr marL="457200" lvl="1" indent="0">
+                  <a:buNone/>
+                </a:pPr>
+                <a:r>
+                  <a:rPr lang="en-US" i="1" dirty="0">
+                    <a:solidFill>
+                      <a:srgbClr val="C00000"/>
+                    </a:solidFill>
+                  </a:rPr>
+                  <a:t>***Exercise: </a:t>
+                </a:r>
+                <a:r>
+                  <a:rPr lang="en-US" i="1" dirty="0">
+                    <a:solidFill>
+                      <a:schemeClr val="accent1"/>
+                    </a:solidFill>
+                  </a:rPr>
+                  <a:t>Show that the properties above always hold.</a:t>
+                </a:r>
+              </a:p>
+              <a:p>
+                <a:pPr marL="0" indent="0">
+                  <a:buNone/>
+                </a:pPr>
+                <a:endParaRPr lang="en-US" dirty="0"/>
+              </a:p>
+              <a:p>
+                <a:pPr marL="0" indent="0">
+                  <a:buNone/>
+                </a:pPr>
+                <a:endParaRPr lang="en-US" dirty="0"/>
+              </a:p>
+            </p:txBody>
+          </p:sp>
+        </mc:Choice>
+        <mc:Fallback>
+          <p:sp>
+            <p:nvSpPr>
+              <p:cNvPr id="3" name="Content Placeholder 2"/>
+              <p:cNvSpPr>
+                <a:spLocks noGrp="1" noRot="1" noChangeAspect="1" noMove="1" noResize="1" noEditPoints="1" noAdjustHandles="1" noChangeArrowheads="1" noChangeShapeType="1" noTextEdit="1"/>
+              </p:cNvSpPr>
+              <p:nvPr>
+                <p:ph idx="1"/>
+              </p:nvPr>
+            </p:nvSpPr>
+            <p:spPr>
+              <a:blipFill>
+                <a:blip r:embed="rId2"/>
+                <a:stretch>
+                  <a:fillRect/>
+                </a:stretch>
+              </a:blipFill>
+            </p:spPr>
+            <p:txBody>
+              <a:bodyPr/>
+              <a:lstStyle/>
+              <a:p>
+                <a:r>
+                  <a:rPr lang="en-US">
+                    <a:noFill/>
+                  </a:rPr>
+                  <a:t> </a:t>
+                </a:r>
+              </a:p>
+            </p:txBody>
+          </p:sp>
+        </mc:Fallback>
+      </mc:AlternateContent>
+    </p:spTree>
+    <p:extLst>
+      <p:ext uri="{BB962C8B-B14F-4D97-AF65-F5344CB8AC3E}">
+        <p14:creationId xmlns:p14="http://schemas.microsoft.com/office/powerpoint/2010/main" val="573437432"/>
+      </p:ext>
+    </p:extLst>
+  </p:cSld>
+  <p:clrMapOvr>
+    <a:masterClrMapping/>
+  </p:clrMapOvr>
+</p:sld>
+</file>
+
+<file path=ppt/slides/slide41.xml><?xml version="1.0" encoding="utf-8"?>
+<p:sld xmlns:a="http://schemas.openxmlformats.org/drawingml/2006/main" xmlns:r="http://schemas.openxmlformats.org/officeDocument/2006/relationships" xmlns:p="http://schemas.openxmlformats.org/presentationml/2006/main">
+  <p:cSld>
+    <p:spTree>
+      <p:nvGrpSpPr>
+        <p:cNvPr id="1" name=""/>
+        <p:cNvGrpSpPr/>
+        <p:nvPr/>
+      </p:nvGrpSpPr>
+      <p:grpSpPr>
+        <a:xfrm>
+          <a:off x="0" y="0"/>
+          <a:ext cx="0" cy="0"/>
+          <a:chOff x="0" y="0"/>
+          <a:chExt cx="0" cy="0"/>
+        </a:xfrm>
+      </p:grpSpPr>
+      <p:sp>
+        <p:nvSpPr>
           <p:cNvPr id="2" name="Title 1">
             <a:extLst>
               <a:ext uri="{FF2B5EF4-FFF2-40B4-BE49-F238E27FC236}">
@@ -36690,7 +37452,7 @@
 </p:sld>
 </file>
 
-<file path=ppt/slides/slide41.xml><?xml version="1.0" encoding="utf-8"?>
+<file path=ppt/slides/slide42.xml><?xml version="1.0" encoding="utf-8"?>
 <p:sld xmlns:a="http://schemas.openxmlformats.org/drawingml/2006/main" xmlns:r="http://schemas.openxmlformats.org/officeDocument/2006/relationships" xmlns:p="http://schemas.openxmlformats.org/presentationml/2006/main">
   <p:cSld>
     <p:spTree>
@@ -37645,7 +38407,7 @@
 </p:sld>
 </file>
 
-<file path=ppt/slides/slide42.xml><?xml version="1.0" encoding="utf-8"?>
+<file path=ppt/slides/slide43.xml><?xml version="1.0" encoding="utf-8"?>
 <p:sld xmlns:a="http://schemas.openxmlformats.org/drawingml/2006/main" xmlns:r="http://schemas.openxmlformats.org/officeDocument/2006/relationships" xmlns:p="http://schemas.openxmlformats.org/presentationml/2006/main">
   <p:cSld>
     <p:spTree>
@@ -37862,8 +38624,8 @@
           </p:sp>
         </mc:Fallback>
       </mc:AlternateContent>
-      <mc:AlternateContent xmlns:mc="http://schemas.openxmlformats.org/markup-compatibility/2006" xmlns:a14="http://schemas.microsoft.com/office/drawing/2010/main">
-        <mc:Choice Requires="a14">
+      <mc:AlternateContent xmlns:mc="http://schemas.openxmlformats.org/markup-compatibility/2006">
+        <mc:Choice xmlns:a14="http://schemas.microsoft.com/office/drawing/2010/main" Requires="a14">
           <p:sp>
             <p:nvSpPr>
               <p:cNvPr id="3" name="Content Placeholder 2">
@@ -37888,7 +38650,7 @@
             </p:spPr>
             <p:txBody>
               <a:bodyPr>
-                <a:normAutofit fontScale="40000" lnSpcReduction="20000"/>
+                <a:normAutofit fontScale="25000" lnSpcReduction="20000"/>
               </a:bodyPr>
               <a:lstStyle/>
               <a:p>
@@ -37906,7 +38668,7 @@
                   <a:buNone/>
                 </a:pPr>
                 <a:r>
-                  <a:rPr lang="en-US" sz="5100" dirty="0">
+                  <a:rPr lang="en-US" sz="11200" dirty="0">
                     <a:solidFill>
                       <a:schemeClr val="accent1"/>
                     </a:solidFill>
@@ -37923,30 +38685,22 @@
                     <m:sSub>
                       <m:sSubPr>
                         <m:ctrlPr>
-                          <a:rPr lang="en-US" sz="5100" i="1">
-                            <a:latin typeface="Cambria Math" panose="02040503050406030204" pitchFamily="18" charset="0"/>
-                          </a:rPr>
+                          <a:rPr lang="en-US" sz="11200" i="1"/>
                         </m:ctrlPr>
                       </m:sSubPr>
                       <m:e>
                         <m:r>
-                          <a:rPr lang="en-US" sz="5100" i="1">
-                            <a:latin typeface="Cambria Math" panose="02040503050406030204" pitchFamily="18" charset="0"/>
-                          </a:rPr>
+                          <a:rPr lang="en-US" sz="11200" i="1"/>
                           <m:t>        </m:t>
                         </m:r>
                         <m:r>
-                          <a:rPr lang="en-US" sz="5100" i="1">
-                            <a:latin typeface="Cambria Math" panose="02040503050406030204" pitchFamily="18" charset="0"/>
-                          </a:rPr>
+                          <a:rPr lang="en-US" sz="11200" i="1"/>
                           <m:t>𝑐</m:t>
                         </m:r>
                       </m:e>
                       <m:sub>
                         <m:r>
-                          <a:rPr lang="en-US" sz="5100" i="1">
-                            <a:latin typeface="Cambria Math" panose="02040503050406030204" pitchFamily="18" charset="0"/>
-                          </a:rPr>
+                          <a:rPr lang="en-US" sz="11200" i="1"/>
                           <m:t>1</m:t>
                         </m:r>
                       </m:sub>
@@ -37954,69 +38708,53 @@
                   </m:oMath>
                 </a14:m>
                 <a:r>
-                  <a:rPr lang="en-US" sz="5100" dirty="0"/>
+                  <a:rPr lang="en-US" sz="11200" dirty="0"/>
                   <a:t> </a:t>
                 </a:r>
                 <a14:m>
                   <m:oMath xmlns:m="http://schemas.openxmlformats.org/officeDocument/2006/math">
                     <m:r>
-                      <a:rPr lang="en-US" sz="5100">
-                        <a:latin typeface="Cambria Math" panose="02040503050406030204" pitchFamily="18" charset="0"/>
-                      </a:rPr>
+                      <a:rPr lang="en-US" sz="11200"/>
                       <m:t>≤</m:t>
                     </m:r>
                     <m:f>
                       <m:fPr>
                         <m:ctrlPr>
-                          <a:rPr lang="en-US" sz="5100" i="1">
-                            <a:latin typeface="Cambria Math" panose="02040503050406030204" pitchFamily="18" charset="0"/>
-                          </a:rPr>
+                          <a:rPr lang="en-US" sz="11200" i="1"/>
                         </m:ctrlPr>
                       </m:fPr>
                       <m:num>
                         <m:r>
-                          <a:rPr lang="en-US" sz="5100" i="1">
-                            <a:latin typeface="Cambria Math" panose="02040503050406030204" pitchFamily="18" charset="0"/>
-                          </a:rPr>
+                          <a:rPr lang="en-US" sz="11200" i="1"/>
                           <m:t>1</m:t>
                         </m:r>
                       </m:num>
                       <m:den>
                         <m:r>
-                          <a:rPr lang="en-US" sz="5100" i="1">
-                            <a:latin typeface="Cambria Math" panose="02040503050406030204" pitchFamily="18" charset="0"/>
-                          </a:rPr>
+                          <a:rPr lang="en-US" sz="11200" i="1"/>
                           <m:t>2</m:t>
                         </m:r>
                       </m:den>
                     </m:f>
                     <m:r>
-                      <a:rPr lang="en-US" sz="5100" i="1">
-                        <a:latin typeface="Cambria Math" panose="02040503050406030204" pitchFamily="18" charset="0"/>
-                      </a:rPr>
+                      <a:rPr lang="en-US" sz="11200" i="1"/>
                       <m:t>−</m:t>
                     </m:r>
                     <m:f>
                       <m:fPr>
                         <m:ctrlPr>
-                          <a:rPr lang="en-US" sz="5100" i="1">
-                            <a:latin typeface="Cambria Math" panose="02040503050406030204" pitchFamily="18" charset="0"/>
-                          </a:rPr>
+                          <a:rPr lang="en-US" sz="11200" i="1"/>
                         </m:ctrlPr>
                       </m:fPr>
                       <m:num>
                         <m:r>
-                          <a:rPr lang="en-US" sz="5100" i="1">
-                            <a:latin typeface="Cambria Math" panose="02040503050406030204" pitchFamily="18" charset="0"/>
-                          </a:rPr>
+                          <a:rPr lang="en-US" sz="11200" i="1"/>
                           <m:t>3</m:t>
                         </m:r>
                       </m:num>
                       <m:den>
                         <m:r>
-                          <a:rPr lang="en-US" sz="5100" i="1">
-                            <a:latin typeface="Cambria Math" panose="02040503050406030204" pitchFamily="18" charset="0"/>
-                          </a:rPr>
+                          <a:rPr lang="en-US" sz="11200" i="1"/>
                           <m:t>𝑛</m:t>
                         </m:r>
                       </m:den>
@@ -38024,7 +38762,7 @@
                   </m:oMath>
                 </a14:m>
                 <a:r>
-                  <a:rPr lang="en-US" sz="5100" dirty="0"/>
+                  <a:rPr lang="en-US" sz="11200" dirty="0"/>
                   <a:t>  </a:t>
                 </a:r>
               </a:p>
@@ -38037,30 +38775,22 @@
                     <m:sSub>
                       <m:sSubPr>
                         <m:ctrlPr>
-                          <a:rPr lang="en-US" sz="5100" i="1">
-                            <a:latin typeface="Cambria Math" panose="02040503050406030204" pitchFamily="18" charset="0"/>
-                          </a:rPr>
+                          <a:rPr lang="en-US" sz="11200" i="1"/>
                         </m:ctrlPr>
                       </m:sSubPr>
                       <m:e>
                         <m:r>
-                          <a:rPr lang="en-US" sz="5100" i="1">
-                            <a:latin typeface="Cambria Math" panose="02040503050406030204" pitchFamily="18" charset="0"/>
-                          </a:rPr>
+                          <a:rPr lang="en-US" sz="11200" i="1"/>
                           <m:t>        </m:t>
                         </m:r>
                         <m:r>
-                          <a:rPr lang="en-US" sz="5100" i="1">
-                            <a:latin typeface="Cambria Math" panose="02040503050406030204" pitchFamily="18" charset="0"/>
-                          </a:rPr>
+                          <a:rPr lang="en-US" sz="11200" i="1"/>
                           <m:t>𝑐</m:t>
                         </m:r>
                       </m:e>
                       <m:sub>
                         <m:r>
-                          <a:rPr lang="en-US" sz="5100" i="1">
-                            <a:latin typeface="Cambria Math" panose="02040503050406030204" pitchFamily="18" charset="0"/>
-                          </a:rPr>
+                          <a:rPr lang="en-US" sz="11200" i="1"/>
                           <m:t>1</m:t>
                         </m:r>
                       </m:sub>
@@ -38068,50 +38798,38 @@
                   </m:oMath>
                 </a14:m>
                 <a:r>
-                  <a:rPr lang="en-US" sz="5100" dirty="0"/>
+                  <a:rPr lang="en-US" sz="11200" dirty="0"/>
                   <a:t> </a:t>
                 </a:r>
                 <a14:m>
                   <m:oMath xmlns:m="http://schemas.openxmlformats.org/officeDocument/2006/math">
                     <m:r>
-                      <a:rPr lang="en-US" sz="5100">
-                        <a:latin typeface="Cambria Math" panose="02040503050406030204" pitchFamily="18" charset="0"/>
-                      </a:rPr>
+                      <a:rPr lang="en-US" sz="11200"/>
                       <m:t>≤</m:t>
                     </m:r>
                     <m:f>
                       <m:fPr>
                         <m:ctrlPr>
-                          <a:rPr lang="en-US" sz="5100" i="1">
-                            <a:latin typeface="Cambria Math" panose="02040503050406030204" pitchFamily="18" charset="0"/>
-                          </a:rPr>
+                          <a:rPr lang="en-US" sz="11200" i="1"/>
                         </m:ctrlPr>
                       </m:fPr>
                       <m:num>
                         <m:r>
-                          <a:rPr lang="en-US" sz="5100" i="1">
-                            <a:latin typeface="Cambria Math" panose="02040503050406030204" pitchFamily="18" charset="0"/>
-                          </a:rPr>
+                          <a:rPr lang="en-US" sz="11200" i="1"/>
                           <m:t>𝑛</m:t>
                         </m:r>
                         <m:r>
-                          <a:rPr lang="en-US" sz="5100" i="1">
-                            <a:latin typeface="Cambria Math" panose="02040503050406030204" pitchFamily="18" charset="0"/>
-                          </a:rPr>
+                          <a:rPr lang="en-US" sz="11200" i="1"/>
                           <m:t>−6</m:t>
                         </m:r>
                       </m:num>
                       <m:den>
                         <m:r>
-                          <a:rPr lang="en-US" sz="5100" i="1">
-                            <a:latin typeface="Cambria Math" panose="02040503050406030204" pitchFamily="18" charset="0"/>
-                          </a:rPr>
+                          <a:rPr lang="en-US" sz="11200" i="1"/>
                           <m:t>2</m:t>
                         </m:r>
                         <m:r>
-                          <a:rPr lang="en-US" sz="5100" i="1">
-                            <a:latin typeface="Cambria Math" panose="02040503050406030204" pitchFamily="18" charset="0"/>
-                          </a:rPr>
+                          <a:rPr lang="en-US" sz="11200" i="1"/>
                           <m:t>𝑛</m:t>
                         </m:r>
                       </m:den>
@@ -38119,67 +38837,55 @@
                   </m:oMath>
                 </a14:m>
                 <a:r>
-                  <a:rPr lang="en-US" sz="5100" dirty="0"/>
+                  <a:rPr lang="en-US" sz="11200" dirty="0"/>
                   <a:t>	</a:t>
                 </a:r>
-                <a:endParaRPr lang="th-TH" sz="5100" dirty="0"/>
+                <a:endParaRPr lang="th-TH" sz="11200" dirty="0"/>
               </a:p>
               <a:p>
                 <a:pPr marL="0" indent="0">
                   <a:buNone/>
                 </a:pPr>
                 <a:r>
-                  <a:rPr lang="th-TH" sz="5100" dirty="0"/>
+                  <a:rPr lang="th-TH" sz="11200" dirty="0"/>
                   <a:t>        </a:t>
                 </a:r>
                 <a:r>
-                  <a:rPr lang="en-US" sz="5100" dirty="0"/>
+                  <a:rPr lang="en-US" sz="11200" dirty="0"/>
                   <a:t>  </a:t>
                 </a:r>
                 <a14:m>
                   <m:oMath xmlns:m="http://schemas.openxmlformats.org/officeDocument/2006/math">
                     <m:r>
-                      <a:rPr lang="en-US" sz="5100" i="1">
-                        <a:latin typeface="Cambria Math" panose="02040503050406030204" pitchFamily="18" charset="0"/>
-                      </a:rPr>
+                      <a:rPr lang="en-US" sz="11200" i="1"/>
                       <m:t>𝑛</m:t>
                     </m:r>
                     <m:d>
                       <m:dPr>
                         <m:ctrlPr>
-                          <a:rPr lang="en-US" sz="5100" i="1">
-                            <a:latin typeface="Cambria Math" panose="02040503050406030204" pitchFamily="18" charset="0"/>
-                          </a:rPr>
+                          <a:rPr lang="en-US" sz="11200" i="1"/>
                         </m:ctrlPr>
                       </m:dPr>
                       <m:e>
                         <m:r>
-                          <a:rPr lang="en-US" sz="5100" i="1">
-                            <a:latin typeface="Cambria Math" panose="02040503050406030204" pitchFamily="18" charset="0"/>
-                          </a:rPr>
+                          <a:rPr lang="en-US" sz="11200" i="1"/>
                           <m:t>1−2</m:t>
                         </m:r>
                         <m:sSub>
                           <m:sSubPr>
                             <m:ctrlPr>
-                              <a:rPr lang="en-US" sz="5100" i="1">
-                                <a:latin typeface="Cambria Math" panose="02040503050406030204" pitchFamily="18" charset="0"/>
-                              </a:rPr>
+                              <a:rPr lang="en-US" sz="11200" i="1"/>
                             </m:ctrlPr>
                           </m:sSubPr>
                           <m:e>
                             <m:r>
-                              <a:rPr lang="en-US" sz="5100" i="1">
-                                <a:latin typeface="Cambria Math" panose="02040503050406030204" pitchFamily="18" charset="0"/>
-                              </a:rPr>
+                              <a:rPr lang="en-US" sz="11200" i="1"/>
                               <m:t>𝑐</m:t>
                             </m:r>
                           </m:e>
                           <m:sub>
                             <m:r>
-                              <a:rPr lang="en-US" sz="5100" i="1">
-                                <a:latin typeface="Cambria Math" panose="02040503050406030204" pitchFamily="18" charset="0"/>
-                              </a:rPr>
+                              <a:rPr lang="en-US" sz="11200" i="1"/>
                               <m:t>1</m:t>
                             </m:r>
                           </m:sub>
@@ -38187,15 +38893,13 @@
                       </m:e>
                     </m:d>
                     <m:r>
-                      <a:rPr lang="en-US" sz="5100">
-                        <a:latin typeface="Cambria Math" panose="02040503050406030204" pitchFamily="18" charset="0"/>
-                      </a:rPr>
+                      <a:rPr lang="en-US" sz="11200"/>
                       <m:t>≥6</m:t>
                     </m:r>
                   </m:oMath>
                 </a14:m>
                 <a:r>
-                  <a:rPr lang="en-US" sz="5100" dirty="0"/>
+                  <a:rPr lang="en-US" sz="11200" dirty="0"/>
                   <a:t>	</a:t>
                 </a:r>
               </a:p>
@@ -38204,51 +38908,48 @@
                   <a:buNone/>
                 </a:pPr>
                 <a:r>
-                  <a:rPr lang="en-US" sz="5100" dirty="0"/>
-                  <a:t>Assuming </a:t>
+                  <a:rPr lang="en-US" sz="11200" dirty="0">
+                    <a:solidFill>
+                      <a:schemeClr val="accent1"/>
+                    </a:solidFill>
+                  </a:rPr>
+                  <a:t>Assuming</a:t>
+                </a:r>
+                <a:r>
+                  <a:rPr lang="en-US" sz="11200" dirty="0"/>
+                  <a:t> </a:t>
                 </a:r>
                 <a14:m>
                   <m:oMath xmlns:m="http://schemas.openxmlformats.org/officeDocument/2006/math">
                     <m:r>
-                      <a:rPr lang="en-US" sz="5100" i="1">
-                        <a:latin typeface="Cambria Math" panose="02040503050406030204" pitchFamily="18" charset="0"/>
-                      </a:rPr>
+                      <a:rPr lang="en-US" sz="11200" i="1"/>
                       <m:t>1−2</m:t>
                     </m:r>
                     <m:sSub>
                       <m:sSubPr>
                         <m:ctrlPr>
-                          <a:rPr lang="en-US" sz="5100" i="1">
-                            <a:latin typeface="Cambria Math" panose="02040503050406030204" pitchFamily="18" charset="0"/>
-                          </a:rPr>
+                          <a:rPr lang="en-US" sz="11200" i="1"/>
                         </m:ctrlPr>
                       </m:sSubPr>
                       <m:e>
                         <m:r>
-                          <a:rPr lang="en-US" sz="5100" i="1">
-                            <a:latin typeface="Cambria Math" panose="02040503050406030204" pitchFamily="18" charset="0"/>
-                          </a:rPr>
+                          <a:rPr lang="en-US" sz="11200" i="1"/>
                           <m:t>𝑐</m:t>
                         </m:r>
                       </m:e>
                       <m:sub>
                         <m:r>
-                          <a:rPr lang="en-US" sz="5100" i="1">
-                            <a:latin typeface="Cambria Math" panose="02040503050406030204" pitchFamily="18" charset="0"/>
-                          </a:rPr>
+                          <a:rPr lang="en-US" sz="11200" i="1"/>
                           <m:t>1</m:t>
                         </m:r>
                       </m:sub>
                     </m:sSub>
                     <m:r>
-                      <a:rPr lang="en-US" sz="5100" i="1">
-                        <a:latin typeface="Cambria Math" panose="02040503050406030204" pitchFamily="18" charset="0"/>
-                      </a:rPr>
+                      <a:rPr lang="en-US" sz="11200" i="1"/>
                       <m:t>&gt;0</m:t>
                     </m:r>
                     <m:r>
-                      <a:rPr lang="en-US" sz="5100" i="1">
-                        <a:latin typeface="Cambria Math" panose="02040503050406030204" pitchFamily="18" charset="0"/>
+                      <a:rPr lang="en-US" sz="11200" i="1">
                         <a:ea typeface="Cambria Math" panose="02040503050406030204" pitchFamily="18" charset="0"/>
                       </a:rPr>
                       <m:t>→</m:t>
@@ -38256,129 +38957,99 @@
                     <m:sSub>
                       <m:sSubPr>
                         <m:ctrlPr>
-                          <a:rPr lang="en-US" sz="5100" i="1">
-                            <a:latin typeface="Cambria Math" panose="02040503050406030204" pitchFamily="18" charset="0"/>
-                          </a:rPr>
+                          <a:rPr lang="en-US" sz="11200" i="1"/>
                         </m:ctrlPr>
                       </m:sSubPr>
                       <m:e>
                         <m:r>
-                          <a:rPr lang="en-US" sz="5100" i="1">
-                            <a:latin typeface="Cambria Math" panose="02040503050406030204" pitchFamily="18" charset="0"/>
-                          </a:rPr>
+                          <a:rPr lang="en-US" sz="11200" i="1"/>
                           <m:t>𝑐</m:t>
                         </m:r>
                       </m:e>
                       <m:sub>
                         <m:r>
-                          <a:rPr lang="en-US" sz="5100" i="1">
-                            <a:latin typeface="Cambria Math" panose="02040503050406030204" pitchFamily="18" charset="0"/>
-                          </a:rPr>
+                          <a:rPr lang="en-US" sz="11200" i="1"/>
                           <m:t>1</m:t>
                         </m:r>
                       </m:sub>
                     </m:sSub>
                     <m:r>
-                      <a:rPr lang="en-US" sz="5100" i="1">
-                        <a:latin typeface="Cambria Math" panose="02040503050406030204" pitchFamily="18" charset="0"/>
-                      </a:rPr>
+                      <a:rPr lang="en-US" sz="11200" i="1"/>
                       <m:t>&lt;</m:t>
                     </m:r>
                     <m:f>
                       <m:fPr>
                         <m:ctrlPr>
-                          <a:rPr lang="en-US" sz="5100" i="1">
-                            <a:latin typeface="Cambria Math" panose="02040503050406030204" pitchFamily="18" charset="0"/>
-                          </a:rPr>
+                          <a:rPr lang="en-US" sz="11200" i="1"/>
                         </m:ctrlPr>
                       </m:fPr>
                       <m:num>
                         <m:r>
-                          <a:rPr lang="en-US" sz="5100" i="1">
-                            <a:latin typeface="Cambria Math" panose="02040503050406030204" pitchFamily="18" charset="0"/>
-                          </a:rPr>
+                          <a:rPr lang="en-US" sz="11200" i="1"/>
                           <m:t>1</m:t>
                         </m:r>
                       </m:num>
                       <m:den>
                         <m:r>
-                          <a:rPr lang="en-US" sz="5100" i="1">
-                            <a:latin typeface="Cambria Math" panose="02040503050406030204" pitchFamily="18" charset="0"/>
-                          </a:rPr>
+                          <a:rPr lang="en-US" sz="11200" i="1"/>
                           <m:t>2</m:t>
                         </m:r>
                       </m:den>
                     </m:f>
                   </m:oMath>
                 </a14:m>
-                <a:endParaRPr lang="en-US" sz="5100" dirty="0"/>
+                <a:endParaRPr lang="en-US" sz="11200" dirty="0"/>
               </a:p>
               <a:p>
                 <a:pPr marL="0" indent="0">
                   <a:buNone/>
                 </a:pPr>
                 <a:r>
-                  <a:rPr lang="en-US" sz="5100" dirty="0"/>
+                  <a:rPr lang="en-US" sz="11200" dirty="0"/>
                   <a:t>        </a:t>
                 </a:r>
                 <a14:m>
                   <m:oMath xmlns:m="http://schemas.openxmlformats.org/officeDocument/2006/math">
                     <m:r>
-                      <a:rPr lang="en-US" sz="5100" i="1">
-                        <a:latin typeface="Cambria Math" panose="02040503050406030204" pitchFamily="18" charset="0"/>
-                      </a:rPr>
+                      <a:rPr lang="en-US" sz="11200" i="1"/>
                       <m:t>𝑛</m:t>
                     </m:r>
                     <m:r>
-                      <a:rPr lang="en-US" sz="5100">
-                        <a:latin typeface="Cambria Math" panose="02040503050406030204" pitchFamily="18" charset="0"/>
-                      </a:rPr>
+                      <a:rPr lang="en-US" sz="11200"/>
                       <m:t>≥</m:t>
                     </m:r>
                     <m:f>
                       <m:fPr>
                         <m:ctrlPr>
-                          <a:rPr lang="en-US" sz="5100" i="1">
-                            <a:latin typeface="Cambria Math" panose="02040503050406030204" pitchFamily="18" charset="0"/>
-                          </a:rPr>
+                          <a:rPr lang="en-US" sz="11200" i="1"/>
                         </m:ctrlPr>
                       </m:fPr>
                       <m:num>
                         <m:r>
-                          <a:rPr lang="en-US" sz="5100" i="1">
-                            <a:latin typeface="Cambria Math" panose="02040503050406030204" pitchFamily="18" charset="0"/>
-                          </a:rPr>
+                          <a:rPr lang="en-US" sz="11200" i="1"/>
                           <m:t>6</m:t>
                         </m:r>
                       </m:num>
                       <m:den>
                         <m:r>
-                          <a:rPr lang="en-US" sz="5100" i="1">
-                            <a:latin typeface="Cambria Math" panose="02040503050406030204" pitchFamily="18" charset="0"/>
-                          </a:rPr>
+                          <a:rPr lang="en-US" sz="11200" i="1"/>
                           <m:t>1−2</m:t>
                         </m:r>
                         <m:sSub>
                           <m:sSubPr>
                             <m:ctrlPr>
-                              <a:rPr lang="en-US" sz="5100" i="1">
-                                <a:latin typeface="Cambria Math" panose="02040503050406030204" pitchFamily="18" charset="0"/>
-                              </a:rPr>
+                              <a:rPr lang="en-US" sz="11200" i="1"/>
                             </m:ctrlPr>
                           </m:sSubPr>
                           <m:e>
                             <m:r>
-                              <a:rPr lang="en-US" sz="5100" i="1">
-                                <a:latin typeface="Cambria Math" panose="02040503050406030204" pitchFamily="18" charset="0"/>
-                              </a:rPr>
+                              <a:rPr lang="en-US" sz="11200" i="1"/>
                               <m:t>𝑐</m:t>
                             </m:r>
                           </m:e>
                           <m:sub>
                             <m:r>
-                              <a:rPr lang="en-US" sz="5100" i="1">
-                                <a:latin typeface="Cambria Math" panose="02040503050406030204" pitchFamily="18" charset="0"/>
-                              </a:rPr>
+                              <a:rPr lang="en-US" sz="11200" i="1"/>
                               <m:t>1</m:t>
                             </m:r>
                           </m:sub>
@@ -38387,126 +39058,254 @@
                     </m:f>
                   </m:oMath>
                 </a14:m>
-                <a:endParaRPr lang="en-US" sz="5100" dirty="0"/>
+                <a:endParaRPr lang="en-US" sz="11200" dirty="0"/>
               </a:p>
               <a:p>
                 <a:pPr marL="0" indent="0">
                   <a:buNone/>
                 </a:pPr>
-                <a:endParaRPr lang="en-US" sz="5100" dirty="0"/>
+                <a:endParaRPr lang="en-US" sz="11200" dirty="0"/>
               </a:p>
               <a:p>
                 <a:pPr marL="0" indent="0">
                   <a:buNone/>
                 </a:pPr>
                 <a:r>
-                  <a:rPr lang="en-US" sz="5100" dirty="0"/>
-                  <a:t>Choose </a:t>
+                  <a:rPr lang="en-US" sz="11200" dirty="0">
+                    <a:solidFill>
+                      <a:schemeClr val="accent1"/>
+                    </a:solidFill>
+                  </a:rPr>
+                  <a:t>Choose</a:t>
+                </a:r>
+                <a:r>
+                  <a:rPr lang="en-US" sz="11200" dirty="0"/>
+                  <a:t> </a:t>
                 </a:r>
                 <a14:m>
                   <m:oMath xmlns:m="http://schemas.openxmlformats.org/officeDocument/2006/math">
                     <m:sSub>
                       <m:sSubPr>
                         <m:ctrlPr>
-                          <a:rPr lang="en-US" sz="5100" i="1">
-                            <a:latin typeface="Cambria Math" panose="02040503050406030204" pitchFamily="18" charset="0"/>
-                          </a:rPr>
+                          <a:rPr lang="en-US" sz="11200" i="1"/>
                         </m:ctrlPr>
                       </m:sSubPr>
                       <m:e>
                         <m:r>
-                          <a:rPr lang="en-US" sz="5100" i="1">
-                            <a:latin typeface="Cambria Math" panose="02040503050406030204" pitchFamily="18" charset="0"/>
-                          </a:rPr>
+                          <a:rPr lang="en-US" sz="11200" i="1"/>
                           <m:t>𝑐</m:t>
                         </m:r>
                       </m:e>
                       <m:sub>
                         <m:r>
-                          <a:rPr lang="en-US" sz="5100" i="1">
-                            <a:latin typeface="Cambria Math" panose="02040503050406030204" pitchFamily="18" charset="0"/>
-                          </a:rPr>
+                          <a:rPr lang="en-US" sz="11200" i="1"/>
                           <m:t>1</m:t>
                         </m:r>
                       </m:sub>
                     </m:sSub>
                     <m:r>
-                      <a:rPr lang="en-US" sz="5100" i="1">
-                        <a:latin typeface="Cambria Math" panose="02040503050406030204" pitchFamily="18" charset="0"/>
-                      </a:rPr>
+                      <a:rPr lang="en-US" sz="11200" i="1"/>
                       <m:t>=</m:t>
                     </m:r>
                     <m:f>
                       <m:fPr>
                         <m:ctrlPr>
-                          <a:rPr lang="en-US" sz="5100" i="1">
-                            <a:latin typeface="Cambria Math" panose="02040503050406030204" pitchFamily="18" charset="0"/>
-                          </a:rPr>
+                          <a:rPr lang="en-US" sz="11200" i="1"/>
                         </m:ctrlPr>
                       </m:fPr>
                       <m:num>
                         <m:r>
-                          <a:rPr lang="en-US" sz="5100" i="1">
-                            <a:latin typeface="Cambria Math" panose="02040503050406030204" pitchFamily="18" charset="0"/>
-                          </a:rPr>
+                          <a:rPr lang="en-US" sz="11200" i="1"/>
                           <m:t>1</m:t>
                         </m:r>
                       </m:num>
                       <m:den>
                         <m:r>
-                          <a:rPr lang="en-US" sz="5100" i="1">
-                            <a:latin typeface="Cambria Math" panose="02040503050406030204" pitchFamily="18" charset="0"/>
-                          </a:rPr>
+                          <a:rPr lang="en-US" sz="11200" i="1"/>
                           <m:t>4</m:t>
                         </m:r>
                       </m:den>
                     </m:f>
                     <m:r>
-                      <a:rPr lang="en-US" sz="5100">
-                        <a:latin typeface="Cambria Math" panose="02040503050406030204" pitchFamily="18" charset="0"/>
-                      </a:rPr>
+                      <a:rPr lang="en-US" sz="11200"/>
                       <m:t>,</m:t>
                     </m:r>
                     <m:sSub>
                       <m:sSubPr>
                         <m:ctrlPr>
-                          <a:rPr lang="en-US" sz="5100" i="1">
-                            <a:latin typeface="Cambria Math" panose="02040503050406030204" pitchFamily="18" charset="0"/>
-                          </a:rPr>
+                          <a:rPr lang="en-US" sz="11200" i="1"/>
                         </m:ctrlPr>
                       </m:sSubPr>
                       <m:e>
                         <m:r>
-                          <a:rPr lang="en-US" sz="5100" i="1">
-                            <a:latin typeface="Cambria Math" panose="02040503050406030204" pitchFamily="18" charset="0"/>
-                          </a:rPr>
+                          <a:rPr lang="en-US" sz="11200" i="1"/>
                           <m:t>𝑛</m:t>
                         </m:r>
                       </m:e>
                       <m:sub>
                         <m:r>
-                          <a:rPr lang="en-US" sz="5100" i="1">
-                            <a:latin typeface="Cambria Math" panose="02040503050406030204" pitchFamily="18" charset="0"/>
-                          </a:rPr>
+                          <a:rPr lang="en-US" sz="11200" i="1"/>
                           <m:t>01</m:t>
                         </m:r>
                       </m:sub>
                     </m:sSub>
                     <m:r>
-                      <a:rPr lang="en-US" sz="5100" i="1">
-                        <a:latin typeface="Cambria Math" panose="02040503050406030204" pitchFamily="18" charset="0"/>
-                      </a:rPr>
+                      <a:rPr lang="en-US" sz="11200" i="1"/>
                       <m:t>=12</m:t>
-                    </m:r>
-                    <m:r>
-                      <a:rPr lang="en-US" sz="5100">
-                        <a:latin typeface="Cambria Math" panose="02040503050406030204" pitchFamily="18" charset="0"/>
-                      </a:rPr>
-                      <m:t> </m:t>
                     </m:r>
                   </m:oMath>
                 </a14:m>
-                <a:endParaRPr lang="en-US" sz="5100" dirty="0"/>
+                <a:r>
+                  <a:rPr lang="en-US" sz="11200" dirty="0"/>
+                  <a:t>.</a:t>
+                </a:r>
+              </a:p>
+              <a:p>
+                <a:pPr marL="0" indent="0">
+                  <a:buNone/>
+                </a:pPr>
+                <a:r>
+                  <a:rPr lang="en-US" sz="11200" dirty="0">
+                    <a:solidFill>
+                      <a:schemeClr val="accent1"/>
+                    </a:solidFill>
+                  </a:rPr>
+                  <a:t>We have just proven </a:t>
+                </a:r>
+                <a14:m>
+                  <m:oMath xmlns:m="http://schemas.openxmlformats.org/officeDocument/2006/math">
+                    <m:r>
+                      <a:rPr lang="en-US" sz="11200" i="1" smtClean="0">
+                        <a:solidFill>
+                          <a:schemeClr val="tx1"/>
+                        </a:solidFill>
+                      </a:rPr>
+                      <m:t>𝑓</m:t>
+                    </m:r>
+                    <m:d>
+                      <m:dPr>
+                        <m:ctrlPr>
+                          <a:rPr lang="en-US" sz="11200" i="1">
+                            <a:solidFill>
+                              <a:schemeClr val="tx1"/>
+                            </a:solidFill>
+                          </a:rPr>
+                        </m:ctrlPr>
+                      </m:dPr>
+                      <m:e>
+                        <m:r>
+                          <a:rPr lang="en-US" sz="11200" i="1">
+                            <a:solidFill>
+                              <a:schemeClr val="tx1"/>
+                            </a:solidFill>
+                          </a:rPr>
+                          <m:t>𝑛</m:t>
+                        </m:r>
+                      </m:e>
+                    </m:d>
+                    <m:r>
+                      <a:rPr lang="en-US" sz="11200" i="1">
+                        <a:solidFill>
+                          <a:schemeClr val="tx1"/>
+                        </a:solidFill>
+                      </a:rPr>
+                      <m:t>=</m:t>
+                    </m:r>
+                    <m:r>
+                      <m:rPr>
+                        <m:sty m:val="p"/>
+                      </m:rPr>
+                      <a:rPr lang="el-GR" sz="11200" i="1" smtClean="0">
+                        <a:solidFill>
+                          <a:schemeClr val="tx1"/>
+                        </a:solidFill>
+                        <a:latin typeface="Cambria Math" panose="02040503050406030204" pitchFamily="18" charset="0"/>
+                        <a:ea typeface="Cambria Math" panose="02040503050406030204" pitchFamily="18" charset="0"/>
+                      </a:rPr>
+                      <m:t>Ω</m:t>
+                    </m:r>
+                    <m:r>
+                      <a:rPr lang="en-US" sz="11200">
+                        <a:solidFill>
+                          <a:schemeClr val="tx1"/>
+                        </a:solidFill>
+                      </a:rPr>
+                      <m:t>(</m:t>
+                    </m:r>
+                    <m:r>
+                      <a:rPr lang="en-US" sz="11200" i="1">
+                        <a:solidFill>
+                          <a:schemeClr val="tx1"/>
+                        </a:solidFill>
+                      </a:rPr>
+                      <m:t>𝑔</m:t>
+                    </m:r>
+                    <m:d>
+                      <m:dPr>
+                        <m:ctrlPr>
+                          <a:rPr lang="en-US" sz="11200" i="1">
+                            <a:solidFill>
+                              <a:schemeClr val="tx1"/>
+                            </a:solidFill>
+                          </a:rPr>
+                        </m:ctrlPr>
+                      </m:dPr>
+                      <m:e>
+                        <m:r>
+                          <a:rPr lang="en-US" sz="11200" i="1">
+                            <a:solidFill>
+                              <a:schemeClr val="tx1"/>
+                            </a:solidFill>
+                          </a:rPr>
+                          <m:t>𝑛</m:t>
+                        </m:r>
+                      </m:e>
+                    </m:d>
+                    <m:r>
+                      <a:rPr lang="en-US" sz="11200" i="1">
+                        <a:solidFill>
+                          <a:schemeClr val="tx1"/>
+                        </a:solidFill>
+                      </a:rPr>
+                      <m:t>)</m:t>
+                    </m:r>
+                    <m:r>
+                      <a:rPr lang="en-US" sz="11200" i="1">
+                        <a:solidFill>
+                          <a:schemeClr val="tx1"/>
+                        </a:solidFill>
+                        <a:ea typeface="Cambria Math" panose="02040503050406030204" pitchFamily="18" charset="0"/>
+                      </a:rPr>
+                      <m:t> </m:t>
+                    </m:r>
+                  </m:oMath>
+                </a14:m>
+                <a:r>
+                  <a:rPr lang="en-US" sz="11200" dirty="0">
+                    <a:solidFill>
+                      <a:schemeClr val="accent1"/>
+                    </a:solidFill>
+                  </a:rPr>
+                  <a:t>as a by-product.              </a:t>
+                </a:r>
+              </a:p>
+              <a:p>
+                <a:pPr marL="0" indent="0">
+                  <a:buNone/>
+                </a:pPr>
+                <a:endParaRPr lang="en-US" sz="9600" dirty="0"/>
+              </a:p>
+              <a:p>
+                <a:pPr marL="0" indent="0">
+                  <a:buNone/>
+                </a:pPr>
+                <a:endParaRPr lang="en-US" sz="9600" dirty="0"/>
+              </a:p>
+              <a:p>
+                <a:pPr marL="0" indent="0">
+                  <a:buNone/>
+                </a:pPr>
+                <a:endParaRPr lang="en-US" dirty="0"/>
               </a:p>
               <a:p>
                 <a:pPr marL="0" indent="0">
@@ -38548,7 +39347,7 @@
             </p:txBody>
           </p:sp>
         </mc:Choice>
-        <mc:Fallback xmlns="">
+        <mc:Fallback>
           <p:sp>
             <p:nvSpPr>
               <p:cNvPr id="3" name="Content Placeholder 2">
@@ -38573,7 +39372,7 @@
               <a:blipFill>
                 <a:blip r:embed="rId3"/>
                 <a:stretch>
-                  <a:fillRect l="-567"/>
+                  <a:fillRect l="-1133"/>
                 </a:stretch>
               </a:blipFill>
             </p:spPr>
@@ -38605,7 +39404,7 @@
 </p:sld>
 </file>
 
-<file path=ppt/slides/slide43.xml><?xml version="1.0" encoding="utf-8"?>
+<file path=ppt/slides/slide44.xml><?xml version="1.0" encoding="utf-8"?>
 <p:sld xmlns:a="http://schemas.openxmlformats.org/drawingml/2006/main" xmlns:r="http://schemas.openxmlformats.org/officeDocument/2006/relationships" xmlns:p="http://schemas.openxmlformats.org/presentationml/2006/main">
   <p:cSld>
     <p:spTree>
@@ -38822,8 +39621,8 @@
           </p:sp>
         </mc:Fallback>
       </mc:AlternateContent>
-      <mc:AlternateContent xmlns:mc="http://schemas.openxmlformats.org/markup-compatibility/2006" xmlns:a14="http://schemas.microsoft.com/office/drawing/2010/main">
-        <mc:Choice Requires="a14">
+      <mc:AlternateContent xmlns:mc="http://schemas.openxmlformats.org/markup-compatibility/2006">
+        <mc:Choice xmlns:a14="http://schemas.microsoft.com/office/drawing/2010/main" Requires="a14">
           <p:sp>
             <p:nvSpPr>
               <p:cNvPr id="3" name="Content Placeholder 2">
@@ -38848,7 +39647,7 @@
             </p:spPr>
             <p:txBody>
               <a:bodyPr>
-                <a:normAutofit fontScale="40000" lnSpcReduction="20000"/>
+                <a:normAutofit fontScale="25000" lnSpcReduction="20000"/>
               </a:bodyPr>
               <a:lstStyle/>
               <a:p>
@@ -38866,7 +39665,7 @@
                   <a:buNone/>
                 </a:pPr>
                 <a:r>
-                  <a:rPr lang="en-US" sz="5100" dirty="0">
+                  <a:rPr lang="en-US" sz="11200" dirty="0">
                     <a:solidFill>
                       <a:schemeClr val="accent1"/>
                     </a:solidFill>
@@ -38879,7 +39678,7 @@
                   <a:buNone/>
                 </a:pPr>
                 <a:r>
-                  <a:rPr lang="en-US" sz="5100" dirty="0"/>
+                  <a:rPr lang="en-US" sz="11200" dirty="0"/>
                   <a:t>        </a:t>
                 </a:r>
                 <a14:m>
@@ -38887,93 +39686,71 @@
                     <m:f>
                       <m:fPr>
                         <m:ctrlPr>
-                          <a:rPr lang="en-US" sz="5100" i="1">
-                            <a:latin typeface="Cambria Math" panose="02040503050406030204" pitchFamily="18" charset="0"/>
-                          </a:rPr>
+                          <a:rPr lang="en-US" sz="11200" i="1"/>
                         </m:ctrlPr>
                       </m:fPr>
                       <m:num>
                         <m:r>
-                          <a:rPr lang="en-US" sz="5100" i="1">
-                            <a:latin typeface="Cambria Math" panose="02040503050406030204" pitchFamily="18" charset="0"/>
-                          </a:rPr>
+                          <a:rPr lang="en-US" sz="11200" i="1"/>
                           <m:t>1</m:t>
                         </m:r>
                       </m:num>
                       <m:den>
                         <m:r>
-                          <a:rPr lang="en-US" sz="5100" i="1">
-                            <a:latin typeface="Cambria Math" panose="02040503050406030204" pitchFamily="18" charset="0"/>
-                          </a:rPr>
+                          <a:rPr lang="en-US" sz="11200" i="1"/>
                           <m:t>2</m:t>
                         </m:r>
                       </m:den>
                     </m:f>
                     <m:r>
-                      <a:rPr lang="en-US" sz="5100" i="1">
-                        <a:latin typeface="Cambria Math" panose="02040503050406030204" pitchFamily="18" charset="0"/>
-                      </a:rPr>
+                      <a:rPr lang="en-US" sz="11200" i="1"/>
                       <m:t>−</m:t>
                     </m:r>
                     <m:f>
                       <m:fPr>
                         <m:ctrlPr>
-                          <a:rPr lang="en-US" sz="5100" i="1">
-                            <a:latin typeface="Cambria Math" panose="02040503050406030204" pitchFamily="18" charset="0"/>
-                          </a:rPr>
+                          <a:rPr lang="en-US" sz="11200" i="1"/>
                         </m:ctrlPr>
                       </m:fPr>
                       <m:num>
                         <m:r>
-                          <a:rPr lang="en-US" sz="5100" i="1">
-                            <a:latin typeface="Cambria Math" panose="02040503050406030204" pitchFamily="18" charset="0"/>
-                          </a:rPr>
+                          <a:rPr lang="en-US" sz="11200" i="1"/>
                           <m:t>3</m:t>
                         </m:r>
                       </m:num>
                       <m:den>
                         <m:r>
-                          <a:rPr lang="en-US" sz="5100" i="1">
-                            <a:latin typeface="Cambria Math" panose="02040503050406030204" pitchFamily="18" charset="0"/>
-                          </a:rPr>
+                          <a:rPr lang="en-US" sz="11200" i="1"/>
                           <m:t>𝑛</m:t>
                         </m:r>
                       </m:den>
                     </m:f>
                     <m:r>
-                      <a:rPr lang="en-US" sz="5100" b="0" i="0" smtClean="0">
-                        <a:latin typeface="Cambria Math" panose="02040503050406030204" pitchFamily="18" charset="0"/>
-                      </a:rPr>
+                      <a:rPr lang="en-US" sz="11200" b="0" i="0" smtClean="0"/>
                       <m:t>≥</m:t>
                     </m:r>
                     <m:sSub>
                       <m:sSubPr>
                         <m:ctrlPr>
-                          <a:rPr lang="en-US" sz="5100" b="0" i="1" smtClean="0">
-                            <a:latin typeface="Cambria Math" panose="02040503050406030204" pitchFamily="18" charset="0"/>
-                          </a:rPr>
+                          <a:rPr lang="en-US" sz="11200" b="0" i="1" smtClean="0"/>
                         </m:ctrlPr>
                       </m:sSubPr>
                       <m:e>
                         <m:r>
-                          <a:rPr lang="en-US" sz="5100" b="0" i="1" smtClean="0">
-                            <a:latin typeface="Cambria Math" panose="02040503050406030204" pitchFamily="18" charset="0"/>
-                          </a:rPr>
+                          <a:rPr lang="en-US" sz="11200" b="0" i="1" smtClean="0"/>
                           <m:t>𝑐</m:t>
                         </m:r>
                       </m:e>
                       <m:sub>
                         <m:r>
-                          <a:rPr lang="en-US" sz="5100" b="0" i="1" smtClean="0">
-                            <a:latin typeface="Cambria Math" panose="02040503050406030204" pitchFamily="18" charset="0"/>
-                          </a:rPr>
+                          <a:rPr lang="en-US" sz="11200" b="0" i="1" smtClean="0"/>
                           <m:t>2</m:t>
                         </m:r>
                       </m:sub>
                     </m:sSub>
                   </m:oMath>
                 </a14:m>
-                <a:endParaRPr lang="en-US" sz="5100" dirty="0"/>
+                <a:endParaRPr lang="en-US" sz="11200" dirty="0"/>
               </a:p>
               <a:p>
                 <a:pPr marL="0" indent="0">
@@ -38984,30 +39761,22 @@
                     <m:sSub>
                       <m:sSubPr>
                         <m:ctrlPr>
-                          <a:rPr lang="en-US" sz="5100" i="1">
-                            <a:latin typeface="Cambria Math" panose="02040503050406030204" pitchFamily="18" charset="0"/>
-                          </a:rPr>
+                          <a:rPr lang="en-US" sz="11200" i="1"/>
                         </m:ctrlPr>
                       </m:sSubPr>
                       <m:e>
                         <m:r>
-                          <a:rPr lang="en-US" sz="5100" i="1">
-                            <a:latin typeface="Cambria Math" panose="02040503050406030204" pitchFamily="18" charset="0"/>
-                          </a:rPr>
+                          <a:rPr lang="en-US" sz="11200" i="1"/>
                           <m:t>        </m:t>
                         </m:r>
                         <m:r>
-                          <a:rPr lang="en-US" sz="5100" i="1">
-                            <a:latin typeface="Cambria Math" panose="02040503050406030204" pitchFamily="18" charset="0"/>
-                          </a:rPr>
+                          <a:rPr lang="en-US" sz="11200" i="1"/>
                           <m:t>𝑐</m:t>
                         </m:r>
                       </m:e>
                       <m:sub>
                         <m:r>
-                          <a:rPr lang="en-US" sz="5100" b="0" i="1" smtClean="0">
-                            <a:latin typeface="Cambria Math" panose="02040503050406030204" pitchFamily="18" charset="0"/>
-                          </a:rPr>
+                          <a:rPr lang="en-US" sz="11200" b="0" i="1" smtClean="0"/>
                           <m:t>2</m:t>
                         </m:r>
                       </m:sub>
@@ -39015,50 +39784,38 @@
                   </m:oMath>
                 </a14:m>
                 <a:r>
-                  <a:rPr lang="en-US" sz="5100" dirty="0"/>
+                  <a:rPr lang="en-US" sz="11200" dirty="0"/>
                   <a:t> </a:t>
                 </a:r>
                 <a14:m>
                   <m:oMath xmlns:m="http://schemas.openxmlformats.org/officeDocument/2006/math">
                     <m:r>
-                      <a:rPr lang="en-US" sz="5100" i="1" dirty="0" smtClean="0">
-                        <a:latin typeface="Cambria Math" panose="02040503050406030204" pitchFamily="18" charset="0"/>
-                      </a:rPr>
+                      <a:rPr lang="en-US" sz="11200" i="1" dirty="0" smtClean="0"/>
                       <m:t>≥</m:t>
                     </m:r>
                     <m:f>
                       <m:fPr>
                         <m:ctrlPr>
-                          <a:rPr lang="en-US" sz="5100" i="1">
-                            <a:latin typeface="Cambria Math" panose="02040503050406030204" pitchFamily="18" charset="0"/>
-                          </a:rPr>
+                          <a:rPr lang="en-US" sz="11200" i="1"/>
                         </m:ctrlPr>
                       </m:fPr>
                       <m:num>
                         <m:r>
-                          <a:rPr lang="en-US" sz="5100" i="1">
-                            <a:latin typeface="Cambria Math" panose="02040503050406030204" pitchFamily="18" charset="0"/>
-                          </a:rPr>
+                          <a:rPr lang="en-US" sz="11200" i="1"/>
                           <m:t>𝑛</m:t>
                         </m:r>
                         <m:r>
-                          <a:rPr lang="en-US" sz="5100" i="1">
-                            <a:latin typeface="Cambria Math" panose="02040503050406030204" pitchFamily="18" charset="0"/>
-                          </a:rPr>
+                          <a:rPr lang="en-US" sz="11200" i="1"/>
                           <m:t>−6</m:t>
                         </m:r>
                       </m:num>
                       <m:den>
                         <m:r>
-                          <a:rPr lang="en-US" sz="5100" i="1">
-                            <a:latin typeface="Cambria Math" panose="02040503050406030204" pitchFamily="18" charset="0"/>
-                          </a:rPr>
+                          <a:rPr lang="en-US" sz="11200" i="1"/>
                           <m:t>2</m:t>
                         </m:r>
                         <m:r>
-                          <a:rPr lang="en-US" sz="5100" i="1">
-                            <a:latin typeface="Cambria Math" panose="02040503050406030204" pitchFamily="18" charset="0"/>
-                          </a:rPr>
+                          <a:rPr lang="en-US" sz="11200" i="1"/>
                           <m:t>𝑛</m:t>
                         </m:r>
                       </m:den>
@@ -39066,67 +39823,55 @@
                   </m:oMath>
                 </a14:m>
                 <a:r>
-                  <a:rPr lang="en-US" sz="5100" dirty="0"/>
+                  <a:rPr lang="en-US" sz="11200" dirty="0"/>
                   <a:t>	</a:t>
                 </a:r>
-                <a:endParaRPr lang="th-TH" sz="5100" dirty="0"/>
+                <a:endParaRPr lang="th-TH" sz="11200" dirty="0"/>
               </a:p>
               <a:p>
                 <a:pPr marL="0" indent="0">
                   <a:buNone/>
                 </a:pPr>
                 <a:r>
-                  <a:rPr lang="th-TH" sz="5100" dirty="0"/>
+                  <a:rPr lang="th-TH" sz="11200" dirty="0"/>
                   <a:t>        </a:t>
                 </a:r>
                 <a:r>
-                  <a:rPr lang="en-US" sz="5100" dirty="0"/>
+                  <a:rPr lang="en-US" sz="11200" dirty="0"/>
                   <a:t>  </a:t>
                 </a:r>
                 <a14:m>
                   <m:oMath xmlns:m="http://schemas.openxmlformats.org/officeDocument/2006/math">
                     <m:r>
-                      <a:rPr lang="en-US" sz="5100" i="1">
-                        <a:latin typeface="Cambria Math" panose="02040503050406030204" pitchFamily="18" charset="0"/>
-                      </a:rPr>
+                      <a:rPr lang="en-US" sz="11200" i="1"/>
                       <m:t>𝑛</m:t>
                     </m:r>
                     <m:d>
                       <m:dPr>
                         <m:ctrlPr>
-                          <a:rPr lang="en-US" sz="5100" i="1">
-                            <a:latin typeface="Cambria Math" panose="02040503050406030204" pitchFamily="18" charset="0"/>
-                          </a:rPr>
+                          <a:rPr lang="en-US" sz="11200" i="1"/>
                         </m:ctrlPr>
                       </m:dPr>
                       <m:e>
                         <m:r>
-                          <a:rPr lang="en-US" sz="5100" i="1">
-                            <a:latin typeface="Cambria Math" panose="02040503050406030204" pitchFamily="18" charset="0"/>
-                          </a:rPr>
+                          <a:rPr lang="en-US" sz="11200" i="1"/>
                           <m:t>1−2</m:t>
                         </m:r>
                         <m:sSub>
                           <m:sSubPr>
                             <m:ctrlPr>
-                              <a:rPr lang="en-US" sz="5100" i="1">
-                                <a:latin typeface="Cambria Math" panose="02040503050406030204" pitchFamily="18" charset="0"/>
-                              </a:rPr>
+                              <a:rPr lang="en-US" sz="11200" i="1"/>
                             </m:ctrlPr>
                           </m:sSubPr>
                           <m:e>
                             <m:r>
-                              <a:rPr lang="en-US" sz="5100" i="1">
-                                <a:latin typeface="Cambria Math" panose="02040503050406030204" pitchFamily="18" charset="0"/>
-                              </a:rPr>
+                              <a:rPr lang="en-US" sz="11200" i="1"/>
                               <m:t>𝑐</m:t>
                             </m:r>
                           </m:e>
                           <m:sub>
                             <m:r>
-                              <a:rPr lang="en-US" sz="5100" b="0" i="1" smtClean="0">
-                                <a:latin typeface="Cambria Math" panose="02040503050406030204" pitchFamily="18" charset="0"/>
-                              </a:rPr>
+                              <a:rPr lang="en-US" sz="11200" b="0" i="1" smtClean="0"/>
                               <m:t>2</m:t>
                             </m:r>
                           </m:sub>
@@ -39134,15 +39879,13 @@
                       </m:e>
                     </m:d>
                     <m:r>
-                      <a:rPr lang="en-US" sz="5100">
-                        <a:latin typeface="Cambria Math" panose="02040503050406030204" pitchFamily="18" charset="0"/>
-                      </a:rPr>
+                      <a:rPr lang="en-US" sz="11200"/>
                       <m:t>≥6</m:t>
                     </m:r>
                   </m:oMath>
                 </a14:m>
                 <a:r>
-                  <a:rPr lang="en-US" sz="5100" dirty="0"/>
+                  <a:rPr lang="en-US" sz="11200" dirty="0"/>
                   <a:t>	</a:t>
                 </a:r>
               </a:p>
@@ -39151,57 +39894,52 @@
                   <a:buNone/>
                 </a:pPr>
                 <a:r>
-                  <a:rPr lang="en-US" sz="5100" dirty="0"/>
-                  <a:t>Assuming </a:t>
+                  <a:rPr lang="en-US" sz="11200" dirty="0">
+                    <a:solidFill>
+                      <a:schemeClr val="accent1"/>
+                    </a:solidFill>
+                  </a:rPr>
+                  <a:t>Assuming</a:t>
+                </a:r>
+                <a:r>
+                  <a:rPr lang="en-US" sz="11200" dirty="0"/>
+                  <a:t> </a:t>
                 </a:r>
                 <a14:m>
                   <m:oMath xmlns:m="http://schemas.openxmlformats.org/officeDocument/2006/math">
                     <m:r>
-                      <a:rPr lang="en-US" sz="5100" i="1">
-                        <a:latin typeface="Cambria Math" panose="02040503050406030204" pitchFamily="18" charset="0"/>
-                      </a:rPr>
+                      <a:rPr lang="en-US" sz="11200" i="1"/>
                       <m:t>1−2</m:t>
                     </m:r>
                     <m:sSub>
                       <m:sSubPr>
                         <m:ctrlPr>
-                          <a:rPr lang="en-US" sz="5100" i="1">
-                            <a:latin typeface="Cambria Math" panose="02040503050406030204" pitchFamily="18" charset="0"/>
-                          </a:rPr>
+                          <a:rPr lang="en-US" sz="11200" i="1"/>
                         </m:ctrlPr>
                       </m:sSubPr>
                       <m:e>
                         <m:r>
-                          <a:rPr lang="en-US" sz="5100" i="1">
-                            <a:latin typeface="Cambria Math" panose="02040503050406030204" pitchFamily="18" charset="0"/>
-                          </a:rPr>
+                          <a:rPr lang="en-US" sz="11200" i="1"/>
                           <m:t>𝑐</m:t>
                         </m:r>
                       </m:e>
                       <m:sub>
                         <m:r>
-                          <a:rPr lang="en-US" sz="5100" b="0" i="1" smtClean="0">
-                            <a:latin typeface="Cambria Math" panose="02040503050406030204" pitchFamily="18" charset="0"/>
-                          </a:rPr>
+                          <a:rPr lang="en-US" sz="11200" b="0" i="1" smtClean="0"/>
                           <m:t>2</m:t>
                         </m:r>
                       </m:sub>
                     </m:sSub>
                     <m:r>
-                      <a:rPr lang="en-US" sz="5100" b="0" i="1" smtClean="0">
-                        <a:latin typeface="Cambria Math" panose="02040503050406030204" pitchFamily="18" charset="0"/>
-                      </a:rPr>
+                      <a:rPr lang="en-US" sz="11200" b="0" i="1" smtClean="0"/>
                       <m:t>&lt;</m:t>
                     </m:r>
                     <m:r>
-                      <a:rPr lang="en-US" sz="5100" i="1">
-                        <a:latin typeface="Cambria Math" panose="02040503050406030204" pitchFamily="18" charset="0"/>
-                      </a:rPr>
+                      <a:rPr lang="en-US" sz="11200" i="1"/>
                       <m:t>0</m:t>
                     </m:r>
                     <m:r>
-                      <a:rPr lang="en-US" sz="5100" i="1">
-                        <a:latin typeface="Cambria Math" panose="02040503050406030204" pitchFamily="18" charset="0"/>
+                      <a:rPr lang="en-US" sz="11200" i="1">
                         <a:ea typeface="Cambria Math" panose="02040503050406030204" pitchFamily="18" charset="0"/>
                       </a:rPr>
                       <m:t>→</m:t>
@@ -39209,129 +39947,99 @@
                     <m:sSub>
                       <m:sSubPr>
                         <m:ctrlPr>
-                          <a:rPr lang="en-US" sz="5100" i="1">
-                            <a:latin typeface="Cambria Math" panose="02040503050406030204" pitchFamily="18" charset="0"/>
-                          </a:rPr>
+                          <a:rPr lang="en-US" sz="11200" i="1"/>
                         </m:ctrlPr>
                       </m:sSubPr>
                       <m:e>
                         <m:r>
-                          <a:rPr lang="en-US" sz="5100" i="1">
-                            <a:latin typeface="Cambria Math" panose="02040503050406030204" pitchFamily="18" charset="0"/>
-                          </a:rPr>
+                          <a:rPr lang="en-US" sz="11200" i="1"/>
                           <m:t>𝑐</m:t>
                         </m:r>
                       </m:e>
                       <m:sub>
                         <m:r>
-                          <a:rPr lang="en-US" sz="5100" b="0" i="1" smtClean="0">
-                            <a:latin typeface="Cambria Math" panose="02040503050406030204" pitchFamily="18" charset="0"/>
-                          </a:rPr>
+                          <a:rPr lang="en-US" sz="11200" b="0" i="1" smtClean="0"/>
                           <m:t>2</m:t>
                         </m:r>
                       </m:sub>
                     </m:sSub>
                     <m:r>
-                      <a:rPr lang="en-US" sz="5100" b="0" i="1" smtClean="0">
-                        <a:latin typeface="Cambria Math" panose="02040503050406030204" pitchFamily="18" charset="0"/>
-                      </a:rPr>
+                      <a:rPr lang="en-US" sz="11200" b="0" i="1" smtClean="0"/>
                       <m:t>&gt;</m:t>
                     </m:r>
                     <m:f>
                       <m:fPr>
                         <m:ctrlPr>
-                          <a:rPr lang="en-US" sz="5100" i="1">
-                            <a:latin typeface="Cambria Math" panose="02040503050406030204" pitchFamily="18" charset="0"/>
-                          </a:rPr>
+                          <a:rPr lang="en-US" sz="11200" i="1"/>
                         </m:ctrlPr>
                       </m:fPr>
                       <m:num>
                         <m:r>
-                          <a:rPr lang="en-US" sz="5100" i="1">
-                            <a:latin typeface="Cambria Math" panose="02040503050406030204" pitchFamily="18" charset="0"/>
-                          </a:rPr>
+                          <a:rPr lang="en-US" sz="11200" i="1"/>
                           <m:t>1</m:t>
                         </m:r>
                       </m:num>
                       <m:den>
                         <m:r>
-                          <a:rPr lang="en-US" sz="5100" i="1">
-                            <a:latin typeface="Cambria Math" panose="02040503050406030204" pitchFamily="18" charset="0"/>
-                          </a:rPr>
+                          <a:rPr lang="en-US" sz="11200" i="1"/>
                           <m:t>2</m:t>
                         </m:r>
                       </m:den>
                     </m:f>
                   </m:oMath>
                 </a14:m>
-                <a:endParaRPr lang="en-US" sz="5100" dirty="0"/>
+                <a:endParaRPr lang="en-US" sz="11200" dirty="0"/>
               </a:p>
               <a:p>
                 <a:pPr marL="0" indent="0">
                   <a:buNone/>
                 </a:pPr>
                 <a:r>
-                  <a:rPr lang="en-US" sz="5100" dirty="0"/>
+                  <a:rPr lang="en-US" sz="11200" dirty="0"/>
                   <a:t>        </a:t>
                 </a:r>
                 <a14:m>
                   <m:oMath xmlns:m="http://schemas.openxmlformats.org/officeDocument/2006/math">
                     <m:r>
-                      <a:rPr lang="en-US" sz="5100" i="1">
-                        <a:latin typeface="Cambria Math" panose="02040503050406030204" pitchFamily="18" charset="0"/>
-                      </a:rPr>
+                      <a:rPr lang="en-US" sz="11200" i="1"/>
                       <m:t>𝑛</m:t>
                     </m:r>
                     <m:r>
-                      <a:rPr lang="en-US" sz="5100">
-                        <a:latin typeface="Cambria Math" panose="02040503050406030204" pitchFamily="18" charset="0"/>
-                      </a:rPr>
+                      <a:rPr lang="en-US" sz="11200"/>
                       <m:t>≥</m:t>
                     </m:r>
                     <m:f>
                       <m:fPr>
                         <m:ctrlPr>
-                          <a:rPr lang="en-US" sz="5100" i="1">
-                            <a:latin typeface="Cambria Math" panose="02040503050406030204" pitchFamily="18" charset="0"/>
-                          </a:rPr>
+                          <a:rPr lang="en-US" sz="11200" i="1"/>
                         </m:ctrlPr>
                       </m:fPr>
                       <m:num>
                         <m:r>
-                          <a:rPr lang="en-US" sz="5100" i="1">
-                            <a:latin typeface="Cambria Math" panose="02040503050406030204" pitchFamily="18" charset="0"/>
-                          </a:rPr>
+                          <a:rPr lang="en-US" sz="11200" i="1"/>
                           <m:t>6</m:t>
                         </m:r>
                       </m:num>
                       <m:den>
                         <m:r>
-                          <a:rPr lang="en-US" sz="5100" i="1">
-                            <a:latin typeface="Cambria Math" panose="02040503050406030204" pitchFamily="18" charset="0"/>
-                          </a:rPr>
+                          <a:rPr lang="en-US" sz="11200" i="1"/>
                           <m:t>1−2</m:t>
                         </m:r>
                         <m:sSub>
                           <m:sSubPr>
                             <m:ctrlPr>
-                              <a:rPr lang="en-US" sz="5100" i="1" smtClean="0">
-                                <a:latin typeface="Cambria Math" panose="02040503050406030204" pitchFamily="18" charset="0"/>
-                              </a:rPr>
+                              <a:rPr lang="en-US" sz="11200" i="1" smtClean="0"/>
                             </m:ctrlPr>
                           </m:sSubPr>
                           <m:e>
                             <m:r>
-                              <a:rPr lang="en-US" sz="5100" i="1">
-                                <a:latin typeface="Cambria Math" panose="02040503050406030204" pitchFamily="18" charset="0"/>
-                              </a:rPr>
+                              <a:rPr lang="en-US" sz="11200" i="1"/>
                               <m:t>𝑐</m:t>
                             </m:r>
                           </m:e>
                           <m:sub>
                             <m:r>
-                              <a:rPr lang="en-US" sz="5100" b="0" i="1" smtClean="0">
-                                <a:latin typeface="Cambria Math" panose="02040503050406030204" pitchFamily="18" charset="0"/>
-                              </a:rPr>
+                              <a:rPr lang="en-US" sz="11200" b="0" i="1" smtClean="0"/>
                               <m:t>2</m:t>
                             </m:r>
                           </m:sub>
@@ -39340,137 +40048,247 @@
                     </m:f>
                   </m:oMath>
                 </a14:m>
-                <a:endParaRPr lang="en-US" sz="5100" dirty="0"/>
+                <a:endParaRPr lang="en-US" sz="11200" dirty="0"/>
               </a:p>
               <a:p>
                 <a:pPr marL="0" indent="0">
                   <a:buNone/>
                 </a:pPr>
-                <a:endParaRPr lang="en-US" sz="5100" dirty="0"/>
+                <a:endParaRPr lang="en-US" sz="11200" dirty="0"/>
               </a:p>
               <a:p>
                 <a:pPr marL="0" indent="0">
                   <a:buNone/>
                 </a:pPr>
                 <a:r>
-                  <a:rPr lang="en-US" sz="5100" dirty="0"/>
-                  <a:t>Choose </a:t>
+                  <a:rPr lang="en-US" sz="11200" dirty="0">
+                    <a:solidFill>
+                      <a:schemeClr val="accent1"/>
+                    </a:solidFill>
+                  </a:rPr>
+                  <a:t>Choose</a:t>
+                </a:r>
+                <a:r>
+                  <a:rPr lang="en-US" sz="11200" dirty="0"/>
+                  <a:t> </a:t>
                 </a:r>
                 <a14:m>
                   <m:oMath xmlns:m="http://schemas.openxmlformats.org/officeDocument/2006/math">
                     <m:sSub>
                       <m:sSubPr>
                         <m:ctrlPr>
-                          <a:rPr lang="en-US" sz="5100" i="1">
-                            <a:latin typeface="Cambria Math" panose="02040503050406030204" pitchFamily="18" charset="0"/>
-                          </a:rPr>
+                          <a:rPr lang="en-US" sz="11200" i="1"/>
                         </m:ctrlPr>
                       </m:sSubPr>
                       <m:e>
                         <m:r>
-                          <a:rPr lang="en-US" sz="5100" i="1">
-                            <a:latin typeface="Cambria Math" panose="02040503050406030204" pitchFamily="18" charset="0"/>
-                          </a:rPr>
+                          <a:rPr lang="en-US" sz="11200" i="1"/>
                           <m:t>𝑐</m:t>
                         </m:r>
                       </m:e>
                       <m:sub>
                         <m:r>
-                          <a:rPr lang="en-US" sz="5100" b="0" i="1" smtClean="0">
-                            <a:latin typeface="Cambria Math" panose="02040503050406030204" pitchFamily="18" charset="0"/>
-                          </a:rPr>
+                          <a:rPr lang="en-US" sz="11200" b="0" i="1" smtClean="0"/>
                           <m:t>2</m:t>
                         </m:r>
                       </m:sub>
                     </m:sSub>
                     <m:r>
-                      <a:rPr lang="en-US" sz="5100" i="1">
-                        <a:latin typeface="Cambria Math" panose="02040503050406030204" pitchFamily="18" charset="0"/>
-                      </a:rPr>
+                      <a:rPr lang="en-US" sz="11200" i="1"/>
                       <m:t>=</m:t>
                     </m:r>
                     <m:r>
-                      <a:rPr lang="en-US" sz="5100" b="0" i="0" smtClean="0">
-                        <a:latin typeface="Cambria Math" panose="02040503050406030204" pitchFamily="18" charset="0"/>
-                      </a:rPr>
+                      <a:rPr lang="en-US" sz="11200" b="0" i="0" smtClean="0"/>
                       <m:t>1</m:t>
                     </m:r>
                     <m:r>
-                      <a:rPr lang="en-US" sz="5100">
-                        <a:latin typeface="Cambria Math" panose="02040503050406030204" pitchFamily="18" charset="0"/>
-                      </a:rPr>
+                      <a:rPr lang="en-US" sz="11200" smtClean="0"/>
                       <m:t>,</m:t>
                     </m:r>
                     <m:sSub>
                       <m:sSubPr>
                         <m:ctrlPr>
-                          <a:rPr lang="en-US" sz="5100" i="1">
-                            <a:latin typeface="Cambria Math" panose="02040503050406030204" pitchFamily="18" charset="0"/>
-                          </a:rPr>
+                          <a:rPr lang="en-US" sz="11200" i="1"/>
                         </m:ctrlPr>
                       </m:sSubPr>
                       <m:e>
                         <m:r>
-                          <a:rPr lang="en-US" sz="5100" b="0" i="1" smtClean="0">
-                            <a:latin typeface="Cambria Math" panose="02040503050406030204" pitchFamily="18" charset="0"/>
-                          </a:rPr>
+                          <a:rPr lang="en-US" sz="11200" b="0" i="1" smtClean="0"/>
                           <m:t> </m:t>
                         </m:r>
                         <m:r>
-                          <a:rPr lang="en-US" sz="5100" i="1">
-                            <a:latin typeface="Cambria Math" panose="02040503050406030204" pitchFamily="18" charset="0"/>
-                          </a:rPr>
+                          <a:rPr lang="en-US" sz="11200" i="1"/>
                           <m:t>𝑛</m:t>
                         </m:r>
                       </m:e>
                       <m:sub>
                         <m:r>
-                          <a:rPr lang="en-US" sz="5100" i="1">
-                            <a:latin typeface="Cambria Math" panose="02040503050406030204" pitchFamily="18" charset="0"/>
-                          </a:rPr>
+                          <a:rPr lang="en-US" sz="11200" i="1"/>
                           <m:t>0</m:t>
                         </m:r>
                         <m:r>
-                          <a:rPr lang="en-US" sz="5100" b="0" i="1" smtClean="0">
-                            <a:latin typeface="Cambria Math" panose="02040503050406030204" pitchFamily="18" charset="0"/>
-                          </a:rPr>
+                          <a:rPr lang="en-US" sz="11200" b="0" i="1" smtClean="0"/>
                           <m:t>2</m:t>
                         </m:r>
                       </m:sub>
                     </m:sSub>
                     <m:r>
-                      <a:rPr lang="en-US" sz="5100" i="1">
-                        <a:latin typeface="Cambria Math" panose="02040503050406030204" pitchFamily="18" charset="0"/>
-                      </a:rPr>
+                      <a:rPr lang="en-US" sz="11200" i="1"/>
                       <m:t>=</m:t>
                     </m:r>
                     <m:r>
-                      <a:rPr lang="en-US" sz="5100" b="0" i="1" smtClean="0">
-                        <a:latin typeface="Cambria Math" panose="02040503050406030204" pitchFamily="18" charset="0"/>
-                      </a:rPr>
+                      <a:rPr lang="en-US" sz="11200" b="0" i="1" smtClean="0"/>
                       <m:t>1</m:t>
                     </m:r>
                     <m:r>
-                      <a:rPr lang="en-US" sz="5100">
-                        <a:latin typeface="Cambria Math" panose="02040503050406030204" pitchFamily="18" charset="0"/>
-                      </a:rPr>
-                      <m:t> </m:t>
+                      <a:rPr lang="en-US" sz="11200" b="0" i="0" smtClean="0"/>
+                      <m:t>.</m:t>
                     </m:r>
                   </m:oMath>
                 </a14:m>
-                <a:endParaRPr lang="en-US" sz="5100" dirty="0"/>
+                <a:endParaRPr lang="en-US" sz="11200" dirty="0"/>
               </a:p>
               <a:p>
                 <a:pPr marL="0" indent="0">
                   <a:buNone/>
                 </a:pPr>
-                <a:endParaRPr lang="en-US" sz="5100" dirty="0"/>
+                <a:endParaRPr lang="en-US" sz="11200" dirty="0"/>
               </a:p>
               <a:p>
                 <a:pPr marL="0" indent="0">
                   <a:buNone/>
                 </a:pPr>
-                <a:endParaRPr lang="en-US" dirty="0"/>
+                <a:r>
+                  <a:rPr lang="en-US" sz="11200" dirty="0">
+                    <a:solidFill>
+                      <a:schemeClr val="accent1"/>
+                    </a:solidFill>
+                  </a:rPr>
+                  <a:t>We have just proven </a:t>
+                </a:r>
+                <a14:m>
+                  <m:oMath xmlns:m="http://schemas.openxmlformats.org/officeDocument/2006/math">
+                    <m:r>
+                      <a:rPr lang="en-US" sz="11200" i="1" smtClean="0">
+                        <a:solidFill>
+                          <a:schemeClr val="tx1"/>
+                        </a:solidFill>
+                      </a:rPr>
+                      <m:t>𝑓</m:t>
+                    </m:r>
+                    <m:d>
+                      <m:dPr>
+                        <m:ctrlPr>
+                          <a:rPr lang="en-US" sz="11200" i="1">
+                            <a:solidFill>
+                              <a:schemeClr val="tx1"/>
+                            </a:solidFill>
+                          </a:rPr>
+                        </m:ctrlPr>
+                      </m:dPr>
+                      <m:e>
+                        <m:r>
+                          <a:rPr lang="en-US" sz="11200" i="1">
+                            <a:solidFill>
+                              <a:schemeClr val="tx1"/>
+                            </a:solidFill>
+                          </a:rPr>
+                          <m:t>𝑛</m:t>
+                        </m:r>
+                      </m:e>
+                    </m:d>
+                    <m:r>
+                      <a:rPr lang="en-US" sz="11200" i="1">
+                        <a:solidFill>
+                          <a:schemeClr val="tx1"/>
+                        </a:solidFill>
+                      </a:rPr>
+                      <m:t>=</m:t>
+                    </m:r>
+                    <m:r>
+                      <a:rPr lang="en-US" sz="11200" b="0" i="1" smtClean="0">
+                        <a:solidFill>
+                          <a:schemeClr val="tx1"/>
+                        </a:solidFill>
+                      </a:rPr>
+                      <m:t>𝑂</m:t>
+                    </m:r>
+                    <m:r>
+                      <a:rPr lang="en-US" sz="11200">
+                        <a:solidFill>
+                          <a:schemeClr val="tx1"/>
+                        </a:solidFill>
+                      </a:rPr>
+                      <m:t>(</m:t>
+                    </m:r>
+                    <m:r>
+                      <a:rPr lang="en-US" sz="11200" i="1">
+                        <a:solidFill>
+                          <a:schemeClr val="tx1"/>
+                        </a:solidFill>
+                      </a:rPr>
+                      <m:t>𝑔</m:t>
+                    </m:r>
+                    <m:d>
+                      <m:dPr>
+                        <m:ctrlPr>
+                          <a:rPr lang="en-US" sz="11200" i="1">
+                            <a:solidFill>
+                              <a:schemeClr val="tx1"/>
+                            </a:solidFill>
+                          </a:rPr>
+                        </m:ctrlPr>
+                      </m:dPr>
+                      <m:e>
+                        <m:r>
+                          <a:rPr lang="en-US" sz="11200" i="1">
+                            <a:solidFill>
+                              <a:schemeClr val="tx1"/>
+                            </a:solidFill>
+                          </a:rPr>
+                          <m:t>𝑛</m:t>
+                        </m:r>
+                      </m:e>
+                    </m:d>
+                    <m:r>
+                      <a:rPr lang="en-US" sz="11200" i="1">
+                        <a:solidFill>
+                          <a:schemeClr val="tx1"/>
+                        </a:solidFill>
+                      </a:rPr>
+                      <m:t>)</m:t>
+                    </m:r>
+                    <m:r>
+                      <a:rPr lang="en-US" sz="11200" i="1">
+                        <a:solidFill>
+                          <a:schemeClr val="tx1"/>
+                        </a:solidFill>
+                        <a:ea typeface="Cambria Math" panose="02040503050406030204" pitchFamily="18" charset="0"/>
+                      </a:rPr>
+                      <m:t> </m:t>
+                    </m:r>
+                  </m:oMath>
+                </a14:m>
+                <a:r>
+                  <a:rPr lang="en-US" sz="11200" dirty="0">
+                    <a:solidFill>
+                      <a:schemeClr val="accent1"/>
+                    </a:solidFill>
+                  </a:rPr>
+                  <a:t>as a by-product.</a:t>
+                </a:r>
+              </a:p>
+              <a:p>
+                <a:pPr marL="0" indent="0">
+                  <a:buNone/>
+                </a:pPr>
+                <a:endParaRPr lang="en-US" sz="11200" dirty="0"/>
+              </a:p>
+              <a:p>
+                <a:pPr marL="0" indent="0">
+                  <a:buNone/>
+                </a:pPr>
+                <a:endParaRPr lang="en-US" sz="11200" dirty="0"/>
               </a:p>
               <a:p>
                 <a:pPr marL="0" indent="0">
@@ -39506,7 +40324,7 @@
             </p:txBody>
           </p:sp>
         </mc:Choice>
-        <mc:Fallback xmlns="">
+        <mc:Fallback>
           <p:sp>
             <p:nvSpPr>
               <p:cNvPr id="3" name="Content Placeholder 2">
@@ -39531,7 +40349,7 @@
               <a:blipFill>
                 <a:blip r:embed="rId3"/>
                 <a:stretch>
-                  <a:fillRect l="-567"/>
+                  <a:fillRect l="-1133" b="-1294"/>
                 </a:stretch>
               </a:blipFill>
             </p:spPr>
@@ -39563,7 +40381,7 @@
 </p:sld>
 </file>
 
-<file path=ppt/slides/slide44.xml><?xml version="1.0" encoding="utf-8"?>
+<file path=ppt/slides/slide45.xml><?xml version="1.0" encoding="utf-8"?>
 <p:sld xmlns:a="http://schemas.openxmlformats.org/drawingml/2006/main" xmlns:r="http://schemas.openxmlformats.org/officeDocument/2006/relationships" xmlns:p="http://schemas.openxmlformats.org/presentationml/2006/main">
   <p:cSld>
     <p:spTree>
@@ -40233,7 +41051,7 @@
 </p:sld>
 </file>
 
-<file path=ppt/slides/slide45.xml><?xml version="1.0" encoding="utf-8"?>
+<file path=ppt/slides/slide46.xml><?xml version="1.0" encoding="utf-8"?>
 <p:sld xmlns:a="http://schemas.openxmlformats.org/drawingml/2006/main" xmlns:r="http://schemas.openxmlformats.org/officeDocument/2006/relationships" xmlns:p="http://schemas.openxmlformats.org/presentationml/2006/main">
   <p:cSld>
     <p:spTree>
@@ -41623,7 +42441,7 @@
 </p:sld>
 </file>
 
-<file path=ppt/slides/slide46.xml><?xml version="1.0" encoding="utf-8"?>
+<file path=ppt/slides/slide47.xml><?xml version="1.0" encoding="utf-8"?>
 <p:sld xmlns:a="http://schemas.openxmlformats.org/drawingml/2006/main" xmlns:r="http://schemas.openxmlformats.org/officeDocument/2006/relationships" xmlns:p="http://schemas.openxmlformats.org/presentationml/2006/main">
   <p:cSld>
     <p:spTree>

--- a/Lectures/Lecture 1.pptx
+++ b/Lectures/Lecture 1.pptx
@@ -20246,8 +20246,8 @@
           </a:p>
         </p:txBody>
       </p:sp>
-      <mc:AlternateContent xmlns:mc="http://schemas.openxmlformats.org/markup-compatibility/2006">
-        <mc:Choice xmlns:a14="http://schemas.microsoft.com/office/drawing/2010/main" Requires="a14">
+      <mc:AlternateContent xmlns:mc="http://schemas.openxmlformats.org/markup-compatibility/2006" xmlns:a14="http://schemas.microsoft.com/office/drawing/2010/main">
+        <mc:Choice Requires="a14">
           <p:sp>
             <p:nvSpPr>
               <p:cNvPr id="3" name="Content Placeholder 2">
@@ -21148,7 +21148,7 @@
             </p:txBody>
           </p:sp>
         </mc:Choice>
-        <mc:Fallback>
+        <mc:Fallback xmlns="">
           <p:sp>
             <p:nvSpPr>
               <p:cNvPr id="3" name="Content Placeholder 2">
@@ -21254,8 +21254,8 @@
           </a:p>
         </p:txBody>
       </p:sp>
-      <mc:AlternateContent xmlns:mc="http://schemas.openxmlformats.org/markup-compatibility/2006">
-        <mc:Choice xmlns:a14="http://schemas.microsoft.com/office/drawing/2010/main" Requires="a14">
+      <mc:AlternateContent xmlns:mc="http://schemas.openxmlformats.org/markup-compatibility/2006" xmlns:a14="http://schemas.microsoft.com/office/drawing/2010/main">
+        <mc:Choice Requires="a14">
           <p:sp>
             <p:nvSpPr>
               <p:cNvPr id="3" name="Content Placeholder 2">
@@ -22125,7 +22125,7 @@
             </p:txBody>
           </p:sp>
         </mc:Choice>
-        <mc:Fallback>
+        <mc:Fallback xmlns="">
           <p:sp>
             <p:nvSpPr>
               <p:cNvPr id="3" name="Content Placeholder 2">
@@ -23160,8 +23160,8 @@
           </a:p>
         </p:txBody>
       </p:sp>
-      <mc:AlternateContent xmlns:mc="http://schemas.openxmlformats.org/markup-compatibility/2006">
-        <mc:Choice xmlns:a14="http://schemas.microsoft.com/office/drawing/2010/main" Requires="a14">
+      <mc:AlternateContent xmlns:mc="http://schemas.openxmlformats.org/markup-compatibility/2006" xmlns:a14="http://schemas.microsoft.com/office/drawing/2010/main">
+        <mc:Choice Requires="a14">
           <p:sp>
             <p:nvSpPr>
               <p:cNvPr id="3" name="Content Placeholder 2">
@@ -24187,7 +24187,7 @@
             </p:txBody>
           </p:sp>
         </mc:Choice>
-        <mc:Fallback>
+        <mc:Fallback xmlns="">
           <p:sp>
             <p:nvSpPr>
               <p:cNvPr id="3" name="Content Placeholder 2">
@@ -25571,8 +25571,8 @@
           </p:sp>
         </mc:Fallback>
       </mc:AlternateContent>
-      <mc:AlternateContent xmlns:mc="http://schemas.openxmlformats.org/markup-compatibility/2006">
-        <mc:Choice xmlns:a14="http://schemas.microsoft.com/office/drawing/2010/main" Requires="a14">
+      <mc:AlternateContent xmlns:mc="http://schemas.openxmlformats.org/markup-compatibility/2006" xmlns:a14="http://schemas.microsoft.com/office/drawing/2010/main">
+        <mc:Choice Requires="a14">
           <p:sp>
             <p:nvSpPr>
               <p:cNvPr id="3" name="Content Placeholder 2">
@@ -26545,7 +26545,7 @@
             </p:txBody>
           </p:sp>
         </mc:Choice>
-        <mc:Fallback>
+        <mc:Fallback xmlns="">
           <p:sp>
             <p:nvSpPr>
               <p:cNvPr id="3" name="Content Placeholder 2">
@@ -33095,7 +33095,7 @@
             </p:spPr>
             <p:txBody>
               <a:bodyPr>
-                <a:normAutofit fontScale="85000" lnSpcReduction="20000"/>
+                <a:normAutofit fontScale="77500" lnSpcReduction="20000"/>
               </a:bodyPr>
               <a:lstStyle/>
               <a:p>
@@ -33372,7 +33372,6 @@
                     </m:r>
                     <m:f>
                       <m:fPr>
-                        <m:type m:val="lin"/>
                         <m:ctrlPr>
                           <a:rPr lang="en-US" sz="3200" i="1" smtClean="0">
                             <a:latin typeface="Cambria Math" panose="02040503050406030204" pitchFamily="18" charset="0"/>
@@ -33471,40 +33470,60 @@
                       </a:rPr>
                       <m:t>⁡(1,</m:t>
                     </m:r>
-                  </m:oMath>
-                </a14:m>
-                <a:r>
-                  <a:rPr lang="en-US" sz="3200" dirty="0"/>
-                  <a:t> </a:t>
-                </a:r>
-                <a14:m>
-                  <m:oMath xmlns:m="http://schemas.openxmlformats.org/officeDocument/2006/math">
-                    <m:f>
-                      <m:fPr>
-                        <m:type m:val="lin"/>
+                    <m:d>
+                      <m:dPr>
+                        <m:begChr m:val="⌈"/>
+                        <m:endChr m:val="⌉"/>
                         <m:ctrlPr>
-                          <a:rPr lang="en-US" sz="3200" i="1">
-                            <a:latin typeface="Cambria Math" panose="02040503050406030204" pitchFamily="18" charset="0"/>
+                          <a:rPr lang="en-US" sz="3200" b="0" i="1" smtClean="0">
+                            <a:solidFill>
+                              <a:schemeClr val="tx1"/>
+                            </a:solidFill>
+                            <a:latin typeface="Cambria Math" panose="02040503050406030204" pitchFamily="18" charset="0"/>
+                            <a:ea typeface="Cambria Math" panose="02040503050406030204" pitchFamily="18" charset="0"/>
                           </a:rPr>
                         </m:ctrlPr>
-                      </m:fPr>
-                      <m:num>
-                        <m:r>
-                          <a:rPr lang="en-US" sz="3200" i="1">
-                            <a:latin typeface="Cambria Math" panose="02040503050406030204" pitchFamily="18" charset="0"/>
-                          </a:rPr>
-                          <m:t>𝑐</m:t>
-                        </m:r>
-                      </m:num>
-                      <m:den>
-                        <m:r>
-                          <a:rPr lang="en-US" sz="3200" i="1">
-                            <a:latin typeface="Cambria Math" panose="02040503050406030204" pitchFamily="18" charset="0"/>
-                          </a:rPr>
-                          <m:t>2</m:t>
-                        </m:r>
-                      </m:den>
-                    </m:f>
+                      </m:dPr>
+                      <m:e>
+                        <m:f>
+                          <m:fPr>
+                            <m:ctrlPr>
+                              <a:rPr lang="en-US" sz="3200" b="0" i="1" smtClean="0">
+                                <a:solidFill>
+                                  <a:schemeClr val="tx1"/>
+                                </a:solidFill>
+                                <a:latin typeface="Cambria Math" panose="02040503050406030204" pitchFamily="18" charset="0"/>
+                                <a:ea typeface="Cambria Math" panose="02040503050406030204" pitchFamily="18" charset="0"/>
+                              </a:rPr>
+                            </m:ctrlPr>
+                          </m:fPr>
+                          <m:num>
+                            <m:r>
+                              <a:rPr lang="en-US" sz="3200" b="0" i="1" smtClean="0">
+                                <a:solidFill>
+                                  <a:schemeClr val="tx1"/>
+                                </a:solidFill>
+                                <a:latin typeface="Cambria Math" panose="02040503050406030204" pitchFamily="18" charset="0"/>
+                                <a:ea typeface="Cambria Math" panose="02040503050406030204" pitchFamily="18" charset="0"/>
+                              </a:rPr>
+                              <m:t>𝑐</m:t>
+                            </m:r>
+                          </m:num>
+                          <m:den>
+                            <m:r>
+                              <a:rPr lang="en-US" sz="3200" b="0" i="1" smtClean="0">
+                                <a:solidFill>
+                                  <a:schemeClr val="tx1"/>
+                                </a:solidFill>
+                                <a:latin typeface="Cambria Math" panose="02040503050406030204" pitchFamily="18" charset="0"/>
+                                <a:ea typeface="Cambria Math" panose="02040503050406030204" pitchFamily="18" charset="0"/>
+                              </a:rPr>
+                              <m:t>2</m:t>
+                            </m:r>
+                          </m:den>
+                        </m:f>
+                      </m:e>
+                    </m:d>
                     <m:r>
                       <a:rPr lang="en-US" sz="3200" b="0" i="0" smtClean="0">
                         <a:latin typeface="Cambria Math" panose="02040503050406030204" pitchFamily="18" charset="0"/>
@@ -33837,7 +33856,7 @@
               <a:blipFill>
                 <a:blip r:embed="rId3"/>
                 <a:stretch>
-                  <a:fillRect l="-1087" t="-3281"/>
+                  <a:fillRect l="-973" t="-2916"/>
                 </a:stretch>
               </a:blipFill>
             </p:spPr>
@@ -34875,8 +34894,8 @@
           </a:p>
         </p:txBody>
       </p:sp>
-      <mc:AlternateContent xmlns:mc="http://schemas.openxmlformats.org/markup-compatibility/2006">
-        <mc:Choice xmlns:a14="http://schemas.microsoft.com/office/drawing/2010/main" Requires="a14">
+      <mc:AlternateContent xmlns:mc="http://schemas.openxmlformats.org/markup-compatibility/2006" xmlns:a14="http://schemas.microsoft.com/office/drawing/2010/main">
+        <mc:Choice Requires="a14">
           <p:sp>
             <p:nvSpPr>
               <p:cNvPr id="3" name="Content Placeholder 2"/>
@@ -35446,7 +35465,7 @@
             </p:txBody>
           </p:sp>
         </mc:Choice>
-        <mc:Fallback>
+        <mc:Fallback xmlns="">
           <p:sp>
             <p:nvSpPr>
               <p:cNvPr id="3" name="Content Placeholder 2"/>
@@ -38624,8 +38643,8 @@
           </p:sp>
         </mc:Fallback>
       </mc:AlternateContent>
-      <mc:AlternateContent xmlns:mc="http://schemas.openxmlformats.org/markup-compatibility/2006">
-        <mc:Choice xmlns:a14="http://schemas.microsoft.com/office/drawing/2010/main" Requires="a14">
+      <mc:AlternateContent xmlns:mc="http://schemas.openxmlformats.org/markup-compatibility/2006" xmlns:a14="http://schemas.microsoft.com/office/drawing/2010/main">
+        <mc:Choice Requires="a14">
           <p:sp>
             <p:nvSpPr>
               <p:cNvPr id="3" name="Content Placeholder 2">
@@ -38685,22 +38704,30 @@
                     <m:sSub>
                       <m:sSubPr>
                         <m:ctrlPr>
-                          <a:rPr lang="en-US" sz="11200" i="1"/>
+                          <a:rPr lang="en-US" sz="11200" i="1">
+                            <a:latin typeface="Cambria Math" panose="02040503050406030204" pitchFamily="18" charset="0"/>
+                          </a:rPr>
                         </m:ctrlPr>
                       </m:sSubPr>
                       <m:e>
                         <m:r>
-                          <a:rPr lang="en-US" sz="11200" i="1"/>
+                          <a:rPr lang="en-US" sz="11200" i="1">
+                            <a:latin typeface="Cambria Math" panose="02040503050406030204" pitchFamily="18" charset="0"/>
+                          </a:rPr>
                           <m:t>        </m:t>
                         </m:r>
                         <m:r>
-                          <a:rPr lang="en-US" sz="11200" i="1"/>
+                          <a:rPr lang="en-US" sz="11200" i="1">
+                            <a:latin typeface="Cambria Math" panose="02040503050406030204" pitchFamily="18" charset="0"/>
+                          </a:rPr>
                           <m:t>𝑐</m:t>
                         </m:r>
                       </m:e>
                       <m:sub>
                         <m:r>
-                          <a:rPr lang="en-US" sz="11200" i="1"/>
+                          <a:rPr lang="en-US" sz="11200" i="1">
+                            <a:latin typeface="Cambria Math" panose="02040503050406030204" pitchFamily="18" charset="0"/>
+                          </a:rPr>
                           <m:t>1</m:t>
                         </m:r>
                       </m:sub>
@@ -38714,47 +38741,63 @@
                 <a14:m>
                   <m:oMath xmlns:m="http://schemas.openxmlformats.org/officeDocument/2006/math">
                     <m:r>
-                      <a:rPr lang="en-US" sz="11200"/>
+                      <a:rPr lang="en-US" sz="11200">
+                        <a:latin typeface="Cambria Math" panose="02040503050406030204" pitchFamily="18" charset="0"/>
+                      </a:rPr>
                       <m:t>≤</m:t>
                     </m:r>
                     <m:f>
                       <m:fPr>
                         <m:ctrlPr>
-                          <a:rPr lang="en-US" sz="11200" i="1"/>
+                          <a:rPr lang="en-US" sz="11200" i="1">
+                            <a:latin typeface="Cambria Math" panose="02040503050406030204" pitchFamily="18" charset="0"/>
+                          </a:rPr>
                         </m:ctrlPr>
                       </m:fPr>
                       <m:num>
                         <m:r>
-                          <a:rPr lang="en-US" sz="11200" i="1"/>
+                          <a:rPr lang="en-US" sz="11200" i="1">
+                            <a:latin typeface="Cambria Math" panose="02040503050406030204" pitchFamily="18" charset="0"/>
+                          </a:rPr>
                           <m:t>1</m:t>
                         </m:r>
                       </m:num>
                       <m:den>
                         <m:r>
-                          <a:rPr lang="en-US" sz="11200" i="1"/>
+                          <a:rPr lang="en-US" sz="11200" i="1">
+                            <a:latin typeface="Cambria Math" panose="02040503050406030204" pitchFamily="18" charset="0"/>
+                          </a:rPr>
                           <m:t>2</m:t>
                         </m:r>
                       </m:den>
                     </m:f>
                     <m:r>
-                      <a:rPr lang="en-US" sz="11200" i="1"/>
+                      <a:rPr lang="en-US" sz="11200" i="1">
+                        <a:latin typeface="Cambria Math" panose="02040503050406030204" pitchFamily="18" charset="0"/>
+                      </a:rPr>
                       <m:t>−</m:t>
                     </m:r>
                     <m:f>
                       <m:fPr>
                         <m:ctrlPr>
-                          <a:rPr lang="en-US" sz="11200" i="1"/>
+                          <a:rPr lang="en-US" sz="11200" i="1">
+                            <a:latin typeface="Cambria Math" panose="02040503050406030204" pitchFamily="18" charset="0"/>
+                          </a:rPr>
                         </m:ctrlPr>
                       </m:fPr>
                       <m:num>
                         <m:r>
-                          <a:rPr lang="en-US" sz="11200" i="1"/>
+                          <a:rPr lang="en-US" sz="11200" i="1">
+                            <a:latin typeface="Cambria Math" panose="02040503050406030204" pitchFamily="18" charset="0"/>
+                          </a:rPr>
                           <m:t>3</m:t>
                         </m:r>
                       </m:num>
                       <m:den>
                         <m:r>
-                          <a:rPr lang="en-US" sz="11200" i="1"/>
+                          <a:rPr lang="en-US" sz="11200" i="1">
+                            <a:latin typeface="Cambria Math" panose="02040503050406030204" pitchFamily="18" charset="0"/>
+                          </a:rPr>
                           <m:t>𝑛</m:t>
                         </m:r>
                       </m:den>
@@ -38775,22 +38818,30 @@
                     <m:sSub>
                       <m:sSubPr>
                         <m:ctrlPr>
-                          <a:rPr lang="en-US" sz="11200" i="1"/>
+                          <a:rPr lang="en-US" sz="11200" i="1">
+                            <a:latin typeface="Cambria Math" panose="02040503050406030204" pitchFamily="18" charset="0"/>
+                          </a:rPr>
                         </m:ctrlPr>
                       </m:sSubPr>
                       <m:e>
                         <m:r>
-                          <a:rPr lang="en-US" sz="11200" i="1"/>
+                          <a:rPr lang="en-US" sz="11200" i="1">
+                            <a:latin typeface="Cambria Math" panose="02040503050406030204" pitchFamily="18" charset="0"/>
+                          </a:rPr>
                           <m:t>        </m:t>
                         </m:r>
                         <m:r>
-                          <a:rPr lang="en-US" sz="11200" i="1"/>
+                          <a:rPr lang="en-US" sz="11200" i="1">
+                            <a:latin typeface="Cambria Math" panose="02040503050406030204" pitchFamily="18" charset="0"/>
+                          </a:rPr>
                           <m:t>𝑐</m:t>
                         </m:r>
                       </m:e>
                       <m:sub>
                         <m:r>
-                          <a:rPr lang="en-US" sz="11200" i="1"/>
+                          <a:rPr lang="en-US" sz="11200" i="1">
+                            <a:latin typeface="Cambria Math" panose="02040503050406030204" pitchFamily="18" charset="0"/>
+                          </a:rPr>
                           <m:t>1</m:t>
                         </m:r>
                       </m:sub>
@@ -38804,32 +38855,44 @@
                 <a14:m>
                   <m:oMath xmlns:m="http://schemas.openxmlformats.org/officeDocument/2006/math">
                     <m:r>
-                      <a:rPr lang="en-US" sz="11200"/>
+                      <a:rPr lang="en-US" sz="11200">
+                        <a:latin typeface="Cambria Math" panose="02040503050406030204" pitchFamily="18" charset="0"/>
+                      </a:rPr>
                       <m:t>≤</m:t>
                     </m:r>
                     <m:f>
                       <m:fPr>
                         <m:ctrlPr>
-                          <a:rPr lang="en-US" sz="11200" i="1"/>
+                          <a:rPr lang="en-US" sz="11200" i="1">
+                            <a:latin typeface="Cambria Math" panose="02040503050406030204" pitchFamily="18" charset="0"/>
+                          </a:rPr>
                         </m:ctrlPr>
                       </m:fPr>
                       <m:num>
                         <m:r>
-                          <a:rPr lang="en-US" sz="11200" i="1"/>
+                          <a:rPr lang="en-US" sz="11200" i="1">
+                            <a:latin typeface="Cambria Math" panose="02040503050406030204" pitchFamily="18" charset="0"/>
+                          </a:rPr>
                           <m:t>𝑛</m:t>
                         </m:r>
                         <m:r>
-                          <a:rPr lang="en-US" sz="11200" i="1"/>
+                          <a:rPr lang="en-US" sz="11200" i="1">
+                            <a:latin typeface="Cambria Math" panose="02040503050406030204" pitchFamily="18" charset="0"/>
+                          </a:rPr>
                           <m:t>−6</m:t>
                         </m:r>
                       </m:num>
                       <m:den>
                         <m:r>
-                          <a:rPr lang="en-US" sz="11200" i="1"/>
+                          <a:rPr lang="en-US" sz="11200" i="1">
+                            <a:latin typeface="Cambria Math" panose="02040503050406030204" pitchFamily="18" charset="0"/>
+                          </a:rPr>
                           <m:t>2</m:t>
                         </m:r>
                         <m:r>
-                          <a:rPr lang="en-US" sz="11200" i="1"/>
+                          <a:rPr lang="en-US" sz="11200" i="1">
+                            <a:latin typeface="Cambria Math" panose="02040503050406030204" pitchFamily="18" charset="0"/>
+                          </a:rPr>
                           <m:t>𝑛</m:t>
                         </m:r>
                       </m:den>
@@ -38857,35 +38920,47 @@
                 <a14:m>
                   <m:oMath xmlns:m="http://schemas.openxmlformats.org/officeDocument/2006/math">
                     <m:r>
-                      <a:rPr lang="en-US" sz="11200" i="1"/>
+                      <a:rPr lang="en-US" sz="11200" i="1">
+                        <a:latin typeface="Cambria Math" panose="02040503050406030204" pitchFamily="18" charset="0"/>
+                      </a:rPr>
                       <m:t>𝑛</m:t>
                     </m:r>
                     <m:d>
                       <m:dPr>
                         <m:ctrlPr>
-                          <a:rPr lang="en-US" sz="11200" i="1"/>
+                          <a:rPr lang="en-US" sz="11200" i="1">
+                            <a:latin typeface="Cambria Math" panose="02040503050406030204" pitchFamily="18" charset="0"/>
+                          </a:rPr>
                         </m:ctrlPr>
                       </m:dPr>
                       <m:e>
                         <m:r>
-                          <a:rPr lang="en-US" sz="11200" i="1"/>
+                          <a:rPr lang="en-US" sz="11200" i="1">
+                            <a:latin typeface="Cambria Math" panose="02040503050406030204" pitchFamily="18" charset="0"/>
+                          </a:rPr>
                           <m:t>1−2</m:t>
                         </m:r>
                         <m:sSub>
                           <m:sSubPr>
                             <m:ctrlPr>
-                              <a:rPr lang="en-US" sz="11200" i="1"/>
+                              <a:rPr lang="en-US" sz="11200" i="1">
+                                <a:latin typeface="Cambria Math" panose="02040503050406030204" pitchFamily="18" charset="0"/>
+                              </a:rPr>
                             </m:ctrlPr>
                           </m:sSubPr>
                           <m:e>
                             <m:r>
-                              <a:rPr lang="en-US" sz="11200" i="1"/>
+                              <a:rPr lang="en-US" sz="11200" i="1">
+                                <a:latin typeface="Cambria Math" panose="02040503050406030204" pitchFamily="18" charset="0"/>
+                              </a:rPr>
                               <m:t>𝑐</m:t>
                             </m:r>
                           </m:e>
                           <m:sub>
                             <m:r>
-                              <a:rPr lang="en-US" sz="11200" i="1"/>
+                              <a:rPr lang="en-US" sz="11200" i="1">
+                                <a:latin typeface="Cambria Math" panose="02040503050406030204" pitchFamily="18" charset="0"/>
+                              </a:rPr>
                               <m:t>1</m:t>
                             </m:r>
                           </m:sub>
@@ -38893,7 +38968,9 @@
                       </m:e>
                     </m:d>
                     <m:r>
-                      <a:rPr lang="en-US" sz="11200"/>
+                      <a:rPr lang="en-US" sz="11200">
+                        <a:latin typeface="Cambria Math" panose="02040503050406030204" pitchFamily="18" charset="0"/>
+                      </a:rPr>
                       <m:t>≥6</m:t>
                     </m:r>
                   </m:oMath>
@@ -38922,34 +38999,45 @@
                 <a14:m>
                   <m:oMath xmlns:m="http://schemas.openxmlformats.org/officeDocument/2006/math">
                     <m:r>
-                      <a:rPr lang="en-US" sz="11200" i="1"/>
+                      <a:rPr lang="en-US" sz="11200" i="1">
+                        <a:latin typeface="Cambria Math" panose="02040503050406030204" pitchFamily="18" charset="0"/>
+                      </a:rPr>
                       <m:t>1−2</m:t>
                     </m:r>
                     <m:sSub>
                       <m:sSubPr>
                         <m:ctrlPr>
-                          <a:rPr lang="en-US" sz="11200" i="1"/>
+                          <a:rPr lang="en-US" sz="11200" i="1">
+                            <a:latin typeface="Cambria Math" panose="02040503050406030204" pitchFamily="18" charset="0"/>
+                          </a:rPr>
                         </m:ctrlPr>
                       </m:sSubPr>
                       <m:e>
                         <m:r>
-                          <a:rPr lang="en-US" sz="11200" i="1"/>
+                          <a:rPr lang="en-US" sz="11200" i="1">
+                            <a:latin typeface="Cambria Math" panose="02040503050406030204" pitchFamily="18" charset="0"/>
+                          </a:rPr>
                           <m:t>𝑐</m:t>
                         </m:r>
                       </m:e>
                       <m:sub>
                         <m:r>
-                          <a:rPr lang="en-US" sz="11200" i="1"/>
+                          <a:rPr lang="en-US" sz="11200" i="1">
+                            <a:latin typeface="Cambria Math" panose="02040503050406030204" pitchFamily="18" charset="0"/>
+                          </a:rPr>
                           <m:t>1</m:t>
                         </m:r>
                       </m:sub>
                     </m:sSub>
                     <m:r>
-                      <a:rPr lang="en-US" sz="11200" i="1"/>
+                      <a:rPr lang="en-US" sz="11200" i="1">
+                        <a:latin typeface="Cambria Math" panose="02040503050406030204" pitchFamily="18" charset="0"/>
+                      </a:rPr>
                       <m:t>&gt;0</m:t>
                     </m:r>
                     <m:r>
                       <a:rPr lang="en-US" sz="11200" i="1">
+                        <a:latin typeface="Cambria Math" panose="02040503050406030204" pitchFamily="18" charset="0"/>
                         <a:ea typeface="Cambria Math" panose="02040503050406030204" pitchFamily="18" charset="0"/>
                       </a:rPr>
                       <m:t>→</m:t>
@@ -38957,41 +39045,55 @@
                     <m:sSub>
                       <m:sSubPr>
                         <m:ctrlPr>
-                          <a:rPr lang="en-US" sz="11200" i="1"/>
+                          <a:rPr lang="en-US" sz="11200" i="1">
+                            <a:latin typeface="Cambria Math" panose="02040503050406030204" pitchFamily="18" charset="0"/>
+                          </a:rPr>
                         </m:ctrlPr>
                       </m:sSubPr>
                       <m:e>
                         <m:r>
-                          <a:rPr lang="en-US" sz="11200" i="1"/>
+                          <a:rPr lang="en-US" sz="11200" i="1">
+                            <a:latin typeface="Cambria Math" panose="02040503050406030204" pitchFamily="18" charset="0"/>
+                          </a:rPr>
                           <m:t>𝑐</m:t>
                         </m:r>
                       </m:e>
                       <m:sub>
                         <m:r>
-                          <a:rPr lang="en-US" sz="11200" i="1"/>
+                          <a:rPr lang="en-US" sz="11200" i="1">
+                            <a:latin typeface="Cambria Math" panose="02040503050406030204" pitchFamily="18" charset="0"/>
+                          </a:rPr>
                           <m:t>1</m:t>
                         </m:r>
                       </m:sub>
                     </m:sSub>
                     <m:r>
-                      <a:rPr lang="en-US" sz="11200" i="1"/>
+                      <a:rPr lang="en-US" sz="11200" i="1">
+                        <a:latin typeface="Cambria Math" panose="02040503050406030204" pitchFamily="18" charset="0"/>
+                      </a:rPr>
                       <m:t>&lt;</m:t>
                     </m:r>
                     <m:f>
                       <m:fPr>
                         <m:ctrlPr>
-                          <a:rPr lang="en-US" sz="11200" i="1"/>
+                          <a:rPr lang="en-US" sz="11200" i="1">
+                            <a:latin typeface="Cambria Math" panose="02040503050406030204" pitchFamily="18" charset="0"/>
+                          </a:rPr>
                         </m:ctrlPr>
                       </m:fPr>
                       <m:num>
                         <m:r>
-                          <a:rPr lang="en-US" sz="11200" i="1"/>
+                          <a:rPr lang="en-US" sz="11200" i="1">
+                            <a:latin typeface="Cambria Math" panose="02040503050406030204" pitchFamily="18" charset="0"/>
+                          </a:rPr>
                           <m:t>1</m:t>
                         </m:r>
                       </m:num>
                       <m:den>
                         <m:r>
-                          <a:rPr lang="en-US" sz="11200" i="1"/>
+                          <a:rPr lang="en-US" sz="11200" i="1">
+                            <a:latin typeface="Cambria Math" panose="02040503050406030204" pitchFamily="18" charset="0"/>
+                          </a:rPr>
                           <m:t>2</m:t>
                         </m:r>
                       </m:den>
@@ -39011,45 +39113,61 @@
                 <a14:m>
                   <m:oMath xmlns:m="http://schemas.openxmlformats.org/officeDocument/2006/math">
                     <m:r>
-                      <a:rPr lang="en-US" sz="11200" i="1"/>
+                      <a:rPr lang="en-US" sz="11200" i="1">
+                        <a:latin typeface="Cambria Math" panose="02040503050406030204" pitchFamily="18" charset="0"/>
+                      </a:rPr>
                       <m:t>𝑛</m:t>
                     </m:r>
                     <m:r>
-                      <a:rPr lang="en-US" sz="11200"/>
+                      <a:rPr lang="en-US" sz="11200">
+                        <a:latin typeface="Cambria Math" panose="02040503050406030204" pitchFamily="18" charset="0"/>
+                      </a:rPr>
                       <m:t>≥</m:t>
                     </m:r>
                     <m:f>
                       <m:fPr>
                         <m:ctrlPr>
-                          <a:rPr lang="en-US" sz="11200" i="1"/>
+                          <a:rPr lang="en-US" sz="11200" i="1">
+                            <a:latin typeface="Cambria Math" panose="02040503050406030204" pitchFamily="18" charset="0"/>
+                          </a:rPr>
                         </m:ctrlPr>
                       </m:fPr>
                       <m:num>
                         <m:r>
-                          <a:rPr lang="en-US" sz="11200" i="1"/>
+                          <a:rPr lang="en-US" sz="11200" i="1">
+                            <a:latin typeface="Cambria Math" panose="02040503050406030204" pitchFamily="18" charset="0"/>
+                          </a:rPr>
                           <m:t>6</m:t>
                         </m:r>
                       </m:num>
                       <m:den>
                         <m:r>
-                          <a:rPr lang="en-US" sz="11200" i="1"/>
+                          <a:rPr lang="en-US" sz="11200" i="1">
+                            <a:latin typeface="Cambria Math" panose="02040503050406030204" pitchFamily="18" charset="0"/>
+                          </a:rPr>
                           <m:t>1−2</m:t>
                         </m:r>
                         <m:sSub>
                           <m:sSubPr>
                             <m:ctrlPr>
-                              <a:rPr lang="en-US" sz="11200" i="1"/>
+                              <a:rPr lang="en-US" sz="11200" i="1">
+                                <a:latin typeface="Cambria Math" panose="02040503050406030204" pitchFamily="18" charset="0"/>
+                              </a:rPr>
                             </m:ctrlPr>
                           </m:sSubPr>
                           <m:e>
                             <m:r>
-                              <a:rPr lang="en-US" sz="11200" i="1"/>
+                              <a:rPr lang="en-US" sz="11200" i="1">
+                                <a:latin typeface="Cambria Math" panose="02040503050406030204" pitchFamily="18" charset="0"/>
+                              </a:rPr>
                               <m:t>𝑐</m:t>
                             </m:r>
                           </m:e>
                           <m:sub>
                             <m:r>
-                              <a:rPr lang="en-US" sz="11200" i="1"/>
+                              <a:rPr lang="en-US" sz="11200" i="1">
+                                <a:latin typeface="Cambria Math" panose="02040503050406030204" pitchFamily="18" charset="0"/>
+                              </a:rPr>
                               <m:t>1</m:t>
                             </m:r>
                           </m:sub>
@@ -39087,70 +39205,94 @@
                     <m:sSub>
                       <m:sSubPr>
                         <m:ctrlPr>
-                          <a:rPr lang="en-US" sz="11200" i="1"/>
+                          <a:rPr lang="en-US" sz="11200" i="1">
+                            <a:latin typeface="Cambria Math" panose="02040503050406030204" pitchFamily="18" charset="0"/>
+                          </a:rPr>
                         </m:ctrlPr>
                       </m:sSubPr>
                       <m:e>
                         <m:r>
-                          <a:rPr lang="en-US" sz="11200" i="1"/>
+                          <a:rPr lang="en-US" sz="11200" i="1">
+                            <a:latin typeface="Cambria Math" panose="02040503050406030204" pitchFamily="18" charset="0"/>
+                          </a:rPr>
                           <m:t>𝑐</m:t>
                         </m:r>
                       </m:e>
                       <m:sub>
                         <m:r>
-                          <a:rPr lang="en-US" sz="11200" i="1"/>
+                          <a:rPr lang="en-US" sz="11200" i="1">
+                            <a:latin typeface="Cambria Math" panose="02040503050406030204" pitchFamily="18" charset="0"/>
+                          </a:rPr>
                           <m:t>1</m:t>
                         </m:r>
                       </m:sub>
                     </m:sSub>
                     <m:r>
-                      <a:rPr lang="en-US" sz="11200" i="1"/>
+                      <a:rPr lang="en-US" sz="11200" i="1">
+                        <a:latin typeface="Cambria Math" panose="02040503050406030204" pitchFamily="18" charset="0"/>
+                      </a:rPr>
                       <m:t>=</m:t>
                     </m:r>
                     <m:f>
                       <m:fPr>
                         <m:ctrlPr>
-                          <a:rPr lang="en-US" sz="11200" i="1"/>
+                          <a:rPr lang="en-US" sz="11200" i="1">
+                            <a:latin typeface="Cambria Math" panose="02040503050406030204" pitchFamily="18" charset="0"/>
+                          </a:rPr>
                         </m:ctrlPr>
                       </m:fPr>
                       <m:num>
                         <m:r>
-                          <a:rPr lang="en-US" sz="11200" i="1"/>
+                          <a:rPr lang="en-US" sz="11200" i="1">
+                            <a:latin typeface="Cambria Math" panose="02040503050406030204" pitchFamily="18" charset="0"/>
+                          </a:rPr>
                           <m:t>1</m:t>
                         </m:r>
                       </m:num>
                       <m:den>
                         <m:r>
-                          <a:rPr lang="en-US" sz="11200" i="1"/>
+                          <a:rPr lang="en-US" sz="11200" i="1">
+                            <a:latin typeface="Cambria Math" panose="02040503050406030204" pitchFamily="18" charset="0"/>
+                          </a:rPr>
                           <m:t>4</m:t>
                         </m:r>
                       </m:den>
                     </m:f>
                     <m:r>
-                      <a:rPr lang="en-US" sz="11200"/>
+                      <a:rPr lang="en-US" sz="11200">
+                        <a:latin typeface="Cambria Math" panose="02040503050406030204" pitchFamily="18" charset="0"/>
+                      </a:rPr>
                       <m:t>,</m:t>
                     </m:r>
                     <m:sSub>
                       <m:sSubPr>
                         <m:ctrlPr>
-                          <a:rPr lang="en-US" sz="11200" i="1"/>
+                          <a:rPr lang="en-US" sz="11200" i="1">
+                            <a:latin typeface="Cambria Math" panose="02040503050406030204" pitchFamily="18" charset="0"/>
+                          </a:rPr>
                         </m:ctrlPr>
                       </m:sSubPr>
                       <m:e>
                         <m:r>
-                          <a:rPr lang="en-US" sz="11200" i="1"/>
+                          <a:rPr lang="en-US" sz="11200" i="1">
+                            <a:latin typeface="Cambria Math" panose="02040503050406030204" pitchFamily="18" charset="0"/>
+                          </a:rPr>
                           <m:t>𝑛</m:t>
                         </m:r>
                       </m:e>
                       <m:sub>
                         <m:r>
-                          <a:rPr lang="en-US" sz="11200" i="1"/>
+                          <a:rPr lang="en-US" sz="11200" i="1">
+                            <a:latin typeface="Cambria Math" panose="02040503050406030204" pitchFamily="18" charset="0"/>
+                          </a:rPr>
                           <m:t>01</m:t>
                         </m:r>
                       </m:sub>
                     </m:sSub>
                     <m:r>
-                      <a:rPr lang="en-US" sz="11200" i="1"/>
+                      <a:rPr lang="en-US" sz="11200" i="1">
+                        <a:latin typeface="Cambria Math" panose="02040503050406030204" pitchFamily="18" charset="0"/>
+                      </a:rPr>
                       <m:t>=12</m:t>
                     </m:r>
                   </m:oMath>
@@ -39179,6 +39321,7 @@
                         <a:solidFill>
                           <a:schemeClr val="tx1"/>
                         </a:solidFill>
+                        <a:latin typeface="Cambria Math" panose="02040503050406030204" pitchFamily="18" charset="0"/>
                       </a:rPr>
                       <m:t>𝑓</m:t>
                     </m:r>
@@ -39189,6 +39332,7 @@
                             <a:solidFill>
                               <a:schemeClr val="tx1"/>
                             </a:solidFill>
+                            <a:latin typeface="Cambria Math" panose="02040503050406030204" pitchFamily="18" charset="0"/>
                           </a:rPr>
                         </m:ctrlPr>
                       </m:dPr>
@@ -39198,6 +39342,7 @@
                             <a:solidFill>
                               <a:schemeClr val="tx1"/>
                             </a:solidFill>
+                            <a:latin typeface="Cambria Math" panose="02040503050406030204" pitchFamily="18" charset="0"/>
                           </a:rPr>
                           <m:t>𝑛</m:t>
                         </m:r>
@@ -39208,6 +39353,7 @@
                         <a:solidFill>
                           <a:schemeClr val="tx1"/>
                         </a:solidFill>
+                        <a:latin typeface="Cambria Math" panose="02040503050406030204" pitchFamily="18" charset="0"/>
                       </a:rPr>
                       <m:t>=</m:t>
                     </m:r>
@@ -39229,6 +39375,7 @@
                         <a:solidFill>
                           <a:schemeClr val="tx1"/>
                         </a:solidFill>
+                        <a:latin typeface="Cambria Math" panose="02040503050406030204" pitchFamily="18" charset="0"/>
                       </a:rPr>
                       <m:t>(</m:t>
                     </m:r>
@@ -39237,6 +39384,7 @@
                         <a:solidFill>
                           <a:schemeClr val="tx1"/>
                         </a:solidFill>
+                        <a:latin typeface="Cambria Math" panose="02040503050406030204" pitchFamily="18" charset="0"/>
                       </a:rPr>
                       <m:t>𝑔</m:t>
                     </m:r>
@@ -39247,6 +39395,7 @@
                             <a:solidFill>
                               <a:schemeClr val="tx1"/>
                             </a:solidFill>
+                            <a:latin typeface="Cambria Math" panose="02040503050406030204" pitchFamily="18" charset="0"/>
                           </a:rPr>
                         </m:ctrlPr>
                       </m:dPr>
@@ -39256,6 +39405,7 @@
                             <a:solidFill>
                               <a:schemeClr val="tx1"/>
                             </a:solidFill>
+                            <a:latin typeface="Cambria Math" panose="02040503050406030204" pitchFamily="18" charset="0"/>
                           </a:rPr>
                           <m:t>𝑛</m:t>
                         </m:r>
@@ -39266,6 +39416,7 @@
                         <a:solidFill>
                           <a:schemeClr val="tx1"/>
                         </a:solidFill>
+                        <a:latin typeface="Cambria Math" panose="02040503050406030204" pitchFamily="18" charset="0"/>
                       </a:rPr>
                       <m:t>)</m:t>
                     </m:r>
@@ -39274,6 +39425,7 @@
                         <a:solidFill>
                           <a:schemeClr val="tx1"/>
                         </a:solidFill>
+                        <a:latin typeface="Cambria Math" panose="02040503050406030204" pitchFamily="18" charset="0"/>
                         <a:ea typeface="Cambria Math" panose="02040503050406030204" pitchFamily="18" charset="0"/>
                       </a:rPr>
                       <m:t> </m:t>
@@ -39347,7 +39499,7 @@
             </p:txBody>
           </p:sp>
         </mc:Choice>
-        <mc:Fallback>
+        <mc:Fallback xmlns="">
           <p:sp>
             <p:nvSpPr>
               <p:cNvPr id="3" name="Content Placeholder 2">
@@ -39621,8 +39773,8 @@
           </p:sp>
         </mc:Fallback>
       </mc:AlternateContent>
-      <mc:AlternateContent xmlns:mc="http://schemas.openxmlformats.org/markup-compatibility/2006">
-        <mc:Choice xmlns:a14="http://schemas.microsoft.com/office/drawing/2010/main" Requires="a14">
+      <mc:AlternateContent xmlns:mc="http://schemas.openxmlformats.org/markup-compatibility/2006" xmlns:a14="http://schemas.microsoft.com/office/drawing/2010/main">
+        <mc:Choice Requires="a14">
           <p:sp>
             <p:nvSpPr>
               <p:cNvPr id="3" name="Content Placeholder 2">
@@ -39686,64 +39838,86 @@
                     <m:f>
                       <m:fPr>
                         <m:ctrlPr>
-                          <a:rPr lang="en-US" sz="11200" i="1"/>
+                          <a:rPr lang="en-US" sz="11200" i="1">
+                            <a:latin typeface="Cambria Math" panose="02040503050406030204" pitchFamily="18" charset="0"/>
+                          </a:rPr>
                         </m:ctrlPr>
                       </m:fPr>
                       <m:num>
                         <m:r>
-                          <a:rPr lang="en-US" sz="11200" i="1"/>
+                          <a:rPr lang="en-US" sz="11200" i="1">
+                            <a:latin typeface="Cambria Math" panose="02040503050406030204" pitchFamily="18" charset="0"/>
+                          </a:rPr>
                           <m:t>1</m:t>
                         </m:r>
                       </m:num>
                       <m:den>
                         <m:r>
-                          <a:rPr lang="en-US" sz="11200" i="1"/>
+                          <a:rPr lang="en-US" sz="11200" i="1">
+                            <a:latin typeface="Cambria Math" panose="02040503050406030204" pitchFamily="18" charset="0"/>
+                          </a:rPr>
                           <m:t>2</m:t>
                         </m:r>
                       </m:den>
                     </m:f>
                     <m:r>
-                      <a:rPr lang="en-US" sz="11200" i="1"/>
+                      <a:rPr lang="en-US" sz="11200" i="1">
+                        <a:latin typeface="Cambria Math" panose="02040503050406030204" pitchFamily="18" charset="0"/>
+                      </a:rPr>
                       <m:t>−</m:t>
                     </m:r>
                     <m:f>
                       <m:fPr>
                         <m:ctrlPr>
-                          <a:rPr lang="en-US" sz="11200" i="1"/>
+                          <a:rPr lang="en-US" sz="11200" i="1">
+                            <a:latin typeface="Cambria Math" panose="02040503050406030204" pitchFamily="18" charset="0"/>
+                          </a:rPr>
                         </m:ctrlPr>
                       </m:fPr>
                       <m:num>
                         <m:r>
-                          <a:rPr lang="en-US" sz="11200" i="1"/>
+                          <a:rPr lang="en-US" sz="11200" i="1">
+                            <a:latin typeface="Cambria Math" panose="02040503050406030204" pitchFamily="18" charset="0"/>
+                          </a:rPr>
                           <m:t>3</m:t>
                         </m:r>
                       </m:num>
                       <m:den>
                         <m:r>
-                          <a:rPr lang="en-US" sz="11200" i="1"/>
+                          <a:rPr lang="en-US" sz="11200" i="1">
+                            <a:latin typeface="Cambria Math" panose="02040503050406030204" pitchFamily="18" charset="0"/>
+                          </a:rPr>
                           <m:t>𝑛</m:t>
                         </m:r>
                       </m:den>
                     </m:f>
                     <m:r>
-                      <a:rPr lang="en-US" sz="11200" b="0" i="0" smtClean="0"/>
+                      <a:rPr lang="en-US" sz="11200" b="0" i="0" smtClean="0">
+                        <a:latin typeface="Cambria Math" panose="02040503050406030204" pitchFamily="18" charset="0"/>
+                      </a:rPr>
                       <m:t>≥</m:t>
                     </m:r>
                     <m:sSub>
                       <m:sSubPr>
                         <m:ctrlPr>
-                          <a:rPr lang="en-US" sz="11200" b="0" i="1" smtClean="0"/>
+                          <a:rPr lang="en-US" sz="11200" b="0" i="1" smtClean="0">
+                            <a:latin typeface="Cambria Math" panose="02040503050406030204" pitchFamily="18" charset="0"/>
+                          </a:rPr>
                         </m:ctrlPr>
                       </m:sSubPr>
                       <m:e>
                         <m:r>
-                          <a:rPr lang="en-US" sz="11200" b="0" i="1" smtClean="0"/>
+                          <a:rPr lang="en-US" sz="11200" b="0" i="1" smtClean="0">
+                            <a:latin typeface="Cambria Math" panose="02040503050406030204" pitchFamily="18" charset="0"/>
+                          </a:rPr>
                           <m:t>𝑐</m:t>
                         </m:r>
                       </m:e>
                       <m:sub>
                         <m:r>
-                          <a:rPr lang="en-US" sz="11200" b="0" i="1" smtClean="0"/>
+                          <a:rPr lang="en-US" sz="11200" b="0" i="1" smtClean="0">
+                            <a:latin typeface="Cambria Math" panose="02040503050406030204" pitchFamily="18" charset="0"/>
+                          </a:rPr>
                           <m:t>2</m:t>
                         </m:r>
                       </m:sub>
@@ -39761,22 +39935,30 @@
                     <m:sSub>
                       <m:sSubPr>
                         <m:ctrlPr>
-                          <a:rPr lang="en-US" sz="11200" i="1"/>
+                          <a:rPr lang="en-US" sz="11200" i="1">
+                            <a:latin typeface="Cambria Math" panose="02040503050406030204" pitchFamily="18" charset="0"/>
+                          </a:rPr>
                         </m:ctrlPr>
                       </m:sSubPr>
                       <m:e>
                         <m:r>
-                          <a:rPr lang="en-US" sz="11200" i="1"/>
+                          <a:rPr lang="en-US" sz="11200" i="1">
+                            <a:latin typeface="Cambria Math" panose="02040503050406030204" pitchFamily="18" charset="0"/>
+                          </a:rPr>
                           <m:t>        </m:t>
                         </m:r>
                         <m:r>
-                          <a:rPr lang="en-US" sz="11200" i="1"/>
+                          <a:rPr lang="en-US" sz="11200" i="1">
+                            <a:latin typeface="Cambria Math" panose="02040503050406030204" pitchFamily="18" charset="0"/>
+                          </a:rPr>
                           <m:t>𝑐</m:t>
                         </m:r>
                       </m:e>
                       <m:sub>
                         <m:r>
-                          <a:rPr lang="en-US" sz="11200" b="0" i="1" smtClean="0"/>
+                          <a:rPr lang="en-US" sz="11200" b="0" i="1" smtClean="0">
+                            <a:latin typeface="Cambria Math" panose="02040503050406030204" pitchFamily="18" charset="0"/>
+                          </a:rPr>
                           <m:t>2</m:t>
                         </m:r>
                       </m:sub>
@@ -39790,32 +39972,44 @@
                 <a14:m>
                   <m:oMath xmlns:m="http://schemas.openxmlformats.org/officeDocument/2006/math">
                     <m:r>
-                      <a:rPr lang="en-US" sz="11200" i="1" dirty="0" smtClean="0"/>
+                      <a:rPr lang="en-US" sz="11200" i="1" dirty="0" smtClean="0">
+                        <a:latin typeface="Cambria Math" panose="02040503050406030204" pitchFamily="18" charset="0"/>
+                      </a:rPr>
                       <m:t>≥</m:t>
                     </m:r>
                     <m:f>
                       <m:fPr>
                         <m:ctrlPr>
-                          <a:rPr lang="en-US" sz="11200" i="1"/>
+                          <a:rPr lang="en-US" sz="11200" i="1">
+                            <a:latin typeface="Cambria Math" panose="02040503050406030204" pitchFamily="18" charset="0"/>
+                          </a:rPr>
                         </m:ctrlPr>
                       </m:fPr>
                       <m:num>
                         <m:r>
-                          <a:rPr lang="en-US" sz="11200" i="1"/>
+                          <a:rPr lang="en-US" sz="11200" i="1">
+                            <a:latin typeface="Cambria Math" panose="02040503050406030204" pitchFamily="18" charset="0"/>
+                          </a:rPr>
                           <m:t>𝑛</m:t>
                         </m:r>
                         <m:r>
-                          <a:rPr lang="en-US" sz="11200" i="1"/>
+                          <a:rPr lang="en-US" sz="11200" i="1">
+                            <a:latin typeface="Cambria Math" panose="02040503050406030204" pitchFamily="18" charset="0"/>
+                          </a:rPr>
                           <m:t>−6</m:t>
                         </m:r>
                       </m:num>
                       <m:den>
                         <m:r>
-                          <a:rPr lang="en-US" sz="11200" i="1"/>
+                          <a:rPr lang="en-US" sz="11200" i="1">
+                            <a:latin typeface="Cambria Math" panose="02040503050406030204" pitchFamily="18" charset="0"/>
+                          </a:rPr>
                           <m:t>2</m:t>
                         </m:r>
                         <m:r>
-                          <a:rPr lang="en-US" sz="11200" i="1"/>
+                          <a:rPr lang="en-US" sz="11200" i="1">
+                            <a:latin typeface="Cambria Math" panose="02040503050406030204" pitchFamily="18" charset="0"/>
+                          </a:rPr>
                           <m:t>𝑛</m:t>
                         </m:r>
                       </m:den>
@@ -39843,35 +40037,47 @@
                 <a14:m>
                   <m:oMath xmlns:m="http://schemas.openxmlformats.org/officeDocument/2006/math">
                     <m:r>
-                      <a:rPr lang="en-US" sz="11200" i="1"/>
+                      <a:rPr lang="en-US" sz="11200" i="1">
+                        <a:latin typeface="Cambria Math" panose="02040503050406030204" pitchFamily="18" charset="0"/>
+                      </a:rPr>
                       <m:t>𝑛</m:t>
                     </m:r>
                     <m:d>
                       <m:dPr>
                         <m:ctrlPr>
-                          <a:rPr lang="en-US" sz="11200" i="1"/>
+                          <a:rPr lang="en-US" sz="11200" i="1">
+                            <a:latin typeface="Cambria Math" panose="02040503050406030204" pitchFamily="18" charset="0"/>
+                          </a:rPr>
                         </m:ctrlPr>
                       </m:dPr>
                       <m:e>
                         <m:r>
-                          <a:rPr lang="en-US" sz="11200" i="1"/>
+                          <a:rPr lang="en-US" sz="11200" i="1">
+                            <a:latin typeface="Cambria Math" panose="02040503050406030204" pitchFamily="18" charset="0"/>
+                          </a:rPr>
                           <m:t>1−2</m:t>
                         </m:r>
                         <m:sSub>
                           <m:sSubPr>
                             <m:ctrlPr>
-                              <a:rPr lang="en-US" sz="11200" i="1"/>
+                              <a:rPr lang="en-US" sz="11200" i="1">
+                                <a:latin typeface="Cambria Math" panose="02040503050406030204" pitchFamily="18" charset="0"/>
+                              </a:rPr>
                             </m:ctrlPr>
                           </m:sSubPr>
                           <m:e>
                             <m:r>
-                              <a:rPr lang="en-US" sz="11200" i="1"/>
+                              <a:rPr lang="en-US" sz="11200" i="1">
+                                <a:latin typeface="Cambria Math" panose="02040503050406030204" pitchFamily="18" charset="0"/>
+                              </a:rPr>
                               <m:t>𝑐</m:t>
                             </m:r>
                           </m:e>
                           <m:sub>
                             <m:r>
-                              <a:rPr lang="en-US" sz="11200" b="0" i="1" smtClean="0"/>
+                              <a:rPr lang="en-US" sz="11200" b="0" i="1" smtClean="0">
+                                <a:latin typeface="Cambria Math" panose="02040503050406030204" pitchFamily="18" charset="0"/>
+                              </a:rPr>
                               <m:t>2</m:t>
                             </m:r>
                           </m:sub>
@@ -39879,7 +40085,9 @@
                       </m:e>
                     </m:d>
                     <m:r>
-                      <a:rPr lang="en-US" sz="11200"/>
+                      <a:rPr lang="en-US" sz="11200">
+                        <a:latin typeface="Cambria Math" panose="02040503050406030204" pitchFamily="18" charset="0"/>
+                      </a:rPr>
                       <m:t>≥6</m:t>
                     </m:r>
                   </m:oMath>
@@ -39908,38 +40116,51 @@
                 <a14:m>
                   <m:oMath xmlns:m="http://schemas.openxmlformats.org/officeDocument/2006/math">
                     <m:r>
-                      <a:rPr lang="en-US" sz="11200" i="1"/>
+                      <a:rPr lang="en-US" sz="11200" i="1">
+                        <a:latin typeface="Cambria Math" panose="02040503050406030204" pitchFamily="18" charset="0"/>
+                      </a:rPr>
                       <m:t>1−2</m:t>
                     </m:r>
                     <m:sSub>
                       <m:sSubPr>
                         <m:ctrlPr>
-                          <a:rPr lang="en-US" sz="11200" i="1"/>
+                          <a:rPr lang="en-US" sz="11200" i="1">
+                            <a:latin typeface="Cambria Math" panose="02040503050406030204" pitchFamily="18" charset="0"/>
+                          </a:rPr>
                         </m:ctrlPr>
                       </m:sSubPr>
                       <m:e>
                         <m:r>
-                          <a:rPr lang="en-US" sz="11200" i="1"/>
+                          <a:rPr lang="en-US" sz="11200" i="1">
+                            <a:latin typeface="Cambria Math" panose="02040503050406030204" pitchFamily="18" charset="0"/>
+                          </a:rPr>
                           <m:t>𝑐</m:t>
                         </m:r>
                       </m:e>
                       <m:sub>
                         <m:r>
-                          <a:rPr lang="en-US" sz="11200" b="0" i="1" smtClean="0"/>
+                          <a:rPr lang="en-US" sz="11200" b="0" i="1" smtClean="0">
+                            <a:latin typeface="Cambria Math" panose="02040503050406030204" pitchFamily="18" charset="0"/>
+                          </a:rPr>
                           <m:t>2</m:t>
                         </m:r>
                       </m:sub>
                     </m:sSub>
                     <m:r>
-                      <a:rPr lang="en-US" sz="11200" b="0" i="1" smtClean="0"/>
+                      <a:rPr lang="en-US" sz="11200" b="0" i="1" smtClean="0">
+                        <a:latin typeface="Cambria Math" panose="02040503050406030204" pitchFamily="18" charset="0"/>
+                      </a:rPr>
                       <m:t>&lt;</m:t>
                     </m:r>
                     <m:r>
-                      <a:rPr lang="en-US" sz="11200" i="1"/>
+                      <a:rPr lang="en-US" sz="11200" i="1">
+                        <a:latin typeface="Cambria Math" panose="02040503050406030204" pitchFamily="18" charset="0"/>
+                      </a:rPr>
                       <m:t>0</m:t>
                     </m:r>
                     <m:r>
                       <a:rPr lang="en-US" sz="11200" i="1">
+                        <a:latin typeface="Cambria Math" panose="02040503050406030204" pitchFamily="18" charset="0"/>
                         <a:ea typeface="Cambria Math" panose="02040503050406030204" pitchFamily="18" charset="0"/>
                       </a:rPr>
                       <m:t>→</m:t>
@@ -39947,41 +40168,55 @@
                     <m:sSub>
                       <m:sSubPr>
                         <m:ctrlPr>
-                          <a:rPr lang="en-US" sz="11200" i="1"/>
+                          <a:rPr lang="en-US" sz="11200" i="1">
+                            <a:latin typeface="Cambria Math" panose="02040503050406030204" pitchFamily="18" charset="0"/>
+                          </a:rPr>
                         </m:ctrlPr>
                       </m:sSubPr>
                       <m:e>
                         <m:r>
-                          <a:rPr lang="en-US" sz="11200" i="1"/>
+                          <a:rPr lang="en-US" sz="11200" i="1">
+                            <a:latin typeface="Cambria Math" panose="02040503050406030204" pitchFamily="18" charset="0"/>
+                          </a:rPr>
                           <m:t>𝑐</m:t>
                         </m:r>
                       </m:e>
                       <m:sub>
                         <m:r>
-                          <a:rPr lang="en-US" sz="11200" b="0" i="1" smtClean="0"/>
+                          <a:rPr lang="en-US" sz="11200" b="0" i="1" smtClean="0">
+                            <a:latin typeface="Cambria Math" panose="02040503050406030204" pitchFamily="18" charset="0"/>
+                          </a:rPr>
                           <m:t>2</m:t>
                         </m:r>
                       </m:sub>
                     </m:sSub>
                     <m:r>
-                      <a:rPr lang="en-US" sz="11200" b="0" i="1" smtClean="0"/>
+                      <a:rPr lang="en-US" sz="11200" b="0" i="1" smtClean="0">
+                        <a:latin typeface="Cambria Math" panose="02040503050406030204" pitchFamily="18" charset="0"/>
+                      </a:rPr>
                       <m:t>&gt;</m:t>
                     </m:r>
                     <m:f>
                       <m:fPr>
                         <m:ctrlPr>
-                          <a:rPr lang="en-US" sz="11200" i="1"/>
+                          <a:rPr lang="en-US" sz="11200" i="1">
+                            <a:latin typeface="Cambria Math" panose="02040503050406030204" pitchFamily="18" charset="0"/>
+                          </a:rPr>
                         </m:ctrlPr>
                       </m:fPr>
                       <m:num>
                         <m:r>
-                          <a:rPr lang="en-US" sz="11200" i="1"/>
+                          <a:rPr lang="en-US" sz="11200" i="1">
+                            <a:latin typeface="Cambria Math" panose="02040503050406030204" pitchFamily="18" charset="0"/>
+                          </a:rPr>
                           <m:t>1</m:t>
                         </m:r>
                       </m:num>
                       <m:den>
                         <m:r>
-                          <a:rPr lang="en-US" sz="11200" i="1"/>
+                          <a:rPr lang="en-US" sz="11200" i="1">
+                            <a:latin typeface="Cambria Math" panose="02040503050406030204" pitchFamily="18" charset="0"/>
+                          </a:rPr>
                           <m:t>2</m:t>
                         </m:r>
                       </m:den>
@@ -40001,45 +40236,61 @@
                 <a14:m>
                   <m:oMath xmlns:m="http://schemas.openxmlformats.org/officeDocument/2006/math">
                     <m:r>
-                      <a:rPr lang="en-US" sz="11200" i="1"/>
+                      <a:rPr lang="en-US" sz="11200" i="1">
+                        <a:latin typeface="Cambria Math" panose="02040503050406030204" pitchFamily="18" charset="0"/>
+                      </a:rPr>
                       <m:t>𝑛</m:t>
                     </m:r>
                     <m:r>
-                      <a:rPr lang="en-US" sz="11200"/>
+                      <a:rPr lang="en-US" sz="11200">
+                        <a:latin typeface="Cambria Math" panose="02040503050406030204" pitchFamily="18" charset="0"/>
+                      </a:rPr>
                       <m:t>≥</m:t>
                     </m:r>
                     <m:f>
                       <m:fPr>
                         <m:ctrlPr>
-                          <a:rPr lang="en-US" sz="11200" i="1"/>
+                          <a:rPr lang="en-US" sz="11200" i="1">
+                            <a:latin typeface="Cambria Math" panose="02040503050406030204" pitchFamily="18" charset="0"/>
+                          </a:rPr>
                         </m:ctrlPr>
                       </m:fPr>
                       <m:num>
                         <m:r>
-                          <a:rPr lang="en-US" sz="11200" i="1"/>
+                          <a:rPr lang="en-US" sz="11200" i="1">
+                            <a:latin typeface="Cambria Math" panose="02040503050406030204" pitchFamily="18" charset="0"/>
+                          </a:rPr>
                           <m:t>6</m:t>
                         </m:r>
                       </m:num>
                       <m:den>
                         <m:r>
-                          <a:rPr lang="en-US" sz="11200" i="1"/>
+                          <a:rPr lang="en-US" sz="11200" i="1">
+                            <a:latin typeface="Cambria Math" panose="02040503050406030204" pitchFamily="18" charset="0"/>
+                          </a:rPr>
                           <m:t>1−2</m:t>
                         </m:r>
                         <m:sSub>
                           <m:sSubPr>
                             <m:ctrlPr>
-                              <a:rPr lang="en-US" sz="11200" i="1" smtClean="0"/>
+                              <a:rPr lang="en-US" sz="11200" i="1" smtClean="0">
+                                <a:latin typeface="Cambria Math" panose="02040503050406030204" pitchFamily="18" charset="0"/>
+                              </a:rPr>
                             </m:ctrlPr>
                           </m:sSubPr>
                           <m:e>
                             <m:r>
-                              <a:rPr lang="en-US" sz="11200" i="1"/>
+                              <a:rPr lang="en-US" sz="11200" i="1">
+                                <a:latin typeface="Cambria Math" panose="02040503050406030204" pitchFamily="18" charset="0"/>
+                              </a:rPr>
                               <m:t>𝑐</m:t>
                             </m:r>
                           </m:e>
                           <m:sub>
                             <m:r>
-                              <a:rPr lang="en-US" sz="11200" b="0" i="1" smtClean="0"/>
+                              <a:rPr lang="en-US" sz="11200" b="0" i="1" smtClean="0">
+                                <a:latin typeface="Cambria Math" panose="02040503050406030204" pitchFamily="18" charset="0"/>
+                              </a:rPr>
                               <m:t>2</m:t>
                             </m:r>
                           </m:sub>
@@ -40077,71 +40328,99 @@
                     <m:sSub>
                       <m:sSubPr>
                         <m:ctrlPr>
-                          <a:rPr lang="en-US" sz="11200" i="1"/>
+                          <a:rPr lang="en-US" sz="11200" i="1">
+                            <a:latin typeface="Cambria Math" panose="02040503050406030204" pitchFamily="18" charset="0"/>
+                          </a:rPr>
                         </m:ctrlPr>
                       </m:sSubPr>
                       <m:e>
                         <m:r>
-                          <a:rPr lang="en-US" sz="11200" i="1"/>
+                          <a:rPr lang="en-US" sz="11200" i="1">
+                            <a:latin typeface="Cambria Math" panose="02040503050406030204" pitchFamily="18" charset="0"/>
+                          </a:rPr>
                           <m:t>𝑐</m:t>
                         </m:r>
                       </m:e>
                       <m:sub>
                         <m:r>
-                          <a:rPr lang="en-US" sz="11200" b="0" i="1" smtClean="0"/>
+                          <a:rPr lang="en-US" sz="11200" b="0" i="1" smtClean="0">
+                            <a:latin typeface="Cambria Math" panose="02040503050406030204" pitchFamily="18" charset="0"/>
+                          </a:rPr>
                           <m:t>2</m:t>
                         </m:r>
                       </m:sub>
                     </m:sSub>
                     <m:r>
-                      <a:rPr lang="en-US" sz="11200" i="1"/>
+                      <a:rPr lang="en-US" sz="11200" i="1">
+                        <a:latin typeface="Cambria Math" panose="02040503050406030204" pitchFamily="18" charset="0"/>
+                      </a:rPr>
                       <m:t>=</m:t>
                     </m:r>
                     <m:r>
-                      <a:rPr lang="en-US" sz="11200" b="0" i="0" smtClean="0"/>
+                      <a:rPr lang="en-US" sz="11200" b="0" i="0" smtClean="0">
+                        <a:latin typeface="Cambria Math" panose="02040503050406030204" pitchFamily="18" charset="0"/>
+                      </a:rPr>
                       <m:t>1</m:t>
                     </m:r>
                     <m:r>
-                      <a:rPr lang="en-US" sz="11200" smtClean="0"/>
+                      <a:rPr lang="en-US" sz="11200" smtClean="0">
+                        <a:latin typeface="Cambria Math" panose="02040503050406030204" pitchFamily="18" charset="0"/>
+                      </a:rPr>
                       <m:t>,</m:t>
                     </m:r>
                     <m:sSub>
                       <m:sSubPr>
                         <m:ctrlPr>
-                          <a:rPr lang="en-US" sz="11200" i="1"/>
+                          <a:rPr lang="en-US" sz="11200" i="1">
+                            <a:latin typeface="Cambria Math" panose="02040503050406030204" pitchFamily="18" charset="0"/>
+                          </a:rPr>
                         </m:ctrlPr>
                       </m:sSubPr>
                       <m:e>
                         <m:r>
-                          <a:rPr lang="en-US" sz="11200" b="0" i="1" smtClean="0"/>
+                          <a:rPr lang="en-US" sz="11200" b="0" i="1" smtClean="0">
+                            <a:latin typeface="Cambria Math" panose="02040503050406030204" pitchFamily="18" charset="0"/>
+                          </a:rPr>
                           <m:t> </m:t>
                         </m:r>
                         <m:r>
-                          <a:rPr lang="en-US" sz="11200" i="1"/>
+                          <a:rPr lang="en-US" sz="11200" i="1">
+                            <a:latin typeface="Cambria Math" panose="02040503050406030204" pitchFamily="18" charset="0"/>
+                          </a:rPr>
                           <m:t>𝑛</m:t>
                         </m:r>
                       </m:e>
                       <m:sub>
                         <m:r>
-                          <a:rPr lang="en-US" sz="11200" i="1"/>
+                          <a:rPr lang="en-US" sz="11200" i="1">
+                            <a:latin typeface="Cambria Math" panose="02040503050406030204" pitchFamily="18" charset="0"/>
+                          </a:rPr>
                           <m:t>0</m:t>
                         </m:r>
                         <m:r>
-                          <a:rPr lang="en-US" sz="11200" b="0" i="1" smtClean="0"/>
+                          <a:rPr lang="en-US" sz="11200" b="0" i="1" smtClean="0">
+                            <a:latin typeface="Cambria Math" panose="02040503050406030204" pitchFamily="18" charset="0"/>
+                          </a:rPr>
                           <m:t>2</m:t>
                         </m:r>
                       </m:sub>
                     </m:sSub>
                     <m:r>
-                      <a:rPr lang="en-US" sz="11200" i="1"/>
+                      <a:rPr lang="en-US" sz="11200" i="1">
+                        <a:latin typeface="Cambria Math" panose="02040503050406030204" pitchFamily="18" charset="0"/>
+                      </a:rPr>
                       <m:t>=</m:t>
                     </m:r>
                     <m:r>
-                      <a:rPr lang="en-US" sz="11200" b="0" i="1" smtClean="0"/>
+                      <a:rPr lang="en-US" sz="11200" b="0" i="1" smtClean="0">
+                        <a:latin typeface="Cambria Math" panose="02040503050406030204" pitchFamily="18" charset="0"/>
+                      </a:rPr>
                       <m:t>1</m:t>
                     </m:r>
                     <m:r>
-                      <a:rPr lang="en-US" sz="11200" b="0" i="0" smtClean="0"/>
+                      <a:rPr lang="en-US" sz="11200" b="0" i="0" smtClean="0">
+                        <a:latin typeface="Cambria Math" panose="02040503050406030204" pitchFamily="18" charset="0"/>
+                      </a:rPr>
                       <m:t>.</m:t>
                     </m:r>
                   </m:oMath>
@@ -40173,6 +40452,7 @@
                         <a:solidFill>
                           <a:schemeClr val="tx1"/>
                         </a:solidFill>
+                        <a:latin typeface="Cambria Math" panose="02040503050406030204" pitchFamily="18" charset="0"/>
                       </a:rPr>
                       <m:t>𝑓</m:t>
                     </m:r>
@@ -40183,6 +40463,7 @@
                             <a:solidFill>
                               <a:schemeClr val="tx1"/>
                             </a:solidFill>
+                            <a:latin typeface="Cambria Math" panose="02040503050406030204" pitchFamily="18" charset="0"/>
                           </a:rPr>
                         </m:ctrlPr>
                       </m:dPr>
@@ -40192,6 +40473,7 @@
                             <a:solidFill>
                               <a:schemeClr val="tx1"/>
                             </a:solidFill>
+                            <a:latin typeface="Cambria Math" panose="02040503050406030204" pitchFamily="18" charset="0"/>
                           </a:rPr>
                           <m:t>𝑛</m:t>
                         </m:r>
@@ -40202,6 +40484,7 @@
                         <a:solidFill>
                           <a:schemeClr val="tx1"/>
                         </a:solidFill>
+                        <a:latin typeface="Cambria Math" panose="02040503050406030204" pitchFamily="18" charset="0"/>
                       </a:rPr>
                       <m:t>=</m:t>
                     </m:r>
@@ -40210,6 +40493,7 @@
                         <a:solidFill>
                           <a:schemeClr val="tx1"/>
                         </a:solidFill>
+                        <a:latin typeface="Cambria Math" panose="02040503050406030204" pitchFamily="18" charset="0"/>
                       </a:rPr>
                       <m:t>𝑂</m:t>
                     </m:r>
@@ -40218,6 +40502,7 @@
                         <a:solidFill>
                           <a:schemeClr val="tx1"/>
                         </a:solidFill>
+                        <a:latin typeface="Cambria Math" panose="02040503050406030204" pitchFamily="18" charset="0"/>
                       </a:rPr>
                       <m:t>(</m:t>
                     </m:r>
@@ -40226,6 +40511,7 @@
                         <a:solidFill>
                           <a:schemeClr val="tx1"/>
                         </a:solidFill>
+                        <a:latin typeface="Cambria Math" panose="02040503050406030204" pitchFamily="18" charset="0"/>
                       </a:rPr>
                       <m:t>𝑔</m:t>
                     </m:r>
@@ -40236,6 +40522,7 @@
                             <a:solidFill>
                               <a:schemeClr val="tx1"/>
                             </a:solidFill>
+                            <a:latin typeface="Cambria Math" panose="02040503050406030204" pitchFamily="18" charset="0"/>
                           </a:rPr>
                         </m:ctrlPr>
                       </m:dPr>
@@ -40245,6 +40532,7 @@
                             <a:solidFill>
                               <a:schemeClr val="tx1"/>
                             </a:solidFill>
+                            <a:latin typeface="Cambria Math" panose="02040503050406030204" pitchFamily="18" charset="0"/>
                           </a:rPr>
                           <m:t>𝑛</m:t>
                         </m:r>
@@ -40255,6 +40543,7 @@
                         <a:solidFill>
                           <a:schemeClr val="tx1"/>
                         </a:solidFill>
+                        <a:latin typeface="Cambria Math" panose="02040503050406030204" pitchFamily="18" charset="0"/>
                       </a:rPr>
                       <m:t>)</m:t>
                     </m:r>
@@ -40263,6 +40552,7 @@
                         <a:solidFill>
                           <a:schemeClr val="tx1"/>
                         </a:solidFill>
+                        <a:latin typeface="Cambria Math" panose="02040503050406030204" pitchFamily="18" charset="0"/>
                         <a:ea typeface="Cambria Math" panose="02040503050406030204" pitchFamily="18" charset="0"/>
                       </a:rPr>
                       <m:t> </m:t>
@@ -40324,7 +40614,7 @@
             </p:txBody>
           </p:sp>
         </mc:Choice>
-        <mc:Fallback>
+        <mc:Fallback xmlns="">
           <p:sp>
             <p:nvSpPr>
               <p:cNvPr id="3" name="Content Placeholder 2">

--- a/Lectures/Lecture 1.pptx
+++ b/Lectures/Lecture 1.pptx
@@ -5,7 +5,7 @@
     <p:sldMasterId id="2147483648" r:id="rId1"/>
   </p:sldMasterIdLst>
   <p:notesMasterIdLst>
-    <p:notesMasterId r:id="rId49"/>
+    <p:notesMasterId r:id="rId50"/>
   </p:notesMasterIdLst>
   <p:sldIdLst>
     <p:sldId id="256" r:id="rId2"/>
@@ -14,47 +14,48 @@
     <p:sldId id="298" r:id="rId5"/>
     <p:sldId id="285" r:id="rId6"/>
     <p:sldId id="258" r:id="rId7"/>
-    <p:sldId id="257" r:id="rId8"/>
-    <p:sldId id="259" r:id="rId9"/>
-    <p:sldId id="287" r:id="rId10"/>
-    <p:sldId id="288" r:id="rId11"/>
-    <p:sldId id="289" r:id="rId12"/>
-    <p:sldId id="290" r:id="rId13"/>
-    <p:sldId id="291" r:id="rId14"/>
-    <p:sldId id="292" r:id="rId15"/>
-    <p:sldId id="293" r:id="rId16"/>
-    <p:sldId id="294" r:id="rId17"/>
-    <p:sldId id="295" r:id="rId18"/>
-    <p:sldId id="296" r:id="rId19"/>
-    <p:sldId id="297" r:id="rId20"/>
-    <p:sldId id="261" r:id="rId21"/>
-    <p:sldId id="284" r:id="rId22"/>
-    <p:sldId id="263" r:id="rId23"/>
-    <p:sldId id="266" r:id="rId24"/>
-    <p:sldId id="274" r:id="rId25"/>
-    <p:sldId id="267" r:id="rId26"/>
-    <p:sldId id="268" r:id="rId27"/>
-    <p:sldId id="269" r:id="rId28"/>
-    <p:sldId id="270" r:id="rId29"/>
-    <p:sldId id="271" r:id="rId30"/>
-    <p:sldId id="272" r:id="rId31"/>
-    <p:sldId id="273" r:id="rId32"/>
-    <p:sldId id="275" r:id="rId33"/>
-    <p:sldId id="278" r:id="rId34"/>
-    <p:sldId id="280" r:id="rId35"/>
-    <p:sldId id="264" r:id="rId36"/>
-    <p:sldId id="281" r:id="rId37"/>
-    <p:sldId id="282" r:id="rId38"/>
-    <p:sldId id="299" r:id="rId39"/>
-    <p:sldId id="286" r:id="rId40"/>
-    <p:sldId id="304" r:id="rId41"/>
-    <p:sldId id="265" r:id="rId42"/>
-    <p:sldId id="283" r:id="rId43"/>
-    <p:sldId id="300" r:id="rId44"/>
-    <p:sldId id="301" r:id="rId45"/>
-    <p:sldId id="302" r:id="rId46"/>
-    <p:sldId id="279" r:id="rId47"/>
-    <p:sldId id="303" r:id="rId48"/>
+    <p:sldId id="305" r:id="rId8"/>
+    <p:sldId id="257" r:id="rId9"/>
+    <p:sldId id="259" r:id="rId10"/>
+    <p:sldId id="287" r:id="rId11"/>
+    <p:sldId id="288" r:id="rId12"/>
+    <p:sldId id="289" r:id="rId13"/>
+    <p:sldId id="290" r:id="rId14"/>
+    <p:sldId id="291" r:id="rId15"/>
+    <p:sldId id="292" r:id="rId16"/>
+    <p:sldId id="293" r:id="rId17"/>
+    <p:sldId id="294" r:id="rId18"/>
+    <p:sldId id="295" r:id="rId19"/>
+    <p:sldId id="296" r:id="rId20"/>
+    <p:sldId id="297" r:id="rId21"/>
+    <p:sldId id="261" r:id="rId22"/>
+    <p:sldId id="284" r:id="rId23"/>
+    <p:sldId id="263" r:id="rId24"/>
+    <p:sldId id="266" r:id="rId25"/>
+    <p:sldId id="274" r:id="rId26"/>
+    <p:sldId id="267" r:id="rId27"/>
+    <p:sldId id="268" r:id="rId28"/>
+    <p:sldId id="269" r:id="rId29"/>
+    <p:sldId id="270" r:id="rId30"/>
+    <p:sldId id="271" r:id="rId31"/>
+    <p:sldId id="272" r:id="rId32"/>
+    <p:sldId id="273" r:id="rId33"/>
+    <p:sldId id="275" r:id="rId34"/>
+    <p:sldId id="278" r:id="rId35"/>
+    <p:sldId id="280" r:id="rId36"/>
+    <p:sldId id="264" r:id="rId37"/>
+    <p:sldId id="281" r:id="rId38"/>
+    <p:sldId id="282" r:id="rId39"/>
+    <p:sldId id="299" r:id="rId40"/>
+    <p:sldId id="286" r:id="rId41"/>
+    <p:sldId id="304" r:id="rId42"/>
+    <p:sldId id="265" r:id="rId43"/>
+    <p:sldId id="283" r:id="rId44"/>
+    <p:sldId id="300" r:id="rId45"/>
+    <p:sldId id="301" r:id="rId46"/>
+    <p:sldId id="302" r:id="rId47"/>
+    <p:sldId id="279" r:id="rId48"/>
+    <p:sldId id="303" r:id="rId49"/>
   </p:sldIdLst>
   <p:sldSz cx="12192000" cy="6858000"/>
   <p:notesSz cx="6858000" cy="9144000"/>
@@ -2395,7 +2396,7 @@
           <a:p>
             <a:fld id="{1CB48AD5-CDAE-4B7B-B49D-6DB81FF5A179}" type="datetimeFigureOut">
               <a:rPr lang="en-US" smtClean="0"/>
-              <a:t>8/8/2020</a:t>
+              <a:t>8/9/2020</a:t>
             </a:fld>
             <a:endParaRPr lang="en-US"/>
           </a:p>
@@ -2809,7 +2810,7 @@
           <a:p>
             <a:fld id="{C4959B56-7D6D-462F-B061-93C9E323EE8A}" type="datetimeFigureOut">
               <a:rPr lang="en-US" smtClean="0"/>
-              <a:t>8/8/2020</a:t>
+              <a:t>8/9/2020</a:t>
             </a:fld>
             <a:endParaRPr lang="en-US"/>
           </a:p>
@@ -3007,7 +3008,7 @@
           <a:p>
             <a:fld id="{C4959B56-7D6D-462F-B061-93C9E323EE8A}" type="datetimeFigureOut">
               <a:rPr lang="en-US" smtClean="0"/>
-              <a:t>8/8/2020</a:t>
+              <a:t>8/9/2020</a:t>
             </a:fld>
             <a:endParaRPr lang="en-US"/>
           </a:p>
@@ -3215,7 +3216,7 @@
           <a:p>
             <a:fld id="{C4959B56-7D6D-462F-B061-93C9E323EE8A}" type="datetimeFigureOut">
               <a:rPr lang="en-US" smtClean="0"/>
-              <a:t>8/8/2020</a:t>
+              <a:t>8/9/2020</a:t>
             </a:fld>
             <a:endParaRPr lang="en-US"/>
           </a:p>
@@ -3413,7 +3414,7 @@
           <a:p>
             <a:fld id="{C4959B56-7D6D-462F-B061-93C9E323EE8A}" type="datetimeFigureOut">
               <a:rPr lang="en-US" smtClean="0"/>
-              <a:t>8/8/2020</a:t>
+              <a:t>8/9/2020</a:t>
             </a:fld>
             <a:endParaRPr lang="en-US"/>
           </a:p>
@@ -3688,7 +3689,7 @@
           <a:p>
             <a:fld id="{C4959B56-7D6D-462F-B061-93C9E323EE8A}" type="datetimeFigureOut">
               <a:rPr lang="en-US" smtClean="0"/>
-              <a:t>8/8/2020</a:t>
+              <a:t>8/9/2020</a:t>
             </a:fld>
             <a:endParaRPr lang="en-US"/>
           </a:p>
@@ -3953,7 +3954,7 @@
           <a:p>
             <a:fld id="{C4959B56-7D6D-462F-B061-93C9E323EE8A}" type="datetimeFigureOut">
               <a:rPr lang="en-US" smtClean="0"/>
-              <a:t>8/8/2020</a:t>
+              <a:t>8/9/2020</a:t>
             </a:fld>
             <a:endParaRPr lang="en-US"/>
           </a:p>
@@ -4365,7 +4366,7 @@
           <a:p>
             <a:fld id="{C4959B56-7D6D-462F-B061-93C9E323EE8A}" type="datetimeFigureOut">
               <a:rPr lang="en-US" smtClean="0"/>
-              <a:t>8/8/2020</a:t>
+              <a:t>8/9/2020</a:t>
             </a:fld>
             <a:endParaRPr lang="en-US"/>
           </a:p>
@@ -4506,7 +4507,7 @@
           <a:p>
             <a:fld id="{C4959B56-7D6D-462F-B061-93C9E323EE8A}" type="datetimeFigureOut">
               <a:rPr lang="en-US" smtClean="0"/>
-              <a:t>8/8/2020</a:t>
+              <a:t>8/9/2020</a:t>
             </a:fld>
             <a:endParaRPr lang="en-US"/>
           </a:p>
@@ -4619,7 +4620,7 @@
           <a:p>
             <a:fld id="{C4959B56-7D6D-462F-B061-93C9E323EE8A}" type="datetimeFigureOut">
               <a:rPr lang="en-US" smtClean="0"/>
-              <a:t>8/8/2020</a:t>
+              <a:t>8/9/2020</a:t>
             </a:fld>
             <a:endParaRPr lang="en-US"/>
           </a:p>
@@ -4930,7 +4931,7 @@
           <a:p>
             <a:fld id="{C4959B56-7D6D-462F-B061-93C9E323EE8A}" type="datetimeFigureOut">
               <a:rPr lang="en-US" smtClean="0"/>
-              <a:t>8/8/2020</a:t>
+              <a:t>8/9/2020</a:t>
             </a:fld>
             <a:endParaRPr lang="en-US"/>
           </a:p>
@@ -5218,7 +5219,7 @@
           <a:p>
             <a:fld id="{C4959B56-7D6D-462F-B061-93C9E323EE8A}" type="datetimeFigureOut">
               <a:rPr lang="en-US" smtClean="0"/>
-              <a:t>8/8/2020</a:t>
+              <a:t>8/9/2020</a:t>
             </a:fld>
             <a:endParaRPr lang="en-US"/>
           </a:p>
@@ -5459,7 +5460,7 @@
           <a:p>
             <a:fld id="{C4959B56-7D6D-462F-B061-93C9E323EE8A}" type="datetimeFigureOut">
               <a:rPr lang="en-US" smtClean="0"/>
-              <a:t>8/8/2020</a:t>
+              <a:t>8/9/2020</a:t>
             </a:fld>
             <a:endParaRPr lang="en-US"/>
           </a:p>
@@ -6030,6 +6031,231 @@
           <p:cNvPr id="2" name="Title 1">
             <a:extLst>
               <a:ext uri="{FF2B5EF4-FFF2-40B4-BE49-F238E27FC236}">
+                <a16:creationId xmlns:a16="http://schemas.microsoft.com/office/drawing/2014/main" id="{D4A609E5-3DDB-4B19-A4D5-13B1A76C4326}"/>
+              </a:ext>
+            </a:extLst>
+          </p:cNvPr>
+          <p:cNvSpPr>
+            <a:spLocks noGrp="1"/>
+          </p:cNvSpPr>
+          <p:nvPr>
+            <p:ph type="title"/>
+          </p:nvPr>
+        </p:nvSpPr>
+        <p:spPr>
+          <a:xfrm>
+            <a:off x="838200" y="403225"/>
+            <a:ext cx="10515600" cy="1325563"/>
+          </a:xfrm>
+        </p:spPr>
+        <p:txBody>
+          <a:bodyPr/>
+          <a:lstStyle/>
+          <a:p>
+            <a:r>
+              <a:rPr lang="en-US" dirty="0">
+                <a:solidFill>
+                  <a:schemeClr val="accent1"/>
+                </a:solidFill>
+              </a:rPr>
+              <a:t>Performance Analysis of Algorithms</a:t>
+            </a:r>
+          </a:p>
+        </p:txBody>
+      </p:sp>
+      <p:sp>
+        <p:nvSpPr>
+          <p:cNvPr id="3" name="Content Placeholder 2">
+            <a:extLst>
+              <a:ext uri="{FF2B5EF4-FFF2-40B4-BE49-F238E27FC236}">
+                <a16:creationId xmlns:a16="http://schemas.microsoft.com/office/drawing/2014/main" id="{C7E72369-E41E-4B77-A9C9-B64BEC6047D7}"/>
+              </a:ext>
+            </a:extLst>
+          </p:cNvPr>
+          <p:cNvSpPr>
+            <a:spLocks noGrp="1"/>
+          </p:cNvSpPr>
+          <p:nvPr>
+            <p:ph idx="1"/>
+          </p:nvPr>
+        </p:nvSpPr>
+        <p:spPr/>
+        <p:txBody>
+          <a:bodyPr/>
+          <a:lstStyle/>
+          <a:p>
+            <a:pPr marL="0" indent="0">
+              <a:buNone/>
+            </a:pPr>
+            <a:r>
+              <a:rPr lang="en-US" dirty="0">
+                <a:solidFill>
+                  <a:schemeClr val="accent1"/>
+                </a:solidFill>
+              </a:rPr>
+              <a:t>There are generally </a:t>
+            </a:r>
+            <a:r>
+              <a:rPr lang="en-US" b="1" i="1" dirty="0">
+                <a:solidFill>
+                  <a:schemeClr val="accent1"/>
+                </a:solidFill>
+              </a:rPr>
+              <a:t>two</a:t>
+            </a:r>
+            <a:r>
+              <a:rPr lang="en-US" dirty="0">
+                <a:solidFill>
+                  <a:schemeClr val="accent1"/>
+                </a:solidFill>
+              </a:rPr>
+              <a:t> methods for analyzing algorithms’ performance:</a:t>
+            </a:r>
+          </a:p>
+          <a:p>
+            <a:pPr marL="0" indent="0">
+              <a:buNone/>
+            </a:pPr>
+            <a:endParaRPr lang="en-US" dirty="0">
+              <a:solidFill>
+                <a:schemeClr val="accent1"/>
+              </a:solidFill>
+            </a:endParaRPr>
+          </a:p>
+          <a:p>
+            <a:pPr lvl="1"/>
+            <a:r>
+              <a:rPr lang="en-US" dirty="0">
+                <a:solidFill>
+                  <a:srgbClr val="C00000"/>
+                </a:solidFill>
+              </a:rPr>
+              <a:t>Experimental Analysis: </a:t>
+            </a:r>
+          </a:p>
+          <a:p>
+            <a:pPr lvl="2"/>
+            <a:r>
+              <a:rPr lang="en-US" dirty="0">
+                <a:solidFill>
+                  <a:schemeClr val="accent1"/>
+                </a:solidFill>
+              </a:rPr>
+              <a:t>Run code on a computer</a:t>
+            </a:r>
+          </a:p>
+          <a:p>
+            <a:pPr lvl="2"/>
+            <a:r>
+              <a:rPr lang="en-US" dirty="0">
+                <a:solidFill>
+                  <a:schemeClr val="accent1"/>
+                </a:solidFill>
+              </a:rPr>
+              <a:t>Measure the running time for different problem sizes</a:t>
+            </a:r>
+          </a:p>
+          <a:p>
+            <a:pPr lvl="2"/>
+            <a:r>
+              <a:rPr lang="en-US" dirty="0">
+                <a:solidFill>
+                  <a:schemeClr val="accent1"/>
+                </a:solidFill>
+              </a:rPr>
+              <a:t>Plot the result as a graph</a:t>
+            </a:r>
+          </a:p>
+          <a:p>
+            <a:pPr lvl="1"/>
+            <a:r>
+              <a:rPr lang="en-US" dirty="0">
+                <a:solidFill>
+                  <a:srgbClr val="C00000"/>
+                </a:solidFill>
+              </a:rPr>
+              <a:t>Mathematical Analysis:</a:t>
+            </a:r>
+            <a:endParaRPr lang="en-US" dirty="0">
+              <a:solidFill>
+                <a:schemeClr val="accent1"/>
+              </a:solidFill>
+            </a:endParaRPr>
+          </a:p>
+          <a:p>
+            <a:pPr lvl="2"/>
+            <a:r>
+              <a:rPr lang="en-US" dirty="0">
+                <a:solidFill>
+                  <a:schemeClr val="accent1"/>
+                </a:solidFill>
+              </a:rPr>
+              <a:t>Express the number of elementary steps parameterized by the problem size</a:t>
+            </a:r>
+          </a:p>
+          <a:p>
+            <a:pPr marL="914400" lvl="2" indent="0">
+              <a:buNone/>
+            </a:pPr>
+            <a:endParaRPr lang="en-US" dirty="0">
+              <a:solidFill>
+                <a:schemeClr val="accent1"/>
+              </a:solidFill>
+            </a:endParaRPr>
+          </a:p>
+          <a:p>
+            <a:pPr marL="457200" lvl="1" indent="0">
+              <a:buNone/>
+            </a:pPr>
+            <a:endParaRPr lang="en-US" dirty="0">
+              <a:solidFill>
+                <a:schemeClr val="accent1"/>
+              </a:solidFill>
+            </a:endParaRPr>
+          </a:p>
+          <a:p>
+            <a:pPr marL="0" indent="0">
+              <a:buNone/>
+            </a:pPr>
+            <a:endParaRPr lang="en-US" dirty="0"/>
+          </a:p>
+        </p:txBody>
+      </p:sp>
+    </p:spTree>
+    <p:extLst>
+      <p:ext uri="{BB962C8B-B14F-4D97-AF65-F5344CB8AC3E}">
+        <p14:creationId xmlns:p14="http://schemas.microsoft.com/office/powerpoint/2010/main" val="3148423129"/>
+      </p:ext>
+    </p:extLst>
+  </p:cSld>
+  <p:clrMapOvr>
+    <a:masterClrMapping/>
+  </p:clrMapOvr>
+</p:sld>
+</file>
+
+<file path=ppt/slides/slide11.xml><?xml version="1.0" encoding="utf-8"?>
+<p:sld xmlns:a="http://schemas.openxmlformats.org/drawingml/2006/main" xmlns:r="http://schemas.openxmlformats.org/officeDocument/2006/relationships" xmlns:p="http://schemas.openxmlformats.org/presentationml/2006/main">
+  <p:cSld>
+    <p:spTree>
+      <p:nvGrpSpPr>
+        <p:cNvPr id="1" name=""/>
+        <p:cNvGrpSpPr/>
+        <p:nvPr/>
+      </p:nvGrpSpPr>
+      <p:grpSpPr>
+        <a:xfrm>
+          <a:off x="0" y="0"/>
+          <a:ext cx="0" cy="0"/>
+          <a:chOff x="0" y="0"/>
+          <a:chExt cx="0" cy="0"/>
+        </a:xfrm>
+      </p:grpSpPr>
+      <p:sp>
+        <p:nvSpPr>
+          <p:cNvPr id="2" name="Title 1">
+            <a:extLst>
+              <a:ext uri="{FF2B5EF4-FFF2-40B4-BE49-F238E27FC236}">
                 <a16:creationId xmlns:a16="http://schemas.microsoft.com/office/drawing/2014/main" id="{650C3F62-428D-42E8-9C13-B9D6609DA0EA}"/>
               </a:ext>
             </a:extLst>
@@ -6105,7 +6331,7 @@
 </p:sld>
 </file>
 
-<file path=ppt/slides/slide11.xml><?xml version="1.0" encoding="utf-8"?>
+<file path=ppt/slides/slide12.xml><?xml version="1.0" encoding="utf-8"?>
 <p:sld xmlns:a="http://schemas.openxmlformats.org/drawingml/2006/main" xmlns:r="http://schemas.openxmlformats.org/officeDocument/2006/relationships" xmlns:p="http://schemas.openxmlformats.org/presentationml/2006/main">
   <p:cSld>
     <p:spTree>
@@ -6614,7 +6840,7 @@
 </p:sld>
 </file>
 
-<file path=ppt/slides/slide12.xml><?xml version="1.0" encoding="utf-8"?>
+<file path=ppt/slides/slide13.xml><?xml version="1.0" encoding="utf-8"?>
 <p:sld xmlns:a="http://schemas.openxmlformats.org/drawingml/2006/main" xmlns:r="http://schemas.openxmlformats.org/officeDocument/2006/relationships" xmlns:p="http://schemas.openxmlformats.org/presentationml/2006/main">
   <p:cSld>
     <p:spTree>
@@ -11959,7 +12185,7 @@
 </p:sld>
 </file>
 
-<file path=ppt/slides/slide13.xml><?xml version="1.0" encoding="utf-8"?>
+<file path=ppt/slides/slide14.xml><?xml version="1.0" encoding="utf-8"?>
 <p:sld xmlns:a="http://schemas.openxmlformats.org/drawingml/2006/main" xmlns:r="http://schemas.openxmlformats.org/officeDocument/2006/relationships" xmlns:p="http://schemas.openxmlformats.org/presentationml/2006/main">
   <p:cSld>
     <p:spTree>
@@ -12301,7 +12527,7 @@
 </p:sld>
 </file>
 
-<file path=ppt/slides/slide14.xml><?xml version="1.0" encoding="utf-8"?>
+<file path=ppt/slides/slide15.xml><?xml version="1.0" encoding="utf-8"?>
 <p:sld xmlns:a="http://schemas.openxmlformats.org/drawingml/2006/main" xmlns:r="http://schemas.openxmlformats.org/officeDocument/2006/relationships" xmlns:p="http://schemas.openxmlformats.org/presentationml/2006/main">
   <p:cSld>
     <p:spTree>
@@ -12582,7 +12808,7 @@
 </p:sld>
 </file>
 
-<file path=ppt/slides/slide15.xml><?xml version="1.0" encoding="utf-8"?>
+<file path=ppt/slides/slide16.xml><?xml version="1.0" encoding="utf-8"?>
 <p:sld xmlns:a="http://schemas.openxmlformats.org/drawingml/2006/main" xmlns:r="http://schemas.openxmlformats.org/officeDocument/2006/relationships" xmlns:p="http://schemas.openxmlformats.org/presentationml/2006/main">
   <p:cSld>
     <p:spTree>
@@ -13006,7 +13232,7 @@
 </p:sld>
 </file>
 
-<file path=ppt/slides/slide16.xml><?xml version="1.0" encoding="utf-8"?>
+<file path=ppt/slides/slide17.xml><?xml version="1.0" encoding="utf-8"?>
 <p:sld xmlns:a="http://schemas.openxmlformats.org/drawingml/2006/main" xmlns:r="http://schemas.openxmlformats.org/officeDocument/2006/relationships" xmlns:p="http://schemas.openxmlformats.org/presentationml/2006/main">
   <p:cSld>
     <p:spTree>
@@ -13467,7 +13693,7 @@
 </p:sld>
 </file>
 
-<file path=ppt/slides/slide17.xml><?xml version="1.0" encoding="utf-8"?>
+<file path=ppt/slides/slide18.xml><?xml version="1.0" encoding="utf-8"?>
 <p:sld xmlns:a="http://schemas.openxmlformats.org/drawingml/2006/main" xmlns:r="http://schemas.openxmlformats.org/officeDocument/2006/relationships" xmlns:p="http://schemas.openxmlformats.org/presentationml/2006/main">
   <p:cSld>
     <p:spTree>
@@ -14093,7 +14319,7 @@
 </p:sld>
 </file>
 
-<file path=ppt/slides/slide18.xml><?xml version="1.0" encoding="utf-8"?>
+<file path=ppt/slides/slide19.xml><?xml version="1.0" encoding="utf-8"?>
 <p:sld xmlns:a="http://schemas.openxmlformats.org/drawingml/2006/main" xmlns:r="http://schemas.openxmlformats.org/officeDocument/2006/relationships" xmlns:p="http://schemas.openxmlformats.org/presentationml/2006/main">
   <p:cSld>
     <p:spTree>
@@ -14961,229 +15187,6 @@
 </p:sld>
 </file>
 
-<file path=ppt/slides/slide19.xml><?xml version="1.0" encoding="utf-8"?>
-<p:sld xmlns:a="http://schemas.openxmlformats.org/drawingml/2006/main" xmlns:r="http://schemas.openxmlformats.org/officeDocument/2006/relationships" xmlns:p="http://schemas.openxmlformats.org/presentationml/2006/main">
-  <p:cSld>
-    <p:spTree>
-      <p:nvGrpSpPr>
-        <p:cNvPr id="1" name=""/>
-        <p:cNvGrpSpPr/>
-        <p:nvPr/>
-      </p:nvGrpSpPr>
-      <p:grpSpPr>
-        <a:xfrm>
-          <a:off x="0" y="0"/>
-          <a:ext cx="0" cy="0"/>
-          <a:chOff x="0" y="0"/>
-          <a:chExt cx="0" cy="0"/>
-        </a:xfrm>
-      </p:grpSpPr>
-      <p:sp>
-        <p:nvSpPr>
-          <p:cNvPr id="2" name="Title 1">
-            <a:extLst>
-              <a:ext uri="{FF2B5EF4-FFF2-40B4-BE49-F238E27FC236}">
-                <a16:creationId xmlns:a16="http://schemas.microsoft.com/office/drawing/2014/main" id="{6C6BD156-AF91-4E2C-B8F9-51AA5A779689}"/>
-              </a:ext>
-            </a:extLst>
-          </p:cNvPr>
-          <p:cNvSpPr>
-            <a:spLocks noGrp="1"/>
-          </p:cNvSpPr>
-          <p:nvPr>
-            <p:ph type="title"/>
-          </p:nvPr>
-        </p:nvSpPr>
-        <p:spPr/>
-        <p:txBody>
-          <a:bodyPr>
-            <a:normAutofit/>
-          </a:bodyPr>
-          <a:lstStyle/>
-          <a:p>
-            <a:r>
-              <a:rPr lang="en-US" sz="4000" dirty="0">
-                <a:solidFill>
-                  <a:schemeClr val="accent1"/>
-                </a:solidFill>
-              </a:rPr>
-              <a:t>Complexity Growth of Selection Sort</a:t>
-            </a:r>
-          </a:p>
-        </p:txBody>
-      </p:sp>
-      <p:pic>
-        <p:nvPicPr>
-          <p:cNvPr id="4" name="Content Placeholder 5">
-            <a:extLst>
-              <a:ext uri="{FF2B5EF4-FFF2-40B4-BE49-F238E27FC236}">
-                <a16:creationId xmlns:a16="http://schemas.microsoft.com/office/drawing/2014/main" id="{FD37EC75-5CC4-4B46-A4C3-50B89D7E30C2}"/>
-              </a:ext>
-            </a:extLst>
-          </p:cNvPr>
-          <p:cNvPicPr>
-            <a:picLocks noGrp="1" noChangeAspect="1"/>
-          </p:cNvPicPr>
-          <p:nvPr>
-            <p:ph idx="1"/>
-          </p:nvPr>
-        </p:nvPicPr>
-        <p:blipFill>
-          <a:blip r:embed="rId2">
-            <a:extLst>
-              <a:ext uri="{28A0092B-C50C-407E-A947-70E740481C1C}">
-                <a14:useLocalDpi xmlns:a14="http://schemas.microsoft.com/office/drawing/2010/main" val="0"/>
-              </a:ext>
-            </a:extLst>
-          </a:blip>
-          <a:stretch>
-            <a:fillRect/>
-          </a:stretch>
-        </p:blipFill>
-        <p:spPr>
-          <a:xfrm>
-            <a:off x="3714750" y="2024063"/>
-            <a:ext cx="4641850" cy="2089150"/>
-          </a:xfrm>
-        </p:spPr>
-      </p:pic>
-      <mc:AlternateContent xmlns:mc="http://schemas.openxmlformats.org/markup-compatibility/2006" xmlns:a14="http://schemas.microsoft.com/office/drawing/2010/main">
-        <mc:Choice Requires="a14">
-          <p:sp>
-            <p:nvSpPr>
-              <p:cNvPr id="9" name="TextBox 8">
-                <a:extLst>
-                  <a:ext uri="{FF2B5EF4-FFF2-40B4-BE49-F238E27FC236}">
-                    <a16:creationId xmlns:a16="http://schemas.microsoft.com/office/drawing/2014/main" id="{52DA4AAE-A4AC-428F-875E-2FBE2878A004}"/>
-                  </a:ext>
-                </a:extLst>
-              </p:cNvPr>
-              <p:cNvSpPr txBox="1"/>
-              <p:nvPr/>
-            </p:nvSpPr>
-            <p:spPr>
-              <a:xfrm>
-                <a:off x="3714750" y="4676993"/>
-                <a:ext cx="4937126" cy="1815882"/>
-              </a:xfrm>
-              <a:prstGeom prst="rect">
-                <a:avLst/>
-              </a:prstGeom>
-              <a:noFill/>
-            </p:spPr>
-            <p:txBody>
-              <a:bodyPr wrap="square" rtlCol="0">
-                <a:spAutoFit/>
-              </a:bodyPr>
-              <a:lstStyle/>
-              <a:p>
-                <a:r>
-                  <a:rPr lang="en-US" sz="2800" dirty="0">
-                    <a:solidFill>
-                      <a:schemeClr val="accent1"/>
-                    </a:solidFill>
-                  </a:rPr>
-                  <a:t>We say that the time complexity of selection sort exhibits a </a:t>
-                </a:r>
-                <a:r>
-                  <a:rPr lang="en-US" sz="2800" b="1" i="1" dirty="0">
-                    <a:solidFill>
-                      <a:schemeClr val="accent1"/>
-                    </a:solidFill>
-                  </a:rPr>
-                  <a:t>quadratic growth </a:t>
-                </a:r>
-                <a:r>
-                  <a:rPr lang="en-US" sz="2800" dirty="0">
-                    <a:solidFill>
-                      <a:schemeClr val="accent1"/>
-                    </a:solidFill>
-                  </a:rPr>
-                  <a:t>in the number of elements </a:t>
-                </a:r>
-                <a14:m>
-                  <m:oMath xmlns:m="http://schemas.openxmlformats.org/officeDocument/2006/math">
-                    <m:r>
-                      <a:rPr lang="en-US" sz="2800" b="0" i="1" smtClean="0">
-                        <a:solidFill>
-                          <a:schemeClr val="tx1"/>
-                        </a:solidFill>
-                        <a:latin typeface="Cambria Math" panose="02040503050406030204" pitchFamily="18" charset="0"/>
-                      </a:rPr>
-                      <m:t>𝑛</m:t>
-                    </m:r>
-                  </m:oMath>
-                </a14:m>
-                <a:r>
-                  <a:rPr lang="en-US" sz="2800" dirty="0">
-                    <a:solidFill>
-                      <a:schemeClr val="accent1"/>
-                    </a:solidFill>
-                  </a:rPr>
-                  <a:t>.</a:t>
-                </a:r>
-              </a:p>
-            </p:txBody>
-          </p:sp>
-        </mc:Choice>
-        <mc:Fallback xmlns="">
-          <p:sp>
-            <p:nvSpPr>
-              <p:cNvPr id="9" name="TextBox 8">
-                <a:extLst>
-                  <a:ext uri="{FF2B5EF4-FFF2-40B4-BE49-F238E27FC236}">
-                    <a16:creationId xmlns:a16="http://schemas.microsoft.com/office/drawing/2014/main" id="{52DA4AAE-A4AC-428F-875E-2FBE2878A004}"/>
-                  </a:ext>
-                </a:extLst>
-              </p:cNvPr>
-              <p:cNvSpPr txBox="1">
-                <a:spLocks noRot="1" noChangeAspect="1" noMove="1" noResize="1" noEditPoints="1" noAdjustHandles="1" noChangeArrowheads="1" noChangeShapeType="1" noTextEdit="1"/>
-              </p:cNvSpPr>
-              <p:nvPr/>
-            </p:nvSpPr>
-            <p:spPr>
-              <a:xfrm>
-                <a:off x="3714750" y="4676993"/>
-                <a:ext cx="4937126" cy="1815882"/>
-              </a:xfrm>
-              <a:prstGeom prst="rect">
-                <a:avLst/>
-              </a:prstGeom>
-              <a:blipFill>
-                <a:blip r:embed="rId3"/>
-                <a:stretch>
-                  <a:fillRect l="-2469" t="-3020" r="-3457" b="-8725"/>
-                </a:stretch>
-              </a:blipFill>
-            </p:spPr>
-            <p:txBody>
-              <a:bodyPr/>
-              <a:lstStyle/>
-              <a:p>
-                <a:r>
-                  <a:rPr lang="en-US">
-                    <a:noFill/>
-                  </a:rPr>
-                  <a:t> </a:t>
-                </a:r>
-              </a:p>
-            </p:txBody>
-          </p:sp>
-        </mc:Fallback>
-      </mc:AlternateContent>
-    </p:spTree>
-    <p:extLst>
-      <p:ext uri="{BB962C8B-B14F-4D97-AF65-F5344CB8AC3E}">
-        <p14:creationId xmlns:p14="http://schemas.microsoft.com/office/powerpoint/2010/main" val="946592636"/>
-      </p:ext>
-    </p:extLst>
-  </p:cSld>
-  <p:clrMapOvr>
-    <a:masterClrMapping/>
-  </p:clrMapOvr>
-</p:sld>
-</file>
-
 <file path=ppt/slides/slide2.xml><?xml version="1.0" encoding="utf-8"?>
 <p:sld xmlns:a="http://schemas.openxmlformats.org/drawingml/2006/main" xmlns:r="http://schemas.openxmlformats.org/officeDocument/2006/relationships" xmlns:p="http://schemas.openxmlformats.org/presentationml/2006/main">
   <p:cSld>
@@ -15417,6 +15420,229 @@
           <p:cNvPr id="2" name="Title 1">
             <a:extLst>
               <a:ext uri="{FF2B5EF4-FFF2-40B4-BE49-F238E27FC236}">
+                <a16:creationId xmlns:a16="http://schemas.microsoft.com/office/drawing/2014/main" id="{6C6BD156-AF91-4E2C-B8F9-51AA5A779689}"/>
+              </a:ext>
+            </a:extLst>
+          </p:cNvPr>
+          <p:cNvSpPr>
+            <a:spLocks noGrp="1"/>
+          </p:cNvSpPr>
+          <p:nvPr>
+            <p:ph type="title"/>
+          </p:nvPr>
+        </p:nvSpPr>
+        <p:spPr/>
+        <p:txBody>
+          <a:bodyPr>
+            <a:normAutofit/>
+          </a:bodyPr>
+          <a:lstStyle/>
+          <a:p>
+            <a:r>
+              <a:rPr lang="en-US" sz="4000" dirty="0">
+                <a:solidFill>
+                  <a:schemeClr val="accent1"/>
+                </a:solidFill>
+              </a:rPr>
+              <a:t>Complexity Growth of Selection Sort</a:t>
+            </a:r>
+          </a:p>
+        </p:txBody>
+      </p:sp>
+      <p:pic>
+        <p:nvPicPr>
+          <p:cNvPr id="4" name="Content Placeholder 5">
+            <a:extLst>
+              <a:ext uri="{FF2B5EF4-FFF2-40B4-BE49-F238E27FC236}">
+                <a16:creationId xmlns:a16="http://schemas.microsoft.com/office/drawing/2014/main" id="{FD37EC75-5CC4-4B46-A4C3-50B89D7E30C2}"/>
+              </a:ext>
+            </a:extLst>
+          </p:cNvPr>
+          <p:cNvPicPr>
+            <a:picLocks noGrp="1" noChangeAspect="1"/>
+          </p:cNvPicPr>
+          <p:nvPr>
+            <p:ph idx="1"/>
+          </p:nvPr>
+        </p:nvPicPr>
+        <p:blipFill>
+          <a:blip r:embed="rId2">
+            <a:extLst>
+              <a:ext uri="{28A0092B-C50C-407E-A947-70E740481C1C}">
+                <a14:useLocalDpi xmlns:a14="http://schemas.microsoft.com/office/drawing/2010/main" val="0"/>
+              </a:ext>
+            </a:extLst>
+          </a:blip>
+          <a:stretch>
+            <a:fillRect/>
+          </a:stretch>
+        </p:blipFill>
+        <p:spPr>
+          <a:xfrm>
+            <a:off x="3714750" y="2024063"/>
+            <a:ext cx="4641850" cy="2089150"/>
+          </a:xfrm>
+        </p:spPr>
+      </p:pic>
+      <mc:AlternateContent xmlns:mc="http://schemas.openxmlformats.org/markup-compatibility/2006" xmlns:a14="http://schemas.microsoft.com/office/drawing/2010/main">
+        <mc:Choice Requires="a14">
+          <p:sp>
+            <p:nvSpPr>
+              <p:cNvPr id="9" name="TextBox 8">
+                <a:extLst>
+                  <a:ext uri="{FF2B5EF4-FFF2-40B4-BE49-F238E27FC236}">
+                    <a16:creationId xmlns:a16="http://schemas.microsoft.com/office/drawing/2014/main" id="{52DA4AAE-A4AC-428F-875E-2FBE2878A004}"/>
+                  </a:ext>
+                </a:extLst>
+              </p:cNvPr>
+              <p:cNvSpPr txBox="1"/>
+              <p:nvPr/>
+            </p:nvSpPr>
+            <p:spPr>
+              <a:xfrm>
+                <a:off x="3714750" y="4676993"/>
+                <a:ext cx="4937126" cy="1815882"/>
+              </a:xfrm>
+              <a:prstGeom prst="rect">
+                <a:avLst/>
+              </a:prstGeom>
+              <a:noFill/>
+            </p:spPr>
+            <p:txBody>
+              <a:bodyPr wrap="square" rtlCol="0">
+                <a:spAutoFit/>
+              </a:bodyPr>
+              <a:lstStyle/>
+              <a:p>
+                <a:r>
+                  <a:rPr lang="en-US" sz="2800" dirty="0">
+                    <a:solidFill>
+                      <a:schemeClr val="accent1"/>
+                    </a:solidFill>
+                  </a:rPr>
+                  <a:t>We say that the time complexity of selection sort exhibits a </a:t>
+                </a:r>
+                <a:r>
+                  <a:rPr lang="en-US" sz="2800" b="1" i="1" dirty="0">
+                    <a:solidFill>
+                      <a:schemeClr val="accent1"/>
+                    </a:solidFill>
+                  </a:rPr>
+                  <a:t>quadratic growth </a:t>
+                </a:r>
+                <a:r>
+                  <a:rPr lang="en-US" sz="2800" dirty="0">
+                    <a:solidFill>
+                      <a:schemeClr val="accent1"/>
+                    </a:solidFill>
+                  </a:rPr>
+                  <a:t>in the number of elements </a:t>
+                </a:r>
+                <a14:m>
+                  <m:oMath xmlns:m="http://schemas.openxmlformats.org/officeDocument/2006/math">
+                    <m:r>
+                      <a:rPr lang="en-US" sz="2800" b="0" i="1" smtClean="0">
+                        <a:solidFill>
+                          <a:schemeClr val="tx1"/>
+                        </a:solidFill>
+                        <a:latin typeface="Cambria Math" panose="02040503050406030204" pitchFamily="18" charset="0"/>
+                      </a:rPr>
+                      <m:t>𝑛</m:t>
+                    </m:r>
+                  </m:oMath>
+                </a14:m>
+                <a:r>
+                  <a:rPr lang="en-US" sz="2800" dirty="0">
+                    <a:solidFill>
+                      <a:schemeClr val="accent1"/>
+                    </a:solidFill>
+                  </a:rPr>
+                  <a:t>.</a:t>
+                </a:r>
+              </a:p>
+            </p:txBody>
+          </p:sp>
+        </mc:Choice>
+        <mc:Fallback xmlns="">
+          <p:sp>
+            <p:nvSpPr>
+              <p:cNvPr id="9" name="TextBox 8">
+                <a:extLst>
+                  <a:ext uri="{FF2B5EF4-FFF2-40B4-BE49-F238E27FC236}">
+                    <a16:creationId xmlns:a16="http://schemas.microsoft.com/office/drawing/2014/main" id="{52DA4AAE-A4AC-428F-875E-2FBE2878A004}"/>
+                  </a:ext>
+                </a:extLst>
+              </p:cNvPr>
+              <p:cNvSpPr txBox="1">
+                <a:spLocks noRot="1" noChangeAspect="1" noMove="1" noResize="1" noEditPoints="1" noAdjustHandles="1" noChangeArrowheads="1" noChangeShapeType="1" noTextEdit="1"/>
+              </p:cNvSpPr>
+              <p:nvPr/>
+            </p:nvSpPr>
+            <p:spPr>
+              <a:xfrm>
+                <a:off x="3714750" y="4676993"/>
+                <a:ext cx="4937126" cy="1815882"/>
+              </a:xfrm>
+              <a:prstGeom prst="rect">
+                <a:avLst/>
+              </a:prstGeom>
+              <a:blipFill>
+                <a:blip r:embed="rId3"/>
+                <a:stretch>
+                  <a:fillRect l="-2469" t="-3020" r="-3457" b="-8725"/>
+                </a:stretch>
+              </a:blipFill>
+            </p:spPr>
+            <p:txBody>
+              <a:bodyPr/>
+              <a:lstStyle/>
+              <a:p>
+                <a:r>
+                  <a:rPr lang="en-US">
+                    <a:noFill/>
+                  </a:rPr>
+                  <a:t> </a:t>
+                </a:r>
+              </a:p>
+            </p:txBody>
+          </p:sp>
+        </mc:Fallback>
+      </mc:AlternateContent>
+    </p:spTree>
+    <p:extLst>
+      <p:ext uri="{BB962C8B-B14F-4D97-AF65-F5344CB8AC3E}">
+        <p14:creationId xmlns:p14="http://schemas.microsoft.com/office/powerpoint/2010/main" val="946592636"/>
+      </p:ext>
+    </p:extLst>
+  </p:cSld>
+  <p:clrMapOvr>
+    <a:masterClrMapping/>
+  </p:clrMapOvr>
+</p:sld>
+</file>
+
+<file path=ppt/slides/slide21.xml><?xml version="1.0" encoding="utf-8"?>
+<p:sld xmlns:a="http://schemas.openxmlformats.org/drawingml/2006/main" xmlns:r="http://schemas.openxmlformats.org/officeDocument/2006/relationships" xmlns:p="http://schemas.openxmlformats.org/presentationml/2006/main">
+  <p:cSld>
+    <p:spTree>
+      <p:nvGrpSpPr>
+        <p:cNvPr id="1" name=""/>
+        <p:cNvGrpSpPr/>
+        <p:nvPr/>
+      </p:nvGrpSpPr>
+      <p:grpSpPr>
+        <a:xfrm>
+          <a:off x="0" y="0"/>
+          <a:ext cx="0" cy="0"/>
+          <a:chOff x="0" y="0"/>
+          <a:chExt cx="0" cy="0"/>
+        </a:xfrm>
+      </p:grpSpPr>
+      <p:sp>
+        <p:nvSpPr>
+          <p:cNvPr id="2" name="Title 1">
+            <a:extLst>
+              <a:ext uri="{FF2B5EF4-FFF2-40B4-BE49-F238E27FC236}">
                 <a16:creationId xmlns:a16="http://schemas.microsoft.com/office/drawing/2014/main" id="{29BEED7A-53C8-49C7-804A-FA308E350101}"/>
               </a:ext>
             </a:extLst>
@@ -15991,7 +16217,7 @@
 </p:sld>
 </file>
 
-<file path=ppt/slides/slide21.xml><?xml version="1.0" encoding="utf-8"?>
+<file path=ppt/slides/slide22.xml><?xml version="1.0" encoding="utf-8"?>
 <p:sld xmlns:a="http://schemas.openxmlformats.org/drawingml/2006/main" xmlns:r="http://schemas.openxmlformats.org/officeDocument/2006/relationships" xmlns:p="http://schemas.openxmlformats.org/presentationml/2006/main">
   <p:cSld>
     <p:spTree>
@@ -16186,7 +16412,7 @@
 </p:sld>
 </file>
 
-<file path=ppt/slides/slide22.xml><?xml version="1.0" encoding="utf-8"?>
+<file path=ppt/slides/slide23.xml><?xml version="1.0" encoding="utf-8"?>
 <p:sld xmlns:a="http://schemas.openxmlformats.org/drawingml/2006/main" xmlns:r="http://schemas.openxmlformats.org/officeDocument/2006/relationships" xmlns:p="http://schemas.openxmlformats.org/presentationml/2006/main">
   <p:cSld>
     <p:spTree>
@@ -17209,7 +17435,7 @@
 </p:sld>
 </file>
 
-<file path=ppt/slides/slide23.xml><?xml version="1.0" encoding="utf-8"?>
+<file path=ppt/slides/slide24.xml><?xml version="1.0" encoding="utf-8"?>
 <p:sld xmlns:a="http://schemas.openxmlformats.org/drawingml/2006/main" xmlns:r="http://schemas.openxmlformats.org/officeDocument/2006/relationships" xmlns:p="http://schemas.openxmlformats.org/presentationml/2006/main">
   <p:cSld>
     <p:spTree>
@@ -18313,7 +18539,7 @@
 </p:sld>
 </file>
 
-<file path=ppt/slides/slide24.xml><?xml version="1.0" encoding="utf-8"?>
+<file path=ppt/slides/slide25.xml><?xml version="1.0" encoding="utf-8"?>
 <p:sld xmlns:a="http://schemas.openxmlformats.org/drawingml/2006/main" xmlns:r="http://schemas.openxmlformats.org/officeDocument/2006/relationships" xmlns:p="http://schemas.openxmlformats.org/presentationml/2006/main">
   <p:cSld>
     <p:spTree>
@@ -19204,7 +19430,7 @@
 </p:sld>
 </file>
 
-<file path=ppt/slides/slide25.xml><?xml version="1.0" encoding="utf-8"?>
+<file path=ppt/slides/slide26.xml><?xml version="1.0" encoding="utf-8"?>
 <p:sld xmlns:a="http://schemas.openxmlformats.org/drawingml/2006/main" xmlns:r="http://schemas.openxmlformats.org/officeDocument/2006/relationships" xmlns:p="http://schemas.openxmlformats.org/presentationml/2006/main">
   <p:cSld>
     <p:spTree>
@@ -20197,7 +20423,7 @@
 </p:sld>
 </file>
 
-<file path=ppt/slides/slide26.xml><?xml version="1.0" encoding="utf-8"?>
+<file path=ppt/slides/slide27.xml><?xml version="1.0" encoding="utf-8"?>
 <p:sld xmlns:a="http://schemas.openxmlformats.org/drawingml/2006/main" xmlns:r="http://schemas.openxmlformats.org/officeDocument/2006/relationships" xmlns:p="http://schemas.openxmlformats.org/presentationml/2006/main">
   <p:cSld>
     <p:spTree>
@@ -21205,7 +21431,7 @@
 </p:sld>
 </file>
 
-<file path=ppt/slides/slide27.xml><?xml version="1.0" encoding="utf-8"?>
+<file path=ppt/slides/slide28.xml><?xml version="1.0" encoding="utf-8"?>
 <p:sld xmlns:a="http://schemas.openxmlformats.org/drawingml/2006/main" xmlns:r="http://schemas.openxmlformats.org/officeDocument/2006/relationships" xmlns:p="http://schemas.openxmlformats.org/presentationml/2006/main">
   <p:cSld>
     <p:spTree>
@@ -22173,935 +22399,6 @@
     <p:extLst>
       <p:ext uri="{BB962C8B-B14F-4D97-AF65-F5344CB8AC3E}">
         <p14:creationId xmlns:p14="http://schemas.microsoft.com/office/powerpoint/2010/main" val="1369549783"/>
-      </p:ext>
-    </p:extLst>
-  </p:cSld>
-  <p:clrMapOvr>
-    <a:masterClrMapping/>
-  </p:clrMapOvr>
-</p:sld>
-</file>
-
-<file path=ppt/slides/slide28.xml><?xml version="1.0" encoding="utf-8"?>
-<p:sld xmlns:a="http://schemas.openxmlformats.org/drawingml/2006/main" xmlns:r="http://schemas.openxmlformats.org/officeDocument/2006/relationships" xmlns:p="http://schemas.openxmlformats.org/presentationml/2006/main">
-  <p:cSld>
-    <p:spTree>
-      <p:nvGrpSpPr>
-        <p:cNvPr id="1" name=""/>
-        <p:cNvGrpSpPr/>
-        <p:nvPr/>
-      </p:nvGrpSpPr>
-      <p:grpSpPr>
-        <a:xfrm>
-          <a:off x="0" y="0"/>
-          <a:ext cx="0" cy="0"/>
-          <a:chOff x="0" y="0"/>
-          <a:chExt cx="0" cy="0"/>
-        </a:xfrm>
-      </p:grpSpPr>
-      <p:sp>
-        <p:nvSpPr>
-          <p:cNvPr id="2" name="Title 1">
-            <a:extLst>
-              <a:ext uri="{FF2B5EF4-FFF2-40B4-BE49-F238E27FC236}">
-                <a16:creationId xmlns:a16="http://schemas.microsoft.com/office/drawing/2014/main" id="{191C9348-2C4A-41BA-9E0D-F7B6E8DEBB4A}"/>
-              </a:ext>
-            </a:extLst>
-          </p:cNvPr>
-          <p:cNvSpPr>
-            <a:spLocks noGrp="1"/>
-          </p:cNvSpPr>
-          <p:nvPr>
-            <p:ph type="title"/>
-          </p:nvPr>
-        </p:nvSpPr>
-        <p:spPr/>
-        <p:txBody>
-          <a:bodyPr/>
-          <a:lstStyle/>
-          <a:p>
-            <a:r>
-              <a:rPr lang="en-US" dirty="0">
-                <a:solidFill>
-                  <a:schemeClr val="accent1"/>
-                </a:solidFill>
-              </a:rPr>
-              <a:t>Not hard enough?</a:t>
-            </a:r>
-          </a:p>
-        </p:txBody>
-      </p:sp>
-      <mc:AlternateContent xmlns:mc="http://schemas.openxmlformats.org/markup-compatibility/2006" xmlns:a14="http://schemas.microsoft.com/office/drawing/2010/main">
-        <mc:Choice Requires="a14">
-          <p:sp>
-            <p:nvSpPr>
-              <p:cNvPr id="3" name="Content Placeholder 2">
-                <a:extLst>
-                  <a:ext uri="{FF2B5EF4-FFF2-40B4-BE49-F238E27FC236}">
-                    <a16:creationId xmlns:a16="http://schemas.microsoft.com/office/drawing/2014/main" id="{4D2546F1-740D-4C1F-9129-6EAB16BC9F6D}"/>
-                  </a:ext>
-                </a:extLst>
-              </p:cNvPr>
-              <p:cNvSpPr>
-                <a:spLocks noGrp="1"/>
-              </p:cNvSpPr>
-              <p:nvPr>
-                <p:ph idx="1"/>
-              </p:nvPr>
-            </p:nvSpPr>
-            <p:spPr>
-              <a:xfrm>
-                <a:off x="838200" y="1766888"/>
-                <a:ext cx="10515600" cy="4351338"/>
-              </a:xfrm>
-            </p:spPr>
-            <p:txBody>
-              <a:bodyPr>
-                <a:normAutofit/>
-              </a:bodyPr>
-              <a:lstStyle/>
-              <a:p>
-                <a:pPr marL="0" indent="0">
-                  <a:buNone/>
-                </a:pPr>
-                <a:r>
-                  <a:rPr lang="en-US" dirty="0">
-                    <a:solidFill>
-                      <a:schemeClr val="accent1"/>
-                    </a:solidFill>
-                  </a:rPr>
-                  <a:t>Show that </a:t>
-                </a:r>
-                <a14:m>
-                  <m:oMath xmlns:m="http://schemas.openxmlformats.org/officeDocument/2006/math">
-                    <m:sSup>
-                      <m:sSupPr>
-                        <m:ctrlPr>
-                          <a:rPr lang="en-US" i="1" smtClean="0">
-                            <a:solidFill>
-                              <a:schemeClr val="tx1"/>
-                            </a:solidFill>
-                            <a:latin typeface="Cambria Math" panose="02040503050406030204" pitchFamily="18" charset="0"/>
-                          </a:rPr>
-                        </m:ctrlPr>
-                      </m:sSupPr>
-                      <m:e>
-                        <m:r>
-                          <a:rPr lang="en-US" b="0" i="1" smtClean="0">
-                            <a:solidFill>
-                              <a:schemeClr val="tx1"/>
-                            </a:solidFill>
-                            <a:latin typeface="Cambria Math" panose="02040503050406030204" pitchFamily="18" charset="0"/>
-                          </a:rPr>
-                          <m:t>7</m:t>
-                        </m:r>
-                        <m:r>
-                          <a:rPr lang="en-US" i="1">
-                            <a:solidFill>
-                              <a:schemeClr val="tx1"/>
-                            </a:solidFill>
-                            <a:latin typeface="Cambria Math" panose="02040503050406030204" pitchFamily="18" charset="0"/>
-                          </a:rPr>
-                          <m:t>𝑛</m:t>
-                        </m:r>
-                      </m:e>
-                      <m:sup>
-                        <m:r>
-                          <a:rPr lang="en-US" i="1">
-                            <a:solidFill>
-                              <a:schemeClr val="tx1"/>
-                            </a:solidFill>
-                            <a:latin typeface="Cambria Math" panose="02040503050406030204" pitchFamily="18" charset="0"/>
-                          </a:rPr>
-                          <m:t>2</m:t>
-                        </m:r>
-                      </m:sup>
-                    </m:sSup>
-                    <m:r>
-                      <a:rPr lang="en-US" i="1">
-                        <a:solidFill>
-                          <a:schemeClr val="tx1"/>
-                        </a:solidFill>
-                        <a:latin typeface="Cambria Math" panose="02040503050406030204" pitchFamily="18" charset="0"/>
-                      </a:rPr>
-                      <m:t>+</m:t>
-                    </m:r>
-                    <m:r>
-                      <a:rPr lang="en-US" b="0" i="1" smtClean="0">
-                        <a:solidFill>
-                          <a:schemeClr val="tx1"/>
-                        </a:solidFill>
-                        <a:latin typeface="Cambria Math" panose="02040503050406030204" pitchFamily="18" charset="0"/>
-                      </a:rPr>
-                      <m:t>1000</m:t>
-                    </m:r>
-                    <m:r>
-                      <a:rPr lang="en-US" b="0" i="1" smtClean="0">
-                        <a:solidFill>
-                          <a:schemeClr val="tx1"/>
-                        </a:solidFill>
-                        <a:latin typeface="Cambria Math" panose="02040503050406030204" pitchFamily="18" charset="0"/>
-                      </a:rPr>
-                      <m:t>𝑛</m:t>
-                    </m:r>
-                    <m:r>
-                      <a:rPr lang="en-US">
-                        <a:solidFill>
-                          <a:schemeClr val="tx1"/>
-                        </a:solidFill>
-                        <a:latin typeface="Cambria Math" panose="02040503050406030204" pitchFamily="18" charset="0"/>
-                      </a:rPr>
-                      <m:t>=</m:t>
-                    </m:r>
-                    <m:r>
-                      <m:rPr>
-                        <m:sty m:val="p"/>
-                      </m:rPr>
-                      <a:rPr lang="en-US">
-                        <a:solidFill>
-                          <a:schemeClr val="tx1"/>
-                        </a:solidFill>
-                        <a:latin typeface="Cambria Math" panose="02040503050406030204" pitchFamily="18" charset="0"/>
-                      </a:rPr>
-                      <m:t>O</m:t>
-                    </m:r>
-                    <m:r>
-                      <a:rPr lang="en-US">
-                        <a:solidFill>
-                          <a:schemeClr val="tx1"/>
-                        </a:solidFill>
-                        <a:latin typeface="Cambria Math" panose="02040503050406030204" pitchFamily="18" charset="0"/>
-                      </a:rPr>
-                      <m:t>(</m:t>
-                    </m:r>
-                    <m:sSup>
-                      <m:sSupPr>
-                        <m:ctrlPr>
-                          <a:rPr lang="en-US" i="1">
-                            <a:solidFill>
-                              <a:schemeClr val="tx1"/>
-                            </a:solidFill>
-                            <a:latin typeface="Cambria Math" panose="02040503050406030204" pitchFamily="18" charset="0"/>
-                          </a:rPr>
-                        </m:ctrlPr>
-                      </m:sSupPr>
-                      <m:e>
-                        <m:r>
-                          <a:rPr lang="en-US" i="1">
-                            <a:solidFill>
-                              <a:schemeClr val="tx1"/>
-                            </a:solidFill>
-                            <a:latin typeface="Cambria Math" panose="02040503050406030204" pitchFamily="18" charset="0"/>
-                          </a:rPr>
-                          <m:t>𝑛</m:t>
-                        </m:r>
-                      </m:e>
-                      <m:sup>
-                        <m:r>
-                          <a:rPr lang="en-US" i="1">
-                            <a:solidFill>
-                              <a:schemeClr val="tx1"/>
-                            </a:solidFill>
-                            <a:latin typeface="Cambria Math" panose="02040503050406030204" pitchFamily="18" charset="0"/>
-                          </a:rPr>
-                          <m:t>2</m:t>
-                        </m:r>
-                      </m:sup>
-                    </m:sSup>
-                    <m:r>
-                      <a:rPr lang="en-US">
-                        <a:solidFill>
-                          <a:schemeClr val="tx1"/>
-                        </a:solidFill>
-                        <a:latin typeface="Cambria Math" panose="02040503050406030204" pitchFamily="18" charset="0"/>
-                      </a:rPr>
-                      <m:t>)</m:t>
-                    </m:r>
-                  </m:oMath>
-                </a14:m>
-                <a:r>
-                  <a:rPr lang="en-US" dirty="0">
-                    <a:solidFill>
-                      <a:schemeClr val="tx1"/>
-                    </a:solidFill>
-                  </a:rPr>
-                  <a:t>.</a:t>
-                </a:r>
-                <a:endParaRPr lang="en-US" dirty="0">
-                  <a:solidFill>
-                    <a:schemeClr val="accent1"/>
-                  </a:solidFill>
-                </a:endParaRPr>
-              </a:p>
-              <a:p>
-                <a:pPr marL="0" indent="0">
-                  <a:buNone/>
-                </a:pPr>
-                <a:r>
-                  <a:rPr lang="en-US" dirty="0"/>
-                  <a:t>  			</a:t>
-                </a:r>
-                <a14:m>
-                  <m:oMath xmlns:m="http://schemas.openxmlformats.org/officeDocument/2006/math">
-                    <m:sSup>
-                      <m:sSupPr>
-                        <m:ctrlPr>
-                          <a:rPr lang="en-US" i="1">
-                            <a:latin typeface="Cambria Math" panose="02040503050406030204" pitchFamily="18" charset="0"/>
-                          </a:rPr>
-                        </m:ctrlPr>
-                      </m:sSupPr>
-                      <m:e>
-                        <m:r>
-                          <a:rPr lang="en-US" b="0" i="1" smtClean="0">
-                            <a:latin typeface="Cambria Math" panose="02040503050406030204" pitchFamily="18" charset="0"/>
-                          </a:rPr>
-                          <m:t>7</m:t>
-                        </m:r>
-                        <m:r>
-                          <a:rPr lang="en-US" i="1">
-                            <a:latin typeface="Cambria Math" panose="02040503050406030204" pitchFamily="18" charset="0"/>
-                          </a:rPr>
-                          <m:t>𝑛</m:t>
-                        </m:r>
-                      </m:e>
-                      <m:sup>
-                        <m:r>
-                          <a:rPr lang="en-US" i="1">
-                            <a:latin typeface="Cambria Math" panose="02040503050406030204" pitchFamily="18" charset="0"/>
-                          </a:rPr>
-                          <m:t>2</m:t>
-                        </m:r>
-                      </m:sup>
-                    </m:sSup>
-                    <m:r>
-                      <a:rPr lang="en-US" i="1">
-                        <a:latin typeface="Cambria Math" panose="02040503050406030204" pitchFamily="18" charset="0"/>
-                      </a:rPr>
-                      <m:t>+</m:t>
-                    </m:r>
-                    <m:r>
-                      <a:rPr lang="en-US" b="0" i="1" smtClean="0">
-                        <a:latin typeface="Cambria Math" panose="02040503050406030204" pitchFamily="18" charset="0"/>
-                      </a:rPr>
-                      <m:t>1000</m:t>
-                    </m:r>
-                    <m:r>
-                      <a:rPr lang="en-US" b="0" i="1" smtClean="0">
-                        <a:latin typeface="Cambria Math" panose="02040503050406030204" pitchFamily="18" charset="0"/>
-                      </a:rPr>
-                      <m:t>𝑛</m:t>
-                    </m:r>
-                    <m:r>
-                      <a:rPr lang="en-US">
-                        <a:latin typeface="Cambria Math" panose="02040503050406030204" pitchFamily="18" charset="0"/>
-                      </a:rPr>
-                      <m:t>≤</m:t>
-                    </m:r>
-                    <m:r>
-                      <a:rPr lang="en-US" i="1">
-                        <a:latin typeface="Cambria Math" panose="02040503050406030204" pitchFamily="18" charset="0"/>
-                      </a:rPr>
-                      <m:t>𝑐</m:t>
-                    </m:r>
-                    <m:sSup>
-                      <m:sSupPr>
-                        <m:ctrlPr>
-                          <a:rPr lang="en-US" i="1">
-                            <a:latin typeface="Cambria Math" panose="02040503050406030204" pitchFamily="18" charset="0"/>
-                          </a:rPr>
-                        </m:ctrlPr>
-                      </m:sSupPr>
-                      <m:e>
-                        <m:r>
-                          <a:rPr lang="en-US" i="1">
-                            <a:latin typeface="Cambria Math" panose="02040503050406030204" pitchFamily="18" charset="0"/>
-                          </a:rPr>
-                          <m:t>𝑛</m:t>
-                        </m:r>
-                      </m:e>
-                      <m:sup>
-                        <m:r>
-                          <a:rPr lang="en-US" i="1">
-                            <a:latin typeface="Cambria Math" panose="02040503050406030204" pitchFamily="18" charset="0"/>
-                          </a:rPr>
-                          <m:t>2</m:t>
-                        </m:r>
-                      </m:sup>
-                    </m:sSup>
-                  </m:oMath>
-                </a14:m>
-                <a:r>
-                  <a:rPr lang="en-US" dirty="0"/>
-                  <a:t> for all </a:t>
-                </a:r>
-                <a14:m>
-                  <m:oMath xmlns:m="http://schemas.openxmlformats.org/officeDocument/2006/math">
-                    <m:r>
-                      <a:rPr lang="en-US" i="1">
-                        <a:latin typeface="Cambria Math" panose="02040503050406030204" pitchFamily="18" charset="0"/>
-                        <a:ea typeface="Cambria Math" panose="02040503050406030204" pitchFamily="18" charset="0"/>
-                      </a:rPr>
-                      <m:t>𝑛</m:t>
-                    </m:r>
-                    <m:r>
-                      <a:rPr lang="en-US" i="1">
-                        <a:latin typeface="Cambria Math" panose="02040503050406030204" pitchFamily="18" charset="0"/>
-                        <a:ea typeface="Cambria Math" panose="02040503050406030204" pitchFamily="18" charset="0"/>
-                      </a:rPr>
-                      <m:t>≥</m:t>
-                    </m:r>
-                    <m:sSub>
-                      <m:sSubPr>
-                        <m:ctrlPr>
-                          <a:rPr lang="en-US" i="1">
-                            <a:latin typeface="Cambria Math" panose="02040503050406030204" pitchFamily="18" charset="0"/>
-                            <a:ea typeface="Cambria Math" panose="02040503050406030204" pitchFamily="18" charset="0"/>
-                          </a:rPr>
-                        </m:ctrlPr>
-                      </m:sSubPr>
-                      <m:e>
-                        <m:r>
-                          <a:rPr lang="en-US" i="1">
-                            <a:latin typeface="Cambria Math" panose="02040503050406030204" pitchFamily="18" charset="0"/>
-                            <a:ea typeface="Cambria Math" panose="02040503050406030204" pitchFamily="18" charset="0"/>
-                          </a:rPr>
-                          <m:t>𝑛</m:t>
-                        </m:r>
-                      </m:e>
-                      <m:sub>
-                        <m:r>
-                          <a:rPr lang="en-US" i="1">
-                            <a:latin typeface="Cambria Math" panose="02040503050406030204" pitchFamily="18" charset="0"/>
-                            <a:ea typeface="Cambria Math" panose="02040503050406030204" pitchFamily="18" charset="0"/>
-                          </a:rPr>
-                          <m:t>0</m:t>
-                        </m:r>
-                      </m:sub>
-                    </m:sSub>
-                  </m:oMath>
-                </a14:m>
-                <a:endParaRPr lang="en-US" dirty="0"/>
-              </a:p>
-              <a:p>
-                <a:pPr marL="0" indent="0">
-                  <a:buNone/>
-                </a:pPr>
-                <a:r>
-                  <a:rPr lang="en-US" dirty="0"/>
-                  <a:t>			 </a:t>
-                </a:r>
-                <a14:m>
-                  <m:oMath xmlns:m="http://schemas.openxmlformats.org/officeDocument/2006/math">
-                    <m:r>
-                      <a:rPr lang="en-US" b="0" i="1" smtClean="0">
-                        <a:latin typeface="Cambria Math" panose="02040503050406030204" pitchFamily="18" charset="0"/>
-                      </a:rPr>
-                      <m:t>(</m:t>
-                    </m:r>
-                    <m:r>
-                      <a:rPr lang="en-US" i="1">
-                        <a:latin typeface="Cambria Math" panose="02040503050406030204" pitchFamily="18" charset="0"/>
-                      </a:rPr>
-                      <m:t>𝑐</m:t>
-                    </m:r>
-                    <m:sSup>
-                      <m:sSupPr>
-                        <m:ctrlPr>
-                          <a:rPr lang="en-US" i="1">
-                            <a:latin typeface="Cambria Math" panose="02040503050406030204" pitchFamily="18" charset="0"/>
-                          </a:rPr>
-                        </m:ctrlPr>
-                      </m:sSupPr>
-                      <m:e>
-                        <m:r>
-                          <a:rPr lang="en-US" b="0" i="1" smtClean="0">
-                            <a:latin typeface="Cambria Math" panose="02040503050406030204" pitchFamily="18" charset="0"/>
-                          </a:rPr>
-                          <m:t>−7)</m:t>
-                        </m:r>
-                        <m:r>
-                          <a:rPr lang="en-US" i="1">
-                            <a:latin typeface="Cambria Math" panose="02040503050406030204" pitchFamily="18" charset="0"/>
-                          </a:rPr>
-                          <m:t>𝑛</m:t>
-                        </m:r>
-                      </m:e>
-                      <m:sup>
-                        <m:r>
-                          <a:rPr lang="en-US" i="1">
-                            <a:latin typeface="Cambria Math" panose="02040503050406030204" pitchFamily="18" charset="0"/>
-                          </a:rPr>
-                          <m:t>2</m:t>
-                        </m:r>
-                      </m:sup>
-                    </m:sSup>
-                    <m:r>
-                      <a:rPr lang="en-US" b="0" i="1" smtClean="0">
-                        <a:latin typeface="Cambria Math" panose="02040503050406030204" pitchFamily="18" charset="0"/>
-                      </a:rPr>
-                      <m:t> ≥ 1000</m:t>
-                    </m:r>
-                    <m:r>
-                      <a:rPr lang="en-US" b="0" i="1" smtClean="0">
-                        <a:latin typeface="Cambria Math" panose="02040503050406030204" pitchFamily="18" charset="0"/>
-                      </a:rPr>
-                      <m:t>𝑛</m:t>
-                    </m:r>
-                  </m:oMath>
-                </a14:m>
-                <a:r>
-                  <a:rPr lang="en-US" dirty="0"/>
-                  <a:t> </a:t>
-                </a:r>
-              </a:p>
-              <a:p>
-                <a:pPr marL="0" indent="0">
-                  <a:buNone/>
-                </a:pPr>
-                <a:r>
-                  <a:rPr lang="en-US" dirty="0">
-                    <a:solidFill>
-                      <a:schemeClr val="accent1"/>
-                    </a:solidFill>
-                  </a:rPr>
-                  <a:t>Assume </a:t>
-                </a:r>
-                <a14:m>
-                  <m:oMath xmlns:m="http://schemas.openxmlformats.org/officeDocument/2006/math">
-                    <m:r>
-                      <a:rPr lang="en-US" i="1">
-                        <a:latin typeface="Cambria Math" panose="02040503050406030204" pitchFamily="18" charset="0"/>
-                      </a:rPr>
-                      <m:t>𝑐</m:t>
-                    </m:r>
-                    <m:r>
-                      <a:rPr lang="en-US" i="1">
-                        <a:latin typeface="Cambria Math" panose="02040503050406030204" pitchFamily="18" charset="0"/>
-                      </a:rPr>
-                      <m:t>−7&gt;0 →</m:t>
-                    </m:r>
-                    <m:r>
-                      <a:rPr lang="en-US" i="1">
-                        <a:latin typeface="Cambria Math" panose="02040503050406030204" pitchFamily="18" charset="0"/>
-                      </a:rPr>
-                      <m:t>𝑐</m:t>
-                    </m:r>
-                    <m:r>
-                      <a:rPr lang="en-US" i="1">
-                        <a:latin typeface="Cambria Math" panose="02040503050406030204" pitchFamily="18" charset="0"/>
-                      </a:rPr>
-                      <m:t>&gt;</m:t>
-                    </m:r>
-                    <m:r>
-                      <a:rPr lang="en-US" b="0" i="0" smtClean="0">
-                        <a:latin typeface="Cambria Math" panose="02040503050406030204" pitchFamily="18" charset="0"/>
-                      </a:rPr>
-                      <m:t>7</m:t>
-                    </m:r>
-                    <m:r>
-                      <a:rPr lang="en-US">
-                        <a:latin typeface="Cambria Math" panose="02040503050406030204" pitchFamily="18" charset="0"/>
-                      </a:rPr>
-                      <m:t>.</m:t>
-                    </m:r>
-                  </m:oMath>
-                </a14:m>
-                <a:endParaRPr lang="en-US" dirty="0">
-                  <a:solidFill>
-                    <a:schemeClr val="accent1"/>
-                  </a:solidFill>
-                </a:endParaRPr>
-              </a:p>
-              <a:p>
-                <a:pPr marL="0" indent="0">
-                  <a:buNone/>
-                </a:pPr>
-                <a:r>
-                  <a:rPr lang="en-US" dirty="0">
-                    <a:solidFill>
-                      <a:schemeClr val="accent1"/>
-                    </a:solidFill>
-                  </a:rPr>
-                  <a:t>Consider only </a:t>
-                </a:r>
-                <a14:m>
-                  <m:oMath xmlns:m="http://schemas.openxmlformats.org/officeDocument/2006/math">
-                    <m:r>
-                      <a:rPr lang="en-US" i="1">
-                        <a:latin typeface="Cambria Math" panose="02040503050406030204" pitchFamily="18" charset="0"/>
-                        <a:ea typeface="Cambria Math" panose="02040503050406030204" pitchFamily="18" charset="0"/>
-                      </a:rPr>
-                      <m:t>𝑛</m:t>
-                    </m:r>
-                    <m:r>
-                      <a:rPr lang="en-US" b="0" i="1" smtClean="0">
-                        <a:latin typeface="Cambria Math" panose="02040503050406030204" pitchFamily="18" charset="0"/>
-                        <a:ea typeface="Cambria Math" panose="02040503050406030204" pitchFamily="18" charset="0"/>
-                      </a:rPr>
-                      <m:t>&gt;0</m:t>
-                    </m:r>
-                  </m:oMath>
-                </a14:m>
-                <a:r>
-                  <a:rPr lang="en-US" dirty="0">
-                    <a:solidFill>
-                      <a:schemeClr val="accent1"/>
-                    </a:solidFill>
-                  </a:rPr>
-                  <a:t> and divide both sides by </a:t>
-                </a:r>
-                <a14:m>
-                  <m:oMath xmlns:m="http://schemas.openxmlformats.org/officeDocument/2006/math">
-                    <m:r>
-                      <a:rPr lang="en-US" i="1">
-                        <a:latin typeface="Cambria Math" panose="02040503050406030204" pitchFamily="18" charset="0"/>
-                        <a:ea typeface="Cambria Math" panose="02040503050406030204" pitchFamily="18" charset="0"/>
-                      </a:rPr>
-                      <m:t>𝑛</m:t>
-                    </m:r>
-                  </m:oMath>
-                </a14:m>
-                <a:r>
-                  <a:rPr lang="en-US" dirty="0">
-                    <a:solidFill>
-                      <a:schemeClr val="accent1"/>
-                    </a:solidFill>
-                  </a:rPr>
-                  <a:t>.</a:t>
-                </a:r>
-              </a:p>
-              <a:p>
-                <a:pPr marL="0" indent="0">
-                  <a:buNone/>
-                </a:pPr>
-                <a:r>
-                  <a:rPr lang="en-US" dirty="0">
-                    <a:solidFill>
-                      <a:schemeClr val="accent1"/>
-                    </a:solidFill>
-                  </a:rPr>
-                  <a:t>			</a:t>
-                </a:r>
-                <a:r>
-                  <a:rPr lang="en-US" dirty="0"/>
-                  <a:t> </a:t>
-                </a:r>
-                <a14:m>
-                  <m:oMath xmlns:m="http://schemas.openxmlformats.org/officeDocument/2006/math">
-                    <m:d>
-                      <m:dPr>
-                        <m:ctrlPr>
-                          <a:rPr lang="en-US" b="0" i="1" dirty="0">
-                            <a:latin typeface="Cambria Math" panose="02040503050406030204" pitchFamily="18" charset="0"/>
-                          </a:rPr>
-                        </m:ctrlPr>
-                      </m:dPr>
-                      <m:e>
-                        <m:r>
-                          <a:rPr lang="en-US" b="0" i="1" dirty="0" smtClean="0">
-                            <a:latin typeface="Cambria Math" panose="02040503050406030204" pitchFamily="18" charset="0"/>
-                          </a:rPr>
-                          <m:t>𝑐</m:t>
-                        </m:r>
-                        <m:r>
-                          <a:rPr lang="en-US" b="0" i="1" dirty="0" smtClean="0">
-                            <a:latin typeface="Cambria Math" panose="02040503050406030204" pitchFamily="18" charset="0"/>
-                          </a:rPr>
-                          <m:t>−</m:t>
-                        </m:r>
-                        <m:r>
-                          <a:rPr lang="en-US" b="0" i="0" dirty="0" smtClean="0">
-                            <a:latin typeface="Cambria Math" panose="02040503050406030204" pitchFamily="18" charset="0"/>
-                          </a:rPr>
-                          <m:t>7</m:t>
-                        </m:r>
-                      </m:e>
-                    </m:d>
-                    <m:r>
-                      <a:rPr lang="en-US" i="1">
-                        <a:latin typeface="Cambria Math" panose="02040503050406030204" pitchFamily="18" charset="0"/>
-                      </a:rPr>
-                      <m:t>𝑛</m:t>
-                    </m:r>
-                    <m:r>
-                      <a:rPr lang="en-US" b="0" i="0" smtClean="0">
-                        <a:latin typeface="Cambria Math" panose="02040503050406030204" pitchFamily="18" charset="0"/>
-                      </a:rPr>
-                      <m:t>≥</m:t>
-                    </m:r>
-                    <m:r>
-                      <a:rPr lang="en-US" i="1" smtClean="0">
-                        <a:latin typeface="Cambria Math" panose="02040503050406030204" pitchFamily="18" charset="0"/>
-                      </a:rPr>
-                      <m:t>1</m:t>
-                    </m:r>
-                    <m:r>
-                      <a:rPr lang="en-US" b="0" i="1" smtClean="0">
-                        <a:latin typeface="Cambria Math" panose="02040503050406030204" pitchFamily="18" charset="0"/>
-                      </a:rPr>
-                      <m:t>000</m:t>
-                    </m:r>
-                  </m:oMath>
-                </a14:m>
-                <a:endParaRPr lang="en-US" b="0" dirty="0"/>
-              </a:p>
-              <a:p>
-                <a:pPr marL="0" indent="0">
-                  <a:buNone/>
-                </a:pPr>
-                <a:r>
-                  <a:rPr lang="en-US" dirty="0"/>
-                  <a:t>			</a:t>
-                </a:r>
-                <a14:m>
-                  <m:oMath xmlns:m="http://schemas.openxmlformats.org/officeDocument/2006/math">
-                    <m:box>
-                      <m:boxPr>
-                        <m:ctrlPr>
-                          <a:rPr lang="en-US" sz="4000" i="1" smtClean="0">
-                            <a:latin typeface="Cambria Math" panose="02040503050406030204" pitchFamily="18" charset="0"/>
-                          </a:rPr>
-                        </m:ctrlPr>
-                      </m:boxPr>
-                      <m:e>
-                        <m:argPr>
-                          <m:argSz m:val="-1"/>
-                        </m:argPr>
-                        <m:r>
-                          <a:rPr lang="en-US" sz="4000" i="1">
-                            <a:latin typeface="Cambria Math" panose="02040503050406030204" pitchFamily="18" charset="0"/>
-                          </a:rPr>
-                          <m:t>𝑛</m:t>
-                        </m:r>
-                        <m:r>
-                          <a:rPr lang="en-US" sz="4000" b="0" i="0" smtClean="0">
-                            <a:latin typeface="Cambria Math" panose="02040503050406030204" pitchFamily="18" charset="0"/>
-                          </a:rPr>
-                          <m:t> </m:t>
-                        </m:r>
-                        <m:r>
-                          <m:rPr>
-                            <m:brk m:alnAt="63"/>
-                          </m:rPr>
-                          <a:rPr lang="en-US" sz="4000" b="0" i="0" smtClean="0">
-                            <a:latin typeface="Cambria Math" panose="02040503050406030204" pitchFamily="18" charset="0"/>
-                          </a:rPr>
-                          <m:t>≥</m:t>
-                        </m:r>
-                        <m:f>
-                          <m:fPr>
-                            <m:ctrlPr>
-                              <a:rPr lang="en-US" sz="4000" i="1" smtClean="0">
-                                <a:latin typeface="Cambria Math" panose="02040503050406030204" pitchFamily="18" charset="0"/>
-                              </a:rPr>
-                            </m:ctrlPr>
-                          </m:fPr>
-                          <m:num>
-                            <m:r>
-                              <a:rPr lang="en-US" sz="4000" b="0" i="0" smtClean="0">
-                                <a:latin typeface="Cambria Math" panose="02040503050406030204" pitchFamily="18" charset="0"/>
-                              </a:rPr>
-                              <m:t> 1000</m:t>
-                            </m:r>
-                          </m:num>
-                          <m:den>
-                            <m:r>
-                              <a:rPr lang="en-US" sz="4000" i="1" dirty="0">
-                                <a:latin typeface="Cambria Math" panose="02040503050406030204" pitchFamily="18" charset="0"/>
-                              </a:rPr>
-                              <m:t>𝑐</m:t>
-                            </m:r>
-                            <m:r>
-                              <a:rPr lang="en-US" sz="4000" b="0" i="0" smtClean="0">
-                                <a:latin typeface="Cambria Math" panose="02040503050406030204" pitchFamily="18" charset="0"/>
-                              </a:rPr>
-                              <m:t>−7</m:t>
-                            </m:r>
-                          </m:den>
-                        </m:f>
-                        <m:r>
-                          <a:rPr lang="en-US" sz="4000" b="0" i="1" smtClean="0">
-                            <a:latin typeface="Cambria Math" panose="02040503050406030204" pitchFamily="18" charset="0"/>
-                          </a:rPr>
-                          <m:t> </m:t>
-                        </m:r>
-                      </m:e>
-                    </m:box>
-                  </m:oMath>
-                </a14:m>
-                <a:endParaRPr lang="en-US" sz="4000" dirty="0"/>
-              </a:p>
-              <a:p>
-                <a:pPr marL="0" indent="0">
-                  <a:buNone/>
-                </a:pPr>
-                <a:r>
-                  <a:rPr lang="en-US" dirty="0">
-                    <a:solidFill>
-                      <a:schemeClr val="accent1"/>
-                    </a:solidFill>
-                  </a:rPr>
-                  <a:t>Therefore, we choose </a:t>
-                </a:r>
-                <a14:m>
-                  <m:oMath xmlns:m="http://schemas.openxmlformats.org/officeDocument/2006/math">
-                    <m:r>
-                      <a:rPr lang="en-US" i="1">
-                        <a:latin typeface="Cambria Math" panose="02040503050406030204" pitchFamily="18" charset="0"/>
-                      </a:rPr>
-                      <m:t>𝑐</m:t>
-                    </m:r>
-                    <m:r>
-                      <a:rPr lang="en-US" b="0" i="1" smtClean="0">
-                        <a:latin typeface="Cambria Math" panose="02040503050406030204" pitchFamily="18" charset="0"/>
-                      </a:rPr>
-                      <m:t>=8</m:t>
-                    </m:r>
-                  </m:oMath>
-                </a14:m>
-                <a:r>
-                  <a:rPr lang="en-US" dirty="0"/>
-                  <a:t> </a:t>
-                </a:r>
-                <a:r>
-                  <a:rPr lang="en-US" dirty="0">
-                    <a:solidFill>
-                      <a:schemeClr val="accent1"/>
-                    </a:solidFill>
-                  </a:rPr>
-                  <a:t>and</a:t>
-                </a:r>
-                <a14:m>
-                  <m:oMath xmlns:m="http://schemas.openxmlformats.org/officeDocument/2006/math">
-                    <m:sSub>
-                      <m:sSubPr>
-                        <m:ctrlPr>
-                          <a:rPr lang="en-US" i="1">
-                            <a:latin typeface="Cambria Math" panose="02040503050406030204" pitchFamily="18" charset="0"/>
-                            <a:ea typeface="Cambria Math" panose="02040503050406030204" pitchFamily="18" charset="0"/>
-                          </a:rPr>
-                        </m:ctrlPr>
-                      </m:sSubPr>
-                      <m:e>
-                        <m:r>
-                          <a:rPr lang="en-US" b="0" i="1" smtClean="0">
-                            <a:latin typeface="Cambria Math" panose="02040503050406030204" pitchFamily="18" charset="0"/>
-                            <a:ea typeface="Cambria Math" panose="02040503050406030204" pitchFamily="18" charset="0"/>
-                          </a:rPr>
-                          <m:t> </m:t>
-                        </m:r>
-                        <m:r>
-                          <a:rPr lang="en-US" i="1">
-                            <a:latin typeface="Cambria Math" panose="02040503050406030204" pitchFamily="18" charset="0"/>
-                            <a:ea typeface="Cambria Math" panose="02040503050406030204" pitchFamily="18" charset="0"/>
-                          </a:rPr>
-                          <m:t>𝑛</m:t>
-                        </m:r>
-                      </m:e>
-                      <m:sub>
-                        <m:r>
-                          <a:rPr lang="en-US" i="1">
-                            <a:latin typeface="Cambria Math" panose="02040503050406030204" pitchFamily="18" charset="0"/>
-                            <a:ea typeface="Cambria Math" panose="02040503050406030204" pitchFamily="18" charset="0"/>
-                          </a:rPr>
-                          <m:t>0</m:t>
-                        </m:r>
-                      </m:sub>
-                    </m:sSub>
-                    <m:r>
-                      <a:rPr lang="en-US" b="0" i="1" smtClean="0">
-                        <a:latin typeface="Cambria Math" panose="02040503050406030204" pitchFamily="18" charset="0"/>
-                        <a:ea typeface="Cambria Math" panose="02040503050406030204" pitchFamily="18" charset="0"/>
-                      </a:rPr>
-                      <m:t>=1000</m:t>
-                    </m:r>
-                  </m:oMath>
-                </a14:m>
-                <a:r>
-                  <a:rPr lang="en-US" dirty="0"/>
-                  <a:t> </a:t>
-                </a:r>
-                <a14:m>
-                  <m:oMath xmlns:m="http://schemas.openxmlformats.org/officeDocument/2006/math">
-                    <m:r>
-                      <a:rPr lang="en-US" i="1" dirty="0">
-                        <a:latin typeface="Cambria Math" panose="02040503050406030204" pitchFamily="18" charset="0"/>
-                        <a:ea typeface="Cambria Math" panose="02040503050406030204" pitchFamily="18" charset="0"/>
-                      </a:rPr>
-                      <m:t>∎</m:t>
-                    </m:r>
-                  </m:oMath>
-                </a14:m>
-                <a:endParaRPr lang="en-US" dirty="0"/>
-              </a:p>
-              <a:p>
-                <a:pPr marL="0" indent="0">
-                  <a:buNone/>
-                </a:pPr>
-                <a:endParaRPr lang="en-US" dirty="0">
-                  <a:solidFill>
-                    <a:schemeClr val="accent1"/>
-                  </a:solidFill>
-                </a:endParaRPr>
-              </a:p>
-              <a:p>
-                <a:pPr marL="0" indent="0">
-                  <a:buNone/>
-                </a:pPr>
-                <a:endParaRPr lang="en-US" dirty="0"/>
-              </a:p>
-            </p:txBody>
-          </p:sp>
-        </mc:Choice>
-        <mc:Fallback xmlns="">
-          <p:sp>
-            <p:nvSpPr>
-              <p:cNvPr id="3" name="Content Placeholder 2">
-                <a:extLst>
-                  <a:ext uri="{FF2B5EF4-FFF2-40B4-BE49-F238E27FC236}">
-                    <a16:creationId xmlns:a16="http://schemas.microsoft.com/office/drawing/2014/main" id="{4D2546F1-740D-4C1F-9129-6EAB16BC9F6D}"/>
-                  </a:ext>
-                </a:extLst>
-              </p:cNvPr>
-              <p:cNvSpPr>
-                <a:spLocks noGrp="1" noRot="1" noChangeAspect="1" noMove="1" noResize="1" noEditPoints="1" noAdjustHandles="1" noChangeArrowheads="1" noChangeShapeType="1" noTextEdit="1"/>
-              </p:cNvSpPr>
-              <p:nvPr>
-                <p:ph idx="1"/>
-              </p:nvPr>
-            </p:nvSpPr>
-            <p:spPr>
-              <a:xfrm>
-                <a:off x="838200" y="1766888"/>
-                <a:ext cx="10515600" cy="4351338"/>
-              </a:xfrm>
-              <a:blipFill>
-                <a:blip r:embed="rId2"/>
-                <a:stretch>
-                  <a:fillRect l="-1217" t="-2381" b="-2241"/>
-                </a:stretch>
-              </a:blipFill>
-            </p:spPr>
-            <p:txBody>
-              <a:bodyPr/>
-              <a:lstStyle/>
-              <a:p>
-                <a:r>
-                  <a:rPr lang="en-US">
-                    <a:noFill/>
-                  </a:rPr>
-                  <a:t> </a:t>
-                </a:r>
-              </a:p>
-            </p:txBody>
-          </p:sp>
-        </mc:Fallback>
-      </mc:AlternateContent>
-    </p:spTree>
-    <p:extLst>
-      <p:ext uri="{BB962C8B-B14F-4D97-AF65-F5344CB8AC3E}">
-        <p14:creationId xmlns:p14="http://schemas.microsoft.com/office/powerpoint/2010/main" val="2024669861"/>
       </p:ext>
     </p:extLst>
   </p:cSld>
@@ -23186,7 +22483,7 @@
             </p:spPr>
             <p:txBody>
               <a:bodyPr>
-                <a:normAutofit fontScale="77500" lnSpcReduction="20000"/>
+                <a:normAutofit/>
               </a:bodyPr>
               <a:lstStyle/>
               <a:p>
@@ -23247,13 +22544,22 @@
                       </m:sup>
                     </m:sSup>
                     <m:r>
+                      <a:rPr lang="en-US" i="1">
+                        <a:solidFill>
+                          <a:schemeClr val="tx1"/>
+                        </a:solidFill>
+                        <a:latin typeface="Cambria Math" panose="02040503050406030204" pitchFamily="18" charset="0"/>
+                      </a:rPr>
+                      <m:t>+</m:t>
+                    </m:r>
+                    <m:r>
                       <a:rPr lang="en-US" b="0" i="1" smtClean="0">
                         <a:solidFill>
                           <a:schemeClr val="tx1"/>
                         </a:solidFill>
                         <a:latin typeface="Cambria Math" panose="02040503050406030204" pitchFamily="18" charset="0"/>
                       </a:rPr>
-                      <m:t>−1000</m:t>
+                      <m:t>1000</m:t>
                     </m:r>
                     <m:r>
                       <a:rPr lang="en-US" b="0" i="1" smtClean="0">
@@ -23395,10 +22701,16 @@
                       </m:sup>
                     </m:sSup>
                     <m:r>
+                      <a:rPr lang="en-US" i="1">
+                        <a:latin typeface="Cambria Math" panose="02040503050406030204" pitchFamily="18" charset="0"/>
+                      </a:rPr>
+                      <m:t>+</m:t>
+                    </m:r>
+                    <m:r>
                       <a:rPr lang="en-US" b="0" i="1" smtClean="0">
                         <a:latin typeface="Cambria Math" panose="02040503050406030204" pitchFamily="18" charset="0"/>
                       </a:rPr>
-                      <m:t>−1000</m:t>
+                      <m:t>1000</m:t>
                     </m:r>
                     <m:r>
                       <a:rPr lang="en-US" b="0" i="1" smtClean="0">
@@ -23508,36 +22820,6 @@
                 <a14:m>
                   <m:oMath xmlns:m="http://schemas.openxmlformats.org/officeDocument/2006/math">
                     <m:r>
-                      <a:rPr lang="en-US" b="0" i="0" dirty="0" smtClean="0">
-                        <a:latin typeface="Cambria Math" panose="02040503050406030204" pitchFamily="18" charset="0"/>
-                      </a:rPr>
-                      <m:t>−</m:t>
-                    </m:r>
-                    <m:r>
-                      <a:rPr lang="en-US" i="1" dirty="0">
-                        <a:latin typeface="Cambria Math" panose="02040503050406030204" pitchFamily="18" charset="0"/>
-                      </a:rPr>
-                      <m:t>1</m:t>
-                    </m:r>
-                    <m:r>
-                      <a:rPr lang="en-US" b="0" i="1" dirty="0" smtClean="0">
-                        <a:latin typeface="Cambria Math" panose="02040503050406030204" pitchFamily="18" charset="0"/>
-                      </a:rPr>
-                      <m:t>000</m:t>
-                    </m:r>
-                    <m:r>
-                      <a:rPr lang="en-US" i="1">
-                        <a:latin typeface="Cambria Math" panose="02040503050406030204" pitchFamily="18" charset="0"/>
-                      </a:rPr>
-                      <m:t>𝑛</m:t>
-                    </m:r>
-                    <m:r>
-                      <a:rPr lang="en-US">
-                        <a:latin typeface="Cambria Math" panose="02040503050406030204" pitchFamily="18" charset="0"/>
-                      </a:rPr>
-                      <m:t>≤</m:t>
-                    </m:r>
-                    <m:r>
                       <a:rPr lang="en-US" b="0" i="1" smtClean="0">
                         <a:latin typeface="Cambria Math" panose="02040503050406030204" pitchFamily="18" charset="0"/>
                       </a:rPr>
@@ -23580,6 +22862,18 @@
                         </m:r>
                       </m:sup>
                     </m:sSup>
+                    <m:r>
+                      <a:rPr lang="en-US" b="0" i="1" smtClean="0">
+                        <a:latin typeface="Cambria Math" panose="02040503050406030204" pitchFamily="18" charset="0"/>
+                      </a:rPr>
+                      <m:t> ≥ 1000</m:t>
+                    </m:r>
+                    <m:r>
+                      <a:rPr lang="en-US" b="0" i="1" smtClean="0">
+                        <a:latin typeface="Cambria Math" panose="02040503050406030204" pitchFamily="18" charset="0"/>
+                      </a:rPr>
+                      <m:t>𝑛</m:t>
+                    </m:r>
                   </m:oMath>
                 </a14:m>
                 <a:r>
@@ -23620,10 +22914,16 @@
                       <m:t>𝑐</m:t>
                     </m:r>
                     <m:r>
+                      <a:rPr lang="en-US" i="1">
+                        <a:latin typeface="Cambria Math" panose="02040503050406030204" pitchFamily="18" charset="0"/>
+                      </a:rPr>
+                      <m:t>&gt;</m:t>
+                    </m:r>
+                    <m:r>
                       <a:rPr lang="en-US" b="0" i="0" smtClean="0">
                         <a:latin typeface="Cambria Math" panose="02040503050406030204" pitchFamily="18" charset="0"/>
                       </a:rPr>
-                      <m:t>&gt;7</m:t>
+                      <m:t>7</m:t>
                     </m:r>
                     <m:r>
                       <a:rPr lang="en-US">
@@ -23711,62 +23011,66 @@
                 </a:r>
                 <a:r>
                   <a:rPr lang="en-US" dirty="0"/>
-                  <a:t> -</a:t>
+                  <a:t> </a:t>
                 </a:r>
                 <a14:m>
                   <m:oMath xmlns:m="http://schemas.openxmlformats.org/officeDocument/2006/math">
-                    <m:r>
-                      <a:rPr lang="en-US" i="1" dirty="0" smtClean="0">
-                        <a:latin typeface="Cambria Math" panose="02040503050406030204" pitchFamily="18" charset="0"/>
-                      </a:rPr>
-                      <m:t>1</m:t>
-                    </m:r>
-                    <m:r>
-                      <a:rPr lang="en-US" b="0" i="1" dirty="0" smtClean="0">
-                        <a:latin typeface="Cambria Math" panose="02040503050406030204" pitchFamily="18" charset="0"/>
-                      </a:rPr>
-                      <m:t>000</m:t>
-                    </m:r>
-                    <m:r>
-                      <a:rPr lang="en-US" b="0" i="0" dirty="0" smtClean="0">
-                        <a:latin typeface="Cambria Math" panose="02040503050406030204" pitchFamily="18" charset="0"/>
-                      </a:rPr>
-                      <m:t>≤</m:t>
-                    </m:r>
                     <m:d>
                       <m:dPr>
                         <m:ctrlPr>
-                          <a:rPr lang="en-US" i="1">
+                          <a:rPr lang="en-US" b="0" i="1" dirty="0">
                             <a:latin typeface="Cambria Math" panose="02040503050406030204" pitchFamily="18" charset="0"/>
                           </a:rPr>
                         </m:ctrlPr>
                       </m:dPr>
                       <m:e>
                         <m:r>
-                          <a:rPr lang="en-US" i="1">
+                          <a:rPr lang="en-US" b="0" i="1" dirty="0" smtClean="0">
                             <a:latin typeface="Cambria Math" panose="02040503050406030204" pitchFamily="18" charset="0"/>
                           </a:rPr>
                           <m:t>𝑐</m:t>
                         </m:r>
                         <m:r>
-                          <a:rPr lang="en-US" b="0" i="1" smtClean="0">
-                            <a:latin typeface="Cambria Math" panose="02040503050406030204" pitchFamily="18" charset="0"/>
-                          </a:rPr>
-                          <m:t>−7</m:t>
+                          <a:rPr lang="en-US" b="0" i="1" dirty="0" smtClean="0">
+                            <a:latin typeface="Cambria Math" panose="02040503050406030204" pitchFamily="18" charset="0"/>
+                          </a:rPr>
+                          <m:t>−</m:t>
+                        </m:r>
+                        <m:r>
+                          <a:rPr lang="en-US" b="0" i="0" dirty="0" smtClean="0">
+                            <a:latin typeface="Cambria Math" panose="02040503050406030204" pitchFamily="18" charset="0"/>
+                          </a:rPr>
+                          <m:t>7</m:t>
                         </m:r>
                       </m:e>
                     </m:d>
                     <m:r>
+                      <a:rPr lang="en-US" i="1">
+                        <a:latin typeface="Cambria Math" panose="02040503050406030204" pitchFamily="18" charset="0"/>
+                      </a:rPr>
+                      <m:t>𝑛</m:t>
+                    </m:r>
+                    <m:r>
+                      <a:rPr lang="en-US" b="0" i="0" smtClean="0">
+                        <a:latin typeface="Cambria Math" panose="02040503050406030204" pitchFamily="18" charset="0"/>
+                      </a:rPr>
+                      <m:t>≥</m:t>
+                    </m:r>
+                    <m:r>
+                      <a:rPr lang="en-US" i="1" smtClean="0">
+                        <a:latin typeface="Cambria Math" panose="02040503050406030204" pitchFamily="18" charset="0"/>
+                      </a:rPr>
+                      <m:t>1</m:t>
+                    </m:r>
+                    <m:r>
                       <a:rPr lang="en-US" b="0" i="1" smtClean="0">
                         <a:latin typeface="Cambria Math" panose="02040503050406030204" pitchFamily="18" charset="0"/>
                       </a:rPr>
-                      <m:t>𝑛</m:t>
+                      <m:t>000</m:t>
                     </m:r>
                   </m:oMath>
                 </a14:m>
-                <a:endParaRPr lang="en-US" b="0" i="1" dirty="0">
-                  <a:latin typeface="Cambria Math" panose="02040503050406030204" pitchFamily="18" charset="0"/>
-                </a:endParaRPr>
+                <a:endParaRPr lang="en-US" b="0" dirty="0"/>
               </a:p>
               <a:p>
                 <a:pPr marL="0" indent="0">
@@ -23778,28 +23082,10 @@
                 </a:r>
                 <a14:m>
                   <m:oMath xmlns:m="http://schemas.openxmlformats.org/officeDocument/2006/math">
-                    <m:r>
-                      <a:rPr lang="en-US" sz="4000" i="1" smtClean="0">
-                        <a:latin typeface="Cambria Math" panose="02040503050406030204" pitchFamily="18" charset="0"/>
-                      </a:rPr>
-                      <m:t> </m:t>
-                    </m:r>
-                    <m:r>
-                      <a:rPr lang="en-US" sz="4000" b="0" i="1" smtClean="0">
-                        <a:latin typeface="Cambria Math" panose="02040503050406030204" pitchFamily="18" charset="0"/>
-                      </a:rPr>
-                      <m:t>𝑛</m:t>
-                    </m:r>
-                    <m:r>
-                      <a:rPr lang="en-US" sz="4000" b="0" i="1" smtClean="0">
-                        <a:latin typeface="Cambria Math" panose="02040503050406030204" pitchFamily="18" charset="0"/>
-                      </a:rPr>
-                      <m:t>≥</m:t>
-                    </m:r>
                     <m:box>
                       <m:boxPr>
                         <m:ctrlPr>
-                          <a:rPr lang="en-US" i="1">
+                          <a:rPr lang="en-US" sz="4000" i="1" smtClean="0">
                             <a:latin typeface="Cambria Math" panose="02040503050406030204" pitchFamily="18" charset="0"/>
                           </a:rPr>
                         </m:ctrlPr>
@@ -23808,105 +23094,69 @@
                         <m:argPr>
                           <m:argSz m:val="-1"/>
                         </m:argPr>
+                        <m:r>
+                          <a:rPr lang="en-US" sz="4000" i="1">
+                            <a:latin typeface="Cambria Math" panose="02040503050406030204" pitchFamily="18" charset="0"/>
+                          </a:rPr>
+                          <m:t>𝑛</m:t>
+                        </m:r>
+                        <m:r>
+                          <a:rPr lang="en-US" sz="4000" b="0" i="0" smtClean="0">
+                            <a:latin typeface="Cambria Math" panose="02040503050406030204" pitchFamily="18" charset="0"/>
+                          </a:rPr>
+                          <m:t> </m:t>
+                        </m:r>
+                        <m:r>
+                          <m:rPr>
+                            <m:brk m:alnAt="63"/>
+                          </m:rPr>
+                          <a:rPr lang="en-US" sz="4000" b="0" i="0" smtClean="0">
+                            <a:latin typeface="Cambria Math" panose="02040503050406030204" pitchFamily="18" charset="0"/>
+                          </a:rPr>
+                          <m:t>≥</m:t>
+                        </m:r>
                         <m:f>
                           <m:fPr>
                             <m:ctrlPr>
-                              <a:rPr lang="en-US" i="1">
+                              <a:rPr lang="en-US" sz="4000" i="1" smtClean="0">
                                 <a:latin typeface="Cambria Math" panose="02040503050406030204" pitchFamily="18" charset="0"/>
                               </a:rPr>
                             </m:ctrlPr>
                           </m:fPr>
                           <m:num>
                             <m:r>
-                              <a:rPr lang="en-US" b="0" i="1" smtClean="0">
+                              <a:rPr lang="en-US" sz="4000" b="0" i="0" smtClean="0">
                                 <a:latin typeface="Cambria Math" panose="02040503050406030204" pitchFamily="18" charset="0"/>
                               </a:rPr>
-                              <m:t> </m:t>
-                            </m:r>
-                            <m:r>
-                              <a:rPr lang="en-US" i="1">
-                                <a:latin typeface="Cambria Math" panose="02040503050406030204" pitchFamily="18" charset="0"/>
-                              </a:rPr>
-                              <m:t>−1000 </m:t>
+                              <m:t> 1000</m:t>
                             </m:r>
                           </m:num>
                           <m:den>
                             <m:r>
-                              <a:rPr lang="en-US" i="1">
+                              <a:rPr lang="en-US" sz="4000" i="1" dirty="0">
                                 <a:latin typeface="Cambria Math" panose="02040503050406030204" pitchFamily="18" charset="0"/>
                               </a:rPr>
                               <m:t>𝑐</m:t>
                             </m:r>
                             <m:r>
-                              <a:rPr lang="en-US" i="1">
+                              <a:rPr lang="en-US" sz="4000" b="0" i="0" smtClean="0">
                                 <a:latin typeface="Cambria Math" panose="02040503050406030204" pitchFamily="18" charset="0"/>
                               </a:rPr>
                               <m:t>−7</m:t>
                             </m:r>
                           </m:den>
                         </m:f>
+                        <m:r>
+                          <a:rPr lang="en-US" sz="4000" b="0" i="1" smtClean="0">
+                            <a:latin typeface="Cambria Math" panose="02040503050406030204" pitchFamily="18" charset="0"/>
+                          </a:rPr>
+                          <m:t> </m:t>
+                        </m:r>
                       </m:e>
                     </m:box>
                   </m:oMath>
                 </a14:m>
-                <a:r>
-                  <a:rPr lang="en-US" dirty="0"/>
-                  <a:t>     </a:t>
-                </a:r>
-                <a:r>
-                  <a:rPr lang="en-US" sz="1900" dirty="0">
-                    <a:solidFill>
-                      <a:schemeClr val="accent1"/>
-                    </a:solidFill>
-                  </a:rPr>
-                  <a:t>(</a:t>
-                </a:r>
-                <a:r>
-                  <a:rPr lang="en-US" sz="1900" u="sng" dirty="0">
-                    <a:solidFill>
-                      <a:srgbClr val="C00000"/>
-                    </a:solidFill>
-                  </a:rPr>
-                  <a:t>NB</a:t>
-                </a:r>
-                <a:r>
-                  <a:rPr lang="en-US" sz="1900" dirty="0">
-                    <a:solidFill>
-                      <a:schemeClr val="accent1"/>
-                    </a:solidFill>
-                  </a:rPr>
-                  <a:t>: the sign does not flip b/c </a:t>
-                </a:r>
-                <a14:m>
-                  <m:oMath xmlns:m="http://schemas.openxmlformats.org/officeDocument/2006/math">
-                    <m:r>
-                      <a:rPr lang="en-US" sz="1900" i="1">
-                        <a:latin typeface="Cambria Math" panose="02040503050406030204" pitchFamily="18" charset="0"/>
-                      </a:rPr>
-                      <m:t>𝑐</m:t>
-                    </m:r>
-                    <m:r>
-                      <a:rPr lang="en-US" sz="1900" i="1">
-                        <a:latin typeface="Cambria Math" panose="02040503050406030204" pitchFamily="18" charset="0"/>
-                      </a:rPr>
-                      <m:t>−7</m:t>
-                    </m:r>
-                    <m:r>
-                      <a:rPr lang="en-US" sz="1900" b="0" i="0" smtClean="0">
-                        <a:latin typeface="Cambria Math" panose="02040503050406030204" pitchFamily="18" charset="0"/>
-                      </a:rPr>
-                      <m:t>&gt;0</m:t>
-                    </m:r>
-                  </m:oMath>
-                </a14:m>
-                <a:r>
-                  <a:rPr lang="en-US" sz="1900" dirty="0">
-                    <a:solidFill>
-                      <a:schemeClr val="accent1"/>
-                    </a:solidFill>
-                  </a:rPr>
-                  <a:t> )</a:t>
-                </a:r>
+                <a:endParaRPr lang="en-US" sz="4000" dirty="0"/>
               </a:p>
               <a:p>
                 <a:pPr marL="0" indent="0">
@@ -23918,77 +23168,95 @@
                       <a:schemeClr val="accent1"/>
                     </a:solidFill>
                   </a:rPr>
-                  <a:t>			</a:t>
-                </a:r>
-                <a:r>
-                  <a:rPr lang="en-US" sz="4000" dirty="0"/>
-                  <a:t> </a:t>
+                  <a:t>Therefore, we choose </a:t>
                 </a:r>
                 <a14:m>
                   <m:oMath xmlns:m="http://schemas.openxmlformats.org/officeDocument/2006/math">
                     <m:r>
-                      <a:rPr lang="en-US" sz="4000" i="1">
-                        <a:latin typeface="Cambria Math" panose="02040503050406030204" pitchFamily="18" charset="0"/>
-                      </a:rPr>
-                      <m:t>𝑛</m:t>
-                    </m:r>
-                    <m:r>
-                      <a:rPr lang="en-US" sz="4000" i="1">
-                        <a:latin typeface="Cambria Math" panose="02040503050406030204" pitchFamily="18" charset="0"/>
-                      </a:rPr>
-                      <m:t>≥</m:t>
-                    </m:r>
-                    <m:box>
-                      <m:boxPr>
+                      <a:rPr lang="en-US" i="1">
+                        <a:latin typeface="Cambria Math" panose="02040503050406030204" pitchFamily="18" charset="0"/>
+                      </a:rPr>
+                      <m:t>𝑐</m:t>
+                    </m:r>
+                    <m:r>
+                      <a:rPr lang="en-US" b="0" i="1" smtClean="0">
+                        <a:latin typeface="Cambria Math" panose="02040503050406030204" pitchFamily="18" charset="0"/>
+                      </a:rPr>
+                      <m:t>=8</m:t>
+                    </m:r>
+                  </m:oMath>
+                </a14:m>
+                <a:r>
+                  <a:rPr lang="en-US" dirty="0"/>
+                  <a:t> </a:t>
+                </a:r>
+                <a:r>
+                  <a:rPr lang="en-US" dirty="0">
+                    <a:solidFill>
+                      <a:schemeClr val="accent1"/>
+                    </a:solidFill>
+                  </a:rPr>
+                  <a:t>and</a:t>
+                </a:r>
+                <a14:m>
+                  <m:oMath xmlns:m="http://schemas.openxmlformats.org/officeDocument/2006/math">
+                    <m:sSub>
+                      <m:sSubPr>
                         <m:ctrlPr>
                           <a:rPr lang="en-US" i="1">
                             <a:latin typeface="Cambria Math" panose="02040503050406030204" pitchFamily="18" charset="0"/>
+                            <a:ea typeface="Cambria Math" panose="02040503050406030204" pitchFamily="18" charset="0"/>
                           </a:rPr>
                         </m:ctrlPr>
-                      </m:boxPr>
+                      </m:sSubPr>
                       <m:e>
-                        <m:argPr>
-                          <m:argSz m:val="-1"/>
-                        </m:argPr>
-                        <m:f>
-                          <m:fPr>
-                            <m:ctrlPr>
-                              <a:rPr lang="en-US" i="1">
-                                <a:latin typeface="Cambria Math" panose="02040503050406030204" pitchFamily="18" charset="0"/>
-                              </a:rPr>
-                            </m:ctrlPr>
-                          </m:fPr>
-                          <m:num>
-                            <m:r>
-                              <a:rPr lang="en-US" i="1">
-                                <a:latin typeface="Cambria Math" panose="02040503050406030204" pitchFamily="18" charset="0"/>
-                              </a:rPr>
-                              <m:t> 1000 </m:t>
-                            </m:r>
-                          </m:num>
-                          <m:den>
-                            <m:r>
-                              <a:rPr lang="en-US" b="0" i="1" smtClean="0">
-                                <a:latin typeface="Cambria Math" panose="02040503050406030204" pitchFamily="18" charset="0"/>
-                              </a:rPr>
-                              <m:t>7</m:t>
-                            </m:r>
-                            <m:r>
-                              <a:rPr lang="en-US" i="1">
-                                <a:latin typeface="Cambria Math" panose="02040503050406030204" pitchFamily="18" charset="0"/>
-                              </a:rPr>
-                              <m:t>−</m:t>
-                            </m:r>
-                            <m:r>
-                              <a:rPr lang="en-US" b="0" i="1" smtClean="0">
-                                <a:latin typeface="Cambria Math" panose="02040503050406030204" pitchFamily="18" charset="0"/>
-                              </a:rPr>
-                              <m:t>𝑐</m:t>
-                            </m:r>
-                          </m:den>
-                        </m:f>
+                        <m:r>
+                          <a:rPr lang="en-US" b="0" i="1" smtClean="0">
+                            <a:latin typeface="Cambria Math" panose="02040503050406030204" pitchFamily="18" charset="0"/>
+                            <a:ea typeface="Cambria Math" panose="02040503050406030204" pitchFamily="18" charset="0"/>
+                          </a:rPr>
+                          <m:t> </m:t>
+                        </m:r>
+                        <m:r>
+                          <a:rPr lang="en-US" i="1">
+                            <a:latin typeface="Cambria Math" panose="02040503050406030204" pitchFamily="18" charset="0"/>
+                            <a:ea typeface="Cambria Math" panose="02040503050406030204" pitchFamily="18" charset="0"/>
+                          </a:rPr>
+                          <m:t>𝑛</m:t>
+                        </m:r>
                       </m:e>
-                    </m:box>
+                      <m:sub>
+                        <m:r>
+                          <a:rPr lang="en-US" i="1">
+                            <a:latin typeface="Cambria Math" panose="02040503050406030204" pitchFamily="18" charset="0"/>
+                            <a:ea typeface="Cambria Math" panose="02040503050406030204" pitchFamily="18" charset="0"/>
+                          </a:rPr>
+                          <m:t>0</m:t>
+                        </m:r>
+                      </m:sub>
+                    </m:sSub>
+                    <m:r>
+                      <a:rPr lang="en-US" b="0" i="1" smtClean="0">
+                        <a:latin typeface="Cambria Math" panose="02040503050406030204" pitchFamily="18" charset="0"/>
+                        <a:ea typeface="Cambria Math" panose="02040503050406030204" pitchFamily="18" charset="0"/>
+                      </a:rPr>
+                      <m:t>=1000</m:t>
+                    </m:r>
+                  </m:oMath>
+                </a14:m>
+                <a:r>
+                  <a:rPr lang="en-US" dirty="0"/>
+                  <a:t> </a:t>
+                </a:r>
+                <a14:m>
+                  <m:oMath xmlns:m="http://schemas.openxmlformats.org/officeDocument/2006/math">
+                    <m:r>
+                      <a:rPr lang="en-US" i="1" dirty="0">
+                        <a:latin typeface="Cambria Math" panose="02040503050406030204" pitchFamily="18" charset="0"/>
+                        <a:ea typeface="Cambria Math" panose="02040503050406030204" pitchFamily="18" charset="0"/>
+                      </a:rPr>
+                      <m:t>∎</m:t>
+                    </m:r>
                   </m:oMath>
                 </a14:m>
                 <a:endParaRPr lang="en-US" dirty="0"/>
@@ -24002,181 +23270,6 @@
                     <a:schemeClr val="accent1"/>
                   </a:solidFill>
                 </a:endParaRPr>
-              </a:p>
-              <a:p>
-                <a:pPr marL="0" indent="0">
-                  <a:buNone/>
-                </a:pPr>
-                <a:r>
-                  <a:rPr lang="en-US" dirty="0">
-                    <a:solidFill>
-                      <a:schemeClr val="accent1"/>
-                    </a:solidFill>
-                  </a:rPr>
-                  <a:t>Therefore, we choose </a:t>
-                </a:r>
-                <a14:m>
-                  <m:oMath xmlns:m="http://schemas.openxmlformats.org/officeDocument/2006/math">
-                    <m:r>
-                      <a:rPr lang="en-US" i="1">
-                        <a:latin typeface="Cambria Math" panose="02040503050406030204" pitchFamily="18" charset="0"/>
-                      </a:rPr>
-                      <m:t>𝑐</m:t>
-                    </m:r>
-                    <m:r>
-                      <a:rPr lang="en-US" b="0" i="1" smtClean="0">
-                        <a:latin typeface="Cambria Math" panose="02040503050406030204" pitchFamily="18" charset="0"/>
-                      </a:rPr>
-                      <m:t>=8 </m:t>
-                    </m:r>
-                  </m:oMath>
-                </a14:m>
-                <a:r>
-                  <a:rPr lang="en-US" dirty="0">
-                    <a:solidFill>
-                      <a:schemeClr val="accent1"/>
-                    </a:solidFill>
-                  </a:rPr>
-                  <a:t>, leading to </a:t>
-                </a:r>
-                <a14:m>
-                  <m:oMath xmlns:m="http://schemas.openxmlformats.org/officeDocument/2006/math">
-                    <m:r>
-                      <a:rPr lang="en-US" b="0" i="1" smtClean="0">
-                        <a:solidFill>
-                          <a:schemeClr val="tx2"/>
-                        </a:solidFill>
-                        <a:latin typeface="Cambria Math" panose="02040503050406030204" pitchFamily="18" charset="0"/>
-                      </a:rPr>
-                      <m:t>𝑛</m:t>
-                    </m:r>
-                    <m:r>
-                      <a:rPr lang="en-US" b="0" i="1" smtClean="0">
-                        <a:solidFill>
-                          <a:schemeClr val="tx2"/>
-                        </a:solidFill>
-                        <a:latin typeface="Cambria Math" panose="02040503050406030204" pitchFamily="18" charset="0"/>
-                      </a:rPr>
-                      <m:t>≥−1</m:t>
-                    </m:r>
-                  </m:oMath>
-                </a14:m>
-                <a:r>
-                  <a:rPr lang="en-US" dirty="0">
-                    <a:solidFill>
-                      <a:schemeClr val="accent1"/>
-                    </a:solidFill>
-                  </a:rPr>
-                  <a:t>.</a:t>
-                </a:r>
-              </a:p>
-              <a:p>
-                <a:pPr marL="0" indent="0">
-                  <a:buNone/>
-                </a:pPr>
-                <a:r>
-                  <a:rPr lang="en-US" dirty="0">
-                    <a:solidFill>
-                      <a:schemeClr val="accent1"/>
-                    </a:solidFill>
-                  </a:rPr>
-                  <a:t>Since </a:t>
-                </a:r>
-                <a14:m>
-                  <m:oMath xmlns:m="http://schemas.openxmlformats.org/officeDocument/2006/math">
-                    <m:r>
-                      <a:rPr lang="en-US" b="0" i="1" smtClean="0">
-                        <a:latin typeface="Cambria Math" panose="02040503050406030204" pitchFamily="18" charset="0"/>
-                      </a:rPr>
-                      <m:t>𝑛</m:t>
-                    </m:r>
-                    <m:r>
-                      <a:rPr lang="en-US" b="0" i="1" smtClean="0">
-                        <a:latin typeface="Cambria Math" panose="02040503050406030204" pitchFamily="18" charset="0"/>
-                      </a:rPr>
-                      <m:t>&gt;0</m:t>
-                    </m:r>
-                  </m:oMath>
-                </a14:m>
-                <a:r>
-                  <a:rPr lang="en-US" dirty="0">
-                    <a:solidFill>
-                      <a:schemeClr val="accent1"/>
-                    </a:solidFill>
-                  </a:rPr>
-                  <a:t>, we choose </a:t>
-                </a:r>
-                <a14:m>
-                  <m:oMath xmlns:m="http://schemas.openxmlformats.org/officeDocument/2006/math">
-                    <m:r>
-                      <a:rPr lang="en-US" i="1">
-                        <a:latin typeface="Cambria Math" panose="02040503050406030204" pitchFamily="18" charset="0"/>
-                      </a:rPr>
-                      <m:t>𝑐</m:t>
-                    </m:r>
-                    <m:r>
-                      <a:rPr lang="en-US" i="1">
-                        <a:latin typeface="Cambria Math" panose="02040503050406030204" pitchFamily="18" charset="0"/>
-                      </a:rPr>
-                      <m:t>=8</m:t>
-                    </m:r>
-                  </m:oMath>
-                </a14:m>
-                <a:r>
-                  <a:rPr lang="en-US" dirty="0">
-                    <a:solidFill>
-                      <a:schemeClr val="accent1"/>
-                    </a:solidFill>
-                  </a:rPr>
-                  <a:t> and </a:t>
-                </a:r>
-                <a14:m>
-                  <m:oMath xmlns:m="http://schemas.openxmlformats.org/officeDocument/2006/math">
-                    <m:sSub>
-                      <m:sSubPr>
-                        <m:ctrlPr>
-                          <a:rPr lang="en-US" i="1" smtClean="0">
-                            <a:latin typeface="Cambria Math" panose="02040503050406030204" pitchFamily="18" charset="0"/>
-                            <a:ea typeface="Cambria Math" panose="02040503050406030204" pitchFamily="18" charset="0"/>
-                          </a:rPr>
-                        </m:ctrlPr>
-                      </m:sSubPr>
-                      <m:e>
-                        <m:r>
-                          <a:rPr lang="en-US" i="1">
-                            <a:latin typeface="Cambria Math" panose="02040503050406030204" pitchFamily="18" charset="0"/>
-                            <a:ea typeface="Cambria Math" panose="02040503050406030204" pitchFamily="18" charset="0"/>
-                          </a:rPr>
-                          <m:t>𝑛</m:t>
-                        </m:r>
-                      </m:e>
-                      <m:sub>
-                        <m:r>
-                          <a:rPr lang="en-US" i="1">
-                            <a:latin typeface="Cambria Math" panose="02040503050406030204" pitchFamily="18" charset="0"/>
-                            <a:ea typeface="Cambria Math" panose="02040503050406030204" pitchFamily="18" charset="0"/>
-                          </a:rPr>
-                          <m:t>0</m:t>
-                        </m:r>
-                      </m:sub>
-                    </m:sSub>
-                    <m:r>
-                      <a:rPr lang="en-US" b="0" i="1" smtClean="0">
-                        <a:latin typeface="Cambria Math" panose="02040503050406030204" pitchFamily="18" charset="0"/>
-                        <a:ea typeface="Cambria Math" panose="02040503050406030204" pitchFamily="18" charset="0"/>
-                      </a:rPr>
-                      <m:t>=1</m:t>
-                    </m:r>
-                    <m:r>
-                      <a:rPr lang="en-US" i="1" dirty="0">
-                        <a:latin typeface="Cambria Math" panose="02040503050406030204" pitchFamily="18" charset="0"/>
-                        <a:ea typeface="Cambria Math" panose="02040503050406030204" pitchFamily="18" charset="0"/>
-                      </a:rPr>
-                      <m:t>∎</m:t>
-                    </m:r>
-                  </m:oMath>
-                </a14:m>
-                <a:endParaRPr lang="en-US" dirty="0"/>
               </a:p>
               <a:p>
                 <a:pPr marL="0" indent="0">
@@ -24212,7 +23305,7 @@
               <a:blipFill>
                 <a:blip r:embed="rId2"/>
                 <a:stretch>
-                  <a:fillRect l="-754" t="-2941"/>
+                  <a:fillRect l="-1217" t="-2381" b="-2241"/>
                 </a:stretch>
               </a:blipFill>
             </p:spPr>
@@ -24234,7 +23327,7 @@
     </p:spTree>
     <p:extLst>
       <p:ext uri="{BB962C8B-B14F-4D97-AF65-F5344CB8AC3E}">
-        <p14:creationId xmlns:p14="http://schemas.microsoft.com/office/powerpoint/2010/main" val="4192169551"/>
+        <p14:creationId xmlns:p14="http://schemas.microsoft.com/office/powerpoint/2010/main" val="2024669861"/>
       </p:ext>
     </p:extLst>
   </p:cSld>
@@ -24460,6 +23553,1139 @@
 </file>
 
 <file path=ppt/slides/slide30.xml><?xml version="1.0" encoding="utf-8"?>
+<p:sld xmlns:a="http://schemas.openxmlformats.org/drawingml/2006/main" xmlns:r="http://schemas.openxmlformats.org/officeDocument/2006/relationships" xmlns:p="http://schemas.openxmlformats.org/presentationml/2006/main">
+  <p:cSld>
+    <p:spTree>
+      <p:nvGrpSpPr>
+        <p:cNvPr id="1" name=""/>
+        <p:cNvGrpSpPr/>
+        <p:nvPr/>
+      </p:nvGrpSpPr>
+      <p:grpSpPr>
+        <a:xfrm>
+          <a:off x="0" y="0"/>
+          <a:ext cx="0" cy="0"/>
+          <a:chOff x="0" y="0"/>
+          <a:chExt cx="0" cy="0"/>
+        </a:xfrm>
+      </p:grpSpPr>
+      <p:sp>
+        <p:nvSpPr>
+          <p:cNvPr id="2" name="Title 1">
+            <a:extLst>
+              <a:ext uri="{FF2B5EF4-FFF2-40B4-BE49-F238E27FC236}">
+                <a16:creationId xmlns:a16="http://schemas.microsoft.com/office/drawing/2014/main" id="{191C9348-2C4A-41BA-9E0D-F7B6E8DEBB4A}"/>
+              </a:ext>
+            </a:extLst>
+          </p:cNvPr>
+          <p:cNvSpPr>
+            <a:spLocks noGrp="1"/>
+          </p:cNvSpPr>
+          <p:nvPr>
+            <p:ph type="title"/>
+          </p:nvPr>
+        </p:nvSpPr>
+        <p:spPr/>
+        <p:txBody>
+          <a:bodyPr/>
+          <a:lstStyle/>
+          <a:p>
+            <a:r>
+              <a:rPr lang="en-US" dirty="0">
+                <a:solidFill>
+                  <a:schemeClr val="accent1"/>
+                </a:solidFill>
+              </a:rPr>
+              <a:t>Not hard enough?</a:t>
+            </a:r>
+          </a:p>
+        </p:txBody>
+      </p:sp>
+      <mc:AlternateContent xmlns:mc="http://schemas.openxmlformats.org/markup-compatibility/2006" xmlns:a14="http://schemas.microsoft.com/office/drawing/2010/main">
+        <mc:Choice Requires="a14">
+          <p:sp>
+            <p:nvSpPr>
+              <p:cNvPr id="3" name="Content Placeholder 2">
+                <a:extLst>
+                  <a:ext uri="{FF2B5EF4-FFF2-40B4-BE49-F238E27FC236}">
+                    <a16:creationId xmlns:a16="http://schemas.microsoft.com/office/drawing/2014/main" id="{4D2546F1-740D-4C1F-9129-6EAB16BC9F6D}"/>
+                  </a:ext>
+                </a:extLst>
+              </p:cNvPr>
+              <p:cNvSpPr>
+                <a:spLocks noGrp="1"/>
+              </p:cNvSpPr>
+              <p:nvPr>
+                <p:ph idx="1"/>
+              </p:nvPr>
+            </p:nvSpPr>
+            <p:spPr>
+              <a:xfrm>
+                <a:off x="838200" y="1766888"/>
+                <a:ext cx="10515600" cy="4351338"/>
+              </a:xfrm>
+            </p:spPr>
+            <p:txBody>
+              <a:bodyPr>
+                <a:normAutofit fontScale="77500" lnSpcReduction="20000"/>
+              </a:bodyPr>
+              <a:lstStyle/>
+              <a:p>
+                <a:pPr marL="0" indent="0">
+                  <a:buNone/>
+                </a:pPr>
+                <a:r>
+                  <a:rPr lang="en-US" dirty="0">
+                    <a:solidFill>
+                      <a:schemeClr val="accent1"/>
+                    </a:solidFill>
+                  </a:rPr>
+                  <a:t>Show that </a:t>
+                </a:r>
+                <a14:m>
+                  <m:oMath xmlns:m="http://schemas.openxmlformats.org/officeDocument/2006/math">
+                    <m:sSup>
+                      <m:sSupPr>
+                        <m:ctrlPr>
+                          <a:rPr lang="en-US" i="1" smtClean="0">
+                            <a:solidFill>
+                              <a:schemeClr val="tx1"/>
+                            </a:solidFill>
+                            <a:latin typeface="Cambria Math" panose="02040503050406030204" pitchFamily="18" charset="0"/>
+                          </a:rPr>
+                        </m:ctrlPr>
+                      </m:sSupPr>
+                      <m:e>
+                        <m:r>
+                          <a:rPr lang="en-US" b="0" i="1" smtClean="0">
+                            <a:solidFill>
+                              <a:schemeClr val="tx1"/>
+                            </a:solidFill>
+                            <a:latin typeface="Cambria Math" panose="02040503050406030204" pitchFamily="18" charset="0"/>
+                          </a:rPr>
+                          <m:t>7</m:t>
+                        </m:r>
+                        <m:r>
+                          <a:rPr lang="en-US" i="1">
+                            <a:solidFill>
+                              <a:schemeClr val="tx1"/>
+                            </a:solidFill>
+                            <a:latin typeface="Cambria Math" panose="02040503050406030204" pitchFamily="18" charset="0"/>
+                          </a:rPr>
+                          <m:t>𝑛</m:t>
+                        </m:r>
+                      </m:e>
+                      <m:sup>
+                        <m:r>
+                          <a:rPr lang="en-US" i="1">
+                            <a:solidFill>
+                              <a:schemeClr val="tx1"/>
+                            </a:solidFill>
+                            <a:latin typeface="Cambria Math" panose="02040503050406030204" pitchFamily="18" charset="0"/>
+                          </a:rPr>
+                          <m:t>2</m:t>
+                        </m:r>
+                      </m:sup>
+                    </m:sSup>
+                    <m:r>
+                      <a:rPr lang="en-US" b="0" i="1" smtClean="0">
+                        <a:solidFill>
+                          <a:schemeClr val="tx1"/>
+                        </a:solidFill>
+                        <a:latin typeface="Cambria Math" panose="02040503050406030204" pitchFamily="18" charset="0"/>
+                      </a:rPr>
+                      <m:t>−1000</m:t>
+                    </m:r>
+                    <m:r>
+                      <a:rPr lang="en-US" b="0" i="1" smtClean="0">
+                        <a:solidFill>
+                          <a:schemeClr val="tx1"/>
+                        </a:solidFill>
+                        <a:latin typeface="Cambria Math" panose="02040503050406030204" pitchFamily="18" charset="0"/>
+                      </a:rPr>
+                      <m:t>𝑛</m:t>
+                    </m:r>
+                    <m:r>
+                      <a:rPr lang="en-US">
+                        <a:solidFill>
+                          <a:schemeClr val="tx1"/>
+                        </a:solidFill>
+                        <a:latin typeface="Cambria Math" panose="02040503050406030204" pitchFamily="18" charset="0"/>
+                      </a:rPr>
+                      <m:t>=</m:t>
+                    </m:r>
+                    <m:r>
+                      <m:rPr>
+                        <m:sty m:val="p"/>
+                      </m:rPr>
+                      <a:rPr lang="en-US">
+                        <a:solidFill>
+                          <a:schemeClr val="tx1"/>
+                        </a:solidFill>
+                        <a:latin typeface="Cambria Math" panose="02040503050406030204" pitchFamily="18" charset="0"/>
+                      </a:rPr>
+                      <m:t>O</m:t>
+                    </m:r>
+                    <m:r>
+                      <a:rPr lang="en-US">
+                        <a:solidFill>
+                          <a:schemeClr val="tx1"/>
+                        </a:solidFill>
+                        <a:latin typeface="Cambria Math" panose="02040503050406030204" pitchFamily="18" charset="0"/>
+                      </a:rPr>
+                      <m:t>(</m:t>
+                    </m:r>
+                    <m:sSup>
+                      <m:sSupPr>
+                        <m:ctrlPr>
+                          <a:rPr lang="en-US" i="1">
+                            <a:solidFill>
+                              <a:schemeClr val="tx1"/>
+                            </a:solidFill>
+                            <a:latin typeface="Cambria Math" panose="02040503050406030204" pitchFamily="18" charset="0"/>
+                          </a:rPr>
+                        </m:ctrlPr>
+                      </m:sSupPr>
+                      <m:e>
+                        <m:r>
+                          <a:rPr lang="en-US" i="1">
+                            <a:solidFill>
+                              <a:schemeClr val="tx1"/>
+                            </a:solidFill>
+                            <a:latin typeface="Cambria Math" panose="02040503050406030204" pitchFamily="18" charset="0"/>
+                          </a:rPr>
+                          <m:t>𝑛</m:t>
+                        </m:r>
+                      </m:e>
+                      <m:sup>
+                        <m:r>
+                          <a:rPr lang="en-US" i="1">
+                            <a:solidFill>
+                              <a:schemeClr val="tx1"/>
+                            </a:solidFill>
+                            <a:latin typeface="Cambria Math" panose="02040503050406030204" pitchFamily="18" charset="0"/>
+                          </a:rPr>
+                          <m:t>2</m:t>
+                        </m:r>
+                      </m:sup>
+                    </m:sSup>
+                    <m:r>
+                      <a:rPr lang="en-US">
+                        <a:solidFill>
+                          <a:schemeClr val="tx1"/>
+                        </a:solidFill>
+                        <a:latin typeface="Cambria Math" panose="02040503050406030204" pitchFamily="18" charset="0"/>
+                      </a:rPr>
+                      <m:t>)</m:t>
+                    </m:r>
+                  </m:oMath>
+                </a14:m>
+                <a:r>
+                  <a:rPr lang="en-US" dirty="0">
+                    <a:solidFill>
+                      <a:schemeClr val="tx1"/>
+                    </a:solidFill>
+                  </a:rPr>
+                  <a:t>.</a:t>
+                </a:r>
+                <a:endParaRPr lang="en-US" dirty="0">
+                  <a:solidFill>
+                    <a:schemeClr val="accent1"/>
+                  </a:solidFill>
+                </a:endParaRPr>
+              </a:p>
+              <a:p>
+                <a:pPr marL="0" indent="0">
+                  <a:buNone/>
+                </a:pPr>
+                <a:r>
+                  <a:rPr lang="en-US" dirty="0"/>
+                  <a:t>  			</a:t>
+                </a:r>
+                <a14:m>
+                  <m:oMath xmlns:m="http://schemas.openxmlformats.org/officeDocument/2006/math">
+                    <m:sSup>
+                      <m:sSupPr>
+                        <m:ctrlPr>
+                          <a:rPr lang="en-US" i="1">
+                            <a:latin typeface="Cambria Math" panose="02040503050406030204" pitchFamily="18" charset="0"/>
+                          </a:rPr>
+                        </m:ctrlPr>
+                      </m:sSupPr>
+                      <m:e>
+                        <m:r>
+                          <a:rPr lang="en-US" b="0" i="1" smtClean="0">
+                            <a:latin typeface="Cambria Math" panose="02040503050406030204" pitchFamily="18" charset="0"/>
+                          </a:rPr>
+                          <m:t>7</m:t>
+                        </m:r>
+                        <m:r>
+                          <a:rPr lang="en-US" i="1">
+                            <a:latin typeface="Cambria Math" panose="02040503050406030204" pitchFamily="18" charset="0"/>
+                          </a:rPr>
+                          <m:t>𝑛</m:t>
+                        </m:r>
+                      </m:e>
+                      <m:sup>
+                        <m:r>
+                          <a:rPr lang="en-US" i="1">
+                            <a:latin typeface="Cambria Math" panose="02040503050406030204" pitchFamily="18" charset="0"/>
+                          </a:rPr>
+                          <m:t>2</m:t>
+                        </m:r>
+                      </m:sup>
+                    </m:sSup>
+                    <m:r>
+                      <a:rPr lang="en-US" b="0" i="1" smtClean="0">
+                        <a:latin typeface="Cambria Math" panose="02040503050406030204" pitchFamily="18" charset="0"/>
+                      </a:rPr>
+                      <m:t>−1000</m:t>
+                    </m:r>
+                    <m:r>
+                      <a:rPr lang="en-US" b="0" i="1" smtClean="0">
+                        <a:latin typeface="Cambria Math" panose="02040503050406030204" pitchFamily="18" charset="0"/>
+                      </a:rPr>
+                      <m:t>𝑛</m:t>
+                    </m:r>
+                    <m:r>
+                      <a:rPr lang="en-US">
+                        <a:latin typeface="Cambria Math" panose="02040503050406030204" pitchFamily="18" charset="0"/>
+                      </a:rPr>
+                      <m:t>≤</m:t>
+                    </m:r>
+                    <m:r>
+                      <a:rPr lang="en-US" i="1">
+                        <a:latin typeface="Cambria Math" panose="02040503050406030204" pitchFamily="18" charset="0"/>
+                      </a:rPr>
+                      <m:t>𝑐</m:t>
+                    </m:r>
+                    <m:sSup>
+                      <m:sSupPr>
+                        <m:ctrlPr>
+                          <a:rPr lang="en-US" i="1">
+                            <a:latin typeface="Cambria Math" panose="02040503050406030204" pitchFamily="18" charset="0"/>
+                          </a:rPr>
+                        </m:ctrlPr>
+                      </m:sSupPr>
+                      <m:e>
+                        <m:r>
+                          <a:rPr lang="en-US" i="1">
+                            <a:latin typeface="Cambria Math" panose="02040503050406030204" pitchFamily="18" charset="0"/>
+                          </a:rPr>
+                          <m:t>𝑛</m:t>
+                        </m:r>
+                      </m:e>
+                      <m:sup>
+                        <m:r>
+                          <a:rPr lang="en-US" i="1">
+                            <a:latin typeface="Cambria Math" panose="02040503050406030204" pitchFamily="18" charset="0"/>
+                          </a:rPr>
+                          <m:t>2</m:t>
+                        </m:r>
+                      </m:sup>
+                    </m:sSup>
+                  </m:oMath>
+                </a14:m>
+                <a:r>
+                  <a:rPr lang="en-US" dirty="0"/>
+                  <a:t> for all </a:t>
+                </a:r>
+                <a14:m>
+                  <m:oMath xmlns:m="http://schemas.openxmlformats.org/officeDocument/2006/math">
+                    <m:r>
+                      <a:rPr lang="en-US" i="1">
+                        <a:latin typeface="Cambria Math" panose="02040503050406030204" pitchFamily="18" charset="0"/>
+                        <a:ea typeface="Cambria Math" panose="02040503050406030204" pitchFamily="18" charset="0"/>
+                      </a:rPr>
+                      <m:t>𝑛</m:t>
+                    </m:r>
+                    <m:r>
+                      <a:rPr lang="en-US" i="1">
+                        <a:latin typeface="Cambria Math" panose="02040503050406030204" pitchFamily="18" charset="0"/>
+                        <a:ea typeface="Cambria Math" panose="02040503050406030204" pitchFamily="18" charset="0"/>
+                      </a:rPr>
+                      <m:t>≥</m:t>
+                    </m:r>
+                    <m:sSub>
+                      <m:sSubPr>
+                        <m:ctrlPr>
+                          <a:rPr lang="en-US" i="1">
+                            <a:latin typeface="Cambria Math" panose="02040503050406030204" pitchFamily="18" charset="0"/>
+                            <a:ea typeface="Cambria Math" panose="02040503050406030204" pitchFamily="18" charset="0"/>
+                          </a:rPr>
+                        </m:ctrlPr>
+                      </m:sSubPr>
+                      <m:e>
+                        <m:r>
+                          <a:rPr lang="en-US" i="1">
+                            <a:latin typeface="Cambria Math" panose="02040503050406030204" pitchFamily="18" charset="0"/>
+                            <a:ea typeface="Cambria Math" panose="02040503050406030204" pitchFamily="18" charset="0"/>
+                          </a:rPr>
+                          <m:t>𝑛</m:t>
+                        </m:r>
+                      </m:e>
+                      <m:sub>
+                        <m:r>
+                          <a:rPr lang="en-US" i="1">
+                            <a:latin typeface="Cambria Math" panose="02040503050406030204" pitchFamily="18" charset="0"/>
+                            <a:ea typeface="Cambria Math" panose="02040503050406030204" pitchFamily="18" charset="0"/>
+                          </a:rPr>
+                          <m:t>0</m:t>
+                        </m:r>
+                      </m:sub>
+                    </m:sSub>
+                  </m:oMath>
+                </a14:m>
+                <a:endParaRPr lang="en-US" dirty="0"/>
+              </a:p>
+              <a:p>
+                <a:pPr marL="0" indent="0">
+                  <a:buNone/>
+                </a:pPr>
+                <a:r>
+                  <a:rPr lang="en-US" dirty="0"/>
+                  <a:t>			 </a:t>
+                </a:r>
+                <a14:m>
+                  <m:oMath xmlns:m="http://schemas.openxmlformats.org/officeDocument/2006/math">
+                    <m:r>
+                      <a:rPr lang="en-US" b="0" i="0" dirty="0" smtClean="0">
+                        <a:latin typeface="Cambria Math" panose="02040503050406030204" pitchFamily="18" charset="0"/>
+                      </a:rPr>
+                      <m:t>−</m:t>
+                    </m:r>
+                    <m:r>
+                      <a:rPr lang="en-US" i="1" dirty="0">
+                        <a:latin typeface="Cambria Math" panose="02040503050406030204" pitchFamily="18" charset="0"/>
+                      </a:rPr>
+                      <m:t>1</m:t>
+                    </m:r>
+                    <m:r>
+                      <a:rPr lang="en-US" b="0" i="1" dirty="0" smtClean="0">
+                        <a:latin typeface="Cambria Math" panose="02040503050406030204" pitchFamily="18" charset="0"/>
+                      </a:rPr>
+                      <m:t>000</m:t>
+                    </m:r>
+                    <m:r>
+                      <a:rPr lang="en-US" i="1">
+                        <a:latin typeface="Cambria Math" panose="02040503050406030204" pitchFamily="18" charset="0"/>
+                      </a:rPr>
+                      <m:t>𝑛</m:t>
+                    </m:r>
+                    <m:r>
+                      <a:rPr lang="en-US">
+                        <a:latin typeface="Cambria Math" panose="02040503050406030204" pitchFamily="18" charset="0"/>
+                      </a:rPr>
+                      <m:t>≤</m:t>
+                    </m:r>
+                    <m:r>
+                      <a:rPr lang="en-US" b="0" i="1" smtClean="0">
+                        <a:latin typeface="Cambria Math" panose="02040503050406030204" pitchFamily="18" charset="0"/>
+                      </a:rPr>
+                      <m:t>(</m:t>
+                    </m:r>
+                    <m:r>
+                      <a:rPr lang="en-US" i="1">
+                        <a:latin typeface="Cambria Math" panose="02040503050406030204" pitchFamily="18" charset="0"/>
+                      </a:rPr>
+                      <m:t>𝑐</m:t>
+                    </m:r>
+                    <m:sSup>
+                      <m:sSupPr>
+                        <m:ctrlPr>
+                          <a:rPr lang="en-US" i="1">
+                            <a:latin typeface="Cambria Math" panose="02040503050406030204" pitchFamily="18" charset="0"/>
+                          </a:rPr>
+                        </m:ctrlPr>
+                      </m:sSupPr>
+                      <m:e>
+                        <m:r>
+                          <a:rPr lang="en-US" b="0" i="1" smtClean="0">
+                            <a:latin typeface="Cambria Math" panose="02040503050406030204" pitchFamily="18" charset="0"/>
+                          </a:rPr>
+                          <m:t>−7)</m:t>
+                        </m:r>
+                        <m:r>
+                          <a:rPr lang="en-US" i="1">
+                            <a:latin typeface="Cambria Math" panose="02040503050406030204" pitchFamily="18" charset="0"/>
+                          </a:rPr>
+                          <m:t>𝑛</m:t>
+                        </m:r>
+                      </m:e>
+                      <m:sup>
+                        <m:r>
+                          <a:rPr lang="en-US" i="1">
+                            <a:latin typeface="Cambria Math" panose="02040503050406030204" pitchFamily="18" charset="0"/>
+                          </a:rPr>
+                          <m:t>2</m:t>
+                        </m:r>
+                      </m:sup>
+                    </m:sSup>
+                  </m:oMath>
+                </a14:m>
+                <a:r>
+                  <a:rPr lang="en-US" dirty="0"/>
+                  <a:t> </a:t>
+                </a:r>
+              </a:p>
+              <a:p>
+                <a:pPr marL="0" indent="0">
+                  <a:buNone/>
+                </a:pPr>
+                <a:r>
+                  <a:rPr lang="en-US" dirty="0">
+                    <a:solidFill>
+                      <a:schemeClr val="accent1"/>
+                    </a:solidFill>
+                  </a:rPr>
+                  <a:t>Assume </a:t>
+                </a:r>
+                <a14:m>
+                  <m:oMath xmlns:m="http://schemas.openxmlformats.org/officeDocument/2006/math">
+                    <m:r>
+                      <a:rPr lang="en-US" i="1">
+                        <a:latin typeface="Cambria Math" panose="02040503050406030204" pitchFamily="18" charset="0"/>
+                      </a:rPr>
+                      <m:t>𝑐</m:t>
+                    </m:r>
+                    <m:r>
+                      <a:rPr lang="en-US" i="1">
+                        <a:latin typeface="Cambria Math" panose="02040503050406030204" pitchFamily="18" charset="0"/>
+                      </a:rPr>
+                      <m:t>−7&gt;0 →</m:t>
+                    </m:r>
+                    <m:r>
+                      <a:rPr lang="en-US" i="1">
+                        <a:latin typeface="Cambria Math" panose="02040503050406030204" pitchFamily="18" charset="0"/>
+                      </a:rPr>
+                      <m:t>𝑐</m:t>
+                    </m:r>
+                    <m:r>
+                      <a:rPr lang="en-US" b="0" i="0" smtClean="0">
+                        <a:latin typeface="Cambria Math" panose="02040503050406030204" pitchFamily="18" charset="0"/>
+                      </a:rPr>
+                      <m:t>&gt;7</m:t>
+                    </m:r>
+                    <m:r>
+                      <a:rPr lang="en-US">
+                        <a:latin typeface="Cambria Math" panose="02040503050406030204" pitchFamily="18" charset="0"/>
+                      </a:rPr>
+                      <m:t>.</m:t>
+                    </m:r>
+                  </m:oMath>
+                </a14:m>
+                <a:endParaRPr lang="en-US" dirty="0">
+                  <a:solidFill>
+                    <a:schemeClr val="accent1"/>
+                  </a:solidFill>
+                </a:endParaRPr>
+              </a:p>
+              <a:p>
+                <a:pPr marL="0" indent="0">
+                  <a:buNone/>
+                </a:pPr>
+                <a:r>
+                  <a:rPr lang="en-US" dirty="0">
+                    <a:solidFill>
+                      <a:schemeClr val="accent1"/>
+                    </a:solidFill>
+                  </a:rPr>
+                  <a:t>Consider only </a:t>
+                </a:r>
+                <a14:m>
+                  <m:oMath xmlns:m="http://schemas.openxmlformats.org/officeDocument/2006/math">
+                    <m:r>
+                      <a:rPr lang="en-US" i="1">
+                        <a:latin typeface="Cambria Math" panose="02040503050406030204" pitchFamily="18" charset="0"/>
+                        <a:ea typeface="Cambria Math" panose="02040503050406030204" pitchFamily="18" charset="0"/>
+                      </a:rPr>
+                      <m:t>𝑛</m:t>
+                    </m:r>
+                    <m:r>
+                      <a:rPr lang="en-US" b="0" i="1" smtClean="0">
+                        <a:latin typeface="Cambria Math" panose="02040503050406030204" pitchFamily="18" charset="0"/>
+                        <a:ea typeface="Cambria Math" panose="02040503050406030204" pitchFamily="18" charset="0"/>
+                      </a:rPr>
+                      <m:t>&gt;0</m:t>
+                    </m:r>
+                  </m:oMath>
+                </a14:m>
+                <a:r>
+                  <a:rPr lang="en-US" dirty="0">
+                    <a:solidFill>
+                      <a:schemeClr val="accent1"/>
+                    </a:solidFill>
+                  </a:rPr>
+                  <a:t> and divide both sides by </a:t>
+                </a:r>
+                <a14:m>
+                  <m:oMath xmlns:m="http://schemas.openxmlformats.org/officeDocument/2006/math">
+                    <m:r>
+                      <a:rPr lang="en-US" i="1">
+                        <a:latin typeface="Cambria Math" panose="02040503050406030204" pitchFamily="18" charset="0"/>
+                        <a:ea typeface="Cambria Math" panose="02040503050406030204" pitchFamily="18" charset="0"/>
+                      </a:rPr>
+                      <m:t>𝑛</m:t>
+                    </m:r>
+                  </m:oMath>
+                </a14:m>
+                <a:r>
+                  <a:rPr lang="en-US" dirty="0">
+                    <a:solidFill>
+                      <a:schemeClr val="accent1"/>
+                    </a:solidFill>
+                  </a:rPr>
+                  <a:t>.</a:t>
+                </a:r>
+              </a:p>
+              <a:p>
+                <a:pPr marL="0" indent="0">
+                  <a:buNone/>
+                </a:pPr>
+                <a:r>
+                  <a:rPr lang="en-US" dirty="0">
+                    <a:solidFill>
+                      <a:schemeClr val="accent1"/>
+                    </a:solidFill>
+                  </a:rPr>
+                  <a:t>			</a:t>
+                </a:r>
+                <a:r>
+                  <a:rPr lang="en-US" dirty="0"/>
+                  <a:t> -</a:t>
+                </a:r>
+                <a14:m>
+                  <m:oMath xmlns:m="http://schemas.openxmlformats.org/officeDocument/2006/math">
+                    <m:r>
+                      <a:rPr lang="en-US" i="1" dirty="0" smtClean="0">
+                        <a:latin typeface="Cambria Math" panose="02040503050406030204" pitchFamily="18" charset="0"/>
+                      </a:rPr>
+                      <m:t>1</m:t>
+                    </m:r>
+                    <m:r>
+                      <a:rPr lang="en-US" b="0" i="1" dirty="0" smtClean="0">
+                        <a:latin typeface="Cambria Math" panose="02040503050406030204" pitchFamily="18" charset="0"/>
+                      </a:rPr>
+                      <m:t>000</m:t>
+                    </m:r>
+                    <m:r>
+                      <a:rPr lang="en-US" b="0" i="0" dirty="0" smtClean="0">
+                        <a:latin typeface="Cambria Math" panose="02040503050406030204" pitchFamily="18" charset="0"/>
+                      </a:rPr>
+                      <m:t>≤</m:t>
+                    </m:r>
+                    <m:d>
+                      <m:dPr>
+                        <m:ctrlPr>
+                          <a:rPr lang="en-US" i="1">
+                            <a:latin typeface="Cambria Math" panose="02040503050406030204" pitchFamily="18" charset="0"/>
+                          </a:rPr>
+                        </m:ctrlPr>
+                      </m:dPr>
+                      <m:e>
+                        <m:r>
+                          <a:rPr lang="en-US" i="1">
+                            <a:latin typeface="Cambria Math" panose="02040503050406030204" pitchFamily="18" charset="0"/>
+                          </a:rPr>
+                          <m:t>𝑐</m:t>
+                        </m:r>
+                        <m:r>
+                          <a:rPr lang="en-US" b="0" i="1" smtClean="0">
+                            <a:latin typeface="Cambria Math" panose="02040503050406030204" pitchFamily="18" charset="0"/>
+                          </a:rPr>
+                          <m:t>−7</m:t>
+                        </m:r>
+                      </m:e>
+                    </m:d>
+                    <m:r>
+                      <a:rPr lang="en-US" b="0" i="1" smtClean="0">
+                        <a:latin typeface="Cambria Math" panose="02040503050406030204" pitchFamily="18" charset="0"/>
+                      </a:rPr>
+                      <m:t>𝑛</m:t>
+                    </m:r>
+                  </m:oMath>
+                </a14:m>
+                <a:endParaRPr lang="en-US" b="0" i="1" dirty="0">
+                  <a:latin typeface="Cambria Math" panose="02040503050406030204" pitchFamily="18" charset="0"/>
+                </a:endParaRPr>
+              </a:p>
+              <a:p>
+                <a:pPr marL="0" indent="0">
+                  <a:buNone/>
+                </a:pPr>
+                <a:r>
+                  <a:rPr lang="en-US" dirty="0"/>
+                  <a:t>			</a:t>
+                </a:r>
+                <a14:m>
+                  <m:oMath xmlns:m="http://schemas.openxmlformats.org/officeDocument/2006/math">
+                    <m:r>
+                      <a:rPr lang="en-US" sz="4000" i="1" smtClean="0">
+                        <a:latin typeface="Cambria Math" panose="02040503050406030204" pitchFamily="18" charset="0"/>
+                      </a:rPr>
+                      <m:t> </m:t>
+                    </m:r>
+                    <m:r>
+                      <a:rPr lang="en-US" sz="4000" b="0" i="1" smtClean="0">
+                        <a:latin typeface="Cambria Math" panose="02040503050406030204" pitchFamily="18" charset="0"/>
+                      </a:rPr>
+                      <m:t>𝑛</m:t>
+                    </m:r>
+                    <m:r>
+                      <a:rPr lang="en-US" sz="4000" b="0" i="1" smtClean="0">
+                        <a:latin typeface="Cambria Math" panose="02040503050406030204" pitchFamily="18" charset="0"/>
+                      </a:rPr>
+                      <m:t>≥</m:t>
+                    </m:r>
+                    <m:box>
+                      <m:boxPr>
+                        <m:ctrlPr>
+                          <a:rPr lang="en-US" i="1">
+                            <a:latin typeface="Cambria Math" panose="02040503050406030204" pitchFamily="18" charset="0"/>
+                          </a:rPr>
+                        </m:ctrlPr>
+                      </m:boxPr>
+                      <m:e>
+                        <m:argPr>
+                          <m:argSz m:val="-1"/>
+                        </m:argPr>
+                        <m:f>
+                          <m:fPr>
+                            <m:ctrlPr>
+                              <a:rPr lang="en-US" i="1">
+                                <a:latin typeface="Cambria Math" panose="02040503050406030204" pitchFamily="18" charset="0"/>
+                              </a:rPr>
+                            </m:ctrlPr>
+                          </m:fPr>
+                          <m:num>
+                            <m:r>
+                              <a:rPr lang="en-US" b="0" i="1" smtClean="0">
+                                <a:latin typeface="Cambria Math" panose="02040503050406030204" pitchFamily="18" charset="0"/>
+                              </a:rPr>
+                              <m:t> </m:t>
+                            </m:r>
+                            <m:r>
+                              <a:rPr lang="en-US" i="1">
+                                <a:latin typeface="Cambria Math" panose="02040503050406030204" pitchFamily="18" charset="0"/>
+                              </a:rPr>
+                              <m:t>−1000 </m:t>
+                            </m:r>
+                          </m:num>
+                          <m:den>
+                            <m:r>
+                              <a:rPr lang="en-US" i="1">
+                                <a:latin typeface="Cambria Math" panose="02040503050406030204" pitchFamily="18" charset="0"/>
+                              </a:rPr>
+                              <m:t>𝑐</m:t>
+                            </m:r>
+                            <m:r>
+                              <a:rPr lang="en-US" i="1">
+                                <a:latin typeface="Cambria Math" panose="02040503050406030204" pitchFamily="18" charset="0"/>
+                              </a:rPr>
+                              <m:t>−7</m:t>
+                            </m:r>
+                          </m:den>
+                        </m:f>
+                      </m:e>
+                    </m:box>
+                  </m:oMath>
+                </a14:m>
+                <a:r>
+                  <a:rPr lang="en-US" dirty="0"/>
+                  <a:t>     </a:t>
+                </a:r>
+                <a:r>
+                  <a:rPr lang="en-US" sz="1900" dirty="0">
+                    <a:solidFill>
+                      <a:schemeClr val="accent1"/>
+                    </a:solidFill>
+                  </a:rPr>
+                  <a:t>(</a:t>
+                </a:r>
+                <a:r>
+                  <a:rPr lang="en-US" sz="1900" u="sng" dirty="0">
+                    <a:solidFill>
+                      <a:srgbClr val="C00000"/>
+                    </a:solidFill>
+                  </a:rPr>
+                  <a:t>NB</a:t>
+                </a:r>
+                <a:r>
+                  <a:rPr lang="en-US" sz="1900" dirty="0">
+                    <a:solidFill>
+                      <a:schemeClr val="accent1"/>
+                    </a:solidFill>
+                  </a:rPr>
+                  <a:t>: the sign does not flip b/c </a:t>
+                </a:r>
+                <a14:m>
+                  <m:oMath xmlns:m="http://schemas.openxmlformats.org/officeDocument/2006/math">
+                    <m:r>
+                      <a:rPr lang="en-US" sz="1900" i="1">
+                        <a:latin typeface="Cambria Math" panose="02040503050406030204" pitchFamily="18" charset="0"/>
+                      </a:rPr>
+                      <m:t>𝑐</m:t>
+                    </m:r>
+                    <m:r>
+                      <a:rPr lang="en-US" sz="1900" i="1">
+                        <a:latin typeface="Cambria Math" panose="02040503050406030204" pitchFamily="18" charset="0"/>
+                      </a:rPr>
+                      <m:t>−7</m:t>
+                    </m:r>
+                    <m:r>
+                      <a:rPr lang="en-US" sz="1900" b="0" i="0" smtClean="0">
+                        <a:latin typeface="Cambria Math" panose="02040503050406030204" pitchFamily="18" charset="0"/>
+                      </a:rPr>
+                      <m:t>&gt;0</m:t>
+                    </m:r>
+                  </m:oMath>
+                </a14:m>
+                <a:r>
+                  <a:rPr lang="en-US" sz="1900" dirty="0">
+                    <a:solidFill>
+                      <a:schemeClr val="accent1"/>
+                    </a:solidFill>
+                  </a:rPr>
+                  <a:t> )</a:t>
+                </a:r>
+              </a:p>
+              <a:p>
+                <a:pPr marL="0" indent="0">
+                  <a:buNone/>
+                </a:pPr>
+                <a:r>
+                  <a:rPr lang="en-US" dirty="0">
+                    <a:solidFill>
+                      <a:schemeClr val="accent1"/>
+                    </a:solidFill>
+                  </a:rPr>
+                  <a:t>			</a:t>
+                </a:r>
+                <a:r>
+                  <a:rPr lang="en-US" sz="4000" dirty="0"/>
+                  <a:t> </a:t>
+                </a:r>
+                <a14:m>
+                  <m:oMath xmlns:m="http://schemas.openxmlformats.org/officeDocument/2006/math">
+                    <m:r>
+                      <a:rPr lang="en-US" sz="4000" i="1">
+                        <a:latin typeface="Cambria Math" panose="02040503050406030204" pitchFamily="18" charset="0"/>
+                      </a:rPr>
+                      <m:t>𝑛</m:t>
+                    </m:r>
+                    <m:r>
+                      <a:rPr lang="en-US" sz="4000" i="1">
+                        <a:latin typeface="Cambria Math" panose="02040503050406030204" pitchFamily="18" charset="0"/>
+                      </a:rPr>
+                      <m:t>≥</m:t>
+                    </m:r>
+                    <m:box>
+                      <m:boxPr>
+                        <m:ctrlPr>
+                          <a:rPr lang="en-US" i="1">
+                            <a:latin typeface="Cambria Math" panose="02040503050406030204" pitchFamily="18" charset="0"/>
+                          </a:rPr>
+                        </m:ctrlPr>
+                      </m:boxPr>
+                      <m:e>
+                        <m:argPr>
+                          <m:argSz m:val="-1"/>
+                        </m:argPr>
+                        <m:f>
+                          <m:fPr>
+                            <m:ctrlPr>
+                              <a:rPr lang="en-US" i="1">
+                                <a:latin typeface="Cambria Math" panose="02040503050406030204" pitchFamily="18" charset="0"/>
+                              </a:rPr>
+                            </m:ctrlPr>
+                          </m:fPr>
+                          <m:num>
+                            <m:r>
+                              <a:rPr lang="en-US" i="1">
+                                <a:latin typeface="Cambria Math" panose="02040503050406030204" pitchFamily="18" charset="0"/>
+                              </a:rPr>
+                              <m:t> 1000 </m:t>
+                            </m:r>
+                          </m:num>
+                          <m:den>
+                            <m:r>
+                              <a:rPr lang="en-US" b="0" i="1" smtClean="0">
+                                <a:latin typeface="Cambria Math" panose="02040503050406030204" pitchFamily="18" charset="0"/>
+                              </a:rPr>
+                              <m:t>7</m:t>
+                            </m:r>
+                            <m:r>
+                              <a:rPr lang="en-US" i="1">
+                                <a:latin typeface="Cambria Math" panose="02040503050406030204" pitchFamily="18" charset="0"/>
+                              </a:rPr>
+                              <m:t>−</m:t>
+                            </m:r>
+                            <m:r>
+                              <a:rPr lang="en-US" b="0" i="1" smtClean="0">
+                                <a:latin typeface="Cambria Math" panose="02040503050406030204" pitchFamily="18" charset="0"/>
+                              </a:rPr>
+                              <m:t>𝑐</m:t>
+                            </m:r>
+                          </m:den>
+                        </m:f>
+                      </m:e>
+                    </m:box>
+                  </m:oMath>
+                </a14:m>
+                <a:endParaRPr lang="en-US" dirty="0"/>
+              </a:p>
+              <a:p>
+                <a:pPr marL="0" indent="0">
+                  <a:buNone/>
+                </a:pPr>
+                <a:endParaRPr lang="en-US" dirty="0">
+                  <a:solidFill>
+                    <a:schemeClr val="accent1"/>
+                  </a:solidFill>
+                </a:endParaRPr>
+              </a:p>
+              <a:p>
+                <a:pPr marL="0" indent="0">
+                  <a:buNone/>
+                </a:pPr>
+                <a:r>
+                  <a:rPr lang="en-US" dirty="0">
+                    <a:solidFill>
+                      <a:schemeClr val="accent1"/>
+                    </a:solidFill>
+                  </a:rPr>
+                  <a:t>Therefore, we choose </a:t>
+                </a:r>
+                <a14:m>
+                  <m:oMath xmlns:m="http://schemas.openxmlformats.org/officeDocument/2006/math">
+                    <m:r>
+                      <a:rPr lang="en-US" i="1">
+                        <a:latin typeface="Cambria Math" panose="02040503050406030204" pitchFamily="18" charset="0"/>
+                      </a:rPr>
+                      <m:t>𝑐</m:t>
+                    </m:r>
+                    <m:r>
+                      <a:rPr lang="en-US" b="0" i="1" smtClean="0">
+                        <a:latin typeface="Cambria Math" panose="02040503050406030204" pitchFamily="18" charset="0"/>
+                      </a:rPr>
+                      <m:t>=8 </m:t>
+                    </m:r>
+                  </m:oMath>
+                </a14:m>
+                <a:r>
+                  <a:rPr lang="en-US" dirty="0">
+                    <a:solidFill>
+                      <a:schemeClr val="accent1"/>
+                    </a:solidFill>
+                  </a:rPr>
+                  <a:t>, leading to </a:t>
+                </a:r>
+                <a14:m>
+                  <m:oMath xmlns:m="http://schemas.openxmlformats.org/officeDocument/2006/math">
+                    <m:r>
+                      <a:rPr lang="en-US" b="0" i="1" smtClean="0">
+                        <a:solidFill>
+                          <a:schemeClr val="tx2"/>
+                        </a:solidFill>
+                        <a:latin typeface="Cambria Math" panose="02040503050406030204" pitchFamily="18" charset="0"/>
+                      </a:rPr>
+                      <m:t>𝑛</m:t>
+                    </m:r>
+                    <m:r>
+                      <a:rPr lang="en-US" b="0" i="1" smtClean="0">
+                        <a:solidFill>
+                          <a:schemeClr val="tx2"/>
+                        </a:solidFill>
+                        <a:latin typeface="Cambria Math" panose="02040503050406030204" pitchFamily="18" charset="0"/>
+                      </a:rPr>
+                      <m:t>≥−1</m:t>
+                    </m:r>
+                  </m:oMath>
+                </a14:m>
+                <a:r>
+                  <a:rPr lang="en-US" dirty="0">
+                    <a:solidFill>
+                      <a:schemeClr val="accent1"/>
+                    </a:solidFill>
+                  </a:rPr>
+                  <a:t>.</a:t>
+                </a:r>
+              </a:p>
+              <a:p>
+                <a:pPr marL="0" indent="0">
+                  <a:buNone/>
+                </a:pPr>
+                <a:r>
+                  <a:rPr lang="en-US" dirty="0">
+                    <a:solidFill>
+                      <a:schemeClr val="accent1"/>
+                    </a:solidFill>
+                  </a:rPr>
+                  <a:t>Since </a:t>
+                </a:r>
+                <a14:m>
+                  <m:oMath xmlns:m="http://schemas.openxmlformats.org/officeDocument/2006/math">
+                    <m:r>
+                      <a:rPr lang="en-US" b="0" i="1" smtClean="0">
+                        <a:latin typeface="Cambria Math" panose="02040503050406030204" pitchFamily="18" charset="0"/>
+                      </a:rPr>
+                      <m:t>𝑛</m:t>
+                    </m:r>
+                    <m:r>
+                      <a:rPr lang="en-US" b="0" i="1" smtClean="0">
+                        <a:latin typeface="Cambria Math" panose="02040503050406030204" pitchFamily="18" charset="0"/>
+                      </a:rPr>
+                      <m:t>&gt;0</m:t>
+                    </m:r>
+                  </m:oMath>
+                </a14:m>
+                <a:r>
+                  <a:rPr lang="en-US" dirty="0">
+                    <a:solidFill>
+                      <a:schemeClr val="accent1"/>
+                    </a:solidFill>
+                  </a:rPr>
+                  <a:t>, we choose </a:t>
+                </a:r>
+                <a14:m>
+                  <m:oMath xmlns:m="http://schemas.openxmlformats.org/officeDocument/2006/math">
+                    <m:r>
+                      <a:rPr lang="en-US" i="1">
+                        <a:latin typeface="Cambria Math" panose="02040503050406030204" pitchFamily="18" charset="0"/>
+                      </a:rPr>
+                      <m:t>𝑐</m:t>
+                    </m:r>
+                    <m:r>
+                      <a:rPr lang="en-US" i="1">
+                        <a:latin typeface="Cambria Math" panose="02040503050406030204" pitchFamily="18" charset="0"/>
+                      </a:rPr>
+                      <m:t>=8</m:t>
+                    </m:r>
+                  </m:oMath>
+                </a14:m>
+                <a:r>
+                  <a:rPr lang="en-US" dirty="0">
+                    <a:solidFill>
+                      <a:schemeClr val="accent1"/>
+                    </a:solidFill>
+                  </a:rPr>
+                  <a:t> and </a:t>
+                </a:r>
+                <a14:m>
+                  <m:oMath xmlns:m="http://schemas.openxmlformats.org/officeDocument/2006/math">
+                    <m:sSub>
+                      <m:sSubPr>
+                        <m:ctrlPr>
+                          <a:rPr lang="en-US" i="1" smtClean="0">
+                            <a:latin typeface="Cambria Math" panose="02040503050406030204" pitchFamily="18" charset="0"/>
+                            <a:ea typeface="Cambria Math" panose="02040503050406030204" pitchFamily="18" charset="0"/>
+                          </a:rPr>
+                        </m:ctrlPr>
+                      </m:sSubPr>
+                      <m:e>
+                        <m:r>
+                          <a:rPr lang="en-US" i="1">
+                            <a:latin typeface="Cambria Math" panose="02040503050406030204" pitchFamily="18" charset="0"/>
+                            <a:ea typeface="Cambria Math" panose="02040503050406030204" pitchFamily="18" charset="0"/>
+                          </a:rPr>
+                          <m:t>𝑛</m:t>
+                        </m:r>
+                      </m:e>
+                      <m:sub>
+                        <m:r>
+                          <a:rPr lang="en-US" i="1">
+                            <a:latin typeface="Cambria Math" panose="02040503050406030204" pitchFamily="18" charset="0"/>
+                            <a:ea typeface="Cambria Math" panose="02040503050406030204" pitchFamily="18" charset="0"/>
+                          </a:rPr>
+                          <m:t>0</m:t>
+                        </m:r>
+                      </m:sub>
+                    </m:sSub>
+                    <m:r>
+                      <a:rPr lang="en-US" b="0" i="1" smtClean="0">
+                        <a:latin typeface="Cambria Math" panose="02040503050406030204" pitchFamily="18" charset="0"/>
+                        <a:ea typeface="Cambria Math" panose="02040503050406030204" pitchFamily="18" charset="0"/>
+                      </a:rPr>
+                      <m:t>=1</m:t>
+                    </m:r>
+                    <m:r>
+                      <a:rPr lang="en-US" i="1" dirty="0">
+                        <a:latin typeface="Cambria Math" panose="02040503050406030204" pitchFamily="18" charset="0"/>
+                        <a:ea typeface="Cambria Math" panose="02040503050406030204" pitchFamily="18" charset="0"/>
+                      </a:rPr>
+                      <m:t>∎</m:t>
+                    </m:r>
+                  </m:oMath>
+                </a14:m>
+                <a:endParaRPr lang="en-US" dirty="0"/>
+              </a:p>
+              <a:p>
+                <a:pPr marL="0" indent="0">
+                  <a:buNone/>
+                </a:pPr>
+                <a:endParaRPr lang="en-US" dirty="0"/>
+              </a:p>
+            </p:txBody>
+          </p:sp>
+        </mc:Choice>
+        <mc:Fallback xmlns="">
+          <p:sp>
+            <p:nvSpPr>
+              <p:cNvPr id="3" name="Content Placeholder 2">
+                <a:extLst>
+                  <a:ext uri="{FF2B5EF4-FFF2-40B4-BE49-F238E27FC236}">
+                    <a16:creationId xmlns:a16="http://schemas.microsoft.com/office/drawing/2014/main" id="{4D2546F1-740D-4C1F-9129-6EAB16BC9F6D}"/>
+                  </a:ext>
+                </a:extLst>
+              </p:cNvPr>
+              <p:cNvSpPr>
+                <a:spLocks noGrp="1" noRot="1" noChangeAspect="1" noMove="1" noResize="1" noEditPoints="1" noAdjustHandles="1" noChangeArrowheads="1" noChangeShapeType="1" noTextEdit="1"/>
+              </p:cNvSpPr>
+              <p:nvPr>
+                <p:ph idx="1"/>
+              </p:nvPr>
+            </p:nvSpPr>
+            <p:spPr>
+              <a:xfrm>
+                <a:off x="838200" y="1766888"/>
+                <a:ext cx="10515600" cy="4351338"/>
+              </a:xfrm>
+              <a:blipFill>
+                <a:blip r:embed="rId2"/>
+                <a:stretch>
+                  <a:fillRect l="-754" t="-2941"/>
+                </a:stretch>
+              </a:blipFill>
+            </p:spPr>
+            <p:txBody>
+              <a:bodyPr/>
+              <a:lstStyle/>
+              <a:p>
+                <a:r>
+                  <a:rPr lang="en-US">
+                    <a:noFill/>
+                  </a:rPr>
+                  <a:t> </a:t>
+                </a:r>
+              </a:p>
+            </p:txBody>
+          </p:sp>
+        </mc:Fallback>
+      </mc:AlternateContent>
+    </p:spTree>
+    <p:extLst>
+      <p:ext uri="{BB962C8B-B14F-4D97-AF65-F5344CB8AC3E}">
+        <p14:creationId xmlns:p14="http://schemas.microsoft.com/office/powerpoint/2010/main" val="4192169551"/>
+      </p:ext>
+    </p:extLst>
+  </p:cSld>
+  <p:clrMapOvr>
+    <a:masterClrMapping/>
+  </p:clrMapOvr>
+</p:sld>
+</file>
+
+<file path=ppt/slides/slide31.xml><?xml version="1.0" encoding="utf-8"?>
 <p:sld xmlns:a="http://schemas.openxmlformats.org/drawingml/2006/main" xmlns:r="http://schemas.openxmlformats.org/officeDocument/2006/relationships" xmlns:p="http://schemas.openxmlformats.org/presentationml/2006/main">
   <p:cSld>
     <p:spTree>
@@ -25356,7 +25582,7 @@
 </p:sld>
 </file>
 
-<file path=ppt/slides/slide31.xml><?xml version="1.0" encoding="utf-8"?>
+<file path=ppt/slides/slide32.xml><?xml version="1.0" encoding="utf-8"?>
 <p:sld xmlns:a="http://schemas.openxmlformats.org/drawingml/2006/main" xmlns:r="http://schemas.openxmlformats.org/officeDocument/2006/relationships" xmlns:p="http://schemas.openxmlformats.org/presentationml/2006/main">
   <p:cSld>
     <p:spTree>
@@ -26602,7 +26828,7 @@
 </p:sld>
 </file>
 
-<file path=ppt/slides/slide32.xml><?xml version="1.0" encoding="utf-8"?>
+<file path=ppt/slides/slide33.xml><?xml version="1.0" encoding="utf-8"?>
 <p:sld xmlns:a="http://schemas.openxmlformats.org/drawingml/2006/main" xmlns:r="http://schemas.openxmlformats.org/officeDocument/2006/relationships" xmlns:p="http://schemas.openxmlformats.org/presentationml/2006/main">
   <p:cSld>
     <p:spTree>
@@ -27937,7 +28163,7 @@
 </p:sld>
 </file>
 
-<file path=ppt/slides/slide33.xml><?xml version="1.0" encoding="utf-8"?>
+<file path=ppt/slides/slide34.xml><?xml version="1.0" encoding="utf-8"?>
 <p:sld xmlns:a="http://schemas.openxmlformats.org/drawingml/2006/main" xmlns:r="http://schemas.openxmlformats.org/officeDocument/2006/relationships" xmlns:p="http://schemas.openxmlformats.org/presentationml/2006/main">
   <p:cSld>
     <p:spTree>
@@ -29259,7 +29485,7 @@
 </p:sld>
 </file>
 
-<file path=ppt/slides/slide34.xml><?xml version="1.0" encoding="utf-8"?>
+<file path=ppt/slides/slide35.xml><?xml version="1.0" encoding="utf-8"?>
 <p:sld xmlns:a="http://schemas.openxmlformats.org/drawingml/2006/main" xmlns:r="http://schemas.openxmlformats.org/officeDocument/2006/relationships" xmlns:p="http://schemas.openxmlformats.org/presentationml/2006/main">
   <p:cSld>
     <p:spTree>
@@ -29908,7 +30134,7 @@
 </p:sld>
 </file>
 
-<file path=ppt/slides/slide35.xml><?xml version="1.0" encoding="utf-8"?>
+<file path=ppt/slides/slide36.xml><?xml version="1.0" encoding="utf-8"?>
 <p:sld xmlns:a="http://schemas.openxmlformats.org/drawingml/2006/main" xmlns:r="http://schemas.openxmlformats.org/officeDocument/2006/relationships" xmlns:p="http://schemas.openxmlformats.org/presentationml/2006/main">
   <p:cSld>
     <p:spTree>
@@ -30896,7 +31122,7 @@
 </p:sld>
 </file>
 
-<file path=ppt/slides/slide36.xml><?xml version="1.0" encoding="utf-8"?>
+<file path=ppt/slides/slide37.xml><?xml version="1.0" encoding="utf-8"?>
 <p:sld xmlns:a="http://schemas.openxmlformats.org/drawingml/2006/main" xmlns:r="http://schemas.openxmlformats.org/officeDocument/2006/relationships" xmlns:p="http://schemas.openxmlformats.org/presentationml/2006/main">
   <p:cSld>
     <p:spTree>
@@ -31988,7 +32214,7 @@
 </p:sld>
 </file>
 
-<file path=ppt/slides/slide37.xml><?xml version="1.0" encoding="utf-8"?>
+<file path=ppt/slides/slide38.xml><?xml version="1.0" encoding="utf-8"?>
 <p:sld xmlns:a="http://schemas.openxmlformats.org/drawingml/2006/main" xmlns:r="http://schemas.openxmlformats.org/officeDocument/2006/relationships" xmlns:p="http://schemas.openxmlformats.org/presentationml/2006/main">
   <p:cSld>
     <p:spTree>
@@ -32844,7 +33070,7 @@
 </p:sld>
 </file>
 
-<file path=ppt/slides/slide38.xml><?xml version="1.0" encoding="utf-8"?>
+<file path=ppt/slides/slide39.xml><?xml version="1.0" encoding="utf-8"?>
 <p:sld xmlns:a="http://schemas.openxmlformats.org/drawingml/2006/main" xmlns:r="http://schemas.openxmlformats.org/officeDocument/2006/relationships" xmlns:p="http://schemas.openxmlformats.org/presentationml/2006/main">
   <p:cSld>
     <p:spTree>
@@ -33879,548 +34105,6 @@
     <p:extLst>
       <p:ext uri="{BB962C8B-B14F-4D97-AF65-F5344CB8AC3E}">
         <p14:creationId xmlns:p14="http://schemas.microsoft.com/office/powerpoint/2010/main" val="2853591278"/>
-      </p:ext>
-    </p:extLst>
-  </p:cSld>
-  <p:clrMapOvr>
-    <a:masterClrMapping/>
-  </p:clrMapOvr>
-</p:sld>
-</file>
-
-<file path=ppt/slides/slide39.xml><?xml version="1.0" encoding="utf-8"?>
-<p:sld xmlns:a="http://schemas.openxmlformats.org/drawingml/2006/main" xmlns:r="http://schemas.openxmlformats.org/officeDocument/2006/relationships" xmlns:p="http://schemas.openxmlformats.org/presentationml/2006/main">
-  <p:cSld>
-    <p:spTree>
-      <p:nvGrpSpPr>
-        <p:cNvPr id="1" name=""/>
-        <p:cNvGrpSpPr/>
-        <p:nvPr/>
-      </p:nvGrpSpPr>
-      <p:grpSpPr>
-        <a:xfrm>
-          <a:off x="0" y="0"/>
-          <a:ext cx="0" cy="0"/>
-          <a:chOff x="0" y="0"/>
-          <a:chExt cx="0" cy="0"/>
-        </a:xfrm>
-      </p:grpSpPr>
-      <p:sp>
-        <p:nvSpPr>
-          <p:cNvPr id="2" name="Title 1">
-            <a:extLst>
-              <a:ext uri="{FF2B5EF4-FFF2-40B4-BE49-F238E27FC236}">
-                <a16:creationId xmlns:a16="http://schemas.microsoft.com/office/drawing/2014/main" id="{828A0664-12F9-4CBB-AA79-33734624CC82}"/>
-              </a:ext>
-            </a:extLst>
-          </p:cNvPr>
-          <p:cNvSpPr>
-            <a:spLocks noGrp="1"/>
-          </p:cNvSpPr>
-          <p:nvPr>
-            <p:ph type="title"/>
-          </p:nvPr>
-        </p:nvSpPr>
-        <p:spPr/>
-        <p:txBody>
-          <a:bodyPr/>
-          <a:lstStyle/>
-          <a:p>
-            <a:r>
-              <a:rPr lang="en-US" dirty="0">
-                <a:solidFill>
-                  <a:schemeClr val="accent1"/>
-                </a:solidFill>
-              </a:rPr>
-              <a:t>Big-Omega of Polynomials</a:t>
-            </a:r>
-          </a:p>
-        </p:txBody>
-      </p:sp>
-      <mc:AlternateContent xmlns:mc="http://schemas.openxmlformats.org/markup-compatibility/2006" xmlns:a14="http://schemas.microsoft.com/office/drawing/2010/main">
-        <mc:Choice Requires="a14">
-          <p:sp>
-            <p:nvSpPr>
-              <p:cNvPr id="3" name="Content Placeholder 2">
-                <a:extLst>
-                  <a:ext uri="{FF2B5EF4-FFF2-40B4-BE49-F238E27FC236}">
-                    <a16:creationId xmlns:a16="http://schemas.microsoft.com/office/drawing/2014/main" id="{6C254650-D4A8-4E42-845F-8189318455BD}"/>
-                  </a:ext>
-                </a:extLst>
-              </p:cNvPr>
-              <p:cNvSpPr>
-                <a:spLocks noGrp="1"/>
-              </p:cNvSpPr>
-              <p:nvPr>
-                <p:ph idx="1"/>
-              </p:nvPr>
-            </p:nvSpPr>
-            <p:spPr/>
-            <p:txBody>
-              <a:bodyPr/>
-              <a:lstStyle/>
-              <a:p>
-                <a:pPr marL="0" indent="0">
-                  <a:buNone/>
-                </a:pPr>
-                <a:r>
-                  <a:rPr lang="en-US" dirty="0">
-                    <a:solidFill>
-                      <a:srgbClr val="C00000"/>
-                    </a:solidFill>
-                  </a:rPr>
-                  <a:t>***Exercise:</a:t>
-                </a:r>
-                <a:r>
-                  <a:rPr lang="en-US" dirty="0"/>
-                  <a:t> </a:t>
-                </a:r>
-                <a:endParaRPr lang="en-US" i="1" dirty="0">
-                  <a:latin typeface="Cambria Math" panose="02040503050406030204" pitchFamily="18" charset="0"/>
-                </a:endParaRPr>
-              </a:p>
-              <a:p>
-                <a:pPr marL="0" indent="0">
-                  <a:buNone/>
-                </a:pPr>
-                <a:r>
-                  <a:rPr lang="en-US" b="0" dirty="0"/>
-                  <a:t>            </a:t>
-                </a:r>
-                <a14:m>
-                  <m:oMath xmlns:m="http://schemas.openxmlformats.org/officeDocument/2006/math">
-                    <m:r>
-                      <a:rPr lang="en-US" b="0" i="1" smtClean="0">
-                        <a:latin typeface="Cambria Math" panose="02040503050406030204" pitchFamily="18" charset="0"/>
-                      </a:rPr>
-                      <m:t>  </m:t>
-                    </m:r>
-                    <m:r>
-                      <a:rPr lang="en-US" i="1">
-                        <a:latin typeface="Cambria Math" panose="02040503050406030204" pitchFamily="18" charset="0"/>
-                      </a:rPr>
-                      <m:t>𝑓</m:t>
-                    </m:r>
-                    <m:d>
-                      <m:dPr>
-                        <m:ctrlPr>
-                          <a:rPr lang="en-US" i="1">
-                            <a:latin typeface="Cambria Math" panose="02040503050406030204" pitchFamily="18" charset="0"/>
-                          </a:rPr>
-                        </m:ctrlPr>
-                      </m:dPr>
-                      <m:e>
-                        <m:r>
-                          <a:rPr lang="en-US" i="1">
-                            <a:latin typeface="Cambria Math" panose="02040503050406030204" pitchFamily="18" charset="0"/>
-                          </a:rPr>
-                          <m:t>𝑛</m:t>
-                        </m:r>
-                      </m:e>
-                    </m:d>
-                    <m:r>
-                      <a:rPr lang="en-US">
-                        <a:latin typeface="Cambria Math" panose="02040503050406030204" pitchFamily="18" charset="0"/>
-                      </a:rPr>
-                      <m:t>= </m:t>
-                    </m:r>
-                    <m:sSub>
-                      <m:sSubPr>
-                        <m:ctrlPr>
-                          <a:rPr lang="en-US" i="1">
-                            <a:latin typeface="Cambria Math" panose="02040503050406030204" pitchFamily="18" charset="0"/>
-                          </a:rPr>
-                        </m:ctrlPr>
-                      </m:sSubPr>
-                      <m:e>
-                        <m:r>
-                          <a:rPr lang="en-US" i="1">
-                            <a:latin typeface="Cambria Math" panose="02040503050406030204" pitchFamily="18" charset="0"/>
-                          </a:rPr>
-                          <m:t>𝑎</m:t>
-                        </m:r>
-                      </m:e>
-                      <m:sub>
-                        <m:r>
-                          <a:rPr lang="en-US" i="1">
-                            <a:latin typeface="Cambria Math" panose="02040503050406030204" pitchFamily="18" charset="0"/>
-                          </a:rPr>
-                          <m:t>𝑘</m:t>
-                        </m:r>
-                      </m:sub>
-                    </m:sSub>
-                    <m:sSup>
-                      <m:sSupPr>
-                        <m:ctrlPr>
-                          <a:rPr lang="en-US" i="1">
-                            <a:latin typeface="Cambria Math" panose="02040503050406030204" pitchFamily="18" charset="0"/>
-                          </a:rPr>
-                        </m:ctrlPr>
-                      </m:sSupPr>
-                      <m:e>
-                        <m:r>
-                          <a:rPr lang="en-US" i="1">
-                            <a:latin typeface="Cambria Math" panose="02040503050406030204" pitchFamily="18" charset="0"/>
-                          </a:rPr>
-                          <m:t>𝑛</m:t>
-                        </m:r>
-                      </m:e>
-                      <m:sup>
-                        <m:r>
-                          <a:rPr lang="en-US" i="1">
-                            <a:latin typeface="Cambria Math" panose="02040503050406030204" pitchFamily="18" charset="0"/>
-                          </a:rPr>
-                          <m:t>𝑘</m:t>
-                        </m:r>
-                      </m:sup>
-                    </m:sSup>
-                    <m:r>
-                      <a:rPr lang="en-US" i="1">
-                        <a:latin typeface="Cambria Math" panose="02040503050406030204" pitchFamily="18" charset="0"/>
-                      </a:rPr>
-                      <m:t>+</m:t>
-                    </m:r>
-                    <m:sSub>
-                      <m:sSubPr>
-                        <m:ctrlPr>
-                          <a:rPr lang="en-US" i="1">
-                            <a:latin typeface="Cambria Math" panose="02040503050406030204" pitchFamily="18" charset="0"/>
-                          </a:rPr>
-                        </m:ctrlPr>
-                      </m:sSubPr>
-                      <m:e>
-                        <m:r>
-                          <a:rPr lang="en-US" i="1">
-                            <a:latin typeface="Cambria Math" panose="02040503050406030204" pitchFamily="18" charset="0"/>
-                          </a:rPr>
-                          <m:t>𝑎</m:t>
-                        </m:r>
-                      </m:e>
-                      <m:sub>
-                        <m:r>
-                          <a:rPr lang="en-US" i="1">
-                            <a:latin typeface="Cambria Math" panose="02040503050406030204" pitchFamily="18" charset="0"/>
-                          </a:rPr>
-                          <m:t>𝑘</m:t>
-                        </m:r>
-                        <m:r>
-                          <a:rPr lang="en-US" i="1">
-                            <a:latin typeface="Cambria Math" panose="02040503050406030204" pitchFamily="18" charset="0"/>
-                          </a:rPr>
-                          <m:t>−1</m:t>
-                        </m:r>
-                      </m:sub>
-                    </m:sSub>
-                    <m:sSup>
-                      <m:sSupPr>
-                        <m:ctrlPr>
-                          <a:rPr lang="en-US" i="1">
-                            <a:latin typeface="Cambria Math" panose="02040503050406030204" pitchFamily="18" charset="0"/>
-                          </a:rPr>
-                        </m:ctrlPr>
-                      </m:sSupPr>
-                      <m:e>
-                        <m:r>
-                          <a:rPr lang="en-US" i="1">
-                            <a:latin typeface="Cambria Math" panose="02040503050406030204" pitchFamily="18" charset="0"/>
-                          </a:rPr>
-                          <m:t>𝑛</m:t>
-                        </m:r>
-                      </m:e>
-                      <m:sup>
-                        <m:r>
-                          <a:rPr lang="en-US" i="1">
-                            <a:latin typeface="Cambria Math" panose="02040503050406030204" pitchFamily="18" charset="0"/>
-                          </a:rPr>
-                          <m:t>𝑘</m:t>
-                        </m:r>
-                        <m:r>
-                          <a:rPr lang="en-US" i="1">
-                            <a:latin typeface="Cambria Math" panose="02040503050406030204" pitchFamily="18" charset="0"/>
-                          </a:rPr>
-                          <m:t>−1</m:t>
-                        </m:r>
-                      </m:sup>
-                    </m:sSup>
-                    <m:r>
-                      <a:rPr lang="en-US" i="1">
-                        <a:latin typeface="Cambria Math" panose="02040503050406030204" pitchFamily="18" charset="0"/>
-                      </a:rPr>
-                      <m:t>+…+</m:t>
-                    </m:r>
-                    <m:sSub>
-                      <m:sSubPr>
-                        <m:ctrlPr>
-                          <a:rPr lang="en-US" i="1">
-                            <a:latin typeface="Cambria Math" panose="02040503050406030204" pitchFamily="18" charset="0"/>
-                          </a:rPr>
-                        </m:ctrlPr>
-                      </m:sSubPr>
-                      <m:e>
-                        <m:r>
-                          <a:rPr lang="en-US" i="1">
-                            <a:latin typeface="Cambria Math" panose="02040503050406030204" pitchFamily="18" charset="0"/>
-                          </a:rPr>
-                          <m:t>𝑎</m:t>
-                        </m:r>
-                      </m:e>
-                      <m:sub>
-                        <m:r>
-                          <a:rPr lang="en-US" i="1">
-                            <a:latin typeface="Cambria Math" panose="02040503050406030204" pitchFamily="18" charset="0"/>
-                          </a:rPr>
-                          <m:t>1</m:t>
-                        </m:r>
-                      </m:sub>
-                    </m:sSub>
-                    <m:r>
-                      <a:rPr lang="en-US" i="1">
-                        <a:latin typeface="Cambria Math" panose="02040503050406030204" pitchFamily="18" charset="0"/>
-                      </a:rPr>
-                      <m:t>𝑛</m:t>
-                    </m:r>
-                    <m:r>
-                      <a:rPr lang="en-US" i="1">
-                        <a:latin typeface="Cambria Math" panose="02040503050406030204" pitchFamily="18" charset="0"/>
-                      </a:rPr>
-                      <m:t>+</m:t>
-                    </m:r>
-                    <m:sSub>
-                      <m:sSubPr>
-                        <m:ctrlPr>
-                          <a:rPr lang="en-US" i="1">
-                            <a:latin typeface="Cambria Math" panose="02040503050406030204" pitchFamily="18" charset="0"/>
-                          </a:rPr>
-                        </m:ctrlPr>
-                      </m:sSubPr>
-                      <m:e>
-                        <m:r>
-                          <a:rPr lang="en-US" i="1">
-                            <a:latin typeface="Cambria Math" panose="02040503050406030204" pitchFamily="18" charset="0"/>
-                          </a:rPr>
-                          <m:t>𝑎</m:t>
-                        </m:r>
-                      </m:e>
-                      <m:sub>
-                        <m:r>
-                          <a:rPr lang="en-US" i="1">
-                            <a:latin typeface="Cambria Math" panose="02040503050406030204" pitchFamily="18" charset="0"/>
-                          </a:rPr>
-                          <m:t>0</m:t>
-                        </m:r>
-                      </m:sub>
-                    </m:sSub>
-                    <m:r>
-                      <a:rPr lang="en-US" i="1">
-                        <a:latin typeface="Cambria Math" panose="02040503050406030204" pitchFamily="18" charset="0"/>
-                      </a:rPr>
-                      <m:t>∈</m:t>
-                    </m:r>
-                    <m:r>
-                      <m:rPr>
-                        <m:sty m:val="p"/>
-                      </m:rPr>
-                      <a:rPr lang="el-GR" i="1" smtClean="0">
-                        <a:latin typeface="Cambria Math" panose="02040503050406030204" pitchFamily="18" charset="0"/>
-                        <a:ea typeface="Cambria Math" panose="02040503050406030204" pitchFamily="18" charset="0"/>
-                      </a:rPr>
-                      <m:t>Ω</m:t>
-                    </m:r>
-                    <m:r>
-                      <a:rPr lang="en-US" i="1">
-                        <a:latin typeface="Cambria Math" panose="02040503050406030204" pitchFamily="18" charset="0"/>
-                        <a:ea typeface="Cambria Math" panose="02040503050406030204" pitchFamily="18" charset="0"/>
-                      </a:rPr>
-                      <m:t>(</m:t>
-                    </m:r>
-                    <m:sSup>
-                      <m:sSupPr>
-                        <m:ctrlPr>
-                          <a:rPr lang="en-US" i="1">
-                            <a:latin typeface="Cambria Math" panose="02040503050406030204" pitchFamily="18" charset="0"/>
-                            <a:ea typeface="Cambria Math" panose="02040503050406030204" pitchFamily="18" charset="0"/>
-                          </a:rPr>
-                        </m:ctrlPr>
-                      </m:sSupPr>
-                      <m:e>
-                        <m:r>
-                          <a:rPr lang="en-US" i="1">
-                            <a:latin typeface="Cambria Math" panose="02040503050406030204" pitchFamily="18" charset="0"/>
-                            <a:ea typeface="Cambria Math" panose="02040503050406030204" pitchFamily="18" charset="0"/>
-                          </a:rPr>
-                          <m:t>𝑛</m:t>
-                        </m:r>
-                      </m:e>
-                      <m:sup>
-                        <m:r>
-                          <a:rPr lang="en-US" i="1">
-                            <a:latin typeface="Cambria Math" panose="02040503050406030204" pitchFamily="18" charset="0"/>
-                            <a:ea typeface="Cambria Math" panose="02040503050406030204" pitchFamily="18" charset="0"/>
-                          </a:rPr>
-                          <m:t>𝑘</m:t>
-                        </m:r>
-                      </m:sup>
-                    </m:sSup>
-                    <m:r>
-                      <a:rPr lang="en-US" i="1">
-                        <a:latin typeface="Cambria Math" panose="02040503050406030204" pitchFamily="18" charset="0"/>
-                        <a:ea typeface="Cambria Math" panose="02040503050406030204" pitchFamily="18" charset="0"/>
-                      </a:rPr>
-                      <m:t>)</m:t>
-                    </m:r>
-                  </m:oMath>
-                </a14:m>
-                <a:r>
-                  <a:rPr lang="en-US" dirty="0"/>
-                  <a:t> </a:t>
-                </a:r>
-                <a:r>
-                  <a:rPr lang="en-US" dirty="0">
-                    <a:solidFill>
-                      <a:schemeClr val="accent1"/>
-                    </a:solidFill>
-                  </a:rPr>
-                  <a:t>if</a:t>
-                </a:r>
-                <a:r>
-                  <a:rPr lang="en-US" dirty="0"/>
-                  <a:t> </a:t>
-                </a:r>
-                <a14:m>
-                  <m:oMath xmlns:m="http://schemas.openxmlformats.org/officeDocument/2006/math">
-                    <m:sSub>
-                      <m:sSubPr>
-                        <m:ctrlPr>
-                          <a:rPr lang="en-US" i="1">
-                            <a:latin typeface="Cambria Math" panose="02040503050406030204" pitchFamily="18" charset="0"/>
-                          </a:rPr>
-                        </m:ctrlPr>
-                      </m:sSubPr>
-                      <m:e>
-                        <m:r>
-                          <a:rPr lang="en-US" i="1">
-                            <a:latin typeface="Cambria Math" panose="02040503050406030204" pitchFamily="18" charset="0"/>
-                          </a:rPr>
-                          <m:t>𝑎</m:t>
-                        </m:r>
-                      </m:e>
-                      <m:sub>
-                        <m:r>
-                          <a:rPr lang="en-US" i="1">
-                            <a:latin typeface="Cambria Math" panose="02040503050406030204" pitchFamily="18" charset="0"/>
-                          </a:rPr>
-                          <m:t>𝑘</m:t>
-                        </m:r>
-                      </m:sub>
-                    </m:sSub>
-                  </m:oMath>
-                </a14:m>
-                <a:r>
-                  <a:rPr lang="en-US" dirty="0"/>
-                  <a:t>&gt;0 </a:t>
-                </a:r>
-                <a:r>
-                  <a:rPr lang="en-US" dirty="0">
-                    <a:solidFill>
-                      <a:schemeClr val="accent1"/>
-                    </a:solidFill>
-                  </a:rPr>
-                  <a:t>and</a:t>
-                </a:r>
-                <a14:m>
-                  <m:oMath xmlns:m="http://schemas.openxmlformats.org/officeDocument/2006/math">
-                    <m:r>
-                      <a:rPr lang="en-US">
-                        <a:latin typeface="Cambria Math" panose="02040503050406030204" pitchFamily="18" charset="0"/>
-                      </a:rPr>
-                      <m:t> </m:t>
-                    </m:r>
-                    <m:r>
-                      <a:rPr lang="en-US" i="1">
-                        <a:latin typeface="Cambria Math" panose="02040503050406030204" pitchFamily="18" charset="0"/>
-                      </a:rPr>
-                      <m:t>𝑘</m:t>
-                    </m:r>
-                    <m:r>
-                      <a:rPr lang="en-US" i="1">
-                        <a:latin typeface="Cambria Math" panose="02040503050406030204" pitchFamily="18" charset="0"/>
-                      </a:rPr>
-                      <m:t>&gt;0</m:t>
-                    </m:r>
-                  </m:oMath>
-                </a14:m>
-                <a:r>
-                  <a:rPr lang="en-US" dirty="0">
-                    <a:solidFill>
-                      <a:schemeClr val="accent1"/>
-                    </a:solidFill>
-                  </a:rPr>
-                  <a:t>.</a:t>
-                </a:r>
-              </a:p>
-              <a:p>
-                <a:pPr marL="0" indent="0">
-                  <a:buNone/>
-                </a:pPr>
-                <a:endParaRPr lang="en-US" dirty="0">
-                  <a:solidFill>
-                    <a:schemeClr val="accent1"/>
-                  </a:solidFill>
-                </a:endParaRPr>
-              </a:p>
-              <a:p>
-                <a:pPr marL="0" indent="0">
-                  <a:buNone/>
-                </a:pPr>
-                <a:endParaRPr lang="en-US" dirty="0"/>
-              </a:p>
-            </p:txBody>
-          </p:sp>
-        </mc:Choice>
-        <mc:Fallback xmlns="">
-          <p:sp>
-            <p:nvSpPr>
-              <p:cNvPr id="3" name="Content Placeholder 2">
-                <a:extLst>
-                  <a:ext uri="{FF2B5EF4-FFF2-40B4-BE49-F238E27FC236}">
-                    <a16:creationId xmlns:a16="http://schemas.microsoft.com/office/drawing/2014/main" id="{6C254650-D4A8-4E42-845F-8189318455BD}"/>
-                  </a:ext>
-                </a:extLst>
-              </p:cNvPr>
-              <p:cNvSpPr>
-                <a:spLocks noGrp="1" noRot="1" noChangeAspect="1" noMove="1" noResize="1" noEditPoints="1" noAdjustHandles="1" noChangeArrowheads="1" noChangeShapeType="1" noTextEdit="1"/>
-              </p:cNvSpPr>
-              <p:nvPr>
-                <p:ph idx="1"/>
-              </p:nvPr>
-            </p:nvSpPr>
-            <p:spPr>
-              <a:blipFill>
-                <a:blip r:embed="rId2"/>
-                <a:stretch>
-                  <a:fillRect l="-1217" t="-2241"/>
-                </a:stretch>
-              </a:blipFill>
-            </p:spPr>
-            <p:txBody>
-              <a:bodyPr/>
-              <a:lstStyle/>
-              <a:p>
-                <a:r>
-                  <a:rPr lang="en-US">
-                    <a:noFill/>
-                  </a:rPr>
-                  <a:t> </a:t>
-                </a:r>
-              </a:p>
-            </p:txBody>
-          </p:sp>
-        </mc:Fallback>
-      </mc:AlternateContent>
-    </p:spTree>
-    <p:extLst>
-      <p:ext uri="{BB962C8B-B14F-4D97-AF65-F5344CB8AC3E}">
-        <p14:creationId xmlns:p14="http://schemas.microsoft.com/office/powerpoint/2010/main" val="862208946"/>
       </p:ext>
     </p:extLst>
   </p:cSld>
@@ -34870,6 +34554,548 @@
       </p:grpSpPr>
       <p:sp>
         <p:nvSpPr>
+          <p:cNvPr id="2" name="Title 1">
+            <a:extLst>
+              <a:ext uri="{FF2B5EF4-FFF2-40B4-BE49-F238E27FC236}">
+                <a16:creationId xmlns:a16="http://schemas.microsoft.com/office/drawing/2014/main" id="{828A0664-12F9-4CBB-AA79-33734624CC82}"/>
+              </a:ext>
+            </a:extLst>
+          </p:cNvPr>
+          <p:cNvSpPr>
+            <a:spLocks noGrp="1"/>
+          </p:cNvSpPr>
+          <p:nvPr>
+            <p:ph type="title"/>
+          </p:nvPr>
+        </p:nvSpPr>
+        <p:spPr/>
+        <p:txBody>
+          <a:bodyPr/>
+          <a:lstStyle/>
+          <a:p>
+            <a:r>
+              <a:rPr lang="en-US" dirty="0">
+                <a:solidFill>
+                  <a:schemeClr val="accent1"/>
+                </a:solidFill>
+              </a:rPr>
+              <a:t>Big-Omega of Polynomials</a:t>
+            </a:r>
+          </a:p>
+        </p:txBody>
+      </p:sp>
+      <mc:AlternateContent xmlns:mc="http://schemas.openxmlformats.org/markup-compatibility/2006" xmlns:a14="http://schemas.microsoft.com/office/drawing/2010/main">
+        <mc:Choice Requires="a14">
+          <p:sp>
+            <p:nvSpPr>
+              <p:cNvPr id="3" name="Content Placeholder 2">
+                <a:extLst>
+                  <a:ext uri="{FF2B5EF4-FFF2-40B4-BE49-F238E27FC236}">
+                    <a16:creationId xmlns:a16="http://schemas.microsoft.com/office/drawing/2014/main" id="{6C254650-D4A8-4E42-845F-8189318455BD}"/>
+                  </a:ext>
+                </a:extLst>
+              </p:cNvPr>
+              <p:cNvSpPr>
+                <a:spLocks noGrp="1"/>
+              </p:cNvSpPr>
+              <p:nvPr>
+                <p:ph idx="1"/>
+              </p:nvPr>
+            </p:nvSpPr>
+            <p:spPr/>
+            <p:txBody>
+              <a:bodyPr/>
+              <a:lstStyle/>
+              <a:p>
+                <a:pPr marL="0" indent="0">
+                  <a:buNone/>
+                </a:pPr>
+                <a:r>
+                  <a:rPr lang="en-US" dirty="0">
+                    <a:solidFill>
+                      <a:srgbClr val="C00000"/>
+                    </a:solidFill>
+                  </a:rPr>
+                  <a:t>***Exercise:</a:t>
+                </a:r>
+                <a:r>
+                  <a:rPr lang="en-US" dirty="0"/>
+                  <a:t> </a:t>
+                </a:r>
+                <a:endParaRPr lang="en-US" i="1" dirty="0">
+                  <a:latin typeface="Cambria Math" panose="02040503050406030204" pitchFamily="18" charset="0"/>
+                </a:endParaRPr>
+              </a:p>
+              <a:p>
+                <a:pPr marL="0" indent="0">
+                  <a:buNone/>
+                </a:pPr>
+                <a:r>
+                  <a:rPr lang="en-US" b="0" dirty="0"/>
+                  <a:t>            </a:t>
+                </a:r>
+                <a14:m>
+                  <m:oMath xmlns:m="http://schemas.openxmlformats.org/officeDocument/2006/math">
+                    <m:r>
+                      <a:rPr lang="en-US" b="0" i="1" smtClean="0">
+                        <a:latin typeface="Cambria Math" panose="02040503050406030204" pitchFamily="18" charset="0"/>
+                      </a:rPr>
+                      <m:t>  </m:t>
+                    </m:r>
+                    <m:r>
+                      <a:rPr lang="en-US" i="1">
+                        <a:latin typeface="Cambria Math" panose="02040503050406030204" pitchFamily="18" charset="0"/>
+                      </a:rPr>
+                      <m:t>𝑓</m:t>
+                    </m:r>
+                    <m:d>
+                      <m:dPr>
+                        <m:ctrlPr>
+                          <a:rPr lang="en-US" i="1">
+                            <a:latin typeface="Cambria Math" panose="02040503050406030204" pitchFamily="18" charset="0"/>
+                          </a:rPr>
+                        </m:ctrlPr>
+                      </m:dPr>
+                      <m:e>
+                        <m:r>
+                          <a:rPr lang="en-US" i="1">
+                            <a:latin typeface="Cambria Math" panose="02040503050406030204" pitchFamily="18" charset="0"/>
+                          </a:rPr>
+                          <m:t>𝑛</m:t>
+                        </m:r>
+                      </m:e>
+                    </m:d>
+                    <m:r>
+                      <a:rPr lang="en-US">
+                        <a:latin typeface="Cambria Math" panose="02040503050406030204" pitchFamily="18" charset="0"/>
+                      </a:rPr>
+                      <m:t>= </m:t>
+                    </m:r>
+                    <m:sSub>
+                      <m:sSubPr>
+                        <m:ctrlPr>
+                          <a:rPr lang="en-US" i="1">
+                            <a:latin typeface="Cambria Math" panose="02040503050406030204" pitchFamily="18" charset="0"/>
+                          </a:rPr>
+                        </m:ctrlPr>
+                      </m:sSubPr>
+                      <m:e>
+                        <m:r>
+                          <a:rPr lang="en-US" i="1">
+                            <a:latin typeface="Cambria Math" panose="02040503050406030204" pitchFamily="18" charset="0"/>
+                          </a:rPr>
+                          <m:t>𝑎</m:t>
+                        </m:r>
+                      </m:e>
+                      <m:sub>
+                        <m:r>
+                          <a:rPr lang="en-US" i="1">
+                            <a:latin typeface="Cambria Math" panose="02040503050406030204" pitchFamily="18" charset="0"/>
+                          </a:rPr>
+                          <m:t>𝑘</m:t>
+                        </m:r>
+                      </m:sub>
+                    </m:sSub>
+                    <m:sSup>
+                      <m:sSupPr>
+                        <m:ctrlPr>
+                          <a:rPr lang="en-US" i="1">
+                            <a:latin typeface="Cambria Math" panose="02040503050406030204" pitchFamily="18" charset="0"/>
+                          </a:rPr>
+                        </m:ctrlPr>
+                      </m:sSupPr>
+                      <m:e>
+                        <m:r>
+                          <a:rPr lang="en-US" i="1">
+                            <a:latin typeface="Cambria Math" panose="02040503050406030204" pitchFamily="18" charset="0"/>
+                          </a:rPr>
+                          <m:t>𝑛</m:t>
+                        </m:r>
+                      </m:e>
+                      <m:sup>
+                        <m:r>
+                          <a:rPr lang="en-US" i="1">
+                            <a:latin typeface="Cambria Math" panose="02040503050406030204" pitchFamily="18" charset="0"/>
+                          </a:rPr>
+                          <m:t>𝑘</m:t>
+                        </m:r>
+                      </m:sup>
+                    </m:sSup>
+                    <m:r>
+                      <a:rPr lang="en-US" i="1">
+                        <a:latin typeface="Cambria Math" panose="02040503050406030204" pitchFamily="18" charset="0"/>
+                      </a:rPr>
+                      <m:t>+</m:t>
+                    </m:r>
+                    <m:sSub>
+                      <m:sSubPr>
+                        <m:ctrlPr>
+                          <a:rPr lang="en-US" i="1">
+                            <a:latin typeface="Cambria Math" panose="02040503050406030204" pitchFamily="18" charset="0"/>
+                          </a:rPr>
+                        </m:ctrlPr>
+                      </m:sSubPr>
+                      <m:e>
+                        <m:r>
+                          <a:rPr lang="en-US" i="1">
+                            <a:latin typeface="Cambria Math" panose="02040503050406030204" pitchFamily="18" charset="0"/>
+                          </a:rPr>
+                          <m:t>𝑎</m:t>
+                        </m:r>
+                      </m:e>
+                      <m:sub>
+                        <m:r>
+                          <a:rPr lang="en-US" i="1">
+                            <a:latin typeface="Cambria Math" panose="02040503050406030204" pitchFamily="18" charset="0"/>
+                          </a:rPr>
+                          <m:t>𝑘</m:t>
+                        </m:r>
+                        <m:r>
+                          <a:rPr lang="en-US" i="1">
+                            <a:latin typeface="Cambria Math" panose="02040503050406030204" pitchFamily="18" charset="0"/>
+                          </a:rPr>
+                          <m:t>−1</m:t>
+                        </m:r>
+                      </m:sub>
+                    </m:sSub>
+                    <m:sSup>
+                      <m:sSupPr>
+                        <m:ctrlPr>
+                          <a:rPr lang="en-US" i="1">
+                            <a:latin typeface="Cambria Math" panose="02040503050406030204" pitchFamily="18" charset="0"/>
+                          </a:rPr>
+                        </m:ctrlPr>
+                      </m:sSupPr>
+                      <m:e>
+                        <m:r>
+                          <a:rPr lang="en-US" i="1">
+                            <a:latin typeface="Cambria Math" panose="02040503050406030204" pitchFamily="18" charset="0"/>
+                          </a:rPr>
+                          <m:t>𝑛</m:t>
+                        </m:r>
+                      </m:e>
+                      <m:sup>
+                        <m:r>
+                          <a:rPr lang="en-US" i="1">
+                            <a:latin typeface="Cambria Math" panose="02040503050406030204" pitchFamily="18" charset="0"/>
+                          </a:rPr>
+                          <m:t>𝑘</m:t>
+                        </m:r>
+                        <m:r>
+                          <a:rPr lang="en-US" i="1">
+                            <a:latin typeface="Cambria Math" panose="02040503050406030204" pitchFamily="18" charset="0"/>
+                          </a:rPr>
+                          <m:t>−1</m:t>
+                        </m:r>
+                      </m:sup>
+                    </m:sSup>
+                    <m:r>
+                      <a:rPr lang="en-US" i="1">
+                        <a:latin typeface="Cambria Math" panose="02040503050406030204" pitchFamily="18" charset="0"/>
+                      </a:rPr>
+                      <m:t>+…+</m:t>
+                    </m:r>
+                    <m:sSub>
+                      <m:sSubPr>
+                        <m:ctrlPr>
+                          <a:rPr lang="en-US" i="1">
+                            <a:latin typeface="Cambria Math" panose="02040503050406030204" pitchFamily="18" charset="0"/>
+                          </a:rPr>
+                        </m:ctrlPr>
+                      </m:sSubPr>
+                      <m:e>
+                        <m:r>
+                          <a:rPr lang="en-US" i="1">
+                            <a:latin typeface="Cambria Math" panose="02040503050406030204" pitchFamily="18" charset="0"/>
+                          </a:rPr>
+                          <m:t>𝑎</m:t>
+                        </m:r>
+                      </m:e>
+                      <m:sub>
+                        <m:r>
+                          <a:rPr lang="en-US" i="1">
+                            <a:latin typeface="Cambria Math" panose="02040503050406030204" pitchFamily="18" charset="0"/>
+                          </a:rPr>
+                          <m:t>1</m:t>
+                        </m:r>
+                      </m:sub>
+                    </m:sSub>
+                    <m:r>
+                      <a:rPr lang="en-US" i="1">
+                        <a:latin typeface="Cambria Math" panose="02040503050406030204" pitchFamily="18" charset="0"/>
+                      </a:rPr>
+                      <m:t>𝑛</m:t>
+                    </m:r>
+                    <m:r>
+                      <a:rPr lang="en-US" i="1">
+                        <a:latin typeface="Cambria Math" panose="02040503050406030204" pitchFamily="18" charset="0"/>
+                      </a:rPr>
+                      <m:t>+</m:t>
+                    </m:r>
+                    <m:sSub>
+                      <m:sSubPr>
+                        <m:ctrlPr>
+                          <a:rPr lang="en-US" i="1">
+                            <a:latin typeface="Cambria Math" panose="02040503050406030204" pitchFamily="18" charset="0"/>
+                          </a:rPr>
+                        </m:ctrlPr>
+                      </m:sSubPr>
+                      <m:e>
+                        <m:r>
+                          <a:rPr lang="en-US" i="1">
+                            <a:latin typeface="Cambria Math" panose="02040503050406030204" pitchFamily="18" charset="0"/>
+                          </a:rPr>
+                          <m:t>𝑎</m:t>
+                        </m:r>
+                      </m:e>
+                      <m:sub>
+                        <m:r>
+                          <a:rPr lang="en-US" i="1">
+                            <a:latin typeface="Cambria Math" panose="02040503050406030204" pitchFamily="18" charset="0"/>
+                          </a:rPr>
+                          <m:t>0</m:t>
+                        </m:r>
+                      </m:sub>
+                    </m:sSub>
+                    <m:r>
+                      <a:rPr lang="en-US" i="1">
+                        <a:latin typeface="Cambria Math" panose="02040503050406030204" pitchFamily="18" charset="0"/>
+                      </a:rPr>
+                      <m:t>∈</m:t>
+                    </m:r>
+                    <m:r>
+                      <m:rPr>
+                        <m:sty m:val="p"/>
+                      </m:rPr>
+                      <a:rPr lang="el-GR" i="1" smtClean="0">
+                        <a:latin typeface="Cambria Math" panose="02040503050406030204" pitchFamily="18" charset="0"/>
+                        <a:ea typeface="Cambria Math" panose="02040503050406030204" pitchFamily="18" charset="0"/>
+                      </a:rPr>
+                      <m:t>Ω</m:t>
+                    </m:r>
+                    <m:r>
+                      <a:rPr lang="en-US" i="1">
+                        <a:latin typeface="Cambria Math" panose="02040503050406030204" pitchFamily="18" charset="0"/>
+                        <a:ea typeface="Cambria Math" panose="02040503050406030204" pitchFamily="18" charset="0"/>
+                      </a:rPr>
+                      <m:t>(</m:t>
+                    </m:r>
+                    <m:sSup>
+                      <m:sSupPr>
+                        <m:ctrlPr>
+                          <a:rPr lang="en-US" i="1">
+                            <a:latin typeface="Cambria Math" panose="02040503050406030204" pitchFamily="18" charset="0"/>
+                            <a:ea typeface="Cambria Math" panose="02040503050406030204" pitchFamily="18" charset="0"/>
+                          </a:rPr>
+                        </m:ctrlPr>
+                      </m:sSupPr>
+                      <m:e>
+                        <m:r>
+                          <a:rPr lang="en-US" i="1">
+                            <a:latin typeface="Cambria Math" panose="02040503050406030204" pitchFamily="18" charset="0"/>
+                            <a:ea typeface="Cambria Math" panose="02040503050406030204" pitchFamily="18" charset="0"/>
+                          </a:rPr>
+                          <m:t>𝑛</m:t>
+                        </m:r>
+                      </m:e>
+                      <m:sup>
+                        <m:r>
+                          <a:rPr lang="en-US" i="1">
+                            <a:latin typeface="Cambria Math" panose="02040503050406030204" pitchFamily="18" charset="0"/>
+                            <a:ea typeface="Cambria Math" panose="02040503050406030204" pitchFamily="18" charset="0"/>
+                          </a:rPr>
+                          <m:t>𝑘</m:t>
+                        </m:r>
+                      </m:sup>
+                    </m:sSup>
+                    <m:r>
+                      <a:rPr lang="en-US" i="1">
+                        <a:latin typeface="Cambria Math" panose="02040503050406030204" pitchFamily="18" charset="0"/>
+                        <a:ea typeface="Cambria Math" panose="02040503050406030204" pitchFamily="18" charset="0"/>
+                      </a:rPr>
+                      <m:t>)</m:t>
+                    </m:r>
+                  </m:oMath>
+                </a14:m>
+                <a:r>
+                  <a:rPr lang="en-US" dirty="0"/>
+                  <a:t> </a:t>
+                </a:r>
+                <a:r>
+                  <a:rPr lang="en-US" dirty="0">
+                    <a:solidFill>
+                      <a:schemeClr val="accent1"/>
+                    </a:solidFill>
+                  </a:rPr>
+                  <a:t>if</a:t>
+                </a:r>
+                <a:r>
+                  <a:rPr lang="en-US" dirty="0"/>
+                  <a:t> </a:t>
+                </a:r>
+                <a14:m>
+                  <m:oMath xmlns:m="http://schemas.openxmlformats.org/officeDocument/2006/math">
+                    <m:sSub>
+                      <m:sSubPr>
+                        <m:ctrlPr>
+                          <a:rPr lang="en-US" i="1">
+                            <a:latin typeface="Cambria Math" panose="02040503050406030204" pitchFamily="18" charset="0"/>
+                          </a:rPr>
+                        </m:ctrlPr>
+                      </m:sSubPr>
+                      <m:e>
+                        <m:r>
+                          <a:rPr lang="en-US" i="1">
+                            <a:latin typeface="Cambria Math" panose="02040503050406030204" pitchFamily="18" charset="0"/>
+                          </a:rPr>
+                          <m:t>𝑎</m:t>
+                        </m:r>
+                      </m:e>
+                      <m:sub>
+                        <m:r>
+                          <a:rPr lang="en-US" i="1">
+                            <a:latin typeface="Cambria Math" panose="02040503050406030204" pitchFamily="18" charset="0"/>
+                          </a:rPr>
+                          <m:t>𝑘</m:t>
+                        </m:r>
+                      </m:sub>
+                    </m:sSub>
+                  </m:oMath>
+                </a14:m>
+                <a:r>
+                  <a:rPr lang="en-US" dirty="0"/>
+                  <a:t>&gt;0 </a:t>
+                </a:r>
+                <a:r>
+                  <a:rPr lang="en-US" dirty="0">
+                    <a:solidFill>
+                      <a:schemeClr val="accent1"/>
+                    </a:solidFill>
+                  </a:rPr>
+                  <a:t>and</a:t>
+                </a:r>
+                <a14:m>
+                  <m:oMath xmlns:m="http://schemas.openxmlformats.org/officeDocument/2006/math">
+                    <m:r>
+                      <a:rPr lang="en-US">
+                        <a:latin typeface="Cambria Math" panose="02040503050406030204" pitchFamily="18" charset="0"/>
+                      </a:rPr>
+                      <m:t> </m:t>
+                    </m:r>
+                    <m:r>
+                      <a:rPr lang="en-US" i="1">
+                        <a:latin typeface="Cambria Math" panose="02040503050406030204" pitchFamily="18" charset="0"/>
+                      </a:rPr>
+                      <m:t>𝑘</m:t>
+                    </m:r>
+                    <m:r>
+                      <a:rPr lang="en-US" i="1">
+                        <a:latin typeface="Cambria Math" panose="02040503050406030204" pitchFamily="18" charset="0"/>
+                      </a:rPr>
+                      <m:t>&gt;0</m:t>
+                    </m:r>
+                  </m:oMath>
+                </a14:m>
+                <a:r>
+                  <a:rPr lang="en-US" dirty="0">
+                    <a:solidFill>
+                      <a:schemeClr val="accent1"/>
+                    </a:solidFill>
+                  </a:rPr>
+                  <a:t>.</a:t>
+                </a:r>
+              </a:p>
+              <a:p>
+                <a:pPr marL="0" indent="0">
+                  <a:buNone/>
+                </a:pPr>
+                <a:endParaRPr lang="en-US" dirty="0">
+                  <a:solidFill>
+                    <a:schemeClr val="accent1"/>
+                  </a:solidFill>
+                </a:endParaRPr>
+              </a:p>
+              <a:p>
+                <a:pPr marL="0" indent="0">
+                  <a:buNone/>
+                </a:pPr>
+                <a:endParaRPr lang="en-US" dirty="0"/>
+              </a:p>
+            </p:txBody>
+          </p:sp>
+        </mc:Choice>
+        <mc:Fallback xmlns="">
+          <p:sp>
+            <p:nvSpPr>
+              <p:cNvPr id="3" name="Content Placeholder 2">
+                <a:extLst>
+                  <a:ext uri="{FF2B5EF4-FFF2-40B4-BE49-F238E27FC236}">
+                    <a16:creationId xmlns:a16="http://schemas.microsoft.com/office/drawing/2014/main" id="{6C254650-D4A8-4E42-845F-8189318455BD}"/>
+                  </a:ext>
+                </a:extLst>
+              </p:cNvPr>
+              <p:cNvSpPr>
+                <a:spLocks noGrp="1" noRot="1" noChangeAspect="1" noMove="1" noResize="1" noEditPoints="1" noAdjustHandles="1" noChangeArrowheads="1" noChangeShapeType="1" noTextEdit="1"/>
+              </p:cNvSpPr>
+              <p:nvPr>
+                <p:ph idx="1"/>
+              </p:nvPr>
+            </p:nvSpPr>
+            <p:spPr>
+              <a:blipFill>
+                <a:blip r:embed="rId2"/>
+                <a:stretch>
+                  <a:fillRect l="-1217" t="-2241"/>
+                </a:stretch>
+              </a:blipFill>
+            </p:spPr>
+            <p:txBody>
+              <a:bodyPr/>
+              <a:lstStyle/>
+              <a:p>
+                <a:r>
+                  <a:rPr lang="en-US">
+                    <a:noFill/>
+                  </a:rPr>
+                  <a:t> </a:t>
+                </a:r>
+              </a:p>
+            </p:txBody>
+          </p:sp>
+        </mc:Fallback>
+      </mc:AlternateContent>
+    </p:spTree>
+    <p:extLst>
+      <p:ext uri="{BB962C8B-B14F-4D97-AF65-F5344CB8AC3E}">
+        <p14:creationId xmlns:p14="http://schemas.microsoft.com/office/powerpoint/2010/main" val="862208946"/>
+      </p:ext>
+    </p:extLst>
+  </p:cSld>
+  <p:clrMapOvr>
+    <a:masterClrMapping/>
+  </p:clrMapOvr>
+</p:sld>
+</file>
+
+<file path=ppt/slides/slide41.xml><?xml version="1.0" encoding="utf-8"?>
+<p:sld xmlns:a="http://schemas.openxmlformats.org/drawingml/2006/main" xmlns:r="http://schemas.openxmlformats.org/officeDocument/2006/relationships" xmlns:p="http://schemas.openxmlformats.org/presentationml/2006/main">
+  <p:cSld>
+    <p:spTree>
+      <p:nvGrpSpPr>
+        <p:cNvPr id="1" name=""/>
+        <p:cNvGrpSpPr/>
+        <p:nvPr/>
+      </p:nvGrpSpPr>
+      <p:grpSpPr>
+        <a:xfrm>
+          <a:off x="0" y="0"/>
+          <a:ext cx="0" cy="0"/>
+          <a:chOff x="0" y="0"/>
+          <a:chExt cx="0" cy="0"/>
+        </a:xfrm>
+      </p:grpSpPr>
+      <p:sp>
+        <p:nvSpPr>
           <p:cNvPr id="2" name="Title 1"/>
           <p:cNvSpPr>
             <a:spLocks noGrp="1"/>
@@ -35512,7 +35738,7 @@
 </p:sld>
 </file>
 
-<file path=ppt/slides/slide41.xml><?xml version="1.0" encoding="utf-8"?>
+<file path=ppt/slides/slide42.xml><?xml version="1.0" encoding="utf-8"?>
 <p:sld xmlns:a="http://schemas.openxmlformats.org/drawingml/2006/main" xmlns:r="http://schemas.openxmlformats.org/officeDocument/2006/relationships" xmlns:p="http://schemas.openxmlformats.org/presentationml/2006/main">
   <p:cSld>
     <p:spTree>
@@ -37471,7 +37697,7 @@
 </p:sld>
 </file>
 
-<file path=ppt/slides/slide42.xml><?xml version="1.0" encoding="utf-8"?>
+<file path=ppt/slides/slide43.xml><?xml version="1.0" encoding="utf-8"?>
 <p:sld xmlns:a="http://schemas.openxmlformats.org/drawingml/2006/main" xmlns:r="http://schemas.openxmlformats.org/officeDocument/2006/relationships" xmlns:p="http://schemas.openxmlformats.org/presentationml/2006/main">
   <p:cSld>
     <p:spTree>
@@ -38426,7 +38652,7 @@
 </p:sld>
 </file>
 
-<file path=ppt/slides/slide43.xml><?xml version="1.0" encoding="utf-8"?>
+<file path=ppt/slides/slide44.xml><?xml version="1.0" encoding="utf-8"?>
 <p:sld xmlns:a="http://schemas.openxmlformats.org/drawingml/2006/main" xmlns:r="http://schemas.openxmlformats.org/officeDocument/2006/relationships" xmlns:p="http://schemas.openxmlformats.org/presentationml/2006/main">
   <p:cSld>
     <p:spTree>
@@ -39556,7 +39782,7 @@
 </p:sld>
 </file>
 
-<file path=ppt/slides/slide44.xml><?xml version="1.0" encoding="utf-8"?>
+<file path=ppt/slides/slide45.xml><?xml version="1.0" encoding="utf-8"?>
 <p:sld xmlns:a="http://schemas.openxmlformats.org/drawingml/2006/main" xmlns:r="http://schemas.openxmlformats.org/officeDocument/2006/relationships" xmlns:p="http://schemas.openxmlformats.org/presentationml/2006/main">
   <p:cSld>
     <p:spTree>
@@ -40671,7 +40897,7 @@
 </p:sld>
 </file>
 
-<file path=ppt/slides/slide45.xml><?xml version="1.0" encoding="utf-8"?>
+<file path=ppt/slides/slide46.xml><?xml version="1.0" encoding="utf-8"?>
 <p:sld xmlns:a="http://schemas.openxmlformats.org/drawingml/2006/main" xmlns:r="http://schemas.openxmlformats.org/officeDocument/2006/relationships" xmlns:p="http://schemas.openxmlformats.org/presentationml/2006/main">
   <p:cSld>
     <p:spTree>
@@ -41341,7 +41567,7 @@
 </p:sld>
 </file>
 
-<file path=ppt/slides/slide46.xml><?xml version="1.0" encoding="utf-8"?>
+<file path=ppt/slides/slide47.xml><?xml version="1.0" encoding="utf-8"?>
 <p:sld xmlns:a="http://schemas.openxmlformats.org/drawingml/2006/main" xmlns:r="http://schemas.openxmlformats.org/officeDocument/2006/relationships" xmlns:p="http://schemas.openxmlformats.org/presentationml/2006/main">
   <p:cSld>
     <p:spTree>
@@ -42731,7 +42957,7 @@
 </p:sld>
 </file>
 
-<file path=ppt/slides/slide47.xml><?xml version="1.0" encoding="utf-8"?>
+<file path=ppt/slides/slide48.xml><?xml version="1.0" encoding="utf-8"?>
 <p:sld xmlns:a="http://schemas.openxmlformats.org/drawingml/2006/main" xmlns:r="http://schemas.openxmlformats.org/officeDocument/2006/relationships" xmlns:p="http://schemas.openxmlformats.org/presentationml/2006/main">
   <p:cSld>
     <p:spTree>
@@ -44395,6 +44621,110 @@
           <p:cNvPr id="2" name="Title 1">
             <a:extLst>
               <a:ext uri="{FF2B5EF4-FFF2-40B4-BE49-F238E27FC236}">
+                <a16:creationId xmlns:a16="http://schemas.microsoft.com/office/drawing/2014/main" id="{749E6070-61A5-4356-9C31-AE0A38591868}"/>
+              </a:ext>
+            </a:extLst>
+          </p:cNvPr>
+          <p:cNvSpPr>
+            <a:spLocks noGrp="1"/>
+          </p:cNvSpPr>
+          <p:nvPr>
+            <p:ph type="title"/>
+          </p:nvPr>
+        </p:nvSpPr>
+        <p:spPr/>
+        <p:txBody>
+          <a:bodyPr/>
+          <a:lstStyle/>
+          <a:p>
+            <a:pPr algn="ctr"/>
+            <a:endParaRPr lang="en-US" dirty="0">
+              <a:solidFill>
+                <a:schemeClr val="accent1"/>
+              </a:solidFill>
+            </a:endParaRPr>
+          </a:p>
+        </p:txBody>
+      </p:sp>
+      <p:sp>
+        <p:nvSpPr>
+          <p:cNvPr id="3" name="Content Placeholder 2">
+            <a:extLst>
+              <a:ext uri="{FF2B5EF4-FFF2-40B4-BE49-F238E27FC236}">
+                <a16:creationId xmlns:a16="http://schemas.microsoft.com/office/drawing/2014/main" id="{206F444E-BC98-41BD-8334-55BDE5C74B1F}"/>
+              </a:ext>
+            </a:extLst>
+          </p:cNvPr>
+          <p:cNvSpPr>
+            <a:spLocks noGrp="1"/>
+          </p:cNvSpPr>
+          <p:nvPr>
+            <p:ph idx="1"/>
+          </p:nvPr>
+        </p:nvSpPr>
+        <p:spPr/>
+        <p:txBody>
+          <a:bodyPr/>
+          <a:lstStyle/>
+          <a:p>
+            <a:endParaRPr lang="en-US" dirty="0"/>
+          </a:p>
+          <a:p>
+            <a:pPr marL="0" indent="0">
+              <a:buNone/>
+            </a:pPr>
+            <a:endParaRPr lang="en-US" dirty="0"/>
+          </a:p>
+          <a:p>
+            <a:pPr marL="0" indent="0">
+              <a:buNone/>
+            </a:pPr>
+            <a:r>
+              <a:rPr lang="en-US" sz="4400" dirty="0">
+                <a:solidFill>
+                  <a:schemeClr val="accent1"/>
+                </a:solidFill>
+              </a:rPr>
+              <a:t>Lecture 1: Algorithm Analysis and Asymptotic Notations</a:t>
+            </a:r>
+          </a:p>
+        </p:txBody>
+      </p:sp>
+    </p:spTree>
+    <p:extLst>
+      <p:ext uri="{BB962C8B-B14F-4D97-AF65-F5344CB8AC3E}">
+        <p14:creationId xmlns:p14="http://schemas.microsoft.com/office/powerpoint/2010/main" val="316990749"/>
+      </p:ext>
+    </p:extLst>
+  </p:cSld>
+  <p:clrMapOvr>
+    <a:masterClrMapping/>
+  </p:clrMapOvr>
+</p:sld>
+</file>
+
+<file path=ppt/slides/slide8.xml><?xml version="1.0" encoding="utf-8"?>
+<p:sld xmlns:a="http://schemas.openxmlformats.org/drawingml/2006/main" xmlns:r="http://schemas.openxmlformats.org/officeDocument/2006/relationships" xmlns:p="http://schemas.openxmlformats.org/presentationml/2006/main">
+  <p:cSld>
+    <p:spTree>
+      <p:nvGrpSpPr>
+        <p:cNvPr id="1" name=""/>
+        <p:cNvGrpSpPr/>
+        <p:nvPr/>
+      </p:nvGrpSpPr>
+      <p:grpSpPr>
+        <a:xfrm>
+          <a:off x="0" y="0"/>
+          <a:ext cx="0" cy="0"/>
+          <a:chOff x="0" y="0"/>
+          <a:chExt cx="0" cy="0"/>
+        </a:xfrm>
+      </p:grpSpPr>
+      <p:sp>
+        <p:nvSpPr>
+          <p:cNvPr id="2" name="Title 1">
+            <a:extLst>
+              <a:ext uri="{FF2B5EF4-FFF2-40B4-BE49-F238E27FC236}">
                 <a16:creationId xmlns:a16="http://schemas.microsoft.com/office/drawing/2014/main" id="{839B7B91-EE56-4583-BCA7-025B6966C985}"/>
               </a:ext>
             </a:extLst>
@@ -44468,20 +44798,12 @@
           <a:p>
             <a:pPr lvl="1"/>
             <a:r>
-              <a:rPr lang="en-US" dirty="0">
-                <a:solidFill>
-                  <a:schemeClr val="accent1"/>
-                </a:solidFill>
-              </a:rPr>
-              <a:t>Being </a:t>
-            </a:r>
-            <a:r>
               <a:rPr lang="en-US" b="1" i="1" dirty="0">
                 <a:solidFill>
                   <a:schemeClr val="accent1"/>
                 </a:solidFill>
               </a:rPr>
-              <a:t>finite</a:t>
+              <a:t>Finite </a:t>
             </a:r>
             <a:r>
               <a:rPr lang="en-US" dirty="0">
@@ -44489,7 +44811,7 @@
                   <a:schemeClr val="accent1"/>
                 </a:solidFill>
               </a:rPr>
-              <a:t>  means the algorithm must eventually terminate.</a:t>
+              <a:t>in this context  means the algorithm must eventually terminate.</a:t>
             </a:r>
           </a:p>
         </p:txBody>
@@ -44507,7 +44829,7 @@
 </p:sld>
 </file>
 
-<file path=ppt/slides/slide8.xml><?xml version="1.0" encoding="utf-8"?>
+<file path=ppt/slides/slide9.xml><?xml version="1.0" encoding="utf-8"?>
 <p:sld xmlns:a="http://schemas.openxmlformats.org/drawingml/2006/main" xmlns:r="http://schemas.openxmlformats.org/officeDocument/2006/relationships" xmlns:p="http://schemas.openxmlformats.org/presentationml/2006/main">
   <p:cSld>
     <p:spTree>
@@ -44723,231 +45045,6 @@
     <p:extLst>
       <p:ext uri="{BB962C8B-B14F-4D97-AF65-F5344CB8AC3E}">
         <p14:creationId xmlns:p14="http://schemas.microsoft.com/office/powerpoint/2010/main" val="430371863"/>
-      </p:ext>
-    </p:extLst>
-  </p:cSld>
-  <p:clrMapOvr>
-    <a:masterClrMapping/>
-  </p:clrMapOvr>
-</p:sld>
-</file>
-
-<file path=ppt/slides/slide9.xml><?xml version="1.0" encoding="utf-8"?>
-<p:sld xmlns:a="http://schemas.openxmlformats.org/drawingml/2006/main" xmlns:r="http://schemas.openxmlformats.org/officeDocument/2006/relationships" xmlns:p="http://schemas.openxmlformats.org/presentationml/2006/main">
-  <p:cSld>
-    <p:spTree>
-      <p:nvGrpSpPr>
-        <p:cNvPr id="1" name=""/>
-        <p:cNvGrpSpPr/>
-        <p:nvPr/>
-      </p:nvGrpSpPr>
-      <p:grpSpPr>
-        <a:xfrm>
-          <a:off x="0" y="0"/>
-          <a:ext cx="0" cy="0"/>
-          <a:chOff x="0" y="0"/>
-          <a:chExt cx="0" cy="0"/>
-        </a:xfrm>
-      </p:grpSpPr>
-      <p:sp>
-        <p:nvSpPr>
-          <p:cNvPr id="2" name="Title 1">
-            <a:extLst>
-              <a:ext uri="{FF2B5EF4-FFF2-40B4-BE49-F238E27FC236}">
-                <a16:creationId xmlns:a16="http://schemas.microsoft.com/office/drawing/2014/main" id="{D4A609E5-3DDB-4B19-A4D5-13B1A76C4326}"/>
-              </a:ext>
-            </a:extLst>
-          </p:cNvPr>
-          <p:cNvSpPr>
-            <a:spLocks noGrp="1"/>
-          </p:cNvSpPr>
-          <p:nvPr>
-            <p:ph type="title"/>
-          </p:nvPr>
-        </p:nvSpPr>
-        <p:spPr>
-          <a:xfrm>
-            <a:off x="838200" y="403225"/>
-            <a:ext cx="10515600" cy="1325563"/>
-          </a:xfrm>
-        </p:spPr>
-        <p:txBody>
-          <a:bodyPr/>
-          <a:lstStyle/>
-          <a:p>
-            <a:r>
-              <a:rPr lang="en-US" dirty="0">
-                <a:solidFill>
-                  <a:schemeClr val="accent1"/>
-                </a:solidFill>
-              </a:rPr>
-              <a:t>Performance Analysis of Algorithms</a:t>
-            </a:r>
-          </a:p>
-        </p:txBody>
-      </p:sp>
-      <p:sp>
-        <p:nvSpPr>
-          <p:cNvPr id="3" name="Content Placeholder 2">
-            <a:extLst>
-              <a:ext uri="{FF2B5EF4-FFF2-40B4-BE49-F238E27FC236}">
-                <a16:creationId xmlns:a16="http://schemas.microsoft.com/office/drawing/2014/main" id="{C7E72369-E41E-4B77-A9C9-B64BEC6047D7}"/>
-              </a:ext>
-            </a:extLst>
-          </p:cNvPr>
-          <p:cNvSpPr>
-            <a:spLocks noGrp="1"/>
-          </p:cNvSpPr>
-          <p:nvPr>
-            <p:ph idx="1"/>
-          </p:nvPr>
-        </p:nvSpPr>
-        <p:spPr/>
-        <p:txBody>
-          <a:bodyPr/>
-          <a:lstStyle/>
-          <a:p>
-            <a:pPr marL="0" indent="0">
-              <a:buNone/>
-            </a:pPr>
-            <a:r>
-              <a:rPr lang="en-US" dirty="0">
-                <a:solidFill>
-                  <a:schemeClr val="accent1"/>
-                </a:solidFill>
-              </a:rPr>
-              <a:t>There are generally </a:t>
-            </a:r>
-            <a:r>
-              <a:rPr lang="en-US" b="1" i="1" dirty="0">
-                <a:solidFill>
-                  <a:schemeClr val="accent1"/>
-                </a:solidFill>
-              </a:rPr>
-              <a:t>two</a:t>
-            </a:r>
-            <a:r>
-              <a:rPr lang="en-US" dirty="0">
-                <a:solidFill>
-                  <a:schemeClr val="accent1"/>
-                </a:solidFill>
-              </a:rPr>
-              <a:t> methods for analyzing algorithms’ performance:</a:t>
-            </a:r>
-          </a:p>
-          <a:p>
-            <a:pPr marL="0" indent="0">
-              <a:buNone/>
-            </a:pPr>
-            <a:endParaRPr lang="en-US" dirty="0">
-              <a:solidFill>
-                <a:schemeClr val="accent1"/>
-              </a:solidFill>
-            </a:endParaRPr>
-          </a:p>
-          <a:p>
-            <a:pPr lvl="1"/>
-            <a:r>
-              <a:rPr lang="en-US" dirty="0">
-                <a:solidFill>
-                  <a:srgbClr val="C00000"/>
-                </a:solidFill>
-              </a:rPr>
-              <a:t>Experimental Analysis: </a:t>
-            </a:r>
-          </a:p>
-          <a:p>
-            <a:pPr lvl="2"/>
-            <a:r>
-              <a:rPr lang="en-US" dirty="0">
-                <a:solidFill>
-                  <a:schemeClr val="accent1"/>
-                </a:solidFill>
-              </a:rPr>
-              <a:t>Run code on a computer</a:t>
-            </a:r>
-          </a:p>
-          <a:p>
-            <a:pPr lvl="2"/>
-            <a:r>
-              <a:rPr lang="en-US" dirty="0">
-                <a:solidFill>
-                  <a:schemeClr val="accent1"/>
-                </a:solidFill>
-              </a:rPr>
-              <a:t>Measure the running time for different problem sizes</a:t>
-            </a:r>
-          </a:p>
-          <a:p>
-            <a:pPr lvl="2"/>
-            <a:r>
-              <a:rPr lang="en-US" dirty="0">
-                <a:solidFill>
-                  <a:schemeClr val="accent1"/>
-                </a:solidFill>
-              </a:rPr>
-              <a:t>Plot the result as a graph</a:t>
-            </a:r>
-          </a:p>
-          <a:p>
-            <a:pPr lvl="1"/>
-            <a:r>
-              <a:rPr lang="en-US" dirty="0">
-                <a:solidFill>
-                  <a:srgbClr val="C00000"/>
-                </a:solidFill>
-              </a:rPr>
-              <a:t>Mathematical Analysis:</a:t>
-            </a:r>
-            <a:endParaRPr lang="en-US" dirty="0">
-              <a:solidFill>
-                <a:schemeClr val="accent1"/>
-              </a:solidFill>
-            </a:endParaRPr>
-          </a:p>
-          <a:p>
-            <a:pPr lvl="2"/>
-            <a:r>
-              <a:rPr lang="en-US" dirty="0">
-                <a:solidFill>
-                  <a:schemeClr val="accent1"/>
-                </a:solidFill>
-              </a:rPr>
-              <a:t>Express the number of elementary steps parameterized by the problem size</a:t>
-            </a:r>
-          </a:p>
-          <a:p>
-            <a:pPr marL="914400" lvl="2" indent="0">
-              <a:buNone/>
-            </a:pPr>
-            <a:endParaRPr lang="en-US" dirty="0">
-              <a:solidFill>
-                <a:schemeClr val="accent1"/>
-              </a:solidFill>
-            </a:endParaRPr>
-          </a:p>
-          <a:p>
-            <a:pPr marL="457200" lvl="1" indent="0">
-              <a:buNone/>
-            </a:pPr>
-            <a:endParaRPr lang="en-US" dirty="0">
-              <a:solidFill>
-                <a:schemeClr val="accent1"/>
-              </a:solidFill>
-            </a:endParaRPr>
-          </a:p>
-          <a:p>
-            <a:pPr marL="0" indent="0">
-              <a:buNone/>
-            </a:pPr>
-            <a:endParaRPr lang="en-US" dirty="0"/>
-          </a:p>
-        </p:txBody>
-      </p:sp>
-    </p:spTree>
-    <p:extLst>
-      <p:ext uri="{BB962C8B-B14F-4D97-AF65-F5344CB8AC3E}">
-        <p14:creationId xmlns:p14="http://schemas.microsoft.com/office/powerpoint/2010/main" val="3148423129"/>
       </p:ext>
     </p:extLst>
   </p:cSld>
